--- a/harmful_finetuning.pptx
+++ b/harmful_finetuning.pptx
@@ -115,7 +115,7 @@
 <file path=ppt/revisionInfo.xml><?xml version="1.0" encoding="utf-8"?>
 <p1510:revInfo xmlns:a="http://schemas.openxmlformats.org/drawingml/2006/main" xmlns:r="http://schemas.openxmlformats.org/officeDocument/2006/relationships" xmlns:p1510="http://schemas.microsoft.com/office/powerpoint/2015/10/main">
   <p1510:revLst>
-    <p1510:client id="{0FEE01C1-AAE0-4B6F-A070-B5523A5E5B07}" v="23" dt="2024-09-06T20:49:40.491"/>
+    <p1510:client id="{C2AB3E91-FFB4-4505-AAF1-D477A5927228}" v="1" dt="2024-10-20T23:00:14.812"/>
   </p1510:revLst>
 </p1510:revInfo>
 </file>
@@ -3912,7 +3912,7 @@
           <a:p>
             <a:fld id="{8315F9CF-077E-4301-9370-6DC678D02C5F}" type="datetimeFigureOut">
               <a:rPr lang="zh-CN" altLang="en-US" smtClean="0"/>
-              <a:t>2024/09/16</a:t>
+              <a:t>2024/10/21</a:t>
             </a:fld>
             <a:endParaRPr lang="zh-CN" altLang="en-US"/>
           </a:p>
@@ -4110,7 +4110,7 @@
           <a:p>
             <a:fld id="{8315F9CF-077E-4301-9370-6DC678D02C5F}" type="datetimeFigureOut">
               <a:rPr lang="zh-CN" altLang="en-US" smtClean="0"/>
-              <a:t>2024/09/16</a:t>
+              <a:t>2024/10/21</a:t>
             </a:fld>
             <a:endParaRPr lang="zh-CN" altLang="en-US"/>
           </a:p>
@@ -4318,7 +4318,7 @@
           <a:p>
             <a:fld id="{8315F9CF-077E-4301-9370-6DC678D02C5F}" type="datetimeFigureOut">
               <a:rPr lang="zh-CN" altLang="en-US" smtClean="0"/>
-              <a:t>2024/09/16</a:t>
+              <a:t>2024/10/21</a:t>
             </a:fld>
             <a:endParaRPr lang="zh-CN" altLang="en-US"/>
           </a:p>
@@ -4516,7 +4516,7 @@
           <a:p>
             <a:fld id="{8315F9CF-077E-4301-9370-6DC678D02C5F}" type="datetimeFigureOut">
               <a:rPr lang="zh-CN" altLang="en-US" smtClean="0"/>
-              <a:t>2024/09/16</a:t>
+              <a:t>2024/10/21</a:t>
             </a:fld>
             <a:endParaRPr lang="zh-CN" altLang="en-US"/>
           </a:p>
@@ -4791,7 +4791,7 @@
           <a:p>
             <a:fld id="{8315F9CF-077E-4301-9370-6DC678D02C5F}" type="datetimeFigureOut">
               <a:rPr lang="zh-CN" altLang="en-US" smtClean="0"/>
-              <a:t>2024/09/16</a:t>
+              <a:t>2024/10/21</a:t>
             </a:fld>
             <a:endParaRPr lang="zh-CN" altLang="en-US"/>
           </a:p>
@@ -5056,7 +5056,7 @@
           <a:p>
             <a:fld id="{8315F9CF-077E-4301-9370-6DC678D02C5F}" type="datetimeFigureOut">
               <a:rPr lang="zh-CN" altLang="en-US" smtClean="0"/>
-              <a:t>2024/09/16</a:t>
+              <a:t>2024/10/21</a:t>
             </a:fld>
             <a:endParaRPr lang="zh-CN" altLang="en-US"/>
           </a:p>
@@ -5468,7 +5468,7 @@
           <a:p>
             <a:fld id="{8315F9CF-077E-4301-9370-6DC678D02C5F}" type="datetimeFigureOut">
               <a:rPr lang="zh-CN" altLang="en-US" smtClean="0"/>
-              <a:t>2024/09/16</a:t>
+              <a:t>2024/10/21</a:t>
             </a:fld>
             <a:endParaRPr lang="zh-CN" altLang="en-US"/>
           </a:p>
@@ -5609,7 +5609,7 @@
           <a:p>
             <a:fld id="{8315F9CF-077E-4301-9370-6DC678D02C5F}" type="datetimeFigureOut">
               <a:rPr lang="zh-CN" altLang="en-US" smtClean="0"/>
-              <a:t>2024/09/16</a:t>
+              <a:t>2024/10/21</a:t>
             </a:fld>
             <a:endParaRPr lang="zh-CN" altLang="en-US"/>
           </a:p>
@@ -5722,7 +5722,7 @@
           <a:p>
             <a:fld id="{8315F9CF-077E-4301-9370-6DC678D02C5F}" type="datetimeFigureOut">
               <a:rPr lang="zh-CN" altLang="en-US" smtClean="0"/>
-              <a:t>2024/09/16</a:t>
+              <a:t>2024/10/21</a:t>
             </a:fld>
             <a:endParaRPr lang="zh-CN" altLang="en-US"/>
           </a:p>
@@ -6033,7 +6033,7 @@
           <a:p>
             <a:fld id="{8315F9CF-077E-4301-9370-6DC678D02C5F}" type="datetimeFigureOut">
               <a:rPr lang="zh-CN" altLang="en-US" smtClean="0"/>
-              <a:t>2024/09/16</a:t>
+              <a:t>2024/10/21</a:t>
             </a:fld>
             <a:endParaRPr lang="zh-CN" altLang="en-US"/>
           </a:p>
@@ -6321,7 +6321,7 @@
           <a:p>
             <a:fld id="{8315F9CF-077E-4301-9370-6DC678D02C5F}" type="datetimeFigureOut">
               <a:rPr lang="zh-CN" altLang="en-US" smtClean="0"/>
-              <a:t>2024/09/16</a:t>
+              <a:t>2024/10/21</a:t>
             </a:fld>
             <a:endParaRPr lang="zh-CN" altLang="en-US"/>
           </a:p>
@@ -6562,7 +6562,7 @@
           <a:p>
             <a:fld id="{8315F9CF-077E-4301-9370-6DC678D02C5F}" type="datetimeFigureOut">
               <a:rPr lang="zh-CN" altLang="en-US" smtClean="0"/>
-              <a:t>2024/09/16</a:t>
+              <a:t>2024/10/21</a:t>
             </a:fld>
             <a:endParaRPr lang="zh-CN" altLang="en-US"/>
           </a:p>
@@ -7497,7 +7497,7 @@
               <a:t>: My paper got rejected and the review is b*</a:t>
             </a:r>
             <a:r>
-              <a:rPr lang="en-US" altLang="zh-CN" sz="1600" dirty="0" err="1">
+              <a:rPr lang="en-US" altLang="zh-CN" sz="1600">
                 <a:latin typeface="Verdana" panose="020B0604030504040204" pitchFamily="34" charset="0"/>
                 <a:ea typeface="Verdana" panose="020B0604030504040204" pitchFamily="34" charset="0"/>
               </a:rPr>

--- a/harmful_finetuning.pptx
+++ b/harmful_finetuning.pptx
@@ -115,7 +115,7 @@
 <file path=ppt/revisionInfo.xml><?xml version="1.0" encoding="utf-8"?>
 <p1510:revInfo xmlns:a="http://schemas.openxmlformats.org/drawingml/2006/main" xmlns:r="http://schemas.openxmlformats.org/officeDocument/2006/relationships" xmlns:p1510="http://schemas.microsoft.com/office/powerpoint/2015/10/main">
   <p1510:revLst>
-    <p1510:client id="{C2AB3E91-FFB4-4505-AAF1-D477A5927228}" v="1" dt="2024-10-20T23:00:14.812"/>
+    <p1510:client id="{134902A2-3C68-41B6-A2E2-316A34BF96A0}" v="1" dt="2024-12-02T17:41:05.169"/>
   </p1510:revLst>
 </p1510:revInfo>
 </file>
@@ -123,1452 +123,388 @@
 <file path=ppt/changesInfos/changesInfo1.xml><?xml version="1.0" encoding="utf-8"?>
 <pc:chgInfo xmlns:a="http://schemas.openxmlformats.org/drawingml/2006/main" xmlns:r="http://schemas.openxmlformats.org/officeDocument/2006/relationships" xmlns:ac="http://schemas.microsoft.com/office/drawing/2013/main/command" xmlns:pc="http://schemas.microsoft.com/office/powerpoint/2013/main/command">
   <pc:docChgLst>
-    <pc:chgData name="tiansheng huang" userId="ce404ce9b0eeb6b1" providerId="LiveId" clId="{69751A5B-63C7-4F4A-A9B5-D0ADFC9FBAB1}"/>
+    <pc:chgData name="tiansheng huang" userId="ce404ce9b0eeb6b1" providerId="LiveId" clId="{0FEE01C1-AAE0-4B6F-A070-B5523A5E5B07}"/>
     <pc:docChg chg="undo custSel modSld">
-      <pc:chgData name="tiansheng huang" userId="ce404ce9b0eeb6b1" providerId="LiveId" clId="{69751A5B-63C7-4F4A-A9B5-D0ADFC9FBAB1}" dt="2024-07-20T18:45:54.689" v="190" actId="14100"/>
+      <pc:chgData name="tiansheng huang" userId="ce404ce9b0eeb6b1" providerId="LiveId" clId="{0FEE01C1-AAE0-4B6F-A070-B5523A5E5B07}" dt="2024-09-15T22:45:24.917" v="988" actId="20577"/>
       <pc:docMkLst>
         <pc:docMk/>
       </pc:docMkLst>
       <pc:sldChg chg="addSp delSp modSp mod">
-        <pc:chgData name="tiansheng huang" userId="ce404ce9b0eeb6b1" providerId="LiveId" clId="{69751A5B-63C7-4F4A-A9B5-D0ADFC9FBAB1}" dt="2024-07-20T18:45:54.689" v="190" actId="14100"/>
-        <pc:sldMkLst>
-          <pc:docMk/>
-          <pc:sldMk cId="4015253138" sldId="256"/>
-        </pc:sldMkLst>
-        <pc:spChg chg="mod">
-          <ac:chgData name="tiansheng huang" userId="ce404ce9b0eeb6b1" providerId="LiveId" clId="{69751A5B-63C7-4F4A-A9B5-D0ADFC9FBAB1}" dt="2024-07-20T18:31:33.140" v="4"/>
-          <ac:spMkLst>
-            <pc:docMk/>
-            <pc:sldMk cId="4015253138" sldId="256"/>
-            <ac:spMk id="4" creationId="{B8A37E53-EDCF-E77A-4A11-58A386EB0067}"/>
-          </ac:spMkLst>
-        </pc:spChg>
-        <pc:spChg chg="mod">
-          <ac:chgData name="tiansheng huang" userId="ce404ce9b0eeb6b1" providerId="LiveId" clId="{69751A5B-63C7-4F4A-A9B5-D0ADFC9FBAB1}" dt="2024-07-20T18:34:26.683" v="46" actId="164"/>
-          <ac:spMkLst>
-            <pc:docMk/>
-            <pc:sldMk cId="4015253138" sldId="256"/>
-            <ac:spMk id="5" creationId="{EF76D796-B874-46EC-5482-ACC7A2DE3558}"/>
-          </ac:spMkLst>
-        </pc:spChg>
-        <pc:spChg chg="mod">
-          <ac:chgData name="tiansheng huang" userId="ce404ce9b0eeb6b1" providerId="LiveId" clId="{69751A5B-63C7-4F4A-A9B5-D0ADFC9FBAB1}" dt="2024-07-20T18:45:29.340" v="178" actId="1076"/>
-          <ac:spMkLst>
-            <pc:docMk/>
-            <pc:sldMk cId="4015253138" sldId="256"/>
-            <ac:spMk id="27" creationId="{1A7FD1D1-7BF2-3705-19A7-D47D4F11E259}"/>
-          </ac:spMkLst>
-        </pc:spChg>
-        <pc:spChg chg="mod">
-          <ac:chgData name="tiansheng huang" userId="ce404ce9b0eeb6b1" providerId="LiveId" clId="{69751A5B-63C7-4F4A-A9B5-D0ADFC9FBAB1}" dt="2024-07-20T18:42:54.872" v="141" actId="1076"/>
-          <ac:spMkLst>
-            <pc:docMk/>
-            <pc:sldMk cId="4015253138" sldId="256"/>
-            <ac:spMk id="28" creationId="{37889CCA-F26F-5EA1-2C8F-1ABF43FBCD09}"/>
-          </ac:spMkLst>
-        </pc:spChg>
-        <pc:spChg chg="mod">
-          <ac:chgData name="tiansheng huang" userId="ce404ce9b0eeb6b1" providerId="LiveId" clId="{69751A5B-63C7-4F4A-A9B5-D0ADFC9FBAB1}" dt="2024-07-20T18:45:45.338" v="186" actId="1076"/>
-          <ac:spMkLst>
-            <pc:docMk/>
-            <pc:sldMk cId="4015253138" sldId="256"/>
-            <ac:spMk id="29" creationId="{AB4A0CC5-6336-7A8D-8D26-926D3BEF92F3}"/>
-          </ac:spMkLst>
-        </pc:spChg>
-        <pc:spChg chg="mod">
-          <ac:chgData name="tiansheng huang" userId="ce404ce9b0eeb6b1" providerId="LiveId" clId="{69751A5B-63C7-4F4A-A9B5-D0ADFC9FBAB1}" dt="2024-07-20T18:41:42.782" v="117" actId="164"/>
-          <ac:spMkLst>
-            <pc:docMk/>
-            <pc:sldMk cId="4015253138" sldId="256"/>
-            <ac:spMk id="31" creationId="{72AD2A00-7B3A-9E02-059D-3F96A1DBB155}"/>
-          </ac:spMkLst>
-        </pc:spChg>
-        <pc:spChg chg="del">
-          <ac:chgData name="tiansheng huang" userId="ce404ce9b0eeb6b1" providerId="LiveId" clId="{69751A5B-63C7-4F4A-A9B5-D0ADFC9FBAB1}" dt="2024-07-20T18:29:06.126" v="1" actId="478"/>
-          <ac:spMkLst>
-            <pc:docMk/>
-            <pc:sldMk cId="4015253138" sldId="256"/>
-            <ac:spMk id="32" creationId="{74482FED-0D3B-C5BE-ED72-4BB10CA043E7}"/>
-          </ac:spMkLst>
-        </pc:spChg>
-        <pc:spChg chg="mod">
-          <ac:chgData name="tiansheng huang" userId="ce404ce9b0eeb6b1" providerId="LiveId" clId="{69751A5B-63C7-4F4A-A9B5-D0ADFC9FBAB1}" dt="2024-07-20T18:45:31.197" v="179" actId="1076"/>
-          <ac:spMkLst>
-            <pc:docMk/>
-            <pc:sldMk cId="4015253138" sldId="256"/>
-            <ac:spMk id="50" creationId="{D7D80912-978D-7E39-D631-A378DFF35BA8}"/>
-          </ac:spMkLst>
-        </pc:spChg>
-        <pc:spChg chg="mod">
-          <ac:chgData name="tiansheng huang" userId="ce404ce9b0eeb6b1" providerId="LiveId" clId="{69751A5B-63C7-4F4A-A9B5-D0ADFC9FBAB1}" dt="2024-07-20T18:34:10.769" v="41" actId="164"/>
-          <ac:spMkLst>
-            <pc:docMk/>
-            <pc:sldMk cId="4015253138" sldId="256"/>
-            <ac:spMk id="53" creationId="{6A0E660C-D47D-5F10-E234-E15DE54D6A74}"/>
-          </ac:spMkLst>
-        </pc:spChg>
-        <pc:spChg chg="mod topLvl">
-          <ac:chgData name="tiansheng huang" userId="ce404ce9b0eeb6b1" providerId="LiveId" clId="{69751A5B-63C7-4F4A-A9B5-D0ADFC9FBAB1}" dt="2024-07-20T18:34:10.769" v="41" actId="164"/>
-          <ac:spMkLst>
-            <pc:docMk/>
-            <pc:sldMk cId="4015253138" sldId="256"/>
-            <ac:spMk id="55" creationId="{D1774638-5A90-4B1C-CF97-A09D0E5EAB13}"/>
-          </ac:spMkLst>
-        </pc:spChg>
-        <pc:spChg chg="mod topLvl">
-          <ac:chgData name="tiansheng huang" userId="ce404ce9b0eeb6b1" providerId="LiveId" clId="{69751A5B-63C7-4F4A-A9B5-D0ADFC9FBAB1}" dt="2024-07-20T18:34:10.769" v="41" actId="164"/>
-          <ac:spMkLst>
-            <pc:docMk/>
-            <pc:sldMk cId="4015253138" sldId="256"/>
-            <ac:spMk id="56" creationId="{0B4641DE-F454-3403-D1F1-2DCF4E7CE73F}"/>
-          </ac:spMkLst>
-        </pc:spChg>
-        <pc:spChg chg="mod topLvl">
-          <ac:chgData name="tiansheng huang" userId="ce404ce9b0eeb6b1" providerId="LiveId" clId="{69751A5B-63C7-4F4A-A9B5-D0ADFC9FBAB1}" dt="2024-07-20T18:34:10.769" v="41" actId="164"/>
-          <ac:spMkLst>
-            <pc:docMk/>
-            <pc:sldMk cId="4015253138" sldId="256"/>
-            <ac:spMk id="57" creationId="{99ABD3F7-3DCA-66D4-BB51-CFE961615078}"/>
-          </ac:spMkLst>
-        </pc:spChg>
-        <pc:spChg chg="mod topLvl">
-          <ac:chgData name="tiansheng huang" userId="ce404ce9b0eeb6b1" providerId="LiveId" clId="{69751A5B-63C7-4F4A-A9B5-D0ADFC9FBAB1}" dt="2024-07-20T18:34:10.769" v="41" actId="164"/>
-          <ac:spMkLst>
-            <pc:docMk/>
-            <pc:sldMk cId="4015253138" sldId="256"/>
-            <ac:spMk id="58" creationId="{19508B88-51FE-3FE7-167D-0E9CB9EFE191}"/>
-          </ac:spMkLst>
-        </pc:spChg>
-        <pc:spChg chg="mod topLvl">
-          <ac:chgData name="tiansheng huang" userId="ce404ce9b0eeb6b1" providerId="LiveId" clId="{69751A5B-63C7-4F4A-A9B5-D0ADFC9FBAB1}" dt="2024-07-20T18:34:10.769" v="41" actId="164"/>
-          <ac:spMkLst>
-            <pc:docMk/>
-            <pc:sldMk cId="4015253138" sldId="256"/>
-            <ac:spMk id="59" creationId="{DF3A98BD-8062-0D46-B272-9B199900C6D7}"/>
-          </ac:spMkLst>
-        </pc:spChg>
-        <pc:spChg chg="mod topLvl">
-          <ac:chgData name="tiansheng huang" userId="ce404ce9b0eeb6b1" providerId="LiveId" clId="{69751A5B-63C7-4F4A-A9B5-D0ADFC9FBAB1}" dt="2024-07-20T18:34:10.769" v="41" actId="164"/>
-          <ac:spMkLst>
-            <pc:docMk/>
-            <pc:sldMk cId="4015253138" sldId="256"/>
-            <ac:spMk id="60" creationId="{434CD0A7-75AC-3FD9-C253-71ECAF76C1CF}"/>
-          </ac:spMkLst>
-        </pc:spChg>
-        <pc:spChg chg="mod topLvl">
-          <ac:chgData name="tiansheng huang" userId="ce404ce9b0eeb6b1" providerId="LiveId" clId="{69751A5B-63C7-4F4A-A9B5-D0ADFC9FBAB1}" dt="2024-07-20T18:34:10.769" v="41" actId="164"/>
-          <ac:spMkLst>
-            <pc:docMk/>
-            <pc:sldMk cId="4015253138" sldId="256"/>
-            <ac:spMk id="61" creationId="{46E7DBE2-15B8-3AB2-CF25-7AC981C6E1D3}"/>
-          </ac:spMkLst>
-        </pc:spChg>
-        <pc:spChg chg="mod">
-          <ac:chgData name="tiansheng huang" userId="ce404ce9b0eeb6b1" providerId="LiveId" clId="{69751A5B-63C7-4F4A-A9B5-D0ADFC9FBAB1}" dt="2024-07-20T18:45:10.418" v="168" actId="1076"/>
-          <ac:spMkLst>
-            <pc:docMk/>
-            <pc:sldMk cId="4015253138" sldId="256"/>
-            <ac:spMk id="74" creationId="{88861DEE-E896-FBA4-040A-178B10420E3F}"/>
-          </ac:spMkLst>
-        </pc:spChg>
-        <pc:spChg chg="mod">
-          <ac:chgData name="tiansheng huang" userId="ce404ce9b0eeb6b1" providerId="LiveId" clId="{69751A5B-63C7-4F4A-A9B5-D0ADFC9FBAB1}" dt="2024-07-20T18:42:36.923" v="134" actId="1076"/>
-          <ac:spMkLst>
-            <pc:docMk/>
-            <pc:sldMk cId="4015253138" sldId="256"/>
-            <ac:spMk id="76" creationId="{5FFB5373-B7DA-8295-8C80-FC18F587712B}"/>
-          </ac:spMkLst>
-        </pc:spChg>
-        <pc:spChg chg="mod">
-          <ac:chgData name="tiansheng huang" userId="ce404ce9b0eeb6b1" providerId="LiveId" clId="{69751A5B-63C7-4F4A-A9B5-D0ADFC9FBAB1}" dt="2024-07-20T18:45:51.540" v="189" actId="1076"/>
-          <ac:spMkLst>
-            <pc:docMk/>
-            <pc:sldMk cId="4015253138" sldId="256"/>
-            <ac:spMk id="81" creationId="{FA96D195-632A-3994-B65A-B316EAE49BA5}"/>
-          </ac:spMkLst>
-        </pc:spChg>
-        <pc:spChg chg="mod">
-          <ac:chgData name="tiansheng huang" userId="ce404ce9b0eeb6b1" providerId="LiveId" clId="{69751A5B-63C7-4F4A-A9B5-D0ADFC9FBAB1}" dt="2024-07-20T18:34:57.986" v="54" actId="164"/>
-          <ac:spMkLst>
-            <pc:docMk/>
-            <pc:sldMk cId="4015253138" sldId="256"/>
-            <ac:spMk id="90" creationId="{ACCEC39E-8E07-DF90-977A-BCFE1D8BA1D5}"/>
-          </ac:spMkLst>
-        </pc:spChg>
-        <pc:spChg chg="del">
-          <ac:chgData name="tiansheng huang" userId="ce404ce9b0eeb6b1" providerId="LiveId" clId="{69751A5B-63C7-4F4A-A9B5-D0ADFC9FBAB1}" dt="2024-07-20T18:29:03.412" v="0" actId="478"/>
-          <ac:spMkLst>
-            <pc:docMk/>
-            <pc:sldMk cId="4015253138" sldId="256"/>
-            <ac:spMk id="112" creationId="{581A5E93-88CD-5DD9-A0A1-27B0B690DEE0}"/>
-          </ac:spMkLst>
-        </pc:spChg>
-        <pc:spChg chg="del">
-          <ac:chgData name="tiansheng huang" userId="ce404ce9b0eeb6b1" providerId="LiveId" clId="{69751A5B-63C7-4F4A-A9B5-D0ADFC9FBAB1}" dt="2024-07-20T18:29:03.412" v="0" actId="478"/>
-          <ac:spMkLst>
-            <pc:docMk/>
-            <pc:sldMk cId="4015253138" sldId="256"/>
-            <ac:spMk id="133" creationId="{FE937F06-E35B-0C37-5E86-C98CA3D73C5A}"/>
-          </ac:spMkLst>
-        </pc:spChg>
-        <pc:spChg chg="del">
-          <ac:chgData name="tiansheng huang" userId="ce404ce9b0eeb6b1" providerId="LiveId" clId="{69751A5B-63C7-4F4A-A9B5-D0ADFC9FBAB1}" dt="2024-07-20T18:29:06.126" v="1" actId="478"/>
-          <ac:spMkLst>
-            <pc:docMk/>
-            <pc:sldMk cId="4015253138" sldId="256"/>
-            <ac:spMk id="136" creationId="{4A96D54C-7650-F2B3-ECF2-EDE92DC79F50}"/>
-          </ac:spMkLst>
-        </pc:spChg>
-        <pc:spChg chg="mod">
-          <ac:chgData name="tiansheng huang" userId="ce404ce9b0eeb6b1" providerId="LiveId" clId="{69751A5B-63C7-4F4A-A9B5-D0ADFC9FBAB1}" dt="2024-07-20T18:45:39.185" v="183" actId="14100"/>
-          <ac:spMkLst>
-            <pc:docMk/>
-            <pc:sldMk cId="4015253138" sldId="256"/>
-            <ac:spMk id="140" creationId="{DF8D386A-58EA-9C17-298E-206C20C3A488}"/>
-          </ac:spMkLst>
-        </pc:spChg>
-        <pc:spChg chg="mod">
-          <ac:chgData name="tiansheng huang" userId="ce404ce9b0eeb6b1" providerId="LiveId" clId="{69751A5B-63C7-4F4A-A9B5-D0ADFC9FBAB1}" dt="2024-07-20T18:45:37.483" v="182" actId="1076"/>
-          <ac:spMkLst>
-            <pc:docMk/>
-            <pc:sldMk cId="4015253138" sldId="256"/>
-            <ac:spMk id="141" creationId="{E7090223-9172-08E8-577D-DD43B4F82DE4}"/>
-          </ac:spMkLst>
-        </pc:spChg>
-        <pc:spChg chg="del">
-          <ac:chgData name="tiansheng huang" userId="ce404ce9b0eeb6b1" providerId="LiveId" clId="{69751A5B-63C7-4F4A-A9B5-D0ADFC9FBAB1}" dt="2024-07-20T18:29:06.126" v="1" actId="478"/>
-          <ac:spMkLst>
-            <pc:docMk/>
-            <pc:sldMk cId="4015253138" sldId="256"/>
-            <ac:spMk id="151" creationId="{FFAF7BB1-D9E9-ECC0-FF7B-9867C1D55211}"/>
-          </ac:spMkLst>
-        </pc:spChg>
-        <pc:grpChg chg="add mod">
-          <ac:chgData name="tiansheng huang" userId="ce404ce9b0eeb6b1" providerId="LiveId" clId="{69751A5B-63C7-4F4A-A9B5-D0ADFC9FBAB1}" dt="2024-07-20T18:40:53.833" v="103" actId="1076"/>
-          <ac:grpSpMkLst>
-            <pc:docMk/>
-            <pc:sldMk cId="4015253138" sldId="256"/>
-            <ac:grpSpMk id="2" creationId="{E8F8DDD2-6576-1839-89F8-0D0A58CD36A1}"/>
-          </ac:grpSpMkLst>
-        </pc:grpChg>
-        <pc:grpChg chg="mod">
-          <ac:chgData name="tiansheng huang" userId="ce404ce9b0eeb6b1" providerId="LiveId" clId="{69751A5B-63C7-4F4A-A9B5-D0ADFC9FBAB1}" dt="2024-07-20T18:34:26.683" v="46" actId="164"/>
-          <ac:grpSpMkLst>
-            <pc:docMk/>
-            <pc:sldMk cId="4015253138" sldId="256"/>
-            <ac:grpSpMk id="6" creationId="{F7D8132E-0613-4B72-175D-393E968A17F4}"/>
-          </ac:grpSpMkLst>
-        </pc:grpChg>
-        <pc:grpChg chg="add mod">
-          <ac:chgData name="tiansheng huang" userId="ce404ce9b0eeb6b1" providerId="LiveId" clId="{69751A5B-63C7-4F4A-A9B5-D0ADFC9FBAB1}" dt="2024-07-20T18:41:19.221" v="112" actId="1076"/>
-          <ac:grpSpMkLst>
-            <pc:docMk/>
-            <pc:sldMk cId="4015253138" sldId="256"/>
-            <ac:grpSpMk id="33" creationId="{36AF2099-2B92-BE9E-C0EF-40A457A5AB5A}"/>
-          </ac:grpSpMkLst>
-        </pc:grpChg>
-        <pc:grpChg chg="add mod">
-          <ac:chgData name="tiansheng huang" userId="ce404ce9b0eeb6b1" providerId="LiveId" clId="{69751A5B-63C7-4F4A-A9B5-D0ADFC9FBAB1}" dt="2024-07-20T18:43:19.918" v="163" actId="1037"/>
-          <ac:grpSpMkLst>
-            <pc:docMk/>
-            <pc:sldMk cId="4015253138" sldId="256"/>
-            <ac:grpSpMk id="34" creationId="{10651B93-A1E9-27CD-9BCC-1069609191ED}"/>
-          </ac:grpSpMkLst>
-        </pc:grpChg>
-        <pc:grpChg chg="add mod">
-          <ac:chgData name="tiansheng huang" userId="ce404ce9b0eeb6b1" providerId="LiveId" clId="{69751A5B-63C7-4F4A-A9B5-D0ADFC9FBAB1}" dt="2024-07-20T18:43:13.719" v="160" actId="1038"/>
-          <ac:grpSpMkLst>
-            <pc:docMk/>
-            <pc:sldMk cId="4015253138" sldId="256"/>
-            <ac:grpSpMk id="35" creationId="{AD8E9819-B6E4-A4E8-DA81-26ABE4DB3065}"/>
-          </ac:grpSpMkLst>
-        </pc:grpChg>
-        <pc:grpChg chg="add mod">
-          <ac:chgData name="tiansheng huang" userId="ce404ce9b0eeb6b1" providerId="LiveId" clId="{69751A5B-63C7-4F4A-A9B5-D0ADFC9FBAB1}" dt="2024-07-20T18:45:54.689" v="190" actId="14100"/>
-          <ac:grpSpMkLst>
-            <pc:docMk/>
-            <pc:sldMk cId="4015253138" sldId="256"/>
-            <ac:grpSpMk id="41" creationId="{3C93B3F4-ECB3-D169-5F15-5F8D7676DF23}"/>
-          </ac:grpSpMkLst>
-        </pc:grpChg>
-        <pc:grpChg chg="del mod">
-          <ac:chgData name="tiansheng huang" userId="ce404ce9b0eeb6b1" providerId="LiveId" clId="{69751A5B-63C7-4F4A-A9B5-D0ADFC9FBAB1}" dt="2024-07-20T18:34:05.558" v="40" actId="165"/>
-          <ac:grpSpMkLst>
-            <pc:docMk/>
-            <pc:sldMk cId="4015253138" sldId="256"/>
-            <ac:grpSpMk id="54" creationId="{01602F76-D934-B860-89C9-5DBC0ED36114}"/>
-          </ac:grpSpMkLst>
-        </pc:grpChg>
-        <pc:grpChg chg="mod">
-          <ac:chgData name="tiansheng huang" userId="ce404ce9b0eeb6b1" providerId="LiveId" clId="{69751A5B-63C7-4F4A-A9B5-D0ADFC9FBAB1}" dt="2024-07-20T18:34:57.986" v="54" actId="164"/>
-          <ac:grpSpMkLst>
-            <pc:docMk/>
-            <pc:sldMk cId="4015253138" sldId="256"/>
-            <ac:grpSpMk id="91" creationId="{85EAFF53-1E85-B656-21F6-ABF601D9F5A9}"/>
-          </ac:grpSpMkLst>
-        </pc:grpChg>
-        <pc:grpChg chg="del">
-          <ac:chgData name="tiansheng huang" userId="ce404ce9b0eeb6b1" providerId="LiveId" clId="{69751A5B-63C7-4F4A-A9B5-D0ADFC9FBAB1}" dt="2024-07-20T18:29:03.412" v="0" actId="478"/>
-          <ac:grpSpMkLst>
-            <pc:docMk/>
-            <pc:sldMk cId="4015253138" sldId="256"/>
-            <ac:grpSpMk id="113" creationId="{8668B8AC-3C7A-85C4-5124-01ACEF69334C}"/>
-          </ac:grpSpMkLst>
-        </pc:grpChg>
-        <pc:grpChg chg="mod">
-          <ac:chgData name="tiansheng huang" userId="ce404ce9b0eeb6b1" providerId="LiveId" clId="{69751A5B-63C7-4F4A-A9B5-D0ADFC9FBAB1}" dt="2024-07-20T18:40:53.833" v="103" actId="1076"/>
-          <ac:grpSpMkLst>
-            <pc:docMk/>
-            <pc:sldMk cId="4015253138" sldId="256"/>
-            <ac:grpSpMk id="138" creationId="{26A317EC-756C-5A3A-2518-65A4E534030E}"/>
-          </ac:grpSpMkLst>
-        </pc:grpChg>
-        <pc:picChg chg="mod">
-          <ac:chgData name="tiansheng huang" userId="ce404ce9b0eeb6b1" providerId="LiveId" clId="{69751A5B-63C7-4F4A-A9B5-D0ADFC9FBAB1}" dt="2024-07-20T18:31:44.252" v="6"/>
-          <ac:picMkLst>
-            <pc:docMk/>
-            <pc:sldMk cId="4015253138" sldId="256"/>
-            <ac:picMk id="3" creationId="{75BC1914-3ABC-E23F-602E-948DD2047321}"/>
-          </ac:picMkLst>
-        </pc:picChg>
-        <pc:picChg chg="mod">
-          <ac:chgData name="tiansheng huang" userId="ce404ce9b0eeb6b1" providerId="LiveId" clId="{69751A5B-63C7-4F4A-A9B5-D0ADFC9FBAB1}" dt="2024-07-20T18:32:30.950" v="8"/>
-          <ac:picMkLst>
-            <pc:docMk/>
-            <pc:sldMk cId="4015253138" sldId="256"/>
-            <ac:picMk id="30" creationId="{CD46098A-8A64-71FD-FB15-F91A7583D07F}"/>
-          </ac:picMkLst>
-        </pc:picChg>
-        <pc:picChg chg="add mod">
-          <ac:chgData name="tiansheng huang" userId="ce404ce9b0eeb6b1" providerId="LiveId" clId="{69751A5B-63C7-4F4A-A9B5-D0ADFC9FBAB1}" dt="2024-07-20T18:41:36.389" v="116" actId="1076"/>
-          <ac:picMkLst>
-            <pc:docMk/>
-            <pc:sldMk cId="4015253138" sldId="256"/>
-            <ac:picMk id="38" creationId="{B8D5E6A4-6EEC-9C9A-1CD4-55709412E5B3}"/>
-          </ac:picMkLst>
-        </pc:picChg>
-        <pc:picChg chg="add del mod">
-          <ac:chgData name="tiansheng huang" userId="ce404ce9b0eeb6b1" providerId="LiveId" clId="{69751A5B-63C7-4F4A-A9B5-D0ADFC9FBAB1}" dt="2024-07-20T18:36:08.597" v="72" actId="478"/>
-          <ac:picMkLst>
-            <pc:docMk/>
-            <pc:sldMk cId="4015253138" sldId="256"/>
-            <ac:picMk id="39" creationId="{66E9736E-107A-4C1E-68A7-6EAC728FE848}"/>
-          </ac:picMkLst>
-        </pc:picChg>
-        <pc:picChg chg="mod">
-          <ac:chgData name="tiansheng huang" userId="ce404ce9b0eeb6b1" providerId="LiveId" clId="{69751A5B-63C7-4F4A-A9B5-D0ADFC9FBAB1}" dt="2024-07-20T18:34:26.683" v="46" actId="164"/>
-          <ac:picMkLst>
-            <pc:docMk/>
-            <pc:sldMk cId="4015253138" sldId="256"/>
-            <ac:picMk id="52" creationId="{87AFDDA5-77A7-40A7-F3BE-E8A1D0EB843F}"/>
-          </ac:picMkLst>
-        </pc:picChg>
-        <pc:picChg chg="mod">
-          <ac:chgData name="tiansheng huang" userId="ce404ce9b0eeb6b1" providerId="LiveId" clId="{69751A5B-63C7-4F4A-A9B5-D0ADFC9FBAB1}" dt="2024-07-20T18:34:10.769" v="41" actId="164"/>
-          <ac:picMkLst>
-            <pc:docMk/>
-            <pc:sldMk cId="4015253138" sldId="256"/>
-            <ac:picMk id="77" creationId="{5A539B92-1812-B195-B070-6808C0884E79}"/>
-          </ac:picMkLst>
-        </pc:picChg>
-        <pc:picChg chg="mod">
-          <ac:chgData name="tiansheng huang" userId="ce404ce9b0eeb6b1" providerId="LiveId" clId="{69751A5B-63C7-4F4A-A9B5-D0ADFC9FBAB1}" dt="2024-07-20T18:42:22.531" v="129" actId="1076"/>
-          <ac:picMkLst>
-            <pc:docMk/>
-            <pc:sldMk cId="4015253138" sldId="256"/>
-            <ac:picMk id="80" creationId="{3013D77F-A847-BDF0-4C9C-8CF860E6961A}"/>
-          </ac:picMkLst>
-        </pc:picChg>
-        <pc:picChg chg="mod">
-          <ac:chgData name="tiansheng huang" userId="ce404ce9b0eeb6b1" providerId="LiveId" clId="{69751A5B-63C7-4F4A-A9B5-D0ADFC9FBAB1}" dt="2024-07-20T18:41:42.782" v="117" actId="164"/>
-          <ac:picMkLst>
-            <pc:docMk/>
-            <pc:sldMk cId="4015253138" sldId="256"/>
-            <ac:picMk id="82" creationId="{98236B4A-C588-DED8-77C9-4CDDD3904856}"/>
-          </ac:picMkLst>
-        </pc:picChg>
-        <pc:picChg chg="mod">
-          <ac:chgData name="tiansheng huang" userId="ce404ce9b0eeb6b1" providerId="LiveId" clId="{69751A5B-63C7-4F4A-A9B5-D0ADFC9FBAB1}" dt="2024-07-20T18:34:33.984" v="48" actId="1076"/>
-          <ac:picMkLst>
-            <pc:docMk/>
-            <pc:sldMk cId="4015253138" sldId="256"/>
-            <ac:picMk id="89" creationId="{9CF2ECAB-A7D3-3B4F-027B-D84A6A43EA8E}"/>
-          </ac:picMkLst>
-        </pc:picChg>
-        <pc:picChg chg="mod">
-          <ac:chgData name="tiansheng huang" userId="ce404ce9b0eeb6b1" providerId="LiveId" clId="{69751A5B-63C7-4F4A-A9B5-D0ADFC9FBAB1}" dt="2024-07-20T18:34:57.986" v="54" actId="164"/>
-          <ac:picMkLst>
-            <pc:docMk/>
-            <pc:sldMk cId="4015253138" sldId="256"/>
-            <ac:picMk id="111" creationId="{0AB4FA63-57C4-447C-0B5E-01A4D105F8D4}"/>
-          </ac:picMkLst>
-        </pc:picChg>
-        <pc:picChg chg="del">
-          <ac:chgData name="tiansheng huang" userId="ce404ce9b0eeb6b1" providerId="LiveId" clId="{69751A5B-63C7-4F4A-A9B5-D0ADFC9FBAB1}" dt="2024-07-20T18:29:03.412" v="0" actId="478"/>
-          <ac:picMkLst>
-            <pc:docMk/>
-            <pc:sldMk cId="4015253138" sldId="256"/>
-            <ac:picMk id="134" creationId="{03001A48-70D5-ECAE-A059-8B78394FB1A2}"/>
-          </ac:picMkLst>
-        </pc:picChg>
-        <pc:picChg chg="mod">
-          <ac:chgData name="tiansheng huang" userId="ce404ce9b0eeb6b1" providerId="LiveId" clId="{69751A5B-63C7-4F4A-A9B5-D0ADFC9FBAB1}" dt="2024-07-20T18:40:55.953" v="105" actId="1076"/>
-          <ac:picMkLst>
-            <pc:docMk/>
-            <pc:sldMk cId="4015253138" sldId="256"/>
-            <ac:picMk id="143" creationId="{42AF7768-64C1-8AC8-DE15-F44637E912BF}"/>
-          </ac:picMkLst>
-        </pc:picChg>
-        <pc:picChg chg="del">
-          <ac:chgData name="tiansheng huang" userId="ce404ce9b0eeb6b1" providerId="LiveId" clId="{69751A5B-63C7-4F4A-A9B5-D0ADFC9FBAB1}" dt="2024-07-20T18:29:03.412" v="0" actId="478"/>
-          <ac:picMkLst>
-            <pc:docMk/>
-            <pc:sldMk cId="4015253138" sldId="256"/>
-            <ac:picMk id="150" creationId="{D42925F5-2048-67E6-1183-190DCD0E2885}"/>
-          </ac:picMkLst>
-        </pc:picChg>
-        <pc:picChg chg="del">
-          <ac:chgData name="tiansheng huang" userId="ce404ce9b0eeb6b1" providerId="LiveId" clId="{69751A5B-63C7-4F4A-A9B5-D0ADFC9FBAB1}" dt="2024-07-20T18:29:03.412" v="0" actId="478"/>
-          <ac:picMkLst>
-            <pc:docMk/>
-            <pc:sldMk cId="4015253138" sldId="256"/>
-            <ac:picMk id="152" creationId="{390987F6-17D3-90DF-2055-0B0D2F6684F2}"/>
-          </ac:picMkLst>
-        </pc:picChg>
-        <pc:picChg chg="del">
-          <ac:chgData name="tiansheng huang" userId="ce404ce9b0eeb6b1" providerId="LiveId" clId="{69751A5B-63C7-4F4A-A9B5-D0ADFC9FBAB1}" dt="2024-07-20T18:29:03.412" v="0" actId="478"/>
-          <ac:picMkLst>
-            <pc:docMk/>
-            <pc:sldMk cId="4015253138" sldId="256"/>
-            <ac:picMk id="154" creationId="{57995A2E-D594-85A3-DD26-7E28CFA80501}"/>
-          </ac:picMkLst>
-        </pc:picChg>
-        <pc:picChg chg="del">
-          <ac:chgData name="tiansheng huang" userId="ce404ce9b0eeb6b1" providerId="LiveId" clId="{69751A5B-63C7-4F4A-A9B5-D0ADFC9FBAB1}" dt="2024-07-20T18:29:03.412" v="0" actId="478"/>
-          <ac:picMkLst>
-            <pc:docMk/>
-            <pc:sldMk cId="4015253138" sldId="256"/>
-            <ac:picMk id="155" creationId="{1124D85D-E718-490C-B723-5D41A81E9DBC}"/>
-          </ac:picMkLst>
-        </pc:picChg>
-        <pc:picChg chg="del">
-          <ac:chgData name="tiansheng huang" userId="ce404ce9b0eeb6b1" providerId="LiveId" clId="{69751A5B-63C7-4F4A-A9B5-D0ADFC9FBAB1}" dt="2024-07-20T18:29:03.412" v="0" actId="478"/>
-          <ac:picMkLst>
-            <pc:docMk/>
-            <pc:sldMk cId="4015253138" sldId="256"/>
-            <ac:picMk id="158" creationId="{F9DD6712-D465-ED41-1503-CA230716EFFE}"/>
-          </ac:picMkLst>
-        </pc:picChg>
-        <pc:cxnChg chg="mod">
-          <ac:chgData name="tiansheng huang" userId="ce404ce9b0eeb6b1" providerId="LiveId" clId="{69751A5B-63C7-4F4A-A9B5-D0ADFC9FBAB1}" dt="2024-07-20T18:33:36.166" v="36" actId="208"/>
-          <ac:cxnSpMkLst>
-            <pc:docMk/>
-            <pc:sldMk cId="4015253138" sldId="256"/>
-            <ac:cxnSpMk id="20" creationId="{DC8C6EC7-3E86-9349-80F4-38CBE943B627}"/>
-          </ac:cxnSpMkLst>
-        </pc:cxnChg>
-        <pc:cxnChg chg="mod">
-          <ac:chgData name="tiansheng huang" userId="ce404ce9b0eeb6b1" providerId="LiveId" clId="{69751A5B-63C7-4F4A-A9B5-D0ADFC9FBAB1}" dt="2024-07-20T18:33:36.166" v="36" actId="208"/>
-          <ac:cxnSpMkLst>
-            <pc:docMk/>
-            <pc:sldMk cId="4015253138" sldId="256"/>
-            <ac:cxnSpMk id="23" creationId="{09777622-7353-FC68-209A-3AC0AD24D82C}"/>
-          </ac:cxnSpMkLst>
-        </pc:cxnChg>
-        <pc:cxnChg chg="mod">
-          <ac:chgData name="tiansheng huang" userId="ce404ce9b0eeb6b1" providerId="LiveId" clId="{69751A5B-63C7-4F4A-A9B5-D0ADFC9FBAB1}" dt="2024-07-20T18:43:16.543" v="161" actId="14100"/>
-          <ac:cxnSpMkLst>
-            <pc:docMk/>
-            <pc:sldMk cId="4015253138" sldId="256"/>
-            <ac:cxnSpMk id="26" creationId="{E565D7E4-ECF9-D74F-00E2-B73464C91591}"/>
-          </ac:cxnSpMkLst>
-        </pc:cxnChg>
-        <pc:cxnChg chg="mod topLvl">
-          <ac:chgData name="tiansheng huang" userId="ce404ce9b0eeb6b1" providerId="LiveId" clId="{69751A5B-63C7-4F4A-A9B5-D0ADFC9FBAB1}" dt="2024-07-20T18:34:10.769" v="41" actId="164"/>
-          <ac:cxnSpMkLst>
-            <pc:docMk/>
-            <pc:sldMk cId="4015253138" sldId="256"/>
-            <ac:cxnSpMk id="62" creationId="{F644E8F0-40BC-27E6-8C90-F408A6EE209E}"/>
-          </ac:cxnSpMkLst>
-        </pc:cxnChg>
-        <pc:cxnChg chg="mod topLvl">
-          <ac:chgData name="tiansheng huang" userId="ce404ce9b0eeb6b1" providerId="LiveId" clId="{69751A5B-63C7-4F4A-A9B5-D0ADFC9FBAB1}" dt="2024-07-20T18:34:10.769" v="41" actId="164"/>
-          <ac:cxnSpMkLst>
-            <pc:docMk/>
-            <pc:sldMk cId="4015253138" sldId="256"/>
-            <ac:cxnSpMk id="63" creationId="{CEC87878-237F-4E99-A96D-1BA3F79696CC}"/>
-          </ac:cxnSpMkLst>
-        </pc:cxnChg>
-        <pc:cxnChg chg="mod topLvl">
-          <ac:chgData name="tiansheng huang" userId="ce404ce9b0eeb6b1" providerId="LiveId" clId="{69751A5B-63C7-4F4A-A9B5-D0ADFC9FBAB1}" dt="2024-07-20T18:34:10.769" v="41" actId="164"/>
-          <ac:cxnSpMkLst>
-            <pc:docMk/>
-            <pc:sldMk cId="4015253138" sldId="256"/>
-            <ac:cxnSpMk id="64" creationId="{EA735BBB-D27B-B659-A70B-60E5806D496B}"/>
-          </ac:cxnSpMkLst>
-        </pc:cxnChg>
-        <pc:cxnChg chg="mod topLvl">
-          <ac:chgData name="tiansheng huang" userId="ce404ce9b0eeb6b1" providerId="LiveId" clId="{69751A5B-63C7-4F4A-A9B5-D0ADFC9FBAB1}" dt="2024-07-20T18:34:10.769" v="41" actId="164"/>
-          <ac:cxnSpMkLst>
-            <pc:docMk/>
-            <pc:sldMk cId="4015253138" sldId="256"/>
-            <ac:cxnSpMk id="65" creationId="{A8E48C45-34DE-C1E1-F850-FD2DBF486240}"/>
-          </ac:cxnSpMkLst>
-        </pc:cxnChg>
-        <pc:cxnChg chg="mod topLvl">
-          <ac:chgData name="tiansheng huang" userId="ce404ce9b0eeb6b1" providerId="LiveId" clId="{69751A5B-63C7-4F4A-A9B5-D0ADFC9FBAB1}" dt="2024-07-20T18:34:10.769" v="41" actId="164"/>
-          <ac:cxnSpMkLst>
-            <pc:docMk/>
-            <pc:sldMk cId="4015253138" sldId="256"/>
-            <ac:cxnSpMk id="66" creationId="{E1962D83-439C-2BD1-2291-A962972888B6}"/>
-          </ac:cxnSpMkLst>
-        </pc:cxnChg>
-        <pc:cxnChg chg="mod topLvl">
-          <ac:chgData name="tiansheng huang" userId="ce404ce9b0eeb6b1" providerId="LiveId" clId="{69751A5B-63C7-4F4A-A9B5-D0ADFC9FBAB1}" dt="2024-07-20T18:34:10.769" v="41" actId="164"/>
-          <ac:cxnSpMkLst>
-            <pc:docMk/>
-            <pc:sldMk cId="4015253138" sldId="256"/>
-            <ac:cxnSpMk id="67" creationId="{9E31FCF1-C016-6E07-BDD9-D650118AC8E4}"/>
-          </ac:cxnSpMkLst>
-        </pc:cxnChg>
-        <pc:cxnChg chg="mod topLvl">
-          <ac:chgData name="tiansheng huang" userId="ce404ce9b0eeb6b1" providerId="LiveId" clId="{69751A5B-63C7-4F4A-A9B5-D0ADFC9FBAB1}" dt="2024-07-20T18:34:10.769" v="41" actId="164"/>
-          <ac:cxnSpMkLst>
-            <pc:docMk/>
-            <pc:sldMk cId="4015253138" sldId="256"/>
-            <ac:cxnSpMk id="68" creationId="{577086F5-FF68-4454-6965-3DCEA0BCA83E}"/>
-          </ac:cxnSpMkLst>
-        </pc:cxnChg>
-        <pc:cxnChg chg="mod topLvl">
-          <ac:chgData name="tiansheng huang" userId="ce404ce9b0eeb6b1" providerId="LiveId" clId="{69751A5B-63C7-4F4A-A9B5-D0ADFC9FBAB1}" dt="2024-07-20T18:34:10.769" v="41" actId="164"/>
-          <ac:cxnSpMkLst>
-            <pc:docMk/>
-            <pc:sldMk cId="4015253138" sldId="256"/>
-            <ac:cxnSpMk id="69" creationId="{90A2FA51-6D95-1522-1953-66D47AF1CC40}"/>
-          </ac:cxnSpMkLst>
-        </pc:cxnChg>
-        <pc:cxnChg chg="mod topLvl">
-          <ac:chgData name="tiansheng huang" userId="ce404ce9b0eeb6b1" providerId="LiveId" clId="{69751A5B-63C7-4F4A-A9B5-D0ADFC9FBAB1}" dt="2024-07-20T18:34:10.769" v="41" actId="164"/>
-          <ac:cxnSpMkLst>
-            <pc:docMk/>
-            <pc:sldMk cId="4015253138" sldId="256"/>
-            <ac:cxnSpMk id="70" creationId="{CA5D0394-A9E6-AF6B-E628-AE1EAE6E8A3E}"/>
-          </ac:cxnSpMkLst>
-        </pc:cxnChg>
-        <pc:cxnChg chg="mod topLvl">
-          <ac:chgData name="tiansheng huang" userId="ce404ce9b0eeb6b1" providerId="LiveId" clId="{69751A5B-63C7-4F4A-A9B5-D0ADFC9FBAB1}" dt="2024-07-20T18:34:10.769" v="41" actId="164"/>
-          <ac:cxnSpMkLst>
-            <pc:docMk/>
-            <pc:sldMk cId="4015253138" sldId="256"/>
-            <ac:cxnSpMk id="71" creationId="{B3F3C868-48E9-7E7C-8612-8DE17BAE3517}"/>
-          </ac:cxnSpMkLst>
-        </pc:cxnChg>
-        <pc:cxnChg chg="mod topLvl">
-          <ac:chgData name="tiansheng huang" userId="ce404ce9b0eeb6b1" providerId="LiveId" clId="{69751A5B-63C7-4F4A-A9B5-D0ADFC9FBAB1}" dt="2024-07-20T18:34:10.769" v="41" actId="164"/>
-          <ac:cxnSpMkLst>
-            <pc:docMk/>
-            <pc:sldMk cId="4015253138" sldId="256"/>
-            <ac:cxnSpMk id="72" creationId="{59660CDC-8B59-869B-2CC5-44460580BA00}"/>
-          </ac:cxnSpMkLst>
-        </pc:cxnChg>
-        <pc:cxnChg chg="mod topLvl">
-          <ac:chgData name="tiansheng huang" userId="ce404ce9b0eeb6b1" providerId="LiveId" clId="{69751A5B-63C7-4F4A-A9B5-D0ADFC9FBAB1}" dt="2024-07-20T18:34:10.769" v="41" actId="164"/>
-          <ac:cxnSpMkLst>
-            <pc:docMk/>
-            <pc:sldMk cId="4015253138" sldId="256"/>
-            <ac:cxnSpMk id="73" creationId="{E42E81D7-9314-ED5A-8DEE-E53805173EF9}"/>
-          </ac:cxnSpMkLst>
-        </pc:cxnChg>
-        <pc:cxnChg chg="mod">
-          <ac:chgData name="tiansheng huang" userId="ce404ce9b0eeb6b1" providerId="LiveId" clId="{69751A5B-63C7-4F4A-A9B5-D0ADFC9FBAB1}" dt="2024-07-20T18:41:13.637" v="111" actId="14100"/>
-          <ac:cxnSpMkLst>
-            <pc:docMk/>
-            <pc:sldMk cId="4015253138" sldId="256"/>
-            <ac:cxnSpMk id="75" creationId="{CAB7428F-A3C3-1091-735A-9AD4EBDE12D3}"/>
-          </ac:cxnSpMkLst>
-        </pc:cxnChg>
-        <pc:cxnChg chg="mod">
-          <ac:chgData name="tiansheng huang" userId="ce404ce9b0eeb6b1" providerId="LiveId" clId="{69751A5B-63C7-4F4A-A9B5-D0ADFC9FBAB1}" dt="2024-07-20T18:33:22.946" v="34" actId="208"/>
-          <ac:cxnSpMkLst>
-            <pc:docMk/>
-            <pc:sldMk cId="4015253138" sldId="256"/>
-            <ac:cxnSpMk id="101" creationId="{13D7C5AD-373D-FA16-6549-2DE693DC92EF}"/>
-          </ac:cxnSpMkLst>
-        </pc:cxnChg>
-        <pc:cxnChg chg="mod">
-          <ac:chgData name="tiansheng huang" userId="ce404ce9b0eeb6b1" providerId="LiveId" clId="{69751A5B-63C7-4F4A-A9B5-D0ADFC9FBAB1}" dt="2024-07-20T18:33:22.946" v="34" actId="208"/>
-          <ac:cxnSpMkLst>
-            <pc:docMk/>
-            <pc:sldMk cId="4015253138" sldId="256"/>
-            <ac:cxnSpMk id="102" creationId="{3464DAB9-93DF-2C6F-F95B-AACD4FF1BC4B}"/>
-          </ac:cxnSpMkLst>
-        </pc:cxnChg>
-        <pc:cxnChg chg="mod">
-          <ac:chgData name="tiansheng huang" userId="ce404ce9b0eeb6b1" providerId="LiveId" clId="{69751A5B-63C7-4F4A-A9B5-D0ADFC9FBAB1}" dt="2024-07-20T18:33:22.946" v="34" actId="208"/>
-          <ac:cxnSpMkLst>
-            <pc:docMk/>
-            <pc:sldMk cId="4015253138" sldId="256"/>
-            <ac:cxnSpMk id="103" creationId="{5276AAB6-B4E7-6793-381B-8D876903627C}"/>
-          </ac:cxnSpMkLst>
-        </pc:cxnChg>
-        <pc:cxnChg chg="mod">
-          <ac:chgData name="tiansheng huang" userId="ce404ce9b0eeb6b1" providerId="LiveId" clId="{69751A5B-63C7-4F4A-A9B5-D0ADFC9FBAB1}" dt="2024-07-20T18:33:27.977" v="35" actId="208"/>
-          <ac:cxnSpMkLst>
-            <pc:docMk/>
-            <pc:sldMk cId="4015253138" sldId="256"/>
-            <ac:cxnSpMk id="105" creationId="{64E65F15-5ECF-B961-C4CE-05B92CB9886C}"/>
-          </ac:cxnSpMkLst>
-        </pc:cxnChg>
-        <pc:cxnChg chg="mod">
-          <ac:chgData name="tiansheng huang" userId="ce404ce9b0eeb6b1" providerId="LiveId" clId="{69751A5B-63C7-4F4A-A9B5-D0ADFC9FBAB1}" dt="2024-07-20T18:33:27.977" v="35" actId="208"/>
-          <ac:cxnSpMkLst>
-            <pc:docMk/>
-            <pc:sldMk cId="4015253138" sldId="256"/>
-            <ac:cxnSpMk id="108" creationId="{FF05A9F8-A13A-D0EB-CB88-C35FD53ACE9F}"/>
-          </ac:cxnSpMkLst>
-        </pc:cxnChg>
-        <pc:cxnChg chg="mod">
-          <ac:chgData name="tiansheng huang" userId="ce404ce9b0eeb6b1" providerId="LiveId" clId="{69751A5B-63C7-4F4A-A9B5-D0ADFC9FBAB1}" dt="2024-07-20T18:33:22.946" v="34" actId="208"/>
-          <ac:cxnSpMkLst>
-            <pc:docMk/>
-            <pc:sldMk cId="4015253138" sldId="256"/>
-            <ac:cxnSpMk id="110" creationId="{990E3239-E754-9FA1-9B00-A52B073558DB}"/>
-          </ac:cxnSpMkLst>
-        </pc:cxnChg>
-        <pc:cxnChg chg="mod">
-          <ac:chgData name="tiansheng huang" userId="ce404ce9b0eeb6b1" providerId="LiveId" clId="{69751A5B-63C7-4F4A-A9B5-D0ADFC9FBAB1}" dt="2024-07-20T18:29:03.412" v="0" actId="478"/>
-          <ac:cxnSpMkLst>
-            <pc:docMk/>
-            <pc:sldMk cId="4015253138" sldId="256"/>
-            <ac:cxnSpMk id="121" creationId="{09C26D04-E15C-FF32-CCF3-0ACAC8358358}"/>
-          </ac:cxnSpMkLst>
-        </pc:cxnChg>
-        <pc:cxnChg chg="mod">
-          <ac:chgData name="tiansheng huang" userId="ce404ce9b0eeb6b1" providerId="LiveId" clId="{69751A5B-63C7-4F4A-A9B5-D0ADFC9FBAB1}" dt="2024-07-20T18:29:03.412" v="0" actId="478"/>
-          <ac:cxnSpMkLst>
-            <pc:docMk/>
-            <pc:sldMk cId="4015253138" sldId="256"/>
-            <ac:cxnSpMk id="122" creationId="{FC8204D6-082E-E4A7-B9B5-28D617F7A2AB}"/>
-          </ac:cxnSpMkLst>
-        </pc:cxnChg>
-        <pc:cxnChg chg="mod">
-          <ac:chgData name="tiansheng huang" userId="ce404ce9b0eeb6b1" providerId="LiveId" clId="{69751A5B-63C7-4F4A-A9B5-D0ADFC9FBAB1}" dt="2024-07-20T18:29:03.412" v="0" actId="478"/>
-          <ac:cxnSpMkLst>
-            <pc:docMk/>
-            <pc:sldMk cId="4015253138" sldId="256"/>
-            <ac:cxnSpMk id="123" creationId="{246D734E-1867-D9D3-26D6-FF75449FF0C0}"/>
-          </ac:cxnSpMkLst>
-        </pc:cxnChg>
-        <pc:cxnChg chg="mod">
-          <ac:chgData name="tiansheng huang" userId="ce404ce9b0eeb6b1" providerId="LiveId" clId="{69751A5B-63C7-4F4A-A9B5-D0ADFC9FBAB1}" dt="2024-07-20T18:29:03.412" v="0" actId="478"/>
-          <ac:cxnSpMkLst>
-            <pc:docMk/>
-            <pc:sldMk cId="4015253138" sldId="256"/>
-            <ac:cxnSpMk id="124" creationId="{CA2C5229-9CB2-0C34-E86B-1F5A535EF1C3}"/>
-          </ac:cxnSpMkLst>
-        </pc:cxnChg>
-        <pc:cxnChg chg="mod">
-          <ac:chgData name="tiansheng huang" userId="ce404ce9b0eeb6b1" providerId="LiveId" clId="{69751A5B-63C7-4F4A-A9B5-D0ADFC9FBAB1}" dt="2024-07-20T18:29:03.412" v="0" actId="478"/>
-          <ac:cxnSpMkLst>
-            <pc:docMk/>
-            <pc:sldMk cId="4015253138" sldId="256"/>
-            <ac:cxnSpMk id="125" creationId="{A1516E23-943B-1682-0F72-3690BC6AF2BF}"/>
-          </ac:cxnSpMkLst>
-        </pc:cxnChg>
-        <pc:cxnChg chg="mod">
-          <ac:chgData name="tiansheng huang" userId="ce404ce9b0eeb6b1" providerId="LiveId" clId="{69751A5B-63C7-4F4A-A9B5-D0ADFC9FBAB1}" dt="2024-07-20T18:29:03.412" v="0" actId="478"/>
-          <ac:cxnSpMkLst>
-            <pc:docMk/>
-            <pc:sldMk cId="4015253138" sldId="256"/>
-            <ac:cxnSpMk id="126" creationId="{F65FD189-4A01-D6A2-796F-5E0625EA4D8F}"/>
-          </ac:cxnSpMkLst>
-        </pc:cxnChg>
-        <pc:cxnChg chg="mod">
-          <ac:chgData name="tiansheng huang" userId="ce404ce9b0eeb6b1" providerId="LiveId" clId="{69751A5B-63C7-4F4A-A9B5-D0ADFC9FBAB1}" dt="2024-07-20T18:29:03.412" v="0" actId="478"/>
-          <ac:cxnSpMkLst>
-            <pc:docMk/>
-            <pc:sldMk cId="4015253138" sldId="256"/>
-            <ac:cxnSpMk id="127" creationId="{7FD982D0-ECB0-4DEF-CA3B-063C062D39F0}"/>
-          </ac:cxnSpMkLst>
-        </pc:cxnChg>
-        <pc:cxnChg chg="mod">
-          <ac:chgData name="tiansheng huang" userId="ce404ce9b0eeb6b1" providerId="LiveId" clId="{69751A5B-63C7-4F4A-A9B5-D0ADFC9FBAB1}" dt="2024-07-20T18:29:03.412" v="0" actId="478"/>
-          <ac:cxnSpMkLst>
-            <pc:docMk/>
-            <pc:sldMk cId="4015253138" sldId="256"/>
-            <ac:cxnSpMk id="128" creationId="{1ACFE99D-431D-7C42-BA10-2C7371F6EC24}"/>
-          </ac:cxnSpMkLst>
-        </pc:cxnChg>
-        <pc:cxnChg chg="mod">
-          <ac:chgData name="tiansheng huang" userId="ce404ce9b0eeb6b1" providerId="LiveId" clId="{69751A5B-63C7-4F4A-A9B5-D0ADFC9FBAB1}" dt="2024-07-20T18:29:03.412" v="0" actId="478"/>
-          <ac:cxnSpMkLst>
-            <pc:docMk/>
-            <pc:sldMk cId="4015253138" sldId="256"/>
-            <ac:cxnSpMk id="129" creationId="{A39FE95D-FAA2-9F31-0F0B-BAFEC157CC93}"/>
-          </ac:cxnSpMkLst>
-        </pc:cxnChg>
-        <pc:cxnChg chg="mod">
-          <ac:chgData name="tiansheng huang" userId="ce404ce9b0eeb6b1" providerId="LiveId" clId="{69751A5B-63C7-4F4A-A9B5-D0ADFC9FBAB1}" dt="2024-07-20T18:29:03.412" v="0" actId="478"/>
-          <ac:cxnSpMkLst>
-            <pc:docMk/>
-            <pc:sldMk cId="4015253138" sldId="256"/>
-            <ac:cxnSpMk id="130" creationId="{F423EE80-77C0-73E8-6321-BA8E1A282DF6}"/>
-          </ac:cxnSpMkLst>
-        </pc:cxnChg>
-        <pc:cxnChg chg="mod">
-          <ac:chgData name="tiansheng huang" userId="ce404ce9b0eeb6b1" providerId="LiveId" clId="{69751A5B-63C7-4F4A-A9B5-D0ADFC9FBAB1}" dt="2024-07-20T18:29:03.412" v="0" actId="478"/>
-          <ac:cxnSpMkLst>
-            <pc:docMk/>
-            <pc:sldMk cId="4015253138" sldId="256"/>
-            <ac:cxnSpMk id="131" creationId="{BD3BE1EF-8831-7B9E-CAD3-0C31B52F38F1}"/>
-          </ac:cxnSpMkLst>
-        </pc:cxnChg>
-        <pc:cxnChg chg="mod">
-          <ac:chgData name="tiansheng huang" userId="ce404ce9b0eeb6b1" providerId="LiveId" clId="{69751A5B-63C7-4F4A-A9B5-D0ADFC9FBAB1}" dt="2024-07-20T18:29:03.412" v="0" actId="478"/>
-          <ac:cxnSpMkLst>
-            <pc:docMk/>
-            <pc:sldMk cId="4015253138" sldId="256"/>
-            <ac:cxnSpMk id="132" creationId="{F64F439F-D15A-5314-BDFC-E60025086A06}"/>
-          </ac:cxnSpMkLst>
-        </pc:cxnChg>
-        <pc:cxnChg chg="del">
-          <ac:chgData name="tiansheng huang" userId="ce404ce9b0eeb6b1" providerId="LiveId" clId="{69751A5B-63C7-4F4A-A9B5-D0ADFC9FBAB1}" dt="2024-07-20T18:29:03.412" v="0" actId="478"/>
-          <ac:cxnSpMkLst>
-            <pc:docMk/>
-            <pc:sldMk cId="4015253138" sldId="256"/>
-            <ac:cxnSpMk id="135" creationId="{3ADC759A-B5F8-D282-CA0E-951E5408A76F}"/>
-          </ac:cxnSpMkLst>
-        </pc:cxnChg>
-      </pc:sldChg>
-    </pc:docChg>
-  </pc:docChgLst>
-  <pc:docChgLst>
-    <pc:chgData name="huang tiansheng" userId="ce404ce9b0eeb6b1" providerId="LiveId" clId="{EB06CDAE-BA54-4CFD-A2C4-E868AFB5EDFD}"/>
-    <pc:docChg chg="undo custSel addSld modSld">
-      <pc:chgData name="huang tiansheng" userId="ce404ce9b0eeb6b1" providerId="LiveId" clId="{EB06CDAE-BA54-4CFD-A2C4-E868AFB5EDFD}" dt="2024-06-08T16:27:04.999" v="286" actId="208"/>
-      <pc:docMkLst>
-        <pc:docMk/>
-      </pc:docMkLst>
-      <pc:sldChg chg="addSp delSp modSp new mod">
-        <pc:chgData name="huang tiansheng" userId="ce404ce9b0eeb6b1" providerId="LiveId" clId="{EB06CDAE-BA54-4CFD-A2C4-E868AFB5EDFD}" dt="2024-06-08T16:27:04.999" v="286" actId="208"/>
+        <pc:chgData name="tiansheng huang" userId="ce404ce9b0eeb6b1" providerId="LiveId" clId="{0FEE01C1-AAE0-4B6F-A070-B5523A5E5B07}" dt="2024-09-15T22:45:24.917" v="988" actId="20577"/>
         <pc:sldMkLst>
           <pc:docMk/>
           <pc:sldMk cId="4015253138" sldId="256"/>
         </pc:sldMkLst>
         <pc:spChg chg="del">
-          <ac:chgData name="huang tiansheng" userId="ce404ce9b0eeb6b1" providerId="LiveId" clId="{EB06CDAE-BA54-4CFD-A2C4-E868AFB5EDFD}" dt="2024-06-08T15:59:17.099" v="1" actId="478"/>
-          <ac:spMkLst>
-            <pc:docMk/>
-            <pc:sldMk cId="4015253138" sldId="256"/>
-            <ac:spMk id="2" creationId="{6DED4C07-3BFF-7487-3A62-D16D8308C2F0}"/>
+          <ac:chgData name="tiansheng huang" userId="ce404ce9b0eeb6b1" providerId="LiveId" clId="{0FEE01C1-AAE0-4B6F-A070-B5523A5E5B07}" dt="2024-09-06T20:08:42.554" v="4" actId="478"/>
+          <ac:spMkLst>
+            <pc:docMk/>
+            <pc:sldMk cId="4015253138" sldId="256"/>
+            <ac:spMk id="27" creationId="{1A7FD1D1-7BF2-3705-19A7-D47D4F11E259}"/>
           </ac:spMkLst>
         </pc:spChg>
         <pc:spChg chg="del">
-          <ac:chgData name="huang tiansheng" userId="ce404ce9b0eeb6b1" providerId="LiveId" clId="{EB06CDAE-BA54-4CFD-A2C4-E868AFB5EDFD}" dt="2024-06-08T15:59:17.836" v="2" actId="478"/>
-          <ac:spMkLst>
-            <pc:docMk/>
-            <pc:sldMk cId="4015253138" sldId="256"/>
-            <ac:spMk id="3" creationId="{DEEC5DAE-2E4D-D429-5989-E4BA12D07870}"/>
+          <ac:chgData name="tiansheng huang" userId="ce404ce9b0eeb6b1" providerId="LiveId" clId="{0FEE01C1-AAE0-4B6F-A070-B5523A5E5B07}" dt="2024-09-06T20:08:42.554" v="4" actId="478"/>
+          <ac:spMkLst>
+            <pc:docMk/>
+            <pc:sldMk cId="4015253138" sldId="256"/>
+            <ac:spMk id="28" creationId="{37889CCA-F26F-5EA1-2C8F-1ABF43FBCD09}"/>
+          </ac:spMkLst>
+        </pc:spChg>
+        <pc:spChg chg="add mod">
+          <ac:chgData name="tiansheng huang" userId="ce404ce9b0eeb6b1" providerId="LiveId" clId="{0FEE01C1-AAE0-4B6F-A070-B5523A5E5B07}" dt="2024-09-06T20:45:22.696" v="824" actId="14100"/>
+          <ac:spMkLst>
+            <pc:docMk/>
+            <pc:sldMk cId="4015253138" sldId="256"/>
+            <ac:spMk id="40" creationId="{12DF6A62-8EE1-AED0-10CA-01399C7CDCA6}"/>
+          </ac:spMkLst>
+        </pc:spChg>
+        <pc:spChg chg="add mod">
+          <ac:chgData name="tiansheng huang" userId="ce404ce9b0eeb6b1" providerId="LiveId" clId="{0FEE01C1-AAE0-4B6F-A070-B5523A5E5B07}" dt="2024-09-06T20:45:06.443" v="822" actId="1076"/>
+          <ac:spMkLst>
+            <pc:docMk/>
+            <pc:sldMk cId="4015253138" sldId="256"/>
+            <ac:spMk id="48" creationId="{A7F1C9CC-8BF8-A3FC-F73E-7C3F695DFE06}"/>
           </ac:spMkLst>
         </pc:spChg>
         <pc:spChg chg="add del mod">
-          <ac:chgData name="huang tiansheng" userId="ce404ce9b0eeb6b1" providerId="LiveId" clId="{EB06CDAE-BA54-4CFD-A2C4-E868AFB5EDFD}" dt="2024-06-08T15:59:48.213" v="10" actId="478"/>
-          <ac:spMkLst>
-            <pc:docMk/>
-            <pc:sldMk cId="4015253138" sldId="256"/>
-            <ac:spMk id="4" creationId="{2C76F16B-5CB5-7762-11B1-4D0006308656}"/>
-          </ac:spMkLst>
-        </pc:spChg>
-        <pc:spChg chg="add mod topLvl">
-          <ac:chgData name="huang tiansheng" userId="ce404ce9b0eeb6b1" providerId="LiveId" clId="{EB06CDAE-BA54-4CFD-A2C4-E868AFB5EDFD}" dt="2024-06-08T16:09:42.807" v="128" actId="1076"/>
-          <ac:spMkLst>
-            <pc:docMk/>
-            <pc:sldMk cId="4015253138" sldId="256"/>
-            <ac:spMk id="5" creationId="{EF76D796-B874-46EC-5482-ACC7A2DE3558}"/>
-          </ac:spMkLst>
-        </pc:spChg>
-        <pc:spChg chg="mod">
-          <ac:chgData name="huang tiansheng" userId="ce404ce9b0eeb6b1" providerId="LiveId" clId="{EB06CDAE-BA54-4CFD-A2C4-E868AFB5EDFD}" dt="2024-06-08T16:07:51.374" v="86" actId="165"/>
-          <ac:spMkLst>
-            <pc:docMk/>
-            <pc:sldMk cId="4015253138" sldId="256"/>
-            <ac:spMk id="7" creationId="{F1163FFD-2A41-A694-5C18-C11A852F5ECC}"/>
-          </ac:spMkLst>
-        </pc:spChg>
-        <pc:spChg chg="mod">
-          <ac:chgData name="huang tiansheng" userId="ce404ce9b0eeb6b1" providerId="LiveId" clId="{EB06CDAE-BA54-4CFD-A2C4-E868AFB5EDFD}" dt="2024-06-08T16:07:51.374" v="86" actId="165"/>
-          <ac:spMkLst>
-            <pc:docMk/>
-            <pc:sldMk cId="4015253138" sldId="256"/>
-            <ac:spMk id="8" creationId="{58A068F0-D612-C6C8-8A81-C0D3B2C3FF5E}"/>
-          </ac:spMkLst>
-        </pc:spChg>
-        <pc:spChg chg="mod">
-          <ac:chgData name="huang tiansheng" userId="ce404ce9b0eeb6b1" providerId="LiveId" clId="{EB06CDAE-BA54-4CFD-A2C4-E868AFB5EDFD}" dt="2024-06-08T16:07:51.374" v="86" actId="165"/>
-          <ac:spMkLst>
-            <pc:docMk/>
-            <pc:sldMk cId="4015253138" sldId="256"/>
-            <ac:spMk id="9" creationId="{BA897CE9-01D0-6506-A771-4449B3374D1B}"/>
-          </ac:spMkLst>
-        </pc:spChg>
-        <pc:spChg chg="mod">
-          <ac:chgData name="huang tiansheng" userId="ce404ce9b0eeb6b1" providerId="LiveId" clId="{EB06CDAE-BA54-4CFD-A2C4-E868AFB5EDFD}" dt="2024-06-08T16:07:51.374" v="86" actId="165"/>
-          <ac:spMkLst>
-            <pc:docMk/>
-            <pc:sldMk cId="4015253138" sldId="256"/>
-            <ac:spMk id="10" creationId="{58C27680-3B85-069E-1C92-AF40327D9956}"/>
-          </ac:spMkLst>
-        </pc:spChg>
-        <pc:spChg chg="mod">
-          <ac:chgData name="huang tiansheng" userId="ce404ce9b0eeb6b1" providerId="LiveId" clId="{EB06CDAE-BA54-4CFD-A2C4-E868AFB5EDFD}" dt="2024-06-08T16:07:51.374" v="86" actId="165"/>
-          <ac:spMkLst>
-            <pc:docMk/>
-            <pc:sldMk cId="4015253138" sldId="256"/>
-            <ac:spMk id="11" creationId="{50AE6038-CD72-A064-AE08-855F40B98606}"/>
-          </ac:spMkLst>
-        </pc:spChg>
-        <pc:spChg chg="mod">
-          <ac:chgData name="huang tiansheng" userId="ce404ce9b0eeb6b1" providerId="LiveId" clId="{EB06CDAE-BA54-4CFD-A2C4-E868AFB5EDFD}" dt="2024-06-08T16:07:51.374" v="86" actId="165"/>
-          <ac:spMkLst>
-            <pc:docMk/>
-            <pc:sldMk cId="4015253138" sldId="256"/>
-            <ac:spMk id="12" creationId="{A3326B83-B0BF-1CAD-5F56-4646B334C415}"/>
-          </ac:spMkLst>
-        </pc:spChg>
-        <pc:spChg chg="mod">
-          <ac:chgData name="huang tiansheng" userId="ce404ce9b0eeb6b1" providerId="LiveId" clId="{EB06CDAE-BA54-4CFD-A2C4-E868AFB5EDFD}" dt="2024-06-08T16:07:51.374" v="86" actId="165"/>
-          <ac:spMkLst>
-            <pc:docMk/>
-            <pc:sldMk cId="4015253138" sldId="256"/>
-            <ac:spMk id="13" creationId="{2517758D-9315-BBA2-7046-4E14379B6EA0}"/>
-          </ac:spMkLst>
-        </pc:spChg>
-        <pc:spChg chg="add mod topLvl">
-          <ac:chgData name="huang tiansheng" userId="ce404ce9b0eeb6b1" providerId="LiveId" clId="{EB06CDAE-BA54-4CFD-A2C4-E868AFB5EDFD}" dt="2024-06-08T16:10:11.031" v="149" actId="1076"/>
-          <ac:spMkLst>
-            <pc:docMk/>
-            <pc:sldMk cId="4015253138" sldId="256"/>
-            <ac:spMk id="27" creationId="{1A7FD1D1-7BF2-3705-19A7-D47D4F11E259}"/>
-          </ac:spMkLst>
-        </pc:spChg>
-        <pc:spChg chg="add mod topLvl">
-          <ac:chgData name="huang tiansheng" userId="ce404ce9b0eeb6b1" providerId="LiveId" clId="{EB06CDAE-BA54-4CFD-A2C4-E868AFB5EDFD}" dt="2024-06-08T16:09:42.807" v="128" actId="1076"/>
-          <ac:spMkLst>
-            <pc:docMk/>
-            <pc:sldMk cId="4015253138" sldId="256"/>
-            <ac:spMk id="28" creationId="{37889CCA-F26F-5EA1-2C8F-1ABF43FBCD09}"/>
+          <ac:chgData name="tiansheng huang" userId="ce404ce9b0eeb6b1" providerId="LiveId" clId="{0FEE01C1-AAE0-4B6F-A070-B5523A5E5B07}" dt="2024-09-06T20:20:00.587" v="145" actId="478"/>
+          <ac:spMkLst>
+            <pc:docMk/>
+            <pc:sldMk cId="4015253138" sldId="256"/>
+            <ac:spMk id="49" creationId="{E89674A6-9B2A-EF0B-91FF-37827C61326B}"/>
+          </ac:spMkLst>
+        </pc:spChg>
+        <pc:spChg chg="del mod">
+          <ac:chgData name="tiansheng huang" userId="ce404ce9b0eeb6b1" providerId="LiveId" clId="{0FEE01C1-AAE0-4B6F-A070-B5523A5E5B07}" dt="2024-09-06T20:08:42.554" v="4" actId="478"/>
+          <ac:spMkLst>
+            <pc:docMk/>
+            <pc:sldMk cId="4015253138" sldId="256"/>
+            <ac:spMk id="50" creationId="{D7D80912-978D-7E39-D631-A378DFF35BA8}"/>
           </ac:spMkLst>
         </pc:spChg>
         <pc:spChg chg="add del mod">
-          <ac:chgData name="huang tiansheng" userId="ce404ce9b0eeb6b1" providerId="LiveId" clId="{EB06CDAE-BA54-4CFD-A2C4-E868AFB5EDFD}" dt="2024-06-08T15:59:48.213" v="10" actId="478"/>
-          <ac:spMkLst>
-            <pc:docMk/>
-            <pc:sldMk cId="4015253138" sldId="256"/>
-            <ac:spMk id="29" creationId="{58AB7D75-2437-AA25-634F-D877394CAB44}"/>
-          </ac:spMkLst>
-        </pc:spChg>
-        <pc:spChg chg="mod">
-          <ac:chgData name="huang tiansheng" userId="ce404ce9b0eeb6b1" providerId="LiveId" clId="{EB06CDAE-BA54-4CFD-A2C4-E868AFB5EDFD}" dt="2024-06-08T15:59:27.377" v="3"/>
-          <ac:spMkLst>
-            <pc:docMk/>
-            <pc:sldMk cId="4015253138" sldId="256"/>
-            <ac:spMk id="31" creationId="{FF3EB852-F921-2EED-9F31-01CEE36A23F1}"/>
-          </ac:spMkLst>
-        </pc:spChg>
-        <pc:spChg chg="mod">
-          <ac:chgData name="huang tiansheng" userId="ce404ce9b0eeb6b1" providerId="LiveId" clId="{EB06CDAE-BA54-4CFD-A2C4-E868AFB5EDFD}" dt="2024-06-08T15:59:27.377" v="3"/>
-          <ac:spMkLst>
-            <pc:docMk/>
-            <pc:sldMk cId="4015253138" sldId="256"/>
-            <ac:spMk id="32" creationId="{E60E0DDD-5E7E-304F-32E1-E72CC20BB830}"/>
-          </ac:spMkLst>
-        </pc:spChg>
-        <pc:spChg chg="mod">
-          <ac:chgData name="huang tiansheng" userId="ce404ce9b0eeb6b1" providerId="LiveId" clId="{EB06CDAE-BA54-4CFD-A2C4-E868AFB5EDFD}" dt="2024-06-08T15:59:27.377" v="3"/>
-          <ac:spMkLst>
-            <pc:docMk/>
-            <pc:sldMk cId="4015253138" sldId="256"/>
-            <ac:spMk id="33" creationId="{E9FBC9E7-752B-2E49-5C16-80333AE7C31B}"/>
-          </ac:spMkLst>
-        </pc:spChg>
-        <pc:spChg chg="mod">
-          <ac:chgData name="huang tiansheng" userId="ce404ce9b0eeb6b1" providerId="LiveId" clId="{EB06CDAE-BA54-4CFD-A2C4-E868AFB5EDFD}" dt="2024-06-08T15:59:27.377" v="3"/>
-          <ac:spMkLst>
-            <pc:docMk/>
-            <pc:sldMk cId="4015253138" sldId="256"/>
-            <ac:spMk id="34" creationId="{B180723D-5703-B637-3D76-B61A5315EDE5}"/>
-          </ac:spMkLst>
-        </pc:spChg>
-        <pc:spChg chg="mod">
-          <ac:chgData name="huang tiansheng" userId="ce404ce9b0eeb6b1" providerId="LiveId" clId="{EB06CDAE-BA54-4CFD-A2C4-E868AFB5EDFD}" dt="2024-06-08T15:59:27.377" v="3"/>
-          <ac:spMkLst>
-            <pc:docMk/>
-            <pc:sldMk cId="4015253138" sldId="256"/>
-            <ac:spMk id="35" creationId="{1ECC023A-F8AA-A0EB-C0C7-3F3C5C606F5F}"/>
-          </ac:spMkLst>
-        </pc:spChg>
-        <pc:spChg chg="mod">
-          <ac:chgData name="huang tiansheng" userId="ce404ce9b0eeb6b1" providerId="LiveId" clId="{EB06CDAE-BA54-4CFD-A2C4-E868AFB5EDFD}" dt="2024-06-08T15:59:27.377" v="3"/>
-          <ac:spMkLst>
-            <pc:docMk/>
-            <pc:sldMk cId="4015253138" sldId="256"/>
-            <ac:spMk id="36" creationId="{B3894DF2-E344-24D7-BA18-2EC34211BB7D}"/>
-          </ac:spMkLst>
-        </pc:spChg>
-        <pc:spChg chg="mod">
-          <ac:chgData name="huang tiansheng" userId="ce404ce9b0eeb6b1" providerId="LiveId" clId="{EB06CDAE-BA54-4CFD-A2C4-E868AFB5EDFD}" dt="2024-06-08T15:59:27.377" v="3"/>
-          <ac:spMkLst>
-            <pc:docMk/>
-            <pc:sldMk cId="4015253138" sldId="256"/>
-            <ac:spMk id="37" creationId="{F4625394-42D7-E860-EF23-CBAE9EC34DD0}"/>
-          </ac:spMkLst>
-        </pc:spChg>
-        <pc:spChg chg="add mod topLvl">
-          <ac:chgData name="huang tiansheng" userId="ce404ce9b0eeb6b1" providerId="LiveId" clId="{EB06CDAE-BA54-4CFD-A2C4-E868AFB5EDFD}" dt="2024-06-08T16:09:52.419" v="135" actId="1076"/>
-          <ac:spMkLst>
-            <pc:docMk/>
-            <pc:sldMk cId="4015253138" sldId="256"/>
-            <ac:spMk id="50" creationId="{D7D80912-978D-7E39-D631-A378DFF35BA8}"/>
-          </ac:spMkLst>
-        </pc:spChg>
-        <pc:spChg chg="add mod topLvl">
-          <ac:chgData name="huang tiansheng" userId="ce404ce9b0eeb6b1" providerId="LiveId" clId="{EB06CDAE-BA54-4CFD-A2C4-E868AFB5EDFD}" dt="2024-06-08T16:09:42.807" v="128" actId="1076"/>
-          <ac:spMkLst>
-            <pc:docMk/>
-            <pc:sldMk cId="4015253138" sldId="256"/>
-            <ac:spMk id="53" creationId="{6A0E660C-D47D-5F10-E234-E15DE54D6A74}"/>
-          </ac:spMkLst>
-        </pc:spChg>
-        <pc:spChg chg="mod">
-          <ac:chgData name="huang tiansheng" userId="ce404ce9b0eeb6b1" providerId="LiveId" clId="{EB06CDAE-BA54-4CFD-A2C4-E868AFB5EDFD}" dt="2024-06-08T16:07:58.820" v="87" actId="208"/>
-          <ac:spMkLst>
-            <pc:docMk/>
-            <pc:sldMk cId="4015253138" sldId="256"/>
-            <ac:spMk id="55" creationId="{D1774638-5A90-4B1C-CF97-A09D0E5EAB13}"/>
-          </ac:spMkLst>
-        </pc:spChg>
-        <pc:spChg chg="mod">
-          <ac:chgData name="huang tiansheng" userId="ce404ce9b0eeb6b1" providerId="LiveId" clId="{EB06CDAE-BA54-4CFD-A2C4-E868AFB5EDFD}" dt="2024-06-08T16:07:58.820" v="87" actId="208"/>
-          <ac:spMkLst>
-            <pc:docMk/>
-            <pc:sldMk cId="4015253138" sldId="256"/>
-            <ac:spMk id="56" creationId="{0B4641DE-F454-3403-D1F1-2DCF4E7CE73F}"/>
-          </ac:spMkLst>
-        </pc:spChg>
-        <pc:spChg chg="mod">
-          <ac:chgData name="huang tiansheng" userId="ce404ce9b0eeb6b1" providerId="LiveId" clId="{EB06CDAE-BA54-4CFD-A2C4-E868AFB5EDFD}" dt="2024-06-08T16:07:58.820" v="87" actId="208"/>
-          <ac:spMkLst>
-            <pc:docMk/>
-            <pc:sldMk cId="4015253138" sldId="256"/>
-            <ac:spMk id="57" creationId="{99ABD3F7-3DCA-66D4-BB51-CFE961615078}"/>
-          </ac:spMkLst>
-        </pc:spChg>
-        <pc:spChg chg="mod">
-          <ac:chgData name="huang tiansheng" userId="ce404ce9b0eeb6b1" providerId="LiveId" clId="{EB06CDAE-BA54-4CFD-A2C4-E868AFB5EDFD}" dt="2024-06-08T16:07:58.820" v="87" actId="208"/>
-          <ac:spMkLst>
-            <pc:docMk/>
-            <pc:sldMk cId="4015253138" sldId="256"/>
-            <ac:spMk id="58" creationId="{19508B88-51FE-3FE7-167D-0E9CB9EFE191}"/>
-          </ac:spMkLst>
-        </pc:spChg>
-        <pc:spChg chg="mod">
-          <ac:chgData name="huang tiansheng" userId="ce404ce9b0eeb6b1" providerId="LiveId" clId="{EB06CDAE-BA54-4CFD-A2C4-E868AFB5EDFD}" dt="2024-06-08T16:07:58.820" v="87" actId="208"/>
-          <ac:spMkLst>
-            <pc:docMk/>
-            <pc:sldMk cId="4015253138" sldId="256"/>
-            <ac:spMk id="59" creationId="{DF3A98BD-8062-0D46-B272-9B199900C6D7}"/>
-          </ac:spMkLst>
-        </pc:spChg>
-        <pc:spChg chg="mod">
-          <ac:chgData name="huang tiansheng" userId="ce404ce9b0eeb6b1" providerId="LiveId" clId="{EB06CDAE-BA54-4CFD-A2C4-E868AFB5EDFD}" dt="2024-06-08T16:07:58.820" v="87" actId="208"/>
-          <ac:spMkLst>
-            <pc:docMk/>
-            <pc:sldMk cId="4015253138" sldId="256"/>
-            <ac:spMk id="60" creationId="{434CD0A7-75AC-3FD9-C253-71ECAF76C1CF}"/>
-          </ac:spMkLst>
-        </pc:spChg>
-        <pc:spChg chg="mod">
-          <ac:chgData name="huang tiansheng" userId="ce404ce9b0eeb6b1" providerId="LiveId" clId="{EB06CDAE-BA54-4CFD-A2C4-E868AFB5EDFD}" dt="2024-06-08T16:07:58.820" v="87" actId="208"/>
-          <ac:spMkLst>
-            <pc:docMk/>
-            <pc:sldMk cId="4015253138" sldId="256"/>
-            <ac:spMk id="61" creationId="{46E7DBE2-15B8-3AB2-CF25-7AC981C6E1D3}"/>
-          </ac:spMkLst>
-        </pc:spChg>
-        <pc:spChg chg="add mod topLvl">
-          <ac:chgData name="huang tiansheng" userId="ce404ce9b0eeb6b1" providerId="LiveId" clId="{EB06CDAE-BA54-4CFD-A2C4-E868AFB5EDFD}" dt="2024-06-08T16:10:19.609" v="156" actId="1076"/>
+          <ac:chgData name="tiansheng huang" userId="ce404ce9b0eeb6b1" providerId="LiveId" clId="{0FEE01C1-AAE0-4B6F-A070-B5523A5E5B07}" dt="2024-09-06T20:28:03.210" v="285" actId="478"/>
+          <ac:spMkLst>
+            <pc:docMk/>
+            <pc:sldMk cId="4015253138" sldId="256"/>
+            <ac:spMk id="51" creationId="{24B75BDF-76A3-67D9-1C9F-7A39586BDD95}"/>
+          </ac:spMkLst>
+        </pc:spChg>
+        <pc:spChg chg="del">
+          <ac:chgData name="tiansheng huang" userId="ce404ce9b0eeb6b1" providerId="LiveId" clId="{0FEE01C1-AAE0-4B6F-A070-B5523A5E5B07}" dt="2024-09-06T20:08:42.554" v="4" actId="478"/>
           <ac:spMkLst>
             <pc:docMk/>
             <pc:sldMk cId="4015253138" sldId="256"/>
             <ac:spMk id="74" creationId="{88861DEE-E896-FBA4-040A-178B10420E3F}"/>
           </ac:spMkLst>
         </pc:spChg>
-        <pc:spChg chg="add mod topLvl">
-          <ac:chgData name="huang tiansheng" userId="ce404ce9b0eeb6b1" providerId="LiveId" clId="{EB06CDAE-BA54-4CFD-A2C4-E868AFB5EDFD}" dt="2024-06-08T16:09:42.807" v="128" actId="1076"/>
+        <pc:spChg chg="del">
+          <ac:chgData name="tiansheng huang" userId="ce404ce9b0eeb6b1" providerId="LiveId" clId="{0FEE01C1-AAE0-4B6F-A070-B5523A5E5B07}" dt="2024-09-06T20:08:42.554" v="4" actId="478"/>
           <ac:spMkLst>
             <pc:docMk/>
             <pc:sldMk cId="4015253138" sldId="256"/>
             <ac:spMk id="76" creationId="{5FFB5373-B7DA-8295-8C80-FC18F587712B}"/>
           </ac:spMkLst>
         </pc:spChg>
-        <pc:spChg chg="add mod topLvl">
-          <ac:chgData name="huang tiansheng" userId="ce404ce9b0eeb6b1" providerId="LiveId" clId="{EB06CDAE-BA54-4CFD-A2C4-E868AFB5EDFD}" dt="2024-06-08T16:25:53.974" v="280"/>
-          <ac:spMkLst>
-            <pc:docMk/>
-            <pc:sldMk cId="4015253138" sldId="256"/>
-            <ac:spMk id="78" creationId="{B4E99C4C-7ED7-8CD3-65A4-9A2BE233E788}"/>
-          </ac:spMkLst>
-        </pc:spChg>
-        <pc:spChg chg="add mod topLvl">
-          <ac:chgData name="huang tiansheng" userId="ce404ce9b0eeb6b1" providerId="LiveId" clId="{EB06CDAE-BA54-4CFD-A2C4-E868AFB5EDFD}" dt="2024-06-08T16:26:08.225" v="281" actId="207"/>
-          <ac:spMkLst>
-            <pc:docMk/>
-            <pc:sldMk cId="4015253138" sldId="256"/>
-            <ac:spMk id="81" creationId="{FA96D195-632A-3994-B65A-B316EAE49BA5}"/>
+        <pc:spChg chg="add mod">
+          <ac:chgData name="tiansheng huang" userId="ce404ce9b0eeb6b1" providerId="LiveId" clId="{0FEE01C1-AAE0-4B6F-A070-B5523A5E5B07}" dt="2024-09-06T20:44:59.648" v="802" actId="1076"/>
+          <ac:spMkLst>
+            <pc:docMk/>
+            <pc:sldMk cId="4015253138" sldId="256"/>
+            <ac:spMk id="79" creationId="{7C30E312-5F00-56B5-BA3C-71D387D85DC8}"/>
+          </ac:spMkLst>
+        </pc:spChg>
+        <pc:spChg chg="add mod">
+          <ac:chgData name="tiansheng huang" userId="ce404ce9b0eeb6b1" providerId="LiveId" clId="{0FEE01C1-AAE0-4B6F-A070-B5523A5E5B07}" dt="2024-09-09T03:48:12.509" v="952" actId="1076"/>
+          <ac:spMkLst>
+            <pc:docMk/>
+            <pc:sldMk cId="4015253138" sldId="256"/>
+            <ac:spMk id="86" creationId="{40EE2A1C-7E55-4826-9F27-26FDB3221005}"/>
+          </ac:spMkLst>
+        </pc:spChg>
+        <pc:spChg chg="add mod">
+          <ac:chgData name="tiansheng huang" userId="ce404ce9b0eeb6b1" providerId="LiveId" clId="{0FEE01C1-AAE0-4B6F-A070-B5523A5E5B07}" dt="2024-09-15T22:45:21.099" v="986" actId="14100"/>
+          <ac:spMkLst>
+            <pc:docMk/>
+            <pc:sldMk cId="4015253138" sldId="256"/>
+            <ac:spMk id="87" creationId="{A835AC6E-D7A2-FDC1-6957-7148CD996EED}"/>
+          </ac:spMkLst>
+        </pc:spChg>
+        <pc:spChg chg="add mod">
+          <ac:chgData name="tiansheng huang" userId="ce404ce9b0eeb6b1" providerId="LiveId" clId="{0FEE01C1-AAE0-4B6F-A070-B5523A5E5B07}" dt="2024-09-15T22:45:24.917" v="988" actId="20577"/>
+          <ac:spMkLst>
+            <pc:docMk/>
+            <pc:sldMk cId="4015253138" sldId="256"/>
+            <ac:spMk id="112" creationId="{F81DE11F-61F2-B825-376F-CD91C0E41875}"/>
+          </ac:spMkLst>
+        </pc:spChg>
+        <pc:spChg chg="add mod">
+          <ac:chgData name="tiansheng huang" userId="ce404ce9b0eeb6b1" providerId="LiveId" clId="{0FEE01C1-AAE0-4B6F-A070-B5523A5E5B07}" dt="2024-09-06T20:45:03.427" v="820" actId="1037"/>
+          <ac:spMkLst>
+            <pc:docMk/>
+            <pc:sldMk cId="4015253138" sldId="256"/>
+            <ac:spMk id="117" creationId="{09E490BE-1CE3-51F2-48A5-3C364515BC0B}"/>
           </ac:spMkLst>
         </pc:spChg>
         <pc:spChg chg="add del mod">
-          <ac:chgData name="huang tiansheng" userId="ce404ce9b0eeb6b1" providerId="LiveId" clId="{EB06CDAE-BA54-4CFD-A2C4-E868AFB5EDFD}" dt="2024-06-08T15:59:48.213" v="10" actId="478"/>
-          <ac:spMkLst>
-            <pc:docMk/>
-            <pc:sldMk cId="4015253138" sldId="256"/>
-            <ac:spMk id="84" creationId="{E8AA890C-FADC-D84E-7AB0-99490EA5C16F}"/>
+          <ac:chgData name="tiansheng huang" userId="ce404ce9b0eeb6b1" providerId="LiveId" clId="{0FEE01C1-AAE0-4B6F-A070-B5523A5E5B07}" dt="2024-09-06T20:49:42.823" v="862" actId="478"/>
+          <ac:spMkLst>
+            <pc:docMk/>
+            <pc:sldMk cId="4015253138" sldId="256"/>
+            <ac:spMk id="118" creationId="{CC48AF56-85A6-C67C-ED3B-34B190654A37}"/>
+          </ac:spMkLst>
+        </pc:spChg>
+        <pc:spChg chg="add del">
+          <ac:chgData name="tiansheng huang" userId="ce404ce9b0eeb6b1" providerId="LiveId" clId="{0FEE01C1-AAE0-4B6F-A070-B5523A5E5B07}" dt="2024-09-06T20:32:12.334" v="419" actId="22"/>
+          <ac:spMkLst>
+            <pc:docMk/>
+            <pc:sldMk cId="4015253138" sldId="256"/>
+            <ac:spMk id="121" creationId="{CA0F9904-EB1E-EE89-F0E3-CFA8ED29D120}"/>
+          </ac:spMkLst>
+        </pc:spChg>
+        <pc:spChg chg="add mod">
+          <ac:chgData name="tiansheng huang" userId="ce404ce9b0eeb6b1" providerId="LiveId" clId="{0FEE01C1-AAE0-4B6F-A070-B5523A5E5B07}" dt="2024-09-06T20:54:37.246" v="909" actId="1076"/>
+          <ac:spMkLst>
+            <pc:docMk/>
+            <pc:sldMk cId="4015253138" sldId="256"/>
+            <ac:spMk id="123" creationId="{6174B9E8-6361-F507-8FFC-1745ED803EE3}"/>
+          </ac:spMkLst>
+        </pc:spChg>
+        <pc:spChg chg="add mod">
+          <ac:chgData name="tiansheng huang" userId="ce404ce9b0eeb6b1" providerId="LiveId" clId="{0FEE01C1-AAE0-4B6F-A070-B5523A5E5B07}" dt="2024-09-06T20:54:34.680" v="908" actId="1035"/>
+          <ac:spMkLst>
+            <pc:docMk/>
+            <pc:sldMk cId="4015253138" sldId="256"/>
+            <ac:spMk id="124" creationId="{650F5518-EB6C-54CB-19C2-3C145A39250A}"/>
+          </ac:spMkLst>
+        </pc:spChg>
+        <pc:spChg chg="add mod">
+          <ac:chgData name="tiansheng huang" userId="ce404ce9b0eeb6b1" providerId="LiveId" clId="{0FEE01C1-AAE0-4B6F-A070-B5523A5E5B07}" dt="2024-09-06T20:54:50.836" v="912" actId="1076"/>
+          <ac:spMkLst>
+            <pc:docMk/>
+            <pc:sldMk cId="4015253138" sldId="256"/>
+            <ac:spMk id="127" creationId="{49B23691-A4FE-0D54-211D-B3C19E2445B6}"/>
+          </ac:spMkLst>
+        </pc:spChg>
+        <pc:spChg chg="add mod">
+          <ac:chgData name="tiansheng huang" userId="ce404ce9b0eeb6b1" providerId="LiveId" clId="{0FEE01C1-AAE0-4B6F-A070-B5523A5E5B07}" dt="2024-09-09T03:48:04.619" v="950" actId="1076"/>
+          <ac:spMkLst>
+            <pc:docMk/>
+            <pc:sldMk cId="4015253138" sldId="256"/>
+            <ac:spMk id="128" creationId="{EB3056E1-5C7E-B57C-C6A1-EA7BFF232712}"/>
+          </ac:spMkLst>
+        </pc:spChg>
+        <pc:spChg chg="add mod">
+          <ac:chgData name="tiansheng huang" userId="ce404ce9b0eeb6b1" providerId="LiveId" clId="{0FEE01C1-AAE0-4B6F-A070-B5523A5E5B07}" dt="2024-09-06T20:55:39.217" v="919" actId="113"/>
+          <ac:spMkLst>
+            <pc:docMk/>
+            <pc:sldMk cId="4015253138" sldId="256"/>
+            <ac:spMk id="130" creationId="{3C8EC8E7-3769-AD01-B172-858D77A38408}"/>
           </ac:spMkLst>
         </pc:spChg>
         <pc:spChg chg="add del mod">
-          <ac:chgData name="huang tiansheng" userId="ce404ce9b0eeb6b1" providerId="LiveId" clId="{EB06CDAE-BA54-4CFD-A2C4-E868AFB5EDFD}" dt="2024-06-08T15:59:48.213" v="10" actId="478"/>
-          <ac:spMkLst>
-            <pc:docMk/>
-            <pc:sldMk cId="4015253138" sldId="256"/>
-            <ac:spMk id="85" creationId="{C213D4F2-9163-6B87-C22E-7B4F01A1A23F}"/>
-          </ac:spMkLst>
-        </pc:spChg>
-        <pc:spChg chg="add del mod">
-          <ac:chgData name="huang tiansheng" userId="ce404ce9b0eeb6b1" providerId="LiveId" clId="{EB06CDAE-BA54-4CFD-A2C4-E868AFB5EDFD}" dt="2024-06-08T15:59:48.213" v="10" actId="478"/>
-          <ac:spMkLst>
-            <pc:docMk/>
-            <pc:sldMk cId="4015253138" sldId="256"/>
-            <ac:spMk id="87" creationId="{D5A04866-863A-BBE0-4A43-42E087B270DF}"/>
-          </ac:spMkLst>
-        </pc:spChg>
-        <pc:spChg chg="add mod topLvl">
-          <ac:chgData name="huang tiansheng" userId="ce404ce9b0eeb6b1" providerId="LiveId" clId="{EB06CDAE-BA54-4CFD-A2C4-E868AFB5EDFD}" dt="2024-06-08T16:09:42.807" v="128" actId="1076"/>
-          <ac:spMkLst>
-            <pc:docMk/>
-            <pc:sldMk cId="4015253138" sldId="256"/>
-            <ac:spMk id="90" creationId="{ACCEC39E-8E07-DF90-977A-BCFE1D8BA1D5}"/>
-          </ac:spMkLst>
-        </pc:spChg>
-        <pc:spChg chg="mod">
-          <ac:chgData name="huang tiansheng" userId="ce404ce9b0eeb6b1" providerId="LiveId" clId="{EB06CDAE-BA54-4CFD-A2C4-E868AFB5EDFD}" dt="2024-06-08T16:07:51.374" v="86" actId="165"/>
-          <ac:spMkLst>
-            <pc:docMk/>
-            <pc:sldMk cId="4015253138" sldId="256"/>
-            <ac:spMk id="92" creationId="{76CD8B40-1547-09C1-1C86-E84FD96B54AE}"/>
-          </ac:spMkLst>
-        </pc:spChg>
-        <pc:spChg chg="mod">
-          <ac:chgData name="huang tiansheng" userId="ce404ce9b0eeb6b1" providerId="LiveId" clId="{EB06CDAE-BA54-4CFD-A2C4-E868AFB5EDFD}" dt="2024-06-08T16:07:51.374" v="86" actId="165"/>
-          <ac:spMkLst>
-            <pc:docMk/>
-            <pc:sldMk cId="4015253138" sldId="256"/>
-            <ac:spMk id="93" creationId="{F2F3CF52-EE3A-C09C-2B7E-91C99EC752F4}"/>
-          </ac:spMkLst>
-        </pc:spChg>
-        <pc:spChg chg="mod">
-          <ac:chgData name="huang tiansheng" userId="ce404ce9b0eeb6b1" providerId="LiveId" clId="{EB06CDAE-BA54-4CFD-A2C4-E868AFB5EDFD}" dt="2024-06-08T16:07:51.374" v="86" actId="165"/>
-          <ac:spMkLst>
-            <pc:docMk/>
-            <pc:sldMk cId="4015253138" sldId="256"/>
-            <ac:spMk id="94" creationId="{AFA6ABC2-035C-431C-6ECF-D97E42A91BC6}"/>
-          </ac:spMkLst>
-        </pc:spChg>
-        <pc:spChg chg="mod">
-          <ac:chgData name="huang tiansheng" userId="ce404ce9b0eeb6b1" providerId="LiveId" clId="{EB06CDAE-BA54-4CFD-A2C4-E868AFB5EDFD}" dt="2024-06-08T16:07:51.374" v="86" actId="165"/>
-          <ac:spMkLst>
-            <pc:docMk/>
-            <pc:sldMk cId="4015253138" sldId="256"/>
-            <ac:spMk id="95" creationId="{91B02723-3287-E2BA-94D5-D93A32DD817D}"/>
-          </ac:spMkLst>
-        </pc:spChg>
-        <pc:spChg chg="mod">
-          <ac:chgData name="huang tiansheng" userId="ce404ce9b0eeb6b1" providerId="LiveId" clId="{EB06CDAE-BA54-4CFD-A2C4-E868AFB5EDFD}" dt="2024-06-08T16:07:51.374" v="86" actId="165"/>
-          <ac:spMkLst>
-            <pc:docMk/>
-            <pc:sldMk cId="4015253138" sldId="256"/>
-            <ac:spMk id="96" creationId="{54140254-E651-126B-8E32-22573A032DDA}"/>
-          </ac:spMkLst>
-        </pc:spChg>
-        <pc:spChg chg="mod">
-          <ac:chgData name="huang tiansheng" userId="ce404ce9b0eeb6b1" providerId="LiveId" clId="{EB06CDAE-BA54-4CFD-A2C4-E868AFB5EDFD}" dt="2024-06-08T16:07:51.374" v="86" actId="165"/>
-          <ac:spMkLst>
-            <pc:docMk/>
-            <pc:sldMk cId="4015253138" sldId="256"/>
-            <ac:spMk id="97" creationId="{08FF12A9-3A78-8078-6AC0-E75216FB5DC3}"/>
-          </ac:spMkLst>
-        </pc:spChg>
-        <pc:spChg chg="mod">
-          <ac:chgData name="huang tiansheng" userId="ce404ce9b0eeb6b1" providerId="LiveId" clId="{EB06CDAE-BA54-4CFD-A2C4-E868AFB5EDFD}" dt="2024-06-08T16:07:51.374" v="86" actId="165"/>
-          <ac:spMkLst>
-            <pc:docMk/>
-            <pc:sldMk cId="4015253138" sldId="256"/>
-            <ac:spMk id="98" creationId="{E6D82B1E-35C2-3604-1ECA-ED120562DA9F}"/>
-          </ac:spMkLst>
-        </pc:spChg>
-        <pc:spChg chg="add mod topLvl">
-          <ac:chgData name="huang tiansheng" userId="ce404ce9b0eeb6b1" providerId="LiveId" clId="{EB06CDAE-BA54-4CFD-A2C4-E868AFB5EDFD}" dt="2024-06-08T16:09:42.807" v="128" actId="1076"/>
-          <ac:spMkLst>
-            <pc:docMk/>
-            <pc:sldMk cId="4015253138" sldId="256"/>
-            <ac:spMk id="112" creationId="{581A5E93-88CD-5DD9-A0A1-27B0B690DEE0}"/>
-          </ac:spMkLst>
-        </pc:spChg>
-        <pc:spChg chg="mod">
-          <ac:chgData name="huang tiansheng" userId="ce404ce9b0eeb6b1" providerId="LiveId" clId="{EB06CDAE-BA54-4CFD-A2C4-E868AFB5EDFD}" dt="2024-06-08T16:07:51.374" v="86" actId="165"/>
-          <ac:spMkLst>
-            <pc:docMk/>
-            <pc:sldMk cId="4015253138" sldId="256"/>
-            <ac:spMk id="114" creationId="{5C19BBB6-AC92-79C5-6283-BAE228F7B65A}"/>
-          </ac:spMkLst>
-        </pc:spChg>
-        <pc:spChg chg="mod">
-          <ac:chgData name="huang tiansheng" userId="ce404ce9b0eeb6b1" providerId="LiveId" clId="{EB06CDAE-BA54-4CFD-A2C4-E868AFB5EDFD}" dt="2024-06-08T16:07:51.374" v="86" actId="165"/>
-          <ac:spMkLst>
-            <pc:docMk/>
-            <pc:sldMk cId="4015253138" sldId="256"/>
-            <ac:spMk id="115" creationId="{309BF235-0FF3-5FA5-CDD6-70D5D50A5AE7}"/>
-          </ac:spMkLst>
-        </pc:spChg>
-        <pc:spChg chg="mod">
-          <ac:chgData name="huang tiansheng" userId="ce404ce9b0eeb6b1" providerId="LiveId" clId="{EB06CDAE-BA54-4CFD-A2C4-E868AFB5EDFD}" dt="2024-06-08T16:07:51.374" v="86" actId="165"/>
-          <ac:spMkLst>
-            <pc:docMk/>
-            <pc:sldMk cId="4015253138" sldId="256"/>
-            <ac:spMk id="116" creationId="{B012FB6D-3891-FB40-AE1E-DBD3DF934E4B}"/>
-          </ac:spMkLst>
-        </pc:spChg>
-        <pc:spChg chg="mod">
-          <ac:chgData name="huang tiansheng" userId="ce404ce9b0eeb6b1" providerId="LiveId" clId="{EB06CDAE-BA54-4CFD-A2C4-E868AFB5EDFD}" dt="2024-06-08T16:07:51.374" v="86" actId="165"/>
-          <ac:spMkLst>
-            <pc:docMk/>
-            <pc:sldMk cId="4015253138" sldId="256"/>
-            <ac:spMk id="117" creationId="{3A3CBC2A-9319-3107-B79C-7763B77CD757}"/>
-          </ac:spMkLst>
-        </pc:spChg>
-        <pc:spChg chg="mod">
-          <ac:chgData name="huang tiansheng" userId="ce404ce9b0eeb6b1" providerId="LiveId" clId="{EB06CDAE-BA54-4CFD-A2C4-E868AFB5EDFD}" dt="2024-06-08T16:07:51.374" v="86" actId="165"/>
-          <ac:spMkLst>
-            <pc:docMk/>
-            <pc:sldMk cId="4015253138" sldId="256"/>
-            <ac:spMk id="118" creationId="{DA2E5F86-4545-452D-770F-40E580F9B995}"/>
-          </ac:spMkLst>
-        </pc:spChg>
-        <pc:spChg chg="mod">
-          <ac:chgData name="huang tiansheng" userId="ce404ce9b0eeb6b1" providerId="LiveId" clId="{EB06CDAE-BA54-4CFD-A2C4-E868AFB5EDFD}" dt="2024-06-08T16:07:51.374" v="86" actId="165"/>
-          <ac:spMkLst>
-            <pc:docMk/>
-            <pc:sldMk cId="4015253138" sldId="256"/>
-            <ac:spMk id="119" creationId="{76ED28F3-9D30-194B-7C42-F976BF680457}"/>
-          </ac:spMkLst>
-        </pc:spChg>
-        <pc:spChg chg="mod">
-          <ac:chgData name="huang tiansheng" userId="ce404ce9b0eeb6b1" providerId="LiveId" clId="{EB06CDAE-BA54-4CFD-A2C4-E868AFB5EDFD}" dt="2024-06-08T16:07:51.374" v="86" actId="165"/>
-          <ac:spMkLst>
-            <pc:docMk/>
-            <pc:sldMk cId="4015253138" sldId="256"/>
-            <ac:spMk id="120" creationId="{67B921AA-BF27-6EF1-AFDC-D5A59E578967}"/>
-          </ac:spMkLst>
-        </pc:spChg>
-        <pc:spChg chg="add mod topLvl">
-          <ac:chgData name="huang tiansheng" userId="ce404ce9b0eeb6b1" providerId="LiveId" clId="{EB06CDAE-BA54-4CFD-A2C4-E868AFB5EDFD}" dt="2024-06-08T16:11:50.094" v="196" actId="1076"/>
-          <ac:spMkLst>
-            <pc:docMk/>
-            <pc:sldMk cId="4015253138" sldId="256"/>
-            <ac:spMk id="133" creationId="{FE937F06-E35B-0C37-5E86-C98CA3D73C5A}"/>
-          </ac:spMkLst>
-        </pc:spChg>
-        <pc:spChg chg="add mod topLvl">
-          <ac:chgData name="huang tiansheng" userId="ce404ce9b0eeb6b1" providerId="LiveId" clId="{EB06CDAE-BA54-4CFD-A2C4-E868AFB5EDFD}" dt="2024-06-08T16:25:10.597" v="275" actId="1076"/>
-          <ac:spMkLst>
-            <pc:docMk/>
-            <pc:sldMk cId="4015253138" sldId="256"/>
-            <ac:spMk id="136" creationId="{4A96D54C-7650-F2B3-ECF2-EDE92DC79F50}"/>
-          </ac:spMkLst>
-        </pc:spChg>
-        <pc:spChg chg="add del mod">
-          <ac:chgData name="huang tiansheng" userId="ce404ce9b0eeb6b1" providerId="LiveId" clId="{EB06CDAE-BA54-4CFD-A2C4-E868AFB5EDFD}" dt="2024-06-08T16:00:12.884" v="17" actId="478"/>
-          <ac:spMkLst>
-            <pc:docMk/>
-            <pc:sldMk cId="4015253138" sldId="256"/>
-            <ac:spMk id="137" creationId="{2C4A4ECA-7D7D-48D0-DEBE-29D46C27800E}"/>
-          </ac:spMkLst>
-        </pc:spChg>
-        <pc:spChg chg="mod">
-          <ac:chgData name="huang tiansheng" userId="ce404ce9b0eeb6b1" providerId="LiveId" clId="{EB06CDAE-BA54-4CFD-A2C4-E868AFB5EDFD}" dt="2024-06-08T16:07:51.374" v="86" actId="165"/>
-          <ac:spMkLst>
-            <pc:docMk/>
-            <pc:sldMk cId="4015253138" sldId="256"/>
-            <ac:spMk id="140" creationId="{DF8D386A-58EA-9C17-298E-206C20C3A488}"/>
-          </ac:spMkLst>
-        </pc:spChg>
-        <pc:spChg chg="mod">
-          <ac:chgData name="huang tiansheng" userId="ce404ce9b0eeb6b1" providerId="LiveId" clId="{EB06CDAE-BA54-4CFD-A2C4-E868AFB5EDFD}" dt="2024-06-08T16:22:28.587" v="263" actId="207"/>
-          <ac:spMkLst>
-            <pc:docMk/>
-            <pc:sldMk cId="4015253138" sldId="256"/>
-            <ac:spMk id="141" creationId="{E7090223-9172-08E8-577D-DD43B4F82DE4}"/>
+          <ac:chgData name="tiansheng huang" userId="ce404ce9b0eeb6b1" providerId="LiveId" clId="{0FEE01C1-AAE0-4B6F-A070-B5523A5E5B07}" dt="2024-09-06T20:49:35.455" v="858" actId="478"/>
+          <ac:spMkLst>
+            <pc:docMk/>
+            <pc:sldMk cId="4015253138" sldId="256"/>
+            <ac:spMk id="131" creationId="{17708C6D-DD93-9E48-6629-16CFA99358C7}"/>
           </ac:spMkLst>
         </pc:spChg>
         <pc:spChg chg="add mod">
-          <ac:chgData name="huang tiansheng" userId="ce404ce9b0eeb6b1" providerId="LiveId" clId="{EB06CDAE-BA54-4CFD-A2C4-E868AFB5EDFD}" dt="2024-06-08T16:03:58.021" v="66" actId="571"/>
-          <ac:spMkLst>
-            <pc:docMk/>
-            <pc:sldMk cId="4015253138" sldId="256"/>
-            <ac:spMk id="147" creationId="{F7B0467B-C716-C2B8-2F4E-9B0364A95D2E}"/>
+          <ac:chgData name="tiansheng huang" userId="ce404ce9b0eeb6b1" providerId="LiveId" clId="{0FEE01C1-AAE0-4B6F-A070-B5523A5E5B07}" dt="2024-09-06T20:49:31.036" v="855" actId="1076"/>
+          <ac:spMkLst>
+            <pc:docMk/>
+            <pc:sldMk cId="4015253138" sldId="256"/>
+            <ac:spMk id="132" creationId="{514BCFC8-D1DA-5BFC-1C59-BD126C641D67}"/>
           </ac:spMkLst>
         </pc:spChg>
         <pc:spChg chg="add mod">
-          <ac:chgData name="huang tiansheng" userId="ce404ce9b0eeb6b1" providerId="LiveId" clId="{EB06CDAE-BA54-4CFD-A2C4-E868AFB5EDFD}" dt="2024-06-08T16:16:34.671" v="200" actId="1076"/>
-          <ac:spMkLst>
-            <pc:docMk/>
-            <pc:sldMk cId="4015253138" sldId="256"/>
-            <ac:spMk id="149" creationId="{92B440F1-A0AC-A206-D87C-644C4EFFC903}"/>
+          <ac:chgData name="tiansheng huang" userId="ce404ce9b0eeb6b1" providerId="LiveId" clId="{0FEE01C1-AAE0-4B6F-A070-B5523A5E5B07}" dt="2024-09-06T20:49:38.670" v="859" actId="1076"/>
+          <ac:spMkLst>
+            <pc:docMk/>
+            <pc:sldMk cId="4015253138" sldId="256"/>
+            <ac:spMk id="133" creationId="{037D2182-56AE-2D1A-BDC4-26EBF218C179}"/>
           </ac:spMkLst>
         </pc:spChg>
         <pc:spChg chg="add mod">
-          <ac:chgData name="huang tiansheng" userId="ce404ce9b0eeb6b1" providerId="LiveId" clId="{EB06CDAE-BA54-4CFD-A2C4-E868AFB5EDFD}" dt="2024-06-08T16:26:46.018" v="284" actId="207"/>
-          <ac:spMkLst>
-            <pc:docMk/>
-            <pc:sldMk cId="4015253138" sldId="256"/>
-            <ac:spMk id="151" creationId="{FFAF7BB1-D9E9-ECC0-FF7B-9867C1D55211}"/>
-          </ac:spMkLst>
-        </pc:spChg>
-        <pc:grpChg chg="add mod topLvl">
-          <ac:chgData name="huang tiansheng" userId="ce404ce9b0eeb6b1" providerId="LiveId" clId="{EB06CDAE-BA54-4CFD-A2C4-E868AFB5EDFD}" dt="2024-06-08T16:09:42.807" v="128" actId="1076"/>
+          <ac:chgData name="tiansheng huang" userId="ce404ce9b0eeb6b1" providerId="LiveId" clId="{0FEE01C1-AAE0-4B6F-A070-B5523A5E5B07}" dt="2024-09-06T20:49:47.874" v="863" actId="1076"/>
+          <ac:spMkLst>
+            <pc:docMk/>
+            <pc:sldMk cId="4015253138" sldId="256"/>
+            <ac:spMk id="134" creationId="{05AFB109-3E6F-AE97-A1CB-2C006149597A}"/>
+          </ac:spMkLst>
+        </pc:spChg>
+        <pc:grpChg chg="del">
+          <ac:chgData name="tiansheng huang" userId="ce404ce9b0eeb6b1" providerId="LiveId" clId="{0FEE01C1-AAE0-4B6F-A070-B5523A5E5B07}" dt="2024-09-06T20:08:42.554" v="4" actId="478"/>
           <ac:grpSpMkLst>
             <pc:docMk/>
             <pc:sldMk cId="4015253138" sldId="256"/>
-            <ac:grpSpMk id="6" creationId="{F7D8132E-0613-4B72-175D-393E968A17F4}"/>
+            <ac:grpSpMk id="2" creationId="{E8F8DDD2-6576-1839-89F8-0D0A58CD36A1}"/>
           </ac:grpSpMkLst>
         </pc:grpChg>
-        <pc:grpChg chg="add del mod">
-          <ac:chgData name="huang tiansheng" userId="ce404ce9b0eeb6b1" providerId="LiveId" clId="{EB06CDAE-BA54-4CFD-A2C4-E868AFB5EDFD}" dt="2024-06-08T15:59:48.213" v="10" actId="478"/>
+        <pc:grpChg chg="del">
+          <ac:chgData name="tiansheng huang" userId="ce404ce9b0eeb6b1" providerId="LiveId" clId="{0FEE01C1-AAE0-4B6F-A070-B5523A5E5B07}" dt="2024-09-06T20:08:42.554" v="4" actId="478"/>
           <ac:grpSpMkLst>
             <pc:docMk/>
             <pc:sldMk cId="4015253138" sldId="256"/>
-            <ac:grpSpMk id="30" creationId="{9561295D-7892-49FA-AEF5-7A24CBF35866}"/>
+            <ac:grpSpMk id="33" creationId="{36AF2099-2B92-BE9E-C0EF-40A457A5AB5A}"/>
           </ac:grpSpMkLst>
         </pc:grpChg>
-        <pc:grpChg chg="add mod topLvl">
-          <ac:chgData name="huang tiansheng" userId="ce404ce9b0eeb6b1" providerId="LiveId" clId="{EB06CDAE-BA54-4CFD-A2C4-E868AFB5EDFD}" dt="2024-06-08T16:09:42.807" v="128" actId="1076"/>
+        <pc:grpChg chg="del">
+          <ac:chgData name="tiansheng huang" userId="ce404ce9b0eeb6b1" providerId="LiveId" clId="{0FEE01C1-AAE0-4B6F-A070-B5523A5E5B07}" dt="2024-09-06T20:08:42.554" v="4" actId="478"/>
           <ac:grpSpMkLst>
             <pc:docMk/>
             <pc:sldMk cId="4015253138" sldId="256"/>
-            <ac:grpSpMk id="54" creationId="{01602F76-D934-B860-89C9-5DBC0ED36114}"/>
+            <ac:grpSpMk id="34" creationId="{10651B93-A1E9-27CD-9BCC-1069609191ED}"/>
           </ac:grpSpMkLst>
         </pc:grpChg>
-        <pc:grpChg chg="add del mod topLvl">
-          <ac:chgData name="huang tiansheng" userId="ce404ce9b0eeb6b1" providerId="LiveId" clId="{EB06CDAE-BA54-4CFD-A2C4-E868AFB5EDFD}" dt="2024-06-08T16:09:42.807" v="128" actId="1076"/>
+        <pc:grpChg chg="del">
+          <ac:chgData name="tiansheng huang" userId="ce404ce9b0eeb6b1" providerId="LiveId" clId="{0FEE01C1-AAE0-4B6F-A070-B5523A5E5B07}" dt="2024-09-06T20:08:42.554" v="4" actId="478"/>
           <ac:grpSpMkLst>
             <pc:docMk/>
             <pc:sldMk cId="4015253138" sldId="256"/>
-            <ac:grpSpMk id="91" creationId="{85EAFF53-1E85-B656-21F6-ABF601D9F5A9}"/>
+            <ac:grpSpMk id="35" creationId="{AD8E9819-B6E4-A4E8-DA81-26ABE4DB3065}"/>
           </ac:grpSpMkLst>
         </pc:grpChg>
-        <pc:grpChg chg="add mod topLvl">
-          <ac:chgData name="huang tiansheng" userId="ce404ce9b0eeb6b1" providerId="LiveId" clId="{EB06CDAE-BA54-4CFD-A2C4-E868AFB5EDFD}" dt="2024-06-08T16:09:42.807" v="128" actId="1076"/>
+        <pc:grpChg chg="del">
+          <ac:chgData name="tiansheng huang" userId="ce404ce9b0eeb6b1" providerId="LiveId" clId="{0FEE01C1-AAE0-4B6F-A070-B5523A5E5B07}" dt="2024-09-06T20:08:42.554" v="4" actId="478"/>
           <ac:grpSpMkLst>
             <pc:docMk/>
             <pc:sldMk cId="4015253138" sldId="256"/>
-            <ac:grpSpMk id="113" creationId="{8668B8AC-3C7A-85C4-5124-01ACEF69334C}"/>
+            <ac:grpSpMk id="41" creationId="{3C93B3F4-ECB3-D169-5F15-5F8D7676DF23}"/>
           </ac:grpSpMkLst>
         </pc:grpChg>
-        <pc:grpChg chg="add mod topLvl">
-          <ac:chgData name="huang tiansheng" userId="ce404ce9b0eeb6b1" providerId="LiveId" clId="{EB06CDAE-BA54-4CFD-A2C4-E868AFB5EDFD}" dt="2024-06-08T16:11:31.861" v="194" actId="1076"/>
+        <pc:grpChg chg="del">
+          <ac:chgData name="tiansheng huang" userId="ce404ce9b0eeb6b1" providerId="LiveId" clId="{0FEE01C1-AAE0-4B6F-A070-B5523A5E5B07}" dt="2024-09-06T20:08:42.554" v="4" actId="478"/>
           <ac:grpSpMkLst>
             <pc:docMk/>
             <pc:sldMk cId="4015253138" sldId="256"/>
             <ac:grpSpMk id="138" creationId="{26A317EC-756C-5A3A-2518-65A4E534030E}"/>
           </ac:grpSpMkLst>
         </pc:grpChg>
-        <pc:grpChg chg="add del mod">
-          <ac:chgData name="huang tiansheng" userId="ce404ce9b0eeb6b1" providerId="LiveId" clId="{EB06CDAE-BA54-4CFD-A2C4-E868AFB5EDFD}" dt="2024-06-08T16:07:51.374" v="86" actId="165"/>
-          <ac:grpSpMkLst>
-            <pc:docMk/>
-            <pc:sldMk cId="4015253138" sldId="256"/>
-            <ac:grpSpMk id="148" creationId="{25ED626D-26FD-45E9-1864-49785CFA09A9}"/>
-          </ac:grpSpMkLst>
-        </pc:grpChg>
-        <pc:picChg chg="add del mod">
-          <ac:chgData name="huang tiansheng" userId="ce404ce9b0eeb6b1" providerId="LiveId" clId="{EB06CDAE-BA54-4CFD-A2C4-E868AFB5EDFD}" dt="2024-06-08T15:59:48.213" v="10" actId="478"/>
+        <pc:picChg chg="add mod">
+          <ac:chgData name="tiansheng huang" userId="ce404ce9b0eeb6b1" providerId="LiveId" clId="{0FEE01C1-AAE0-4B6F-A070-B5523A5E5B07}" dt="2024-09-06T20:55:03.294" v="916" actId="1076"/>
           <ac:picMkLst>
             <pc:docMk/>
             <pc:sldMk cId="4015253138" sldId="256"/>
-            <ac:picMk id="51" creationId="{2300A366-5F4E-5D21-75A8-48C76B1E6D2A}"/>
+            <ac:picMk id="36" creationId="{F1A2BCCA-E415-10E2-DC25-0D06B157BD3E}"/>
           </ac:picMkLst>
         </pc:picChg>
-        <pc:picChg chg="add mod topLvl">
-          <ac:chgData name="huang tiansheng" userId="ce404ce9b0eeb6b1" providerId="LiveId" clId="{EB06CDAE-BA54-4CFD-A2C4-E868AFB5EDFD}" dt="2024-06-08T16:09:42.807" v="128" actId="1076"/>
+        <pc:picChg chg="del">
+          <ac:chgData name="tiansheng huang" userId="ce404ce9b0eeb6b1" providerId="LiveId" clId="{0FEE01C1-AAE0-4B6F-A070-B5523A5E5B07}" dt="2024-09-06T20:08:42.554" v="4" actId="478"/>
           <ac:picMkLst>
             <pc:docMk/>
             <pc:sldMk cId="4015253138" sldId="256"/>
-            <ac:picMk id="52" creationId="{87AFDDA5-77A7-40A7-F3BE-E8A1D0EB843F}"/>
+            <ac:picMk id="38" creationId="{B8D5E6A4-6EEC-9C9A-1CD4-55709412E5B3}"/>
           </ac:picMkLst>
         </pc:picChg>
-        <pc:picChg chg="add mod topLvl">
-          <ac:chgData name="huang tiansheng" userId="ce404ce9b0eeb6b1" providerId="LiveId" clId="{EB06CDAE-BA54-4CFD-A2C4-E868AFB5EDFD}" dt="2024-06-08T16:09:42.807" v="128" actId="1076"/>
+        <pc:picChg chg="add mod">
+          <ac:chgData name="tiansheng huang" userId="ce404ce9b0eeb6b1" providerId="LiveId" clId="{0FEE01C1-AAE0-4B6F-A070-B5523A5E5B07}" dt="2024-09-06T20:45:35.483" v="839" actId="1076"/>
           <ac:picMkLst>
             <pc:docMk/>
             <pc:sldMk cId="4015253138" sldId="256"/>
-            <ac:picMk id="77" creationId="{5A539B92-1812-B195-B070-6808C0884E79}"/>
+            <ac:picMk id="39" creationId="{CE1032F7-9290-71AB-C7CE-7AC78606671F}"/>
+          </ac:picMkLst>
+        </pc:picChg>
+        <pc:picChg chg="add mod">
+          <ac:chgData name="tiansheng huang" userId="ce404ce9b0eeb6b1" providerId="LiveId" clId="{0FEE01C1-AAE0-4B6F-A070-B5523A5E5B07}" dt="2024-09-06T20:49:12.089" v="847" actId="1076"/>
+          <ac:picMkLst>
+            <pc:docMk/>
+            <pc:sldMk cId="4015253138" sldId="256"/>
+            <ac:picMk id="43" creationId="{817AAFF6-81F4-8480-7CBE-CE6C9A3E86DD}"/>
           </ac:picMkLst>
         </pc:picChg>
         <pc:picChg chg="add del mod">
-          <ac:chgData name="huang tiansheng" userId="ce404ce9b0eeb6b1" providerId="LiveId" clId="{EB06CDAE-BA54-4CFD-A2C4-E868AFB5EDFD}" dt="2024-06-08T15:59:48.213" v="10" actId="478"/>
+          <ac:chgData name="tiansheng huang" userId="ce404ce9b0eeb6b1" providerId="LiveId" clId="{0FEE01C1-AAE0-4B6F-A070-B5523A5E5B07}" dt="2024-09-06T20:15:20.153" v="66" actId="478"/>
           <ac:picMkLst>
             <pc:docMk/>
             <pc:sldMk cId="4015253138" sldId="256"/>
-            <ac:picMk id="79" creationId="{3A6D9260-E4D6-258B-795E-44EC2508BEEF}"/>
+            <ac:picMk id="45" creationId="{76D92D6E-1F61-AE23-B895-19AC6A25DBC7}"/>
           </ac:picMkLst>
         </pc:picChg>
-        <pc:picChg chg="add mod topLvl">
-          <ac:chgData name="huang tiansheng" userId="ce404ce9b0eeb6b1" providerId="LiveId" clId="{EB06CDAE-BA54-4CFD-A2C4-E868AFB5EDFD}" dt="2024-06-08T16:25:53.974" v="280"/>
+        <pc:picChg chg="add mod">
+          <ac:chgData name="tiansheng huang" userId="ce404ce9b0eeb6b1" providerId="LiveId" clId="{0FEE01C1-AAE0-4B6F-A070-B5523A5E5B07}" dt="2024-09-06T20:49:24.952" v="853" actId="14100"/>
           <ac:picMkLst>
             <pc:docMk/>
             <pc:sldMk cId="4015253138" sldId="256"/>
-            <ac:picMk id="80" creationId="{3013D77F-A847-BDF0-4C9C-8CF860E6961A}"/>
+            <ac:picMk id="47" creationId="{33E56DCE-62BC-891D-DBAB-205510C11756}"/>
           </ac:picMkLst>
         </pc:picChg>
-        <pc:picChg chg="add mod topLvl">
-          <ac:chgData name="huang tiansheng" userId="ce404ce9b0eeb6b1" providerId="LiveId" clId="{EB06CDAE-BA54-4CFD-A2C4-E868AFB5EDFD}" dt="2024-06-08T16:25:53.974" v="280"/>
+        <pc:picChg chg="add mod">
+          <ac:chgData name="tiansheng huang" userId="ce404ce9b0eeb6b1" providerId="LiveId" clId="{0FEE01C1-AAE0-4B6F-A070-B5523A5E5B07}" dt="2024-09-06T20:39:35.024" v="704" actId="1076"/>
           <ac:picMkLst>
             <pc:docMk/>
             <pc:sldMk cId="4015253138" sldId="256"/>
-            <ac:picMk id="82" creationId="{98236B4A-C588-DED8-77C9-4CDDD3904856}"/>
+            <ac:picMk id="78" creationId="{59CE0720-9D77-72EB-4534-AC703529E560}"/>
           </ac:picMkLst>
         </pc:picChg>
         <pc:picChg chg="add del mod">
-          <ac:chgData name="huang tiansheng" userId="ce404ce9b0eeb6b1" providerId="LiveId" clId="{EB06CDAE-BA54-4CFD-A2C4-E868AFB5EDFD}" dt="2024-06-08T15:59:48.213" v="10" actId="478"/>
+          <ac:chgData name="tiansheng huang" userId="ce404ce9b0eeb6b1" providerId="LiveId" clId="{0FEE01C1-AAE0-4B6F-A070-B5523A5E5B07}" dt="2024-09-06T20:20:54.840" v="169" actId="478"/>
           <ac:picMkLst>
             <pc:docMk/>
             <pc:sldMk cId="4015253138" sldId="256"/>
-            <ac:picMk id="86" creationId="{144C4E3A-47BD-E33C-4609-10C5C0BEC4C5}"/>
+            <ac:picMk id="83" creationId="{367B0CEB-52CD-AD91-E359-6B6B76303842}"/>
           </ac:picMkLst>
         </pc:picChg>
-        <pc:picChg chg="add del mod">
-          <ac:chgData name="huang tiansheng" userId="ce404ce9b0eeb6b1" providerId="LiveId" clId="{EB06CDAE-BA54-4CFD-A2C4-E868AFB5EDFD}" dt="2024-06-08T15:59:48.213" v="10" actId="478"/>
+        <pc:picChg chg="add mod">
+          <ac:chgData name="tiansheng huang" userId="ce404ce9b0eeb6b1" providerId="LiveId" clId="{0FEE01C1-AAE0-4B6F-A070-B5523A5E5B07}" dt="2024-09-06T20:54:45.152" v="911" actId="1076"/>
           <ac:picMkLst>
             <pc:docMk/>
             <pc:sldMk cId="4015253138" sldId="256"/>
-            <ac:picMk id="88" creationId="{DF392412-7310-3680-4644-597EBFC314DB}"/>
+            <ac:picMk id="85" creationId="{80333D70-5FF3-C04F-5ED2-559C45FF857D}"/>
           </ac:picMkLst>
         </pc:picChg>
-        <pc:picChg chg="add mod topLvl">
-          <ac:chgData name="huang tiansheng" userId="ce404ce9b0eeb6b1" providerId="LiveId" clId="{EB06CDAE-BA54-4CFD-A2C4-E868AFB5EDFD}" dt="2024-06-08T16:11:33.413" v="195" actId="1076"/>
+        <pc:picChg chg="add mod">
+          <ac:chgData name="tiansheng huang" userId="ce404ce9b0eeb6b1" providerId="LiveId" clId="{0FEE01C1-AAE0-4B6F-A070-B5523A5E5B07}" dt="2024-09-06T20:54:34.680" v="908" actId="1035"/>
+          <ac:picMkLst>
+            <pc:docMk/>
+            <pc:sldMk cId="4015253138" sldId="256"/>
+            <ac:picMk id="88" creationId="{50928CEB-6E75-ABBF-80A9-6927685C7ED5}"/>
+          </ac:picMkLst>
+        </pc:picChg>
+        <pc:picChg chg="del">
+          <ac:chgData name="tiansheng huang" userId="ce404ce9b0eeb6b1" providerId="LiveId" clId="{0FEE01C1-AAE0-4B6F-A070-B5523A5E5B07}" dt="2024-09-06T20:08:42.554" v="4" actId="478"/>
           <ac:picMkLst>
             <pc:docMk/>
             <pc:sldMk cId="4015253138" sldId="256"/>
             <ac:picMk id="89" creationId="{9CF2ECAB-A7D3-3B4F-027B-D84A6A43EA8E}"/>
           </ac:picMkLst>
         </pc:picChg>
-        <pc:picChg chg="add mod topLvl">
-          <ac:chgData name="huang tiansheng" userId="ce404ce9b0eeb6b1" providerId="LiveId" clId="{EB06CDAE-BA54-4CFD-A2C4-E868AFB5EDFD}" dt="2024-06-08T16:09:42.807" v="128" actId="1076"/>
+        <pc:picChg chg="add mod">
+          <ac:chgData name="tiansheng huang" userId="ce404ce9b0eeb6b1" providerId="LiveId" clId="{0FEE01C1-AAE0-4B6F-A070-B5523A5E5B07}" dt="2024-09-06T20:54:58.164" v="915" actId="1076"/>
           <ac:picMkLst>
             <pc:docMk/>
             <pc:sldMk cId="4015253138" sldId="256"/>
-            <ac:picMk id="111" creationId="{0AB4FA63-57C4-447C-0B5E-01A4D105F8D4}"/>
+            <ac:picMk id="114" creationId="{5A55A1B6-D74C-B4C0-57ED-AF2CE1702ED1}"/>
           </ac:picMkLst>
         </pc:picChg>
-        <pc:picChg chg="add mod topLvl">
-          <ac:chgData name="huang tiansheng" userId="ce404ce9b0eeb6b1" providerId="LiveId" clId="{EB06CDAE-BA54-4CFD-A2C4-E868AFB5EDFD}" dt="2024-06-08T16:09:42.807" v="128" actId="1076"/>
+        <pc:picChg chg="add mod">
+          <ac:chgData name="tiansheng huang" userId="ce404ce9b0eeb6b1" providerId="LiveId" clId="{0FEE01C1-AAE0-4B6F-A070-B5523A5E5B07}" dt="2024-09-06T20:55:27.296" v="918" actId="1076"/>
           <ac:picMkLst>
             <pc:docMk/>
             <pc:sldMk cId="4015253138" sldId="256"/>
-            <ac:picMk id="134" creationId="{03001A48-70D5-ECAE-A059-8B78394FB1A2}"/>
+            <ac:picMk id="116" creationId="{37268A09-6291-B2F1-F583-2C8EAB62F710}"/>
           </ac:picMkLst>
         </pc:picChg>
-        <pc:picChg chg="mod">
-          <ac:chgData name="huang tiansheng" userId="ce404ce9b0eeb6b1" providerId="LiveId" clId="{EB06CDAE-BA54-4CFD-A2C4-E868AFB5EDFD}" dt="2024-06-08T16:22:08.306" v="262"/>
+        <pc:picChg chg="add mod">
+          <ac:chgData name="tiansheng huang" userId="ce404ce9b0eeb6b1" providerId="LiveId" clId="{0FEE01C1-AAE0-4B6F-A070-B5523A5E5B07}" dt="2024-09-06T20:54:34.680" v="908" actId="1035"/>
           <ac:picMkLst>
             <pc:docMk/>
             <pc:sldMk cId="4015253138" sldId="256"/>
-            <ac:picMk id="139" creationId="{A75BD47F-BF01-3FE0-6B97-4EE63E5403C2}"/>
+            <ac:picMk id="119" creationId="{921660BB-891C-A6C0-BB08-A71EE005B732}"/>
           </ac:picMkLst>
         </pc:picChg>
-        <pc:picChg chg="mod">
-          <ac:chgData name="huang tiansheng" userId="ce404ce9b0eeb6b1" providerId="LiveId" clId="{EB06CDAE-BA54-4CFD-A2C4-E868AFB5EDFD}" dt="2024-06-08T16:23:10.658" v="266" actId="1367"/>
-          <ac:picMkLst>
-            <pc:docMk/>
-            <pc:sldMk cId="4015253138" sldId="256"/>
-            <ac:picMk id="142" creationId="{08E7A2B0-5F10-B77F-598E-C6869D4EBFB3}"/>
-          </ac:picMkLst>
-        </pc:picChg>
-        <pc:picChg chg="add mod topLvl">
-          <ac:chgData name="huang tiansheng" userId="ce404ce9b0eeb6b1" providerId="LiveId" clId="{EB06CDAE-BA54-4CFD-A2C4-E868AFB5EDFD}" dt="2024-06-08T16:11:29.465" v="193" actId="1076"/>
+        <pc:picChg chg="del">
+          <ac:chgData name="tiansheng huang" userId="ce404ce9b0eeb6b1" providerId="LiveId" clId="{0FEE01C1-AAE0-4B6F-A070-B5523A5E5B07}" dt="2024-09-06T20:08:42.554" v="4" actId="478"/>
           <ac:picMkLst>
             <pc:docMk/>
             <pc:sldMk cId="4015253138" sldId="256"/>
             <ac:picMk id="143" creationId="{42AF7768-64C1-8AC8-DE15-F44637E912BF}"/>
           </ac:picMkLst>
         </pc:picChg>
-        <pc:picChg chg="add mod">
-          <ac:chgData name="huang tiansheng" userId="ce404ce9b0eeb6b1" providerId="LiveId" clId="{EB06CDAE-BA54-4CFD-A2C4-E868AFB5EDFD}" dt="2024-06-08T16:26:20.753" v="282"/>
-          <ac:picMkLst>
-            <pc:docMk/>
-            <pc:sldMk cId="4015253138" sldId="256"/>
-            <ac:picMk id="150" creationId="{D42925F5-2048-67E6-1183-190DCD0E2885}"/>
-          </ac:picMkLst>
-        </pc:picChg>
-        <pc:picChg chg="add mod">
-          <ac:chgData name="huang tiansheng" userId="ce404ce9b0eeb6b1" providerId="LiveId" clId="{EB06CDAE-BA54-4CFD-A2C4-E868AFB5EDFD}" dt="2024-06-08T16:26:33.089" v="283"/>
-          <ac:picMkLst>
-            <pc:docMk/>
-            <pc:sldMk cId="4015253138" sldId="256"/>
-            <ac:picMk id="152" creationId="{390987F6-17D3-90DF-2055-0B0D2F6684F2}"/>
-          </ac:picMkLst>
-        </pc:picChg>
-        <pc:picChg chg="add del mod">
-          <ac:chgData name="huang tiansheng" userId="ce404ce9b0eeb6b1" providerId="LiveId" clId="{EB06CDAE-BA54-4CFD-A2C4-E868AFB5EDFD}" dt="2024-06-08T16:23:44.584" v="267" actId="478"/>
-          <ac:picMkLst>
-            <pc:docMk/>
-            <pc:sldMk cId="4015253138" sldId="256"/>
-            <ac:picMk id="153" creationId="{B1EF800F-99A4-29C8-A605-60CDB585C1DE}"/>
-          </ac:picMkLst>
-        </pc:picChg>
-        <pc:picChg chg="add mod">
-          <ac:chgData name="huang tiansheng" userId="ce404ce9b0eeb6b1" providerId="LiveId" clId="{EB06CDAE-BA54-4CFD-A2C4-E868AFB5EDFD}" dt="2024-06-08T16:26:33.089" v="283"/>
-          <ac:picMkLst>
-            <pc:docMk/>
-            <pc:sldMk cId="4015253138" sldId="256"/>
-            <ac:picMk id="154" creationId="{57995A2E-D594-85A3-DD26-7E28CFA80501}"/>
-          </ac:picMkLst>
-        </pc:picChg>
-        <pc:picChg chg="add mod">
-          <ac:chgData name="huang tiansheng" userId="ce404ce9b0eeb6b1" providerId="LiveId" clId="{EB06CDAE-BA54-4CFD-A2C4-E868AFB5EDFD}" dt="2024-06-08T16:26:33.089" v="283"/>
-          <ac:picMkLst>
-            <pc:docMk/>
-            <pc:sldMk cId="4015253138" sldId="256"/>
-            <ac:picMk id="155" creationId="{1124D85D-E718-490C-B723-5D41A81E9DBC}"/>
-          </ac:picMkLst>
-        </pc:picChg>
-        <pc:picChg chg="add del mod">
-          <ac:chgData name="huang tiansheng" userId="ce404ce9b0eeb6b1" providerId="LiveId" clId="{EB06CDAE-BA54-4CFD-A2C4-E868AFB5EDFD}" dt="2024-06-08T16:21:39.321" v="260" actId="478"/>
-          <ac:picMkLst>
-            <pc:docMk/>
-            <pc:sldMk cId="4015253138" sldId="256"/>
-            <ac:picMk id="156" creationId="{80F26C79-7432-FEF4-5D78-0FA8D001E123}"/>
-          </ac:picMkLst>
-        </pc:picChg>
-        <pc:picChg chg="add mod">
-          <ac:chgData name="huang tiansheng" userId="ce404ce9b0eeb6b1" providerId="LiveId" clId="{EB06CDAE-BA54-4CFD-A2C4-E868AFB5EDFD}" dt="2024-06-08T16:25:13.655" v="276" actId="1076"/>
-          <ac:picMkLst>
-            <pc:docMk/>
-            <pc:sldMk cId="4015253138" sldId="256"/>
-            <ac:picMk id="158" creationId="{F9DD6712-D465-ED41-1503-CA230716EFFE}"/>
-          </ac:picMkLst>
-        </pc:picChg>
-        <pc:cxnChg chg="mod">
-          <ac:chgData name="huang tiansheng" userId="ce404ce9b0eeb6b1" providerId="LiveId" clId="{EB06CDAE-BA54-4CFD-A2C4-E868AFB5EDFD}" dt="2024-06-08T16:07:51.374" v="86" actId="165"/>
+        <pc:cxnChg chg="mod">
+          <ac:chgData name="tiansheng huang" userId="ce404ce9b0eeb6b1" providerId="LiveId" clId="{0FEE01C1-AAE0-4B6F-A070-B5523A5E5B07}" dt="2024-09-06T20:08:42.554" v="4" actId="478"/>
           <ac:cxnSpMkLst>
             <pc:docMk/>
             <pc:sldMk cId="4015253138" sldId="256"/>
@@ -1576,7 +512,7 @@
           </ac:cxnSpMkLst>
         </pc:cxnChg>
         <pc:cxnChg chg="mod">
-          <ac:chgData name="huang tiansheng" userId="ce404ce9b0eeb6b1" providerId="LiveId" clId="{EB06CDAE-BA54-4CFD-A2C4-E868AFB5EDFD}" dt="2024-06-08T16:07:51.374" v="86" actId="165"/>
+          <ac:chgData name="tiansheng huang" userId="ce404ce9b0eeb6b1" providerId="LiveId" clId="{0FEE01C1-AAE0-4B6F-A070-B5523A5E5B07}" dt="2024-09-06T20:08:42.554" v="4" actId="478"/>
           <ac:cxnSpMkLst>
             <pc:docMk/>
             <pc:sldMk cId="4015253138" sldId="256"/>
@@ -1584,7 +520,7 @@
           </ac:cxnSpMkLst>
         </pc:cxnChg>
         <pc:cxnChg chg="mod">
-          <ac:chgData name="huang tiansheng" userId="ce404ce9b0eeb6b1" providerId="LiveId" clId="{EB06CDAE-BA54-4CFD-A2C4-E868AFB5EDFD}" dt="2024-06-08T16:07:51.374" v="86" actId="165"/>
+          <ac:chgData name="tiansheng huang" userId="ce404ce9b0eeb6b1" providerId="LiveId" clId="{0FEE01C1-AAE0-4B6F-A070-B5523A5E5B07}" dt="2024-09-06T20:08:42.554" v="4" actId="478"/>
           <ac:cxnSpMkLst>
             <pc:docMk/>
             <pc:sldMk cId="4015253138" sldId="256"/>
@@ -1592,7 +528,7 @@
           </ac:cxnSpMkLst>
         </pc:cxnChg>
         <pc:cxnChg chg="mod">
-          <ac:chgData name="huang tiansheng" userId="ce404ce9b0eeb6b1" providerId="LiveId" clId="{EB06CDAE-BA54-4CFD-A2C4-E868AFB5EDFD}" dt="2024-06-08T16:07:51.374" v="86" actId="165"/>
+          <ac:chgData name="tiansheng huang" userId="ce404ce9b0eeb6b1" providerId="LiveId" clId="{0FEE01C1-AAE0-4B6F-A070-B5523A5E5B07}" dt="2024-09-06T20:08:42.554" v="4" actId="478"/>
           <ac:cxnSpMkLst>
             <pc:docMk/>
             <pc:sldMk cId="4015253138" sldId="256"/>
@@ -1600,7 +536,7 @@
           </ac:cxnSpMkLst>
         </pc:cxnChg>
         <pc:cxnChg chg="mod">
-          <ac:chgData name="huang tiansheng" userId="ce404ce9b0eeb6b1" providerId="LiveId" clId="{EB06CDAE-BA54-4CFD-A2C4-E868AFB5EDFD}" dt="2024-06-08T16:07:51.374" v="86" actId="165"/>
+          <ac:chgData name="tiansheng huang" userId="ce404ce9b0eeb6b1" providerId="LiveId" clId="{0FEE01C1-AAE0-4B6F-A070-B5523A5E5B07}" dt="2024-09-06T20:08:42.554" v="4" actId="478"/>
           <ac:cxnSpMkLst>
             <pc:docMk/>
             <pc:sldMk cId="4015253138" sldId="256"/>
@@ -1608,7 +544,7 @@
           </ac:cxnSpMkLst>
         </pc:cxnChg>
         <pc:cxnChg chg="mod">
-          <ac:chgData name="huang tiansheng" userId="ce404ce9b0eeb6b1" providerId="LiveId" clId="{EB06CDAE-BA54-4CFD-A2C4-E868AFB5EDFD}" dt="2024-06-08T16:07:51.374" v="86" actId="165"/>
+          <ac:chgData name="tiansheng huang" userId="ce404ce9b0eeb6b1" providerId="LiveId" clId="{0FEE01C1-AAE0-4B6F-A070-B5523A5E5B07}" dt="2024-09-06T20:08:42.554" v="4" actId="478"/>
           <ac:cxnSpMkLst>
             <pc:docMk/>
             <pc:sldMk cId="4015253138" sldId="256"/>
@@ -1616,7 +552,7 @@
           </ac:cxnSpMkLst>
         </pc:cxnChg>
         <pc:cxnChg chg="mod">
-          <ac:chgData name="huang tiansheng" userId="ce404ce9b0eeb6b1" providerId="LiveId" clId="{EB06CDAE-BA54-4CFD-A2C4-E868AFB5EDFD}" dt="2024-06-08T16:07:51.374" v="86" actId="165"/>
+          <ac:chgData name="tiansheng huang" userId="ce404ce9b0eeb6b1" providerId="LiveId" clId="{0FEE01C1-AAE0-4B6F-A070-B5523A5E5B07}" dt="2024-09-06T20:08:42.554" v="4" actId="478"/>
           <ac:cxnSpMkLst>
             <pc:docMk/>
             <pc:sldMk cId="4015253138" sldId="256"/>
@@ -1624,7 +560,7 @@
           </ac:cxnSpMkLst>
         </pc:cxnChg>
         <pc:cxnChg chg="mod">
-          <ac:chgData name="huang tiansheng" userId="ce404ce9b0eeb6b1" providerId="LiveId" clId="{EB06CDAE-BA54-4CFD-A2C4-E868AFB5EDFD}" dt="2024-06-08T16:07:51.374" v="86" actId="165"/>
+          <ac:chgData name="tiansheng huang" userId="ce404ce9b0eeb6b1" providerId="LiveId" clId="{0FEE01C1-AAE0-4B6F-A070-B5523A5E5B07}" dt="2024-09-06T20:08:42.554" v="4" actId="478"/>
           <ac:cxnSpMkLst>
             <pc:docMk/>
             <pc:sldMk cId="4015253138" sldId="256"/>
@@ -1632,7 +568,7 @@
           </ac:cxnSpMkLst>
         </pc:cxnChg>
         <pc:cxnChg chg="mod">
-          <ac:chgData name="huang tiansheng" userId="ce404ce9b0eeb6b1" providerId="LiveId" clId="{EB06CDAE-BA54-4CFD-A2C4-E868AFB5EDFD}" dt="2024-06-08T16:07:51.374" v="86" actId="165"/>
+          <ac:chgData name="tiansheng huang" userId="ce404ce9b0eeb6b1" providerId="LiveId" clId="{0FEE01C1-AAE0-4B6F-A070-B5523A5E5B07}" dt="2024-09-06T20:08:42.554" v="4" actId="478"/>
           <ac:cxnSpMkLst>
             <pc:docMk/>
             <pc:sldMk cId="4015253138" sldId="256"/>
@@ -1640,7 +576,7 @@
           </ac:cxnSpMkLst>
         </pc:cxnChg>
         <pc:cxnChg chg="mod">
-          <ac:chgData name="huang tiansheng" userId="ce404ce9b0eeb6b1" providerId="LiveId" clId="{EB06CDAE-BA54-4CFD-A2C4-E868AFB5EDFD}" dt="2024-06-08T16:07:51.374" v="86" actId="165"/>
+          <ac:chgData name="tiansheng huang" userId="ce404ce9b0eeb6b1" providerId="LiveId" clId="{0FEE01C1-AAE0-4B6F-A070-B5523A5E5B07}" dt="2024-09-06T20:08:42.554" v="4" actId="478"/>
           <ac:cxnSpMkLst>
             <pc:docMk/>
             <pc:sldMk cId="4015253138" sldId="256"/>
@@ -1648,7 +584,7 @@
           </ac:cxnSpMkLst>
         </pc:cxnChg>
         <pc:cxnChg chg="mod">
-          <ac:chgData name="huang tiansheng" userId="ce404ce9b0eeb6b1" providerId="LiveId" clId="{EB06CDAE-BA54-4CFD-A2C4-E868AFB5EDFD}" dt="2024-06-08T16:07:51.374" v="86" actId="165"/>
+          <ac:chgData name="tiansheng huang" userId="ce404ce9b0eeb6b1" providerId="LiveId" clId="{0FEE01C1-AAE0-4B6F-A070-B5523A5E5B07}" dt="2024-09-06T20:08:42.554" v="4" actId="478"/>
           <ac:cxnSpMkLst>
             <pc:docMk/>
             <pc:sldMk cId="4015253138" sldId="256"/>
@@ -1656,15 +592,15 @@
           </ac:cxnSpMkLst>
         </pc:cxnChg>
         <pc:cxnChg chg="mod">
-          <ac:chgData name="huang tiansheng" userId="ce404ce9b0eeb6b1" providerId="LiveId" clId="{EB06CDAE-BA54-4CFD-A2C4-E868AFB5EDFD}" dt="2024-06-08T16:07:51.374" v="86" actId="165"/>
+          <ac:chgData name="tiansheng huang" userId="ce404ce9b0eeb6b1" providerId="LiveId" clId="{0FEE01C1-AAE0-4B6F-A070-B5523A5E5B07}" dt="2024-09-06T20:08:42.554" v="4" actId="478"/>
           <ac:cxnSpMkLst>
             <pc:docMk/>
             <pc:sldMk cId="4015253138" sldId="256"/>
             <ac:cxnSpMk id="25" creationId="{D2068C17-303E-890F-17FB-51B61CFF151A}"/>
           </ac:cxnSpMkLst>
         </pc:cxnChg>
-        <pc:cxnChg chg="add mod topLvl">
-          <ac:chgData name="huang tiansheng" userId="ce404ce9b0eeb6b1" providerId="LiveId" clId="{EB06CDAE-BA54-4CFD-A2C4-E868AFB5EDFD}" dt="2024-06-08T16:09:42.807" v="128" actId="1076"/>
+        <pc:cxnChg chg="del">
+          <ac:chgData name="tiansheng huang" userId="ce404ce9b0eeb6b1" providerId="LiveId" clId="{0FEE01C1-AAE0-4B6F-A070-B5523A5E5B07}" dt="2024-09-06T20:08:42.554" v="4" actId="478"/>
           <ac:cxnSpMkLst>
             <pc:docMk/>
             <pc:sldMk cId="4015253138" sldId="256"/>
@@ -1672,103 +608,7 @@
           </ac:cxnSpMkLst>
         </pc:cxnChg>
         <pc:cxnChg chg="mod">
-          <ac:chgData name="huang tiansheng" userId="ce404ce9b0eeb6b1" providerId="LiveId" clId="{EB06CDAE-BA54-4CFD-A2C4-E868AFB5EDFD}" dt="2024-06-08T15:59:48.213" v="10" actId="478"/>
-          <ac:cxnSpMkLst>
-            <pc:docMk/>
-            <pc:sldMk cId="4015253138" sldId="256"/>
-            <ac:cxnSpMk id="38" creationId="{A412F866-6322-0B65-7B22-602444D61918}"/>
-          </ac:cxnSpMkLst>
-        </pc:cxnChg>
-        <pc:cxnChg chg="mod">
-          <ac:chgData name="huang tiansheng" userId="ce404ce9b0eeb6b1" providerId="LiveId" clId="{EB06CDAE-BA54-4CFD-A2C4-E868AFB5EDFD}" dt="2024-06-08T15:59:48.213" v="10" actId="478"/>
-          <ac:cxnSpMkLst>
-            <pc:docMk/>
-            <pc:sldMk cId="4015253138" sldId="256"/>
-            <ac:cxnSpMk id="39" creationId="{A32C5D45-3807-73B0-5F15-6F667F1CE5E7}"/>
-          </ac:cxnSpMkLst>
-        </pc:cxnChg>
-        <pc:cxnChg chg="mod">
-          <ac:chgData name="huang tiansheng" userId="ce404ce9b0eeb6b1" providerId="LiveId" clId="{EB06CDAE-BA54-4CFD-A2C4-E868AFB5EDFD}" dt="2024-06-08T15:59:48.213" v="10" actId="478"/>
-          <ac:cxnSpMkLst>
-            <pc:docMk/>
-            <pc:sldMk cId="4015253138" sldId="256"/>
-            <ac:cxnSpMk id="40" creationId="{56EA9B17-3B83-69ED-13DF-6DD352E31D2D}"/>
-          </ac:cxnSpMkLst>
-        </pc:cxnChg>
-        <pc:cxnChg chg="mod">
-          <ac:chgData name="huang tiansheng" userId="ce404ce9b0eeb6b1" providerId="LiveId" clId="{EB06CDAE-BA54-4CFD-A2C4-E868AFB5EDFD}" dt="2024-06-08T15:59:48.213" v="10" actId="478"/>
-          <ac:cxnSpMkLst>
-            <pc:docMk/>
-            <pc:sldMk cId="4015253138" sldId="256"/>
-            <ac:cxnSpMk id="41" creationId="{C4A1C877-B119-4248-6888-51F58C53FBF0}"/>
-          </ac:cxnSpMkLst>
-        </pc:cxnChg>
-        <pc:cxnChg chg="mod">
-          <ac:chgData name="huang tiansheng" userId="ce404ce9b0eeb6b1" providerId="LiveId" clId="{EB06CDAE-BA54-4CFD-A2C4-E868AFB5EDFD}" dt="2024-06-08T15:59:48.213" v="10" actId="478"/>
-          <ac:cxnSpMkLst>
-            <pc:docMk/>
-            <pc:sldMk cId="4015253138" sldId="256"/>
-            <ac:cxnSpMk id="42" creationId="{A6BE1743-0173-6846-0FCC-FAE74B15941D}"/>
-          </ac:cxnSpMkLst>
-        </pc:cxnChg>
-        <pc:cxnChg chg="mod">
-          <ac:chgData name="huang tiansheng" userId="ce404ce9b0eeb6b1" providerId="LiveId" clId="{EB06CDAE-BA54-4CFD-A2C4-E868AFB5EDFD}" dt="2024-06-08T15:59:48.213" v="10" actId="478"/>
-          <ac:cxnSpMkLst>
-            <pc:docMk/>
-            <pc:sldMk cId="4015253138" sldId="256"/>
-            <ac:cxnSpMk id="43" creationId="{58F3CBB5-9D99-B7DD-B2BA-4B1692DC2161}"/>
-          </ac:cxnSpMkLst>
-        </pc:cxnChg>
-        <pc:cxnChg chg="mod">
-          <ac:chgData name="huang tiansheng" userId="ce404ce9b0eeb6b1" providerId="LiveId" clId="{EB06CDAE-BA54-4CFD-A2C4-E868AFB5EDFD}" dt="2024-06-08T15:59:48.213" v="10" actId="478"/>
-          <ac:cxnSpMkLst>
-            <pc:docMk/>
-            <pc:sldMk cId="4015253138" sldId="256"/>
-            <ac:cxnSpMk id="44" creationId="{0FA45082-1CEE-22B4-3820-83535AEE9584}"/>
-          </ac:cxnSpMkLst>
-        </pc:cxnChg>
-        <pc:cxnChg chg="mod">
-          <ac:chgData name="huang tiansheng" userId="ce404ce9b0eeb6b1" providerId="LiveId" clId="{EB06CDAE-BA54-4CFD-A2C4-E868AFB5EDFD}" dt="2024-06-08T15:59:48.213" v="10" actId="478"/>
-          <ac:cxnSpMkLst>
-            <pc:docMk/>
-            <pc:sldMk cId="4015253138" sldId="256"/>
-            <ac:cxnSpMk id="45" creationId="{03680BC5-69F1-AF7B-4DB6-862563C10338}"/>
-          </ac:cxnSpMkLst>
-        </pc:cxnChg>
-        <pc:cxnChg chg="mod">
-          <ac:chgData name="huang tiansheng" userId="ce404ce9b0eeb6b1" providerId="LiveId" clId="{EB06CDAE-BA54-4CFD-A2C4-E868AFB5EDFD}" dt="2024-06-08T15:59:48.213" v="10" actId="478"/>
-          <ac:cxnSpMkLst>
-            <pc:docMk/>
-            <pc:sldMk cId="4015253138" sldId="256"/>
-            <ac:cxnSpMk id="46" creationId="{6AD9733F-2383-6CE3-3226-EC89FB558ADD}"/>
-          </ac:cxnSpMkLst>
-        </pc:cxnChg>
-        <pc:cxnChg chg="mod">
-          <ac:chgData name="huang tiansheng" userId="ce404ce9b0eeb6b1" providerId="LiveId" clId="{EB06CDAE-BA54-4CFD-A2C4-E868AFB5EDFD}" dt="2024-06-08T15:59:48.213" v="10" actId="478"/>
-          <ac:cxnSpMkLst>
-            <pc:docMk/>
-            <pc:sldMk cId="4015253138" sldId="256"/>
-            <ac:cxnSpMk id="47" creationId="{614F653A-F505-C52D-28F3-233E97EBC5F2}"/>
-          </ac:cxnSpMkLst>
-        </pc:cxnChg>
-        <pc:cxnChg chg="mod">
-          <ac:chgData name="huang tiansheng" userId="ce404ce9b0eeb6b1" providerId="LiveId" clId="{EB06CDAE-BA54-4CFD-A2C4-E868AFB5EDFD}" dt="2024-06-08T15:59:48.213" v="10" actId="478"/>
-          <ac:cxnSpMkLst>
-            <pc:docMk/>
-            <pc:sldMk cId="4015253138" sldId="256"/>
-            <ac:cxnSpMk id="48" creationId="{C049BB09-30C2-823A-B60C-99EB08B7A765}"/>
-          </ac:cxnSpMkLst>
-        </pc:cxnChg>
-        <pc:cxnChg chg="mod">
-          <ac:chgData name="huang tiansheng" userId="ce404ce9b0eeb6b1" providerId="LiveId" clId="{EB06CDAE-BA54-4CFD-A2C4-E868AFB5EDFD}" dt="2024-06-08T15:59:48.213" v="10" actId="478"/>
-          <ac:cxnSpMkLst>
-            <pc:docMk/>
-            <pc:sldMk cId="4015253138" sldId="256"/>
-            <ac:cxnSpMk id="49" creationId="{E5D9BCA6-27FC-A3D6-A762-932A9F02D8DE}"/>
-          </ac:cxnSpMkLst>
-        </pc:cxnChg>
-        <pc:cxnChg chg="mod">
-          <ac:chgData name="huang tiansheng" userId="ce404ce9b0eeb6b1" providerId="LiveId" clId="{EB06CDAE-BA54-4CFD-A2C4-E868AFB5EDFD}" dt="2024-06-08T16:07:58.820" v="87" actId="208"/>
+          <ac:chgData name="tiansheng huang" userId="ce404ce9b0eeb6b1" providerId="LiveId" clId="{0FEE01C1-AAE0-4B6F-A070-B5523A5E5B07}" dt="2024-09-06T20:08:42.554" v="4" actId="478"/>
           <ac:cxnSpMkLst>
             <pc:docMk/>
             <pc:sldMk cId="4015253138" sldId="256"/>
@@ -1776,7 +616,7 @@
           </ac:cxnSpMkLst>
         </pc:cxnChg>
         <pc:cxnChg chg="mod">
-          <ac:chgData name="huang tiansheng" userId="ce404ce9b0eeb6b1" providerId="LiveId" clId="{EB06CDAE-BA54-4CFD-A2C4-E868AFB5EDFD}" dt="2024-06-08T16:07:58.820" v="87" actId="208"/>
+          <ac:chgData name="tiansheng huang" userId="ce404ce9b0eeb6b1" providerId="LiveId" clId="{0FEE01C1-AAE0-4B6F-A070-B5523A5E5B07}" dt="2024-09-06T20:08:42.554" v="4" actId="478"/>
           <ac:cxnSpMkLst>
             <pc:docMk/>
             <pc:sldMk cId="4015253138" sldId="256"/>
@@ -1784,7 +624,7 @@
           </ac:cxnSpMkLst>
         </pc:cxnChg>
         <pc:cxnChg chg="mod">
-          <ac:chgData name="huang tiansheng" userId="ce404ce9b0eeb6b1" providerId="LiveId" clId="{EB06CDAE-BA54-4CFD-A2C4-E868AFB5EDFD}" dt="2024-06-08T16:07:58.820" v="87" actId="208"/>
+          <ac:chgData name="tiansheng huang" userId="ce404ce9b0eeb6b1" providerId="LiveId" clId="{0FEE01C1-AAE0-4B6F-A070-B5523A5E5B07}" dt="2024-09-06T20:08:42.554" v="4" actId="478"/>
           <ac:cxnSpMkLst>
             <pc:docMk/>
             <pc:sldMk cId="4015253138" sldId="256"/>
@@ -1792,7 +632,7 @@
           </ac:cxnSpMkLst>
         </pc:cxnChg>
         <pc:cxnChg chg="mod">
-          <ac:chgData name="huang tiansheng" userId="ce404ce9b0eeb6b1" providerId="LiveId" clId="{EB06CDAE-BA54-4CFD-A2C4-E868AFB5EDFD}" dt="2024-06-08T16:07:58.820" v="87" actId="208"/>
+          <ac:chgData name="tiansheng huang" userId="ce404ce9b0eeb6b1" providerId="LiveId" clId="{0FEE01C1-AAE0-4B6F-A070-B5523A5E5B07}" dt="2024-09-06T20:08:42.554" v="4" actId="478"/>
           <ac:cxnSpMkLst>
             <pc:docMk/>
             <pc:sldMk cId="4015253138" sldId="256"/>
@@ -1800,7 +640,7 @@
           </ac:cxnSpMkLst>
         </pc:cxnChg>
         <pc:cxnChg chg="mod">
-          <ac:chgData name="huang tiansheng" userId="ce404ce9b0eeb6b1" providerId="LiveId" clId="{EB06CDAE-BA54-4CFD-A2C4-E868AFB5EDFD}" dt="2024-06-08T16:07:58.820" v="87" actId="208"/>
+          <ac:chgData name="tiansheng huang" userId="ce404ce9b0eeb6b1" providerId="LiveId" clId="{0FEE01C1-AAE0-4B6F-A070-B5523A5E5B07}" dt="2024-09-06T20:08:42.554" v="4" actId="478"/>
           <ac:cxnSpMkLst>
             <pc:docMk/>
             <pc:sldMk cId="4015253138" sldId="256"/>
@@ -1808,7 +648,7 @@
           </ac:cxnSpMkLst>
         </pc:cxnChg>
         <pc:cxnChg chg="mod">
-          <ac:chgData name="huang tiansheng" userId="ce404ce9b0eeb6b1" providerId="LiveId" clId="{EB06CDAE-BA54-4CFD-A2C4-E868AFB5EDFD}" dt="2024-06-08T16:07:58.820" v="87" actId="208"/>
+          <ac:chgData name="tiansheng huang" userId="ce404ce9b0eeb6b1" providerId="LiveId" clId="{0FEE01C1-AAE0-4B6F-A070-B5523A5E5B07}" dt="2024-09-06T20:08:42.554" v="4" actId="478"/>
           <ac:cxnSpMkLst>
             <pc:docMk/>
             <pc:sldMk cId="4015253138" sldId="256"/>
@@ -1816,7 +656,7 @@
           </ac:cxnSpMkLst>
         </pc:cxnChg>
         <pc:cxnChg chg="mod">
-          <ac:chgData name="huang tiansheng" userId="ce404ce9b0eeb6b1" providerId="LiveId" clId="{EB06CDAE-BA54-4CFD-A2C4-E868AFB5EDFD}" dt="2024-06-08T16:07:58.820" v="87" actId="208"/>
+          <ac:chgData name="tiansheng huang" userId="ce404ce9b0eeb6b1" providerId="LiveId" clId="{0FEE01C1-AAE0-4B6F-A070-B5523A5E5B07}" dt="2024-09-06T20:08:42.554" v="4" actId="478"/>
           <ac:cxnSpMkLst>
             <pc:docMk/>
             <pc:sldMk cId="4015253138" sldId="256"/>
@@ -1824,7 +664,7 @@
           </ac:cxnSpMkLst>
         </pc:cxnChg>
         <pc:cxnChg chg="mod">
-          <ac:chgData name="huang tiansheng" userId="ce404ce9b0eeb6b1" providerId="LiveId" clId="{EB06CDAE-BA54-4CFD-A2C4-E868AFB5EDFD}" dt="2024-06-08T16:07:58.820" v="87" actId="208"/>
+          <ac:chgData name="tiansheng huang" userId="ce404ce9b0eeb6b1" providerId="LiveId" clId="{0FEE01C1-AAE0-4B6F-A070-B5523A5E5B07}" dt="2024-09-06T20:08:42.554" v="4" actId="478"/>
           <ac:cxnSpMkLst>
             <pc:docMk/>
             <pc:sldMk cId="4015253138" sldId="256"/>
@@ -1832,7 +672,7 @@
           </ac:cxnSpMkLst>
         </pc:cxnChg>
         <pc:cxnChg chg="mod">
-          <ac:chgData name="huang tiansheng" userId="ce404ce9b0eeb6b1" providerId="LiveId" clId="{EB06CDAE-BA54-4CFD-A2C4-E868AFB5EDFD}" dt="2024-06-08T16:07:58.820" v="87" actId="208"/>
+          <ac:chgData name="tiansheng huang" userId="ce404ce9b0eeb6b1" providerId="LiveId" clId="{0FEE01C1-AAE0-4B6F-A070-B5523A5E5B07}" dt="2024-09-06T20:08:42.554" v="4" actId="478"/>
           <ac:cxnSpMkLst>
             <pc:docMk/>
             <pc:sldMk cId="4015253138" sldId="256"/>
@@ -1840,7 +680,7 @@
           </ac:cxnSpMkLst>
         </pc:cxnChg>
         <pc:cxnChg chg="mod">
-          <ac:chgData name="huang tiansheng" userId="ce404ce9b0eeb6b1" providerId="LiveId" clId="{EB06CDAE-BA54-4CFD-A2C4-E868AFB5EDFD}" dt="2024-06-08T16:07:58.820" v="87" actId="208"/>
+          <ac:chgData name="tiansheng huang" userId="ce404ce9b0eeb6b1" providerId="LiveId" clId="{0FEE01C1-AAE0-4B6F-A070-B5523A5E5B07}" dt="2024-09-06T20:08:42.554" v="4" actId="478"/>
           <ac:cxnSpMkLst>
             <pc:docMk/>
             <pc:sldMk cId="4015253138" sldId="256"/>
@@ -1848,7 +688,7 @@
           </ac:cxnSpMkLst>
         </pc:cxnChg>
         <pc:cxnChg chg="mod">
-          <ac:chgData name="huang tiansheng" userId="ce404ce9b0eeb6b1" providerId="LiveId" clId="{EB06CDAE-BA54-4CFD-A2C4-E868AFB5EDFD}" dt="2024-06-08T16:07:58.820" v="87" actId="208"/>
+          <ac:chgData name="tiansheng huang" userId="ce404ce9b0eeb6b1" providerId="LiveId" clId="{0FEE01C1-AAE0-4B6F-A070-B5523A5E5B07}" dt="2024-09-06T20:08:42.554" v="4" actId="478"/>
           <ac:cxnSpMkLst>
             <pc:docMk/>
             <pc:sldMk cId="4015253138" sldId="256"/>
@@ -1856,31 +696,23 @@
           </ac:cxnSpMkLst>
         </pc:cxnChg>
         <pc:cxnChg chg="mod">
-          <ac:chgData name="huang tiansheng" userId="ce404ce9b0eeb6b1" providerId="LiveId" clId="{EB06CDAE-BA54-4CFD-A2C4-E868AFB5EDFD}" dt="2024-06-08T16:07:58.820" v="87" actId="208"/>
+          <ac:chgData name="tiansheng huang" userId="ce404ce9b0eeb6b1" providerId="LiveId" clId="{0FEE01C1-AAE0-4B6F-A070-B5523A5E5B07}" dt="2024-09-06T20:08:42.554" v="4" actId="478"/>
           <ac:cxnSpMkLst>
             <pc:docMk/>
             <pc:sldMk cId="4015253138" sldId="256"/>
             <ac:cxnSpMk id="73" creationId="{E42E81D7-9314-ED5A-8DEE-E53805173EF9}"/>
           </ac:cxnSpMkLst>
         </pc:cxnChg>
-        <pc:cxnChg chg="add mod topLvl">
-          <ac:chgData name="huang tiansheng" userId="ce404ce9b0eeb6b1" providerId="LiveId" clId="{EB06CDAE-BA54-4CFD-A2C4-E868AFB5EDFD}" dt="2024-06-08T16:09:42.807" v="128" actId="1076"/>
+        <pc:cxnChg chg="del">
+          <ac:chgData name="tiansheng huang" userId="ce404ce9b0eeb6b1" providerId="LiveId" clId="{0FEE01C1-AAE0-4B6F-A070-B5523A5E5B07}" dt="2024-09-06T20:08:42.554" v="4" actId="478"/>
           <ac:cxnSpMkLst>
             <pc:docMk/>
             <pc:sldMk cId="4015253138" sldId="256"/>
             <ac:cxnSpMk id="75" creationId="{CAB7428F-A3C3-1091-735A-9AD4EBDE12D3}"/>
           </ac:cxnSpMkLst>
         </pc:cxnChg>
-        <pc:cxnChg chg="add del mod">
-          <ac:chgData name="huang tiansheng" userId="ce404ce9b0eeb6b1" providerId="LiveId" clId="{EB06CDAE-BA54-4CFD-A2C4-E868AFB5EDFD}" dt="2024-06-08T15:59:48.213" v="10" actId="478"/>
-          <ac:cxnSpMkLst>
-            <pc:docMk/>
-            <pc:sldMk cId="4015253138" sldId="256"/>
-            <ac:cxnSpMk id="83" creationId="{395F7960-8713-A35F-04D7-8E43ABBBA8DF}"/>
-          </ac:cxnSpMkLst>
-        </pc:cxnChg>
-        <pc:cxnChg chg="mod">
-          <ac:chgData name="huang tiansheng" userId="ce404ce9b0eeb6b1" providerId="LiveId" clId="{EB06CDAE-BA54-4CFD-A2C4-E868AFB5EDFD}" dt="2024-06-08T16:07:51.374" v="86" actId="165"/>
+        <pc:cxnChg chg="mod">
+          <ac:chgData name="tiansheng huang" userId="ce404ce9b0eeb6b1" providerId="LiveId" clId="{0FEE01C1-AAE0-4B6F-A070-B5523A5E5B07}" dt="2024-09-06T20:08:42.554" v="4" actId="478"/>
           <ac:cxnSpMkLst>
             <pc:docMk/>
             <pc:sldMk cId="4015253138" sldId="256"/>
@@ -1888,7 +720,7 @@
           </ac:cxnSpMkLst>
         </pc:cxnChg>
         <pc:cxnChg chg="mod">
-          <ac:chgData name="huang tiansheng" userId="ce404ce9b0eeb6b1" providerId="LiveId" clId="{EB06CDAE-BA54-4CFD-A2C4-E868AFB5EDFD}" dt="2024-06-08T16:07:51.374" v="86" actId="165"/>
+          <ac:chgData name="tiansheng huang" userId="ce404ce9b0eeb6b1" providerId="LiveId" clId="{0FEE01C1-AAE0-4B6F-A070-B5523A5E5B07}" dt="2024-09-06T20:08:42.554" v="4" actId="478"/>
           <ac:cxnSpMkLst>
             <pc:docMk/>
             <pc:sldMk cId="4015253138" sldId="256"/>
@@ -1896,7 +728,7 @@
           </ac:cxnSpMkLst>
         </pc:cxnChg>
         <pc:cxnChg chg="mod">
-          <ac:chgData name="huang tiansheng" userId="ce404ce9b0eeb6b1" providerId="LiveId" clId="{EB06CDAE-BA54-4CFD-A2C4-E868AFB5EDFD}" dt="2024-06-08T16:26:55.873" v="285" actId="208"/>
+          <ac:chgData name="tiansheng huang" userId="ce404ce9b0eeb6b1" providerId="LiveId" clId="{0FEE01C1-AAE0-4B6F-A070-B5523A5E5B07}" dt="2024-09-06T20:08:42.554" v="4" actId="478"/>
           <ac:cxnSpMkLst>
             <pc:docMk/>
             <pc:sldMk cId="4015253138" sldId="256"/>
@@ -1904,7 +736,7 @@
           </ac:cxnSpMkLst>
         </pc:cxnChg>
         <pc:cxnChg chg="mod">
-          <ac:chgData name="huang tiansheng" userId="ce404ce9b0eeb6b1" providerId="LiveId" clId="{EB06CDAE-BA54-4CFD-A2C4-E868AFB5EDFD}" dt="2024-06-08T16:07:51.374" v="86" actId="165"/>
+          <ac:chgData name="tiansheng huang" userId="ce404ce9b0eeb6b1" providerId="LiveId" clId="{0FEE01C1-AAE0-4B6F-A070-B5523A5E5B07}" dt="2024-09-06T20:08:42.554" v="4" actId="478"/>
           <ac:cxnSpMkLst>
             <pc:docMk/>
             <pc:sldMk cId="4015253138" sldId="256"/>
@@ -1912,7 +744,7 @@
           </ac:cxnSpMkLst>
         </pc:cxnChg>
         <pc:cxnChg chg="mod">
-          <ac:chgData name="huang tiansheng" userId="ce404ce9b0eeb6b1" providerId="LiveId" clId="{EB06CDAE-BA54-4CFD-A2C4-E868AFB5EDFD}" dt="2024-06-08T16:26:55.873" v="285" actId="208"/>
+          <ac:chgData name="tiansheng huang" userId="ce404ce9b0eeb6b1" providerId="LiveId" clId="{0FEE01C1-AAE0-4B6F-A070-B5523A5E5B07}" dt="2024-09-06T20:08:42.554" v="4" actId="478"/>
           <ac:cxnSpMkLst>
             <pc:docMk/>
             <pc:sldMk cId="4015253138" sldId="256"/>
@@ -1920,7 +752,7 @@
           </ac:cxnSpMkLst>
         </pc:cxnChg>
         <pc:cxnChg chg="mod">
-          <ac:chgData name="huang tiansheng" userId="ce404ce9b0eeb6b1" providerId="LiveId" clId="{EB06CDAE-BA54-4CFD-A2C4-E868AFB5EDFD}" dt="2024-06-08T16:07:51.374" v="86" actId="165"/>
+          <ac:chgData name="tiansheng huang" userId="ce404ce9b0eeb6b1" providerId="LiveId" clId="{0FEE01C1-AAE0-4B6F-A070-B5523A5E5B07}" dt="2024-09-06T20:08:42.554" v="4" actId="478"/>
           <ac:cxnSpMkLst>
             <pc:docMk/>
             <pc:sldMk cId="4015253138" sldId="256"/>
@@ -1928,7 +760,7 @@
           </ac:cxnSpMkLst>
         </pc:cxnChg>
         <pc:cxnChg chg="mod">
-          <ac:chgData name="huang tiansheng" userId="ce404ce9b0eeb6b1" providerId="LiveId" clId="{EB06CDAE-BA54-4CFD-A2C4-E868AFB5EDFD}" dt="2024-06-08T16:07:51.374" v="86" actId="165"/>
+          <ac:chgData name="tiansheng huang" userId="ce404ce9b0eeb6b1" providerId="LiveId" clId="{0FEE01C1-AAE0-4B6F-A070-B5523A5E5B07}" dt="2024-09-06T20:08:42.554" v="4" actId="478"/>
           <ac:cxnSpMkLst>
             <pc:docMk/>
             <pc:sldMk cId="4015253138" sldId="256"/>
@@ -1936,7 +768,7 @@
           </ac:cxnSpMkLst>
         </pc:cxnChg>
         <pc:cxnChg chg="mod">
-          <ac:chgData name="huang tiansheng" userId="ce404ce9b0eeb6b1" providerId="LiveId" clId="{EB06CDAE-BA54-4CFD-A2C4-E868AFB5EDFD}" dt="2024-06-08T16:07:51.374" v="86" actId="165"/>
+          <ac:chgData name="tiansheng huang" userId="ce404ce9b0eeb6b1" providerId="LiveId" clId="{0FEE01C1-AAE0-4B6F-A070-B5523A5E5B07}" dt="2024-09-06T20:08:42.554" v="4" actId="478"/>
           <ac:cxnSpMkLst>
             <pc:docMk/>
             <pc:sldMk cId="4015253138" sldId="256"/>
@@ -1944,7 +776,7 @@
           </ac:cxnSpMkLst>
         </pc:cxnChg>
         <pc:cxnChg chg="mod">
-          <ac:chgData name="huang tiansheng" userId="ce404ce9b0eeb6b1" providerId="LiveId" clId="{EB06CDAE-BA54-4CFD-A2C4-E868AFB5EDFD}" dt="2024-06-08T16:07:51.374" v="86" actId="165"/>
+          <ac:chgData name="tiansheng huang" userId="ce404ce9b0eeb6b1" providerId="LiveId" clId="{0FEE01C1-AAE0-4B6F-A070-B5523A5E5B07}" dt="2024-09-06T20:08:42.554" v="4" actId="478"/>
           <ac:cxnSpMkLst>
             <pc:docMk/>
             <pc:sldMk cId="4015253138" sldId="256"/>
@@ -1952,7 +784,7 @@
           </ac:cxnSpMkLst>
         </pc:cxnChg>
         <pc:cxnChg chg="mod">
-          <ac:chgData name="huang tiansheng" userId="ce404ce9b0eeb6b1" providerId="LiveId" clId="{EB06CDAE-BA54-4CFD-A2C4-E868AFB5EDFD}" dt="2024-06-08T16:07:51.374" v="86" actId="165"/>
+          <ac:chgData name="tiansheng huang" userId="ce404ce9b0eeb6b1" providerId="LiveId" clId="{0FEE01C1-AAE0-4B6F-A070-B5523A5E5B07}" dt="2024-09-06T20:08:42.554" v="4" actId="478"/>
           <ac:cxnSpMkLst>
             <pc:docMk/>
             <pc:sldMk cId="4015253138" sldId="256"/>
@@ -1960,7 +792,7 @@
           </ac:cxnSpMkLst>
         </pc:cxnChg>
         <pc:cxnChg chg="mod">
-          <ac:chgData name="huang tiansheng" userId="ce404ce9b0eeb6b1" providerId="LiveId" clId="{EB06CDAE-BA54-4CFD-A2C4-E868AFB5EDFD}" dt="2024-06-08T16:07:51.374" v="86" actId="165"/>
+          <ac:chgData name="tiansheng huang" userId="ce404ce9b0eeb6b1" providerId="LiveId" clId="{0FEE01C1-AAE0-4B6F-A070-B5523A5E5B07}" dt="2024-09-06T20:08:42.554" v="4" actId="478"/>
           <ac:cxnSpMkLst>
             <pc:docMk/>
             <pc:sldMk cId="4015253138" sldId="256"/>
@@ -1968,115 +800,19 @@
           </ac:cxnSpMkLst>
         </pc:cxnChg>
         <pc:cxnChg chg="mod">
-          <ac:chgData name="huang tiansheng" userId="ce404ce9b0eeb6b1" providerId="LiveId" clId="{EB06CDAE-BA54-4CFD-A2C4-E868AFB5EDFD}" dt="2024-06-08T16:07:51.374" v="86" actId="165"/>
+          <ac:chgData name="tiansheng huang" userId="ce404ce9b0eeb6b1" providerId="LiveId" clId="{0FEE01C1-AAE0-4B6F-A070-B5523A5E5B07}" dt="2024-09-06T20:08:42.554" v="4" actId="478"/>
           <ac:cxnSpMkLst>
             <pc:docMk/>
             <pc:sldMk cId="4015253138" sldId="256"/>
             <ac:cxnSpMk id="110" creationId="{990E3239-E754-9FA1-9B00-A52B073558DB}"/>
           </ac:cxnSpMkLst>
         </pc:cxnChg>
-        <pc:cxnChg chg="mod">
-          <ac:chgData name="huang tiansheng" userId="ce404ce9b0eeb6b1" providerId="LiveId" clId="{EB06CDAE-BA54-4CFD-A2C4-E868AFB5EDFD}" dt="2024-06-08T16:07:51.374" v="86" actId="165"/>
-          <ac:cxnSpMkLst>
-            <pc:docMk/>
-            <pc:sldMk cId="4015253138" sldId="256"/>
-            <ac:cxnSpMk id="121" creationId="{09C26D04-E15C-FF32-CCF3-0ACAC8358358}"/>
-          </ac:cxnSpMkLst>
-        </pc:cxnChg>
-        <pc:cxnChg chg="mod">
-          <ac:chgData name="huang tiansheng" userId="ce404ce9b0eeb6b1" providerId="LiveId" clId="{EB06CDAE-BA54-4CFD-A2C4-E868AFB5EDFD}" dt="2024-06-08T16:07:51.374" v="86" actId="165"/>
-          <ac:cxnSpMkLst>
-            <pc:docMk/>
-            <pc:sldMk cId="4015253138" sldId="256"/>
-            <ac:cxnSpMk id="122" creationId="{FC8204D6-082E-E4A7-B9B5-28D617F7A2AB}"/>
-          </ac:cxnSpMkLst>
-        </pc:cxnChg>
-        <pc:cxnChg chg="mod">
-          <ac:chgData name="huang tiansheng" userId="ce404ce9b0eeb6b1" providerId="LiveId" clId="{EB06CDAE-BA54-4CFD-A2C4-E868AFB5EDFD}" dt="2024-06-08T16:27:04.999" v="286" actId="208"/>
-          <ac:cxnSpMkLst>
-            <pc:docMk/>
-            <pc:sldMk cId="4015253138" sldId="256"/>
-            <ac:cxnSpMk id="123" creationId="{246D734E-1867-D9D3-26D6-FF75449FF0C0}"/>
-          </ac:cxnSpMkLst>
-        </pc:cxnChg>
-        <pc:cxnChg chg="mod">
-          <ac:chgData name="huang tiansheng" userId="ce404ce9b0eeb6b1" providerId="LiveId" clId="{EB06CDAE-BA54-4CFD-A2C4-E868AFB5EDFD}" dt="2024-06-08T16:07:51.374" v="86" actId="165"/>
-          <ac:cxnSpMkLst>
-            <pc:docMk/>
-            <pc:sldMk cId="4015253138" sldId="256"/>
-            <ac:cxnSpMk id="124" creationId="{CA2C5229-9CB2-0C34-E86B-1F5A535EF1C3}"/>
-          </ac:cxnSpMkLst>
-        </pc:cxnChg>
-        <pc:cxnChg chg="mod">
-          <ac:chgData name="huang tiansheng" userId="ce404ce9b0eeb6b1" providerId="LiveId" clId="{EB06CDAE-BA54-4CFD-A2C4-E868AFB5EDFD}" dt="2024-06-08T16:27:04.999" v="286" actId="208"/>
-          <ac:cxnSpMkLst>
-            <pc:docMk/>
-            <pc:sldMk cId="4015253138" sldId="256"/>
-            <ac:cxnSpMk id="125" creationId="{A1516E23-943B-1682-0F72-3690BC6AF2BF}"/>
-          </ac:cxnSpMkLst>
-        </pc:cxnChg>
-        <pc:cxnChg chg="mod">
-          <ac:chgData name="huang tiansheng" userId="ce404ce9b0eeb6b1" providerId="LiveId" clId="{EB06CDAE-BA54-4CFD-A2C4-E868AFB5EDFD}" dt="2024-06-08T16:07:51.374" v="86" actId="165"/>
-          <ac:cxnSpMkLst>
-            <pc:docMk/>
-            <pc:sldMk cId="4015253138" sldId="256"/>
-            <ac:cxnSpMk id="126" creationId="{F65FD189-4A01-D6A2-796F-5E0625EA4D8F}"/>
-          </ac:cxnSpMkLst>
-        </pc:cxnChg>
-        <pc:cxnChg chg="mod">
-          <ac:chgData name="huang tiansheng" userId="ce404ce9b0eeb6b1" providerId="LiveId" clId="{EB06CDAE-BA54-4CFD-A2C4-E868AFB5EDFD}" dt="2024-06-08T16:07:51.374" v="86" actId="165"/>
-          <ac:cxnSpMkLst>
-            <pc:docMk/>
-            <pc:sldMk cId="4015253138" sldId="256"/>
-            <ac:cxnSpMk id="127" creationId="{7FD982D0-ECB0-4DEF-CA3B-063C062D39F0}"/>
-          </ac:cxnSpMkLst>
-        </pc:cxnChg>
-        <pc:cxnChg chg="mod">
-          <ac:chgData name="huang tiansheng" userId="ce404ce9b0eeb6b1" providerId="LiveId" clId="{EB06CDAE-BA54-4CFD-A2C4-E868AFB5EDFD}" dt="2024-06-08T16:07:51.374" v="86" actId="165"/>
-          <ac:cxnSpMkLst>
-            <pc:docMk/>
-            <pc:sldMk cId="4015253138" sldId="256"/>
-            <ac:cxnSpMk id="128" creationId="{1ACFE99D-431D-7C42-BA10-2C7371F6EC24}"/>
-          </ac:cxnSpMkLst>
-        </pc:cxnChg>
-        <pc:cxnChg chg="mod">
-          <ac:chgData name="huang tiansheng" userId="ce404ce9b0eeb6b1" providerId="LiveId" clId="{EB06CDAE-BA54-4CFD-A2C4-E868AFB5EDFD}" dt="2024-06-08T16:07:51.374" v="86" actId="165"/>
-          <ac:cxnSpMkLst>
-            <pc:docMk/>
-            <pc:sldMk cId="4015253138" sldId="256"/>
-            <ac:cxnSpMk id="129" creationId="{A39FE95D-FAA2-9F31-0F0B-BAFEC157CC93}"/>
-          </ac:cxnSpMkLst>
-        </pc:cxnChg>
-        <pc:cxnChg chg="mod">
-          <ac:chgData name="huang tiansheng" userId="ce404ce9b0eeb6b1" providerId="LiveId" clId="{EB06CDAE-BA54-4CFD-A2C4-E868AFB5EDFD}" dt="2024-06-08T16:07:51.374" v="86" actId="165"/>
-          <ac:cxnSpMkLst>
-            <pc:docMk/>
-            <pc:sldMk cId="4015253138" sldId="256"/>
-            <ac:cxnSpMk id="130" creationId="{F423EE80-77C0-73E8-6321-BA8E1A282DF6}"/>
-          </ac:cxnSpMkLst>
-        </pc:cxnChg>
-        <pc:cxnChg chg="mod">
-          <ac:chgData name="huang tiansheng" userId="ce404ce9b0eeb6b1" providerId="LiveId" clId="{EB06CDAE-BA54-4CFD-A2C4-E868AFB5EDFD}" dt="2024-06-08T16:07:51.374" v="86" actId="165"/>
-          <ac:cxnSpMkLst>
-            <pc:docMk/>
-            <pc:sldMk cId="4015253138" sldId="256"/>
-            <ac:cxnSpMk id="131" creationId="{BD3BE1EF-8831-7B9E-CAD3-0C31B52F38F1}"/>
-          </ac:cxnSpMkLst>
-        </pc:cxnChg>
-        <pc:cxnChg chg="mod">
-          <ac:chgData name="huang tiansheng" userId="ce404ce9b0eeb6b1" providerId="LiveId" clId="{EB06CDAE-BA54-4CFD-A2C4-E868AFB5EDFD}" dt="2024-06-08T16:07:51.374" v="86" actId="165"/>
-          <ac:cxnSpMkLst>
-            <pc:docMk/>
-            <pc:sldMk cId="4015253138" sldId="256"/>
-            <ac:cxnSpMk id="132" creationId="{F64F439F-D15A-5314-BDFC-E60025086A06}"/>
-          </ac:cxnSpMkLst>
-        </pc:cxnChg>
-        <pc:cxnChg chg="add mod topLvl">
-          <ac:chgData name="huang tiansheng" userId="ce404ce9b0eeb6b1" providerId="LiveId" clId="{EB06CDAE-BA54-4CFD-A2C4-E868AFB5EDFD}" dt="2024-06-08T16:09:42.807" v="128" actId="1076"/>
-          <ac:cxnSpMkLst>
-            <pc:docMk/>
-            <pc:sldMk cId="4015253138" sldId="256"/>
-            <ac:cxnSpMk id="135" creationId="{3ADC759A-B5F8-D282-CA0E-951E5408A76F}"/>
+        <pc:cxnChg chg="add mod">
+          <ac:chgData name="tiansheng huang" userId="ce404ce9b0eeb6b1" providerId="LiveId" clId="{0FEE01C1-AAE0-4B6F-A070-B5523A5E5B07}" dt="2024-09-06T20:54:55.991" v="914" actId="14100"/>
+          <ac:cxnSpMkLst>
+            <pc:docMk/>
+            <pc:sldMk cId="4015253138" sldId="256"/>
+            <ac:cxnSpMk id="126" creationId="{18C3C9CE-9599-C74F-5854-5095A8762CC3}"/>
           </ac:cxnSpMkLst>
         </pc:cxnChg>
       </pc:sldChg>
@@ -3067,388 +1803,1676 @@
     </pc:docChg>
   </pc:docChgLst>
   <pc:docChgLst>
-    <pc:chgData name="tiansheng huang" userId="ce404ce9b0eeb6b1" providerId="LiveId" clId="{0FEE01C1-AAE0-4B6F-A070-B5523A5E5B07}"/>
+    <pc:chgData name="tiansheng huang" userId="ce404ce9b0eeb6b1" providerId="LiveId" clId="{69751A5B-63C7-4F4A-A9B5-D0ADFC9FBAB1}"/>
     <pc:docChg chg="undo custSel modSld">
-      <pc:chgData name="tiansheng huang" userId="ce404ce9b0eeb6b1" providerId="LiveId" clId="{0FEE01C1-AAE0-4B6F-A070-B5523A5E5B07}" dt="2024-09-15T22:45:24.917" v="988" actId="20577"/>
+      <pc:chgData name="tiansheng huang" userId="ce404ce9b0eeb6b1" providerId="LiveId" clId="{69751A5B-63C7-4F4A-A9B5-D0ADFC9FBAB1}" dt="2024-07-20T18:45:54.689" v="190" actId="14100"/>
       <pc:docMkLst>
         <pc:docMk/>
       </pc:docMkLst>
       <pc:sldChg chg="addSp delSp modSp mod">
-        <pc:chgData name="tiansheng huang" userId="ce404ce9b0eeb6b1" providerId="LiveId" clId="{0FEE01C1-AAE0-4B6F-A070-B5523A5E5B07}" dt="2024-09-15T22:45:24.917" v="988" actId="20577"/>
+        <pc:chgData name="tiansheng huang" userId="ce404ce9b0eeb6b1" providerId="LiveId" clId="{69751A5B-63C7-4F4A-A9B5-D0ADFC9FBAB1}" dt="2024-07-20T18:45:54.689" v="190" actId="14100"/>
+        <pc:sldMkLst>
+          <pc:docMk/>
+          <pc:sldMk cId="4015253138" sldId="256"/>
+        </pc:sldMkLst>
+        <pc:spChg chg="mod">
+          <ac:chgData name="tiansheng huang" userId="ce404ce9b0eeb6b1" providerId="LiveId" clId="{69751A5B-63C7-4F4A-A9B5-D0ADFC9FBAB1}" dt="2024-07-20T18:31:33.140" v="4"/>
+          <ac:spMkLst>
+            <pc:docMk/>
+            <pc:sldMk cId="4015253138" sldId="256"/>
+            <ac:spMk id="4" creationId="{B8A37E53-EDCF-E77A-4A11-58A386EB0067}"/>
+          </ac:spMkLst>
+        </pc:spChg>
+        <pc:spChg chg="mod">
+          <ac:chgData name="tiansheng huang" userId="ce404ce9b0eeb6b1" providerId="LiveId" clId="{69751A5B-63C7-4F4A-A9B5-D0ADFC9FBAB1}" dt="2024-07-20T18:34:26.683" v="46" actId="164"/>
+          <ac:spMkLst>
+            <pc:docMk/>
+            <pc:sldMk cId="4015253138" sldId="256"/>
+            <ac:spMk id="5" creationId="{EF76D796-B874-46EC-5482-ACC7A2DE3558}"/>
+          </ac:spMkLst>
+        </pc:spChg>
+        <pc:spChg chg="mod">
+          <ac:chgData name="tiansheng huang" userId="ce404ce9b0eeb6b1" providerId="LiveId" clId="{69751A5B-63C7-4F4A-A9B5-D0ADFC9FBAB1}" dt="2024-07-20T18:45:29.340" v="178" actId="1076"/>
+          <ac:spMkLst>
+            <pc:docMk/>
+            <pc:sldMk cId="4015253138" sldId="256"/>
+            <ac:spMk id="27" creationId="{1A7FD1D1-7BF2-3705-19A7-D47D4F11E259}"/>
+          </ac:spMkLst>
+        </pc:spChg>
+        <pc:spChg chg="mod">
+          <ac:chgData name="tiansheng huang" userId="ce404ce9b0eeb6b1" providerId="LiveId" clId="{69751A5B-63C7-4F4A-A9B5-D0ADFC9FBAB1}" dt="2024-07-20T18:42:54.872" v="141" actId="1076"/>
+          <ac:spMkLst>
+            <pc:docMk/>
+            <pc:sldMk cId="4015253138" sldId="256"/>
+            <ac:spMk id="28" creationId="{37889CCA-F26F-5EA1-2C8F-1ABF43FBCD09}"/>
+          </ac:spMkLst>
+        </pc:spChg>
+        <pc:spChg chg="mod">
+          <ac:chgData name="tiansheng huang" userId="ce404ce9b0eeb6b1" providerId="LiveId" clId="{69751A5B-63C7-4F4A-A9B5-D0ADFC9FBAB1}" dt="2024-07-20T18:45:45.338" v="186" actId="1076"/>
+          <ac:spMkLst>
+            <pc:docMk/>
+            <pc:sldMk cId="4015253138" sldId="256"/>
+            <ac:spMk id="29" creationId="{AB4A0CC5-6336-7A8D-8D26-926D3BEF92F3}"/>
+          </ac:spMkLst>
+        </pc:spChg>
+        <pc:spChg chg="mod">
+          <ac:chgData name="tiansheng huang" userId="ce404ce9b0eeb6b1" providerId="LiveId" clId="{69751A5B-63C7-4F4A-A9B5-D0ADFC9FBAB1}" dt="2024-07-20T18:41:42.782" v="117" actId="164"/>
+          <ac:spMkLst>
+            <pc:docMk/>
+            <pc:sldMk cId="4015253138" sldId="256"/>
+            <ac:spMk id="31" creationId="{72AD2A00-7B3A-9E02-059D-3F96A1DBB155}"/>
+          </ac:spMkLst>
+        </pc:spChg>
+        <pc:spChg chg="del">
+          <ac:chgData name="tiansheng huang" userId="ce404ce9b0eeb6b1" providerId="LiveId" clId="{69751A5B-63C7-4F4A-A9B5-D0ADFC9FBAB1}" dt="2024-07-20T18:29:06.126" v="1" actId="478"/>
+          <ac:spMkLst>
+            <pc:docMk/>
+            <pc:sldMk cId="4015253138" sldId="256"/>
+            <ac:spMk id="32" creationId="{74482FED-0D3B-C5BE-ED72-4BB10CA043E7}"/>
+          </ac:spMkLst>
+        </pc:spChg>
+        <pc:spChg chg="mod">
+          <ac:chgData name="tiansheng huang" userId="ce404ce9b0eeb6b1" providerId="LiveId" clId="{69751A5B-63C7-4F4A-A9B5-D0ADFC9FBAB1}" dt="2024-07-20T18:45:31.197" v="179" actId="1076"/>
+          <ac:spMkLst>
+            <pc:docMk/>
+            <pc:sldMk cId="4015253138" sldId="256"/>
+            <ac:spMk id="50" creationId="{D7D80912-978D-7E39-D631-A378DFF35BA8}"/>
+          </ac:spMkLst>
+        </pc:spChg>
+        <pc:spChg chg="mod">
+          <ac:chgData name="tiansheng huang" userId="ce404ce9b0eeb6b1" providerId="LiveId" clId="{69751A5B-63C7-4F4A-A9B5-D0ADFC9FBAB1}" dt="2024-07-20T18:34:10.769" v="41" actId="164"/>
+          <ac:spMkLst>
+            <pc:docMk/>
+            <pc:sldMk cId="4015253138" sldId="256"/>
+            <ac:spMk id="53" creationId="{6A0E660C-D47D-5F10-E234-E15DE54D6A74}"/>
+          </ac:spMkLst>
+        </pc:spChg>
+        <pc:spChg chg="mod topLvl">
+          <ac:chgData name="tiansheng huang" userId="ce404ce9b0eeb6b1" providerId="LiveId" clId="{69751A5B-63C7-4F4A-A9B5-D0ADFC9FBAB1}" dt="2024-07-20T18:34:10.769" v="41" actId="164"/>
+          <ac:spMkLst>
+            <pc:docMk/>
+            <pc:sldMk cId="4015253138" sldId="256"/>
+            <ac:spMk id="55" creationId="{D1774638-5A90-4B1C-CF97-A09D0E5EAB13}"/>
+          </ac:spMkLst>
+        </pc:spChg>
+        <pc:spChg chg="mod topLvl">
+          <ac:chgData name="tiansheng huang" userId="ce404ce9b0eeb6b1" providerId="LiveId" clId="{69751A5B-63C7-4F4A-A9B5-D0ADFC9FBAB1}" dt="2024-07-20T18:34:10.769" v="41" actId="164"/>
+          <ac:spMkLst>
+            <pc:docMk/>
+            <pc:sldMk cId="4015253138" sldId="256"/>
+            <ac:spMk id="56" creationId="{0B4641DE-F454-3403-D1F1-2DCF4E7CE73F}"/>
+          </ac:spMkLst>
+        </pc:spChg>
+        <pc:spChg chg="mod topLvl">
+          <ac:chgData name="tiansheng huang" userId="ce404ce9b0eeb6b1" providerId="LiveId" clId="{69751A5B-63C7-4F4A-A9B5-D0ADFC9FBAB1}" dt="2024-07-20T18:34:10.769" v="41" actId="164"/>
+          <ac:spMkLst>
+            <pc:docMk/>
+            <pc:sldMk cId="4015253138" sldId="256"/>
+            <ac:spMk id="57" creationId="{99ABD3F7-3DCA-66D4-BB51-CFE961615078}"/>
+          </ac:spMkLst>
+        </pc:spChg>
+        <pc:spChg chg="mod topLvl">
+          <ac:chgData name="tiansheng huang" userId="ce404ce9b0eeb6b1" providerId="LiveId" clId="{69751A5B-63C7-4F4A-A9B5-D0ADFC9FBAB1}" dt="2024-07-20T18:34:10.769" v="41" actId="164"/>
+          <ac:spMkLst>
+            <pc:docMk/>
+            <pc:sldMk cId="4015253138" sldId="256"/>
+            <ac:spMk id="58" creationId="{19508B88-51FE-3FE7-167D-0E9CB9EFE191}"/>
+          </ac:spMkLst>
+        </pc:spChg>
+        <pc:spChg chg="mod topLvl">
+          <ac:chgData name="tiansheng huang" userId="ce404ce9b0eeb6b1" providerId="LiveId" clId="{69751A5B-63C7-4F4A-A9B5-D0ADFC9FBAB1}" dt="2024-07-20T18:34:10.769" v="41" actId="164"/>
+          <ac:spMkLst>
+            <pc:docMk/>
+            <pc:sldMk cId="4015253138" sldId="256"/>
+            <ac:spMk id="59" creationId="{DF3A98BD-8062-0D46-B272-9B199900C6D7}"/>
+          </ac:spMkLst>
+        </pc:spChg>
+        <pc:spChg chg="mod topLvl">
+          <ac:chgData name="tiansheng huang" userId="ce404ce9b0eeb6b1" providerId="LiveId" clId="{69751A5B-63C7-4F4A-A9B5-D0ADFC9FBAB1}" dt="2024-07-20T18:34:10.769" v="41" actId="164"/>
+          <ac:spMkLst>
+            <pc:docMk/>
+            <pc:sldMk cId="4015253138" sldId="256"/>
+            <ac:spMk id="60" creationId="{434CD0A7-75AC-3FD9-C253-71ECAF76C1CF}"/>
+          </ac:spMkLst>
+        </pc:spChg>
+        <pc:spChg chg="mod topLvl">
+          <ac:chgData name="tiansheng huang" userId="ce404ce9b0eeb6b1" providerId="LiveId" clId="{69751A5B-63C7-4F4A-A9B5-D0ADFC9FBAB1}" dt="2024-07-20T18:34:10.769" v="41" actId="164"/>
+          <ac:spMkLst>
+            <pc:docMk/>
+            <pc:sldMk cId="4015253138" sldId="256"/>
+            <ac:spMk id="61" creationId="{46E7DBE2-15B8-3AB2-CF25-7AC981C6E1D3}"/>
+          </ac:spMkLst>
+        </pc:spChg>
+        <pc:spChg chg="mod">
+          <ac:chgData name="tiansheng huang" userId="ce404ce9b0eeb6b1" providerId="LiveId" clId="{69751A5B-63C7-4F4A-A9B5-D0ADFC9FBAB1}" dt="2024-07-20T18:45:10.418" v="168" actId="1076"/>
+          <ac:spMkLst>
+            <pc:docMk/>
+            <pc:sldMk cId="4015253138" sldId="256"/>
+            <ac:spMk id="74" creationId="{88861DEE-E896-FBA4-040A-178B10420E3F}"/>
+          </ac:spMkLst>
+        </pc:spChg>
+        <pc:spChg chg="mod">
+          <ac:chgData name="tiansheng huang" userId="ce404ce9b0eeb6b1" providerId="LiveId" clId="{69751A5B-63C7-4F4A-A9B5-D0ADFC9FBAB1}" dt="2024-07-20T18:42:36.923" v="134" actId="1076"/>
+          <ac:spMkLst>
+            <pc:docMk/>
+            <pc:sldMk cId="4015253138" sldId="256"/>
+            <ac:spMk id="76" creationId="{5FFB5373-B7DA-8295-8C80-FC18F587712B}"/>
+          </ac:spMkLst>
+        </pc:spChg>
+        <pc:spChg chg="mod">
+          <ac:chgData name="tiansheng huang" userId="ce404ce9b0eeb6b1" providerId="LiveId" clId="{69751A5B-63C7-4F4A-A9B5-D0ADFC9FBAB1}" dt="2024-07-20T18:45:51.540" v="189" actId="1076"/>
+          <ac:spMkLst>
+            <pc:docMk/>
+            <pc:sldMk cId="4015253138" sldId="256"/>
+            <ac:spMk id="81" creationId="{FA96D195-632A-3994-B65A-B316EAE49BA5}"/>
+          </ac:spMkLst>
+        </pc:spChg>
+        <pc:spChg chg="mod">
+          <ac:chgData name="tiansheng huang" userId="ce404ce9b0eeb6b1" providerId="LiveId" clId="{69751A5B-63C7-4F4A-A9B5-D0ADFC9FBAB1}" dt="2024-07-20T18:34:57.986" v="54" actId="164"/>
+          <ac:spMkLst>
+            <pc:docMk/>
+            <pc:sldMk cId="4015253138" sldId="256"/>
+            <ac:spMk id="90" creationId="{ACCEC39E-8E07-DF90-977A-BCFE1D8BA1D5}"/>
+          </ac:spMkLst>
+        </pc:spChg>
+        <pc:spChg chg="del">
+          <ac:chgData name="tiansheng huang" userId="ce404ce9b0eeb6b1" providerId="LiveId" clId="{69751A5B-63C7-4F4A-A9B5-D0ADFC9FBAB1}" dt="2024-07-20T18:29:03.412" v="0" actId="478"/>
+          <ac:spMkLst>
+            <pc:docMk/>
+            <pc:sldMk cId="4015253138" sldId="256"/>
+            <ac:spMk id="112" creationId="{581A5E93-88CD-5DD9-A0A1-27B0B690DEE0}"/>
+          </ac:spMkLst>
+        </pc:spChg>
+        <pc:spChg chg="del">
+          <ac:chgData name="tiansheng huang" userId="ce404ce9b0eeb6b1" providerId="LiveId" clId="{69751A5B-63C7-4F4A-A9B5-D0ADFC9FBAB1}" dt="2024-07-20T18:29:03.412" v="0" actId="478"/>
+          <ac:spMkLst>
+            <pc:docMk/>
+            <pc:sldMk cId="4015253138" sldId="256"/>
+            <ac:spMk id="133" creationId="{FE937F06-E35B-0C37-5E86-C98CA3D73C5A}"/>
+          </ac:spMkLst>
+        </pc:spChg>
+        <pc:spChg chg="del">
+          <ac:chgData name="tiansheng huang" userId="ce404ce9b0eeb6b1" providerId="LiveId" clId="{69751A5B-63C7-4F4A-A9B5-D0ADFC9FBAB1}" dt="2024-07-20T18:29:06.126" v="1" actId="478"/>
+          <ac:spMkLst>
+            <pc:docMk/>
+            <pc:sldMk cId="4015253138" sldId="256"/>
+            <ac:spMk id="136" creationId="{4A96D54C-7650-F2B3-ECF2-EDE92DC79F50}"/>
+          </ac:spMkLst>
+        </pc:spChg>
+        <pc:spChg chg="mod">
+          <ac:chgData name="tiansheng huang" userId="ce404ce9b0eeb6b1" providerId="LiveId" clId="{69751A5B-63C7-4F4A-A9B5-D0ADFC9FBAB1}" dt="2024-07-20T18:45:39.185" v="183" actId="14100"/>
+          <ac:spMkLst>
+            <pc:docMk/>
+            <pc:sldMk cId="4015253138" sldId="256"/>
+            <ac:spMk id="140" creationId="{DF8D386A-58EA-9C17-298E-206C20C3A488}"/>
+          </ac:spMkLst>
+        </pc:spChg>
+        <pc:spChg chg="mod">
+          <ac:chgData name="tiansheng huang" userId="ce404ce9b0eeb6b1" providerId="LiveId" clId="{69751A5B-63C7-4F4A-A9B5-D0ADFC9FBAB1}" dt="2024-07-20T18:45:37.483" v="182" actId="1076"/>
+          <ac:spMkLst>
+            <pc:docMk/>
+            <pc:sldMk cId="4015253138" sldId="256"/>
+            <ac:spMk id="141" creationId="{E7090223-9172-08E8-577D-DD43B4F82DE4}"/>
+          </ac:spMkLst>
+        </pc:spChg>
+        <pc:spChg chg="del">
+          <ac:chgData name="tiansheng huang" userId="ce404ce9b0eeb6b1" providerId="LiveId" clId="{69751A5B-63C7-4F4A-A9B5-D0ADFC9FBAB1}" dt="2024-07-20T18:29:06.126" v="1" actId="478"/>
+          <ac:spMkLst>
+            <pc:docMk/>
+            <pc:sldMk cId="4015253138" sldId="256"/>
+            <ac:spMk id="151" creationId="{FFAF7BB1-D9E9-ECC0-FF7B-9867C1D55211}"/>
+          </ac:spMkLst>
+        </pc:spChg>
+        <pc:grpChg chg="add mod">
+          <ac:chgData name="tiansheng huang" userId="ce404ce9b0eeb6b1" providerId="LiveId" clId="{69751A5B-63C7-4F4A-A9B5-D0ADFC9FBAB1}" dt="2024-07-20T18:40:53.833" v="103" actId="1076"/>
+          <ac:grpSpMkLst>
+            <pc:docMk/>
+            <pc:sldMk cId="4015253138" sldId="256"/>
+            <ac:grpSpMk id="2" creationId="{E8F8DDD2-6576-1839-89F8-0D0A58CD36A1}"/>
+          </ac:grpSpMkLst>
+        </pc:grpChg>
+        <pc:grpChg chg="mod">
+          <ac:chgData name="tiansheng huang" userId="ce404ce9b0eeb6b1" providerId="LiveId" clId="{69751A5B-63C7-4F4A-A9B5-D0ADFC9FBAB1}" dt="2024-07-20T18:34:26.683" v="46" actId="164"/>
+          <ac:grpSpMkLst>
+            <pc:docMk/>
+            <pc:sldMk cId="4015253138" sldId="256"/>
+            <ac:grpSpMk id="6" creationId="{F7D8132E-0613-4B72-175D-393E968A17F4}"/>
+          </ac:grpSpMkLst>
+        </pc:grpChg>
+        <pc:grpChg chg="add mod">
+          <ac:chgData name="tiansheng huang" userId="ce404ce9b0eeb6b1" providerId="LiveId" clId="{69751A5B-63C7-4F4A-A9B5-D0ADFC9FBAB1}" dt="2024-07-20T18:41:19.221" v="112" actId="1076"/>
+          <ac:grpSpMkLst>
+            <pc:docMk/>
+            <pc:sldMk cId="4015253138" sldId="256"/>
+            <ac:grpSpMk id="33" creationId="{36AF2099-2B92-BE9E-C0EF-40A457A5AB5A}"/>
+          </ac:grpSpMkLst>
+        </pc:grpChg>
+        <pc:grpChg chg="add mod">
+          <ac:chgData name="tiansheng huang" userId="ce404ce9b0eeb6b1" providerId="LiveId" clId="{69751A5B-63C7-4F4A-A9B5-D0ADFC9FBAB1}" dt="2024-07-20T18:43:19.918" v="163" actId="1037"/>
+          <ac:grpSpMkLst>
+            <pc:docMk/>
+            <pc:sldMk cId="4015253138" sldId="256"/>
+            <ac:grpSpMk id="34" creationId="{10651B93-A1E9-27CD-9BCC-1069609191ED}"/>
+          </ac:grpSpMkLst>
+        </pc:grpChg>
+        <pc:grpChg chg="add mod">
+          <ac:chgData name="tiansheng huang" userId="ce404ce9b0eeb6b1" providerId="LiveId" clId="{69751A5B-63C7-4F4A-A9B5-D0ADFC9FBAB1}" dt="2024-07-20T18:43:13.719" v="160" actId="1038"/>
+          <ac:grpSpMkLst>
+            <pc:docMk/>
+            <pc:sldMk cId="4015253138" sldId="256"/>
+            <ac:grpSpMk id="35" creationId="{AD8E9819-B6E4-A4E8-DA81-26ABE4DB3065}"/>
+          </ac:grpSpMkLst>
+        </pc:grpChg>
+        <pc:grpChg chg="add mod">
+          <ac:chgData name="tiansheng huang" userId="ce404ce9b0eeb6b1" providerId="LiveId" clId="{69751A5B-63C7-4F4A-A9B5-D0ADFC9FBAB1}" dt="2024-07-20T18:45:54.689" v="190" actId="14100"/>
+          <ac:grpSpMkLst>
+            <pc:docMk/>
+            <pc:sldMk cId="4015253138" sldId="256"/>
+            <ac:grpSpMk id="41" creationId="{3C93B3F4-ECB3-D169-5F15-5F8D7676DF23}"/>
+          </ac:grpSpMkLst>
+        </pc:grpChg>
+        <pc:grpChg chg="del mod">
+          <ac:chgData name="tiansheng huang" userId="ce404ce9b0eeb6b1" providerId="LiveId" clId="{69751A5B-63C7-4F4A-A9B5-D0ADFC9FBAB1}" dt="2024-07-20T18:34:05.558" v="40" actId="165"/>
+          <ac:grpSpMkLst>
+            <pc:docMk/>
+            <pc:sldMk cId="4015253138" sldId="256"/>
+            <ac:grpSpMk id="54" creationId="{01602F76-D934-B860-89C9-5DBC0ED36114}"/>
+          </ac:grpSpMkLst>
+        </pc:grpChg>
+        <pc:grpChg chg="mod">
+          <ac:chgData name="tiansheng huang" userId="ce404ce9b0eeb6b1" providerId="LiveId" clId="{69751A5B-63C7-4F4A-A9B5-D0ADFC9FBAB1}" dt="2024-07-20T18:34:57.986" v="54" actId="164"/>
+          <ac:grpSpMkLst>
+            <pc:docMk/>
+            <pc:sldMk cId="4015253138" sldId="256"/>
+            <ac:grpSpMk id="91" creationId="{85EAFF53-1E85-B656-21F6-ABF601D9F5A9}"/>
+          </ac:grpSpMkLst>
+        </pc:grpChg>
+        <pc:grpChg chg="del">
+          <ac:chgData name="tiansheng huang" userId="ce404ce9b0eeb6b1" providerId="LiveId" clId="{69751A5B-63C7-4F4A-A9B5-D0ADFC9FBAB1}" dt="2024-07-20T18:29:03.412" v="0" actId="478"/>
+          <ac:grpSpMkLst>
+            <pc:docMk/>
+            <pc:sldMk cId="4015253138" sldId="256"/>
+            <ac:grpSpMk id="113" creationId="{8668B8AC-3C7A-85C4-5124-01ACEF69334C}"/>
+          </ac:grpSpMkLst>
+        </pc:grpChg>
+        <pc:grpChg chg="mod">
+          <ac:chgData name="tiansheng huang" userId="ce404ce9b0eeb6b1" providerId="LiveId" clId="{69751A5B-63C7-4F4A-A9B5-D0ADFC9FBAB1}" dt="2024-07-20T18:40:53.833" v="103" actId="1076"/>
+          <ac:grpSpMkLst>
+            <pc:docMk/>
+            <pc:sldMk cId="4015253138" sldId="256"/>
+            <ac:grpSpMk id="138" creationId="{26A317EC-756C-5A3A-2518-65A4E534030E}"/>
+          </ac:grpSpMkLst>
+        </pc:grpChg>
+        <pc:picChg chg="mod">
+          <ac:chgData name="tiansheng huang" userId="ce404ce9b0eeb6b1" providerId="LiveId" clId="{69751A5B-63C7-4F4A-A9B5-D0ADFC9FBAB1}" dt="2024-07-20T18:31:44.252" v="6"/>
+          <ac:picMkLst>
+            <pc:docMk/>
+            <pc:sldMk cId="4015253138" sldId="256"/>
+            <ac:picMk id="3" creationId="{75BC1914-3ABC-E23F-602E-948DD2047321}"/>
+          </ac:picMkLst>
+        </pc:picChg>
+        <pc:picChg chg="mod">
+          <ac:chgData name="tiansheng huang" userId="ce404ce9b0eeb6b1" providerId="LiveId" clId="{69751A5B-63C7-4F4A-A9B5-D0ADFC9FBAB1}" dt="2024-07-20T18:32:30.950" v="8"/>
+          <ac:picMkLst>
+            <pc:docMk/>
+            <pc:sldMk cId="4015253138" sldId="256"/>
+            <ac:picMk id="30" creationId="{CD46098A-8A64-71FD-FB15-F91A7583D07F}"/>
+          </ac:picMkLst>
+        </pc:picChg>
+        <pc:picChg chg="add mod">
+          <ac:chgData name="tiansheng huang" userId="ce404ce9b0eeb6b1" providerId="LiveId" clId="{69751A5B-63C7-4F4A-A9B5-D0ADFC9FBAB1}" dt="2024-07-20T18:41:36.389" v="116" actId="1076"/>
+          <ac:picMkLst>
+            <pc:docMk/>
+            <pc:sldMk cId="4015253138" sldId="256"/>
+            <ac:picMk id="38" creationId="{B8D5E6A4-6EEC-9C9A-1CD4-55709412E5B3}"/>
+          </ac:picMkLst>
+        </pc:picChg>
+        <pc:picChg chg="add del mod">
+          <ac:chgData name="tiansheng huang" userId="ce404ce9b0eeb6b1" providerId="LiveId" clId="{69751A5B-63C7-4F4A-A9B5-D0ADFC9FBAB1}" dt="2024-07-20T18:36:08.597" v="72" actId="478"/>
+          <ac:picMkLst>
+            <pc:docMk/>
+            <pc:sldMk cId="4015253138" sldId="256"/>
+            <ac:picMk id="39" creationId="{66E9736E-107A-4C1E-68A7-6EAC728FE848}"/>
+          </ac:picMkLst>
+        </pc:picChg>
+        <pc:picChg chg="mod">
+          <ac:chgData name="tiansheng huang" userId="ce404ce9b0eeb6b1" providerId="LiveId" clId="{69751A5B-63C7-4F4A-A9B5-D0ADFC9FBAB1}" dt="2024-07-20T18:34:26.683" v="46" actId="164"/>
+          <ac:picMkLst>
+            <pc:docMk/>
+            <pc:sldMk cId="4015253138" sldId="256"/>
+            <ac:picMk id="52" creationId="{87AFDDA5-77A7-40A7-F3BE-E8A1D0EB843F}"/>
+          </ac:picMkLst>
+        </pc:picChg>
+        <pc:picChg chg="mod">
+          <ac:chgData name="tiansheng huang" userId="ce404ce9b0eeb6b1" providerId="LiveId" clId="{69751A5B-63C7-4F4A-A9B5-D0ADFC9FBAB1}" dt="2024-07-20T18:34:10.769" v="41" actId="164"/>
+          <ac:picMkLst>
+            <pc:docMk/>
+            <pc:sldMk cId="4015253138" sldId="256"/>
+            <ac:picMk id="77" creationId="{5A539B92-1812-B195-B070-6808C0884E79}"/>
+          </ac:picMkLst>
+        </pc:picChg>
+        <pc:picChg chg="mod">
+          <ac:chgData name="tiansheng huang" userId="ce404ce9b0eeb6b1" providerId="LiveId" clId="{69751A5B-63C7-4F4A-A9B5-D0ADFC9FBAB1}" dt="2024-07-20T18:42:22.531" v="129" actId="1076"/>
+          <ac:picMkLst>
+            <pc:docMk/>
+            <pc:sldMk cId="4015253138" sldId="256"/>
+            <ac:picMk id="80" creationId="{3013D77F-A847-BDF0-4C9C-8CF860E6961A}"/>
+          </ac:picMkLst>
+        </pc:picChg>
+        <pc:picChg chg="mod">
+          <ac:chgData name="tiansheng huang" userId="ce404ce9b0eeb6b1" providerId="LiveId" clId="{69751A5B-63C7-4F4A-A9B5-D0ADFC9FBAB1}" dt="2024-07-20T18:41:42.782" v="117" actId="164"/>
+          <ac:picMkLst>
+            <pc:docMk/>
+            <pc:sldMk cId="4015253138" sldId="256"/>
+            <ac:picMk id="82" creationId="{98236B4A-C588-DED8-77C9-4CDDD3904856}"/>
+          </ac:picMkLst>
+        </pc:picChg>
+        <pc:picChg chg="mod">
+          <ac:chgData name="tiansheng huang" userId="ce404ce9b0eeb6b1" providerId="LiveId" clId="{69751A5B-63C7-4F4A-A9B5-D0ADFC9FBAB1}" dt="2024-07-20T18:34:33.984" v="48" actId="1076"/>
+          <ac:picMkLst>
+            <pc:docMk/>
+            <pc:sldMk cId="4015253138" sldId="256"/>
+            <ac:picMk id="89" creationId="{9CF2ECAB-A7D3-3B4F-027B-D84A6A43EA8E}"/>
+          </ac:picMkLst>
+        </pc:picChg>
+        <pc:picChg chg="mod">
+          <ac:chgData name="tiansheng huang" userId="ce404ce9b0eeb6b1" providerId="LiveId" clId="{69751A5B-63C7-4F4A-A9B5-D0ADFC9FBAB1}" dt="2024-07-20T18:34:57.986" v="54" actId="164"/>
+          <ac:picMkLst>
+            <pc:docMk/>
+            <pc:sldMk cId="4015253138" sldId="256"/>
+            <ac:picMk id="111" creationId="{0AB4FA63-57C4-447C-0B5E-01A4D105F8D4}"/>
+          </ac:picMkLst>
+        </pc:picChg>
+        <pc:picChg chg="del">
+          <ac:chgData name="tiansheng huang" userId="ce404ce9b0eeb6b1" providerId="LiveId" clId="{69751A5B-63C7-4F4A-A9B5-D0ADFC9FBAB1}" dt="2024-07-20T18:29:03.412" v="0" actId="478"/>
+          <ac:picMkLst>
+            <pc:docMk/>
+            <pc:sldMk cId="4015253138" sldId="256"/>
+            <ac:picMk id="134" creationId="{03001A48-70D5-ECAE-A059-8B78394FB1A2}"/>
+          </ac:picMkLst>
+        </pc:picChg>
+        <pc:picChg chg="mod">
+          <ac:chgData name="tiansheng huang" userId="ce404ce9b0eeb6b1" providerId="LiveId" clId="{69751A5B-63C7-4F4A-A9B5-D0ADFC9FBAB1}" dt="2024-07-20T18:40:55.953" v="105" actId="1076"/>
+          <ac:picMkLst>
+            <pc:docMk/>
+            <pc:sldMk cId="4015253138" sldId="256"/>
+            <ac:picMk id="143" creationId="{42AF7768-64C1-8AC8-DE15-F44637E912BF}"/>
+          </ac:picMkLst>
+        </pc:picChg>
+        <pc:picChg chg="del">
+          <ac:chgData name="tiansheng huang" userId="ce404ce9b0eeb6b1" providerId="LiveId" clId="{69751A5B-63C7-4F4A-A9B5-D0ADFC9FBAB1}" dt="2024-07-20T18:29:03.412" v="0" actId="478"/>
+          <ac:picMkLst>
+            <pc:docMk/>
+            <pc:sldMk cId="4015253138" sldId="256"/>
+            <ac:picMk id="150" creationId="{D42925F5-2048-67E6-1183-190DCD0E2885}"/>
+          </ac:picMkLst>
+        </pc:picChg>
+        <pc:picChg chg="del">
+          <ac:chgData name="tiansheng huang" userId="ce404ce9b0eeb6b1" providerId="LiveId" clId="{69751A5B-63C7-4F4A-A9B5-D0ADFC9FBAB1}" dt="2024-07-20T18:29:03.412" v="0" actId="478"/>
+          <ac:picMkLst>
+            <pc:docMk/>
+            <pc:sldMk cId="4015253138" sldId="256"/>
+            <ac:picMk id="152" creationId="{390987F6-17D3-90DF-2055-0B0D2F6684F2}"/>
+          </ac:picMkLst>
+        </pc:picChg>
+        <pc:picChg chg="del">
+          <ac:chgData name="tiansheng huang" userId="ce404ce9b0eeb6b1" providerId="LiveId" clId="{69751A5B-63C7-4F4A-A9B5-D0ADFC9FBAB1}" dt="2024-07-20T18:29:03.412" v="0" actId="478"/>
+          <ac:picMkLst>
+            <pc:docMk/>
+            <pc:sldMk cId="4015253138" sldId="256"/>
+            <ac:picMk id="154" creationId="{57995A2E-D594-85A3-DD26-7E28CFA80501}"/>
+          </ac:picMkLst>
+        </pc:picChg>
+        <pc:picChg chg="del">
+          <ac:chgData name="tiansheng huang" userId="ce404ce9b0eeb6b1" providerId="LiveId" clId="{69751A5B-63C7-4F4A-A9B5-D0ADFC9FBAB1}" dt="2024-07-20T18:29:03.412" v="0" actId="478"/>
+          <ac:picMkLst>
+            <pc:docMk/>
+            <pc:sldMk cId="4015253138" sldId="256"/>
+            <ac:picMk id="155" creationId="{1124D85D-E718-490C-B723-5D41A81E9DBC}"/>
+          </ac:picMkLst>
+        </pc:picChg>
+        <pc:picChg chg="del">
+          <ac:chgData name="tiansheng huang" userId="ce404ce9b0eeb6b1" providerId="LiveId" clId="{69751A5B-63C7-4F4A-A9B5-D0ADFC9FBAB1}" dt="2024-07-20T18:29:03.412" v="0" actId="478"/>
+          <ac:picMkLst>
+            <pc:docMk/>
+            <pc:sldMk cId="4015253138" sldId="256"/>
+            <ac:picMk id="158" creationId="{F9DD6712-D465-ED41-1503-CA230716EFFE}"/>
+          </ac:picMkLst>
+        </pc:picChg>
+        <pc:cxnChg chg="mod">
+          <ac:chgData name="tiansheng huang" userId="ce404ce9b0eeb6b1" providerId="LiveId" clId="{69751A5B-63C7-4F4A-A9B5-D0ADFC9FBAB1}" dt="2024-07-20T18:33:36.166" v="36" actId="208"/>
+          <ac:cxnSpMkLst>
+            <pc:docMk/>
+            <pc:sldMk cId="4015253138" sldId="256"/>
+            <ac:cxnSpMk id="20" creationId="{DC8C6EC7-3E86-9349-80F4-38CBE943B627}"/>
+          </ac:cxnSpMkLst>
+        </pc:cxnChg>
+        <pc:cxnChg chg="mod">
+          <ac:chgData name="tiansheng huang" userId="ce404ce9b0eeb6b1" providerId="LiveId" clId="{69751A5B-63C7-4F4A-A9B5-D0ADFC9FBAB1}" dt="2024-07-20T18:33:36.166" v="36" actId="208"/>
+          <ac:cxnSpMkLst>
+            <pc:docMk/>
+            <pc:sldMk cId="4015253138" sldId="256"/>
+            <ac:cxnSpMk id="23" creationId="{09777622-7353-FC68-209A-3AC0AD24D82C}"/>
+          </ac:cxnSpMkLst>
+        </pc:cxnChg>
+        <pc:cxnChg chg="mod">
+          <ac:chgData name="tiansheng huang" userId="ce404ce9b0eeb6b1" providerId="LiveId" clId="{69751A5B-63C7-4F4A-A9B5-D0ADFC9FBAB1}" dt="2024-07-20T18:43:16.543" v="161" actId="14100"/>
+          <ac:cxnSpMkLst>
+            <pc:docMk/>
+            <pc:sldMk cId="4015253138" sldId="256"/>
+            <ac:cxnSpMk id="26" creationId="{E565D7E4-ECF9-D74F-00E2-B73464C91591}"/>
+          </ac:cxnSpMkLst>
+        </pc:cxnChg>
+        <pc:cxnChg chg="mod topLvl">
+          <ac:chgData name="tiansheng huang" userId="ce404ce9b0eeb6b1" providerId="LiveId" clId="{69751A5B-63C7-4F4A-A9B5-D0ADFC9FBAB1}" dt="2024-07-20T18:34:10.769" v="41" actId="164"/>
+          <ac:cxnSpMkLst>
+            <pc:docMk/>
+            <pc:sldMk cId="4015253138" sldId="256"/>
+            <ac:cxnSpMk id="62" creationId="{F644E8F0-40BC-27E6-8C90-F408A6EE209E}"/>
+          </ac:cxnSpMkLst>
+        </pc:cxnChg>
+        <pc:cxnChg chg="mod topLvl">
+          <ac:chgData name="tiansheng huang" userId="ce404ce9b0eeb6b1" providerId="LiveId" clId="{69751A5B-63C7-4F4A-A9B5-D0ADFC9FBAB1}" dt="2024-07-20T18:34:10.769" v="41" actId="164"/>
+          <ac:cxnSpMkLst>
+            <pc:docMk/>
+            <pc:sldMk cId="4015253138" sldId="256"/>
+            <ac:cxnSpMk id="63" creationId="{CEC87878-237F-4E99-A96D-1BA3F79696CC}"/>
+          </ac:cxnSpMkLst>
+        </pc:cxnChg>
+        <pc:cxnChg chg="mod topLvl">
+          <ac:chgData name="tiansheng huang" userId="ce404ce9b0eeb6b1" providerId="LiveId" clId="{69751A5B-63C7-4F4A-A9B5-D0ADFC9FBAB1}" dt="2024-07-20T18:34:10.769" v="41" actId="164"/>
+          <ac:cxnSpMkLst>
+            <pc:docMk/>
+            <pc:sldMk cId="4015253138" sldId="256"/>
+            <ac:cxnSpMk id="64" creationId="{EA735BBB-D27B-B659-A70B-60E5806D496B}"/>
+          </ac:cxnSpMkLst>
+        </pc:cxnChg>
+        <pc:cxnChg chg="mod topLvl">
+          <ac:chgData name="tiansheng huang" userId="ce404ce9b0eeb6b1" providerId="LiveId" clId="{69751A5B-63C7-4F4A-A9B5-D0ADFC9FBAB1}" dt="2024-07-20T18:34:10.769" v="41" actId="164"/>
+          <ac:cxnSpMkLst>
+            <pc:docMk/>
+            <pc:sldMk cId="4015253138" sldId="256"/>
+            <ac:cxnSpMk id="65" creationId="{A8E48C45-34DE-C1E1-F850-FD2DBF486240}"/>
+          </ac:cxnSpMkLst>
+        </pc:cxnChg>
+        <pc:cxnChg chg="mod topLvl">
+          <ac:chgData name="tiansheng huang" userId="ce404ce9b0eeb6b1" providerId="LiveId" clId="{69751A5B-63C7-4F4A-A9B5-D0ADFC9FBAB1}" dt="2024-07-20T18:34:10.769" v="41" actId="164"/>
+          <ac:cxnSpMkLst>
+            <pc:docMk/>
+            <pc:sldMk cId="4015253138" sldId="256"/>
+            <ac:cxnSpMk id="66" creationId="{E1962D83-439C-2BD1-2291-A962972888B6}"/>
+          </ac:cxnSpMkLst>
+        </pc:cxnChg>
+        <pc:cxnChg chg="mod topLvl">
+          <ac:chgData name="tiansheng huang" userId="ce404ce9b0eeb6b1" providerId="LiveId" clId="{69751A5B-63C7-4F4A-A9B5-D0ADFC9FBAB1}" dt="2024-07-20T18:34:10.769" v="41" actId="164"/>
+          <ac:cxnSpMkLst>
+            <pc:docMk/>
+            <pc:sldMk cId="4015253138" sldId="256"/>
+            <ac:cxnSpMk id="67" creationId="{9E31FCF1-C016-6E07-BDD9-D650118AC8E4}"/>
+          </ac:cxnSpMkLst>
+        </pc:cxnChg>
+        <pc:cxnChg chg="mod topLvl">
+          <ac:chgData name="tiansheng huang" userId="ce404ce9b0eeb6b1" providerId="LiveId" clId="{69751A5B-63C7-4F4A-A9B5-D0ADFC9FBAB1}" dt="2024-07-20T18:34:10.769" v="41" actId="164"/>
+          <ac:cxnSpMkLst>
+            <pc:docMk/>
+            <pc:sldMk cId="4015253138" sldId="256"/>
+            <ac:cxnSpMk id="68" creationId="{577086F5-FF68-4454-6965-3DCEA0BCA83E}"/>
+          </ac:cxnSpMkLst>
+        </pc:cxnChg>
+        <pc:cxnChg chg="mod topLvl">
+          <ac:chgData name="tiansheng huang" userId="ce404ce9b0eeb6b1" providerId="LiveId" clId="{69751A5B-63C7-4F4A-A9B5-D0ADFC9FBAB1}" dt="2024-07-20T18:34:10.769" v="41" actId="164"/>
+          <ac:cxnSpMkLst>
+            <pc:docMk/>
+            <pc:sldMk cId="4015253138" sldId="256"/>
+            <ac:cxnSpMk id="69" creationId="{90A2FA51-6D95-1522-1953-66D47AF1CC40}"/>
+          </ac:cxnSpMkLst>
+        </pc:cxnChg>
+        <pc:cxnChg chg="mod topLvl">
+          <ac:chgData name="tiansheng huang" userId="ce404ce9b0eeb6b1" providerId="LiveId" clId="{69751A5B-63C7-4F4A-A9B5-D0ADFC9FBAB1}" dt="2024-07-20T18:34:10.769" v="41" actId="164"/>
+          <ac:cxnSpMkLst>
+            <pc:docMk/>
+            <pc:sldMk cId="4015253138" sldId="256"/>
+            <ac:cxnSpMk id="70" creationId="{CA5D0394-A9E6-AF6B-E628-AE1EAE6E8A3E}"/>
+          </ac:cxnSpMkLst>
+        </pc:cxnChg>
+        <pc:cxnChg chg="mod topLvl">
+          <ac:chgData name="tiansheng huang" userId="ce404ce9b0eeb6b1" providerId="LiveId" clId="{69751A5B-63C7-4F4A-A9B5-D0ADFC9FBAB1}" dt="2024-07-20T18:34:10.769" v="41" actId="164"/>
+          <ac:cxnSpMkLst>
+            <pc:docMk/>
+            <pc:sldMk cId="4015253138" sldId="256"/>
+            <ac:cxnSpMk id="71" creationId="{B3F3C868-48E9-7E7C-8612-8DE17BAE3517}"/>
+          </ac:cxnSpMkLst>
+        </pc:cxnChg>
+        <pc:cxnChg chg="mod topLvl">
+          <ac:chgData name="tiansheng huang" userId="ce404ce9b0eeb6b1" providerId="LiveId" clId="{69751A5B-63C7-4F4A-A9B5-D0ADFC9FBAB1}" dt="2024-07-20T18:34:10.769" v="41" actId="164"/>
+          <ac:cxnSpMkLst>
+            <pc:docMk/>
+            <pc:sldMk cId="4015253138" sldId="256"/>
+            <ac:cxnSpMk id="72" creationId="{59660CDC-8B59-869B-2CC5-44460580BA00}"/>
+          </ac:cxnSpMkLst>
+        </pc:cxnChg>
+        <pc:cxnChg chg="mod topLvl">
+          <ac:chgData name="tiansheng huang" userId="ce404ce9b0eeb6b1" providerId="LiveId" clId="{69751A5B-63C7-4F4A-A9B5-D0ADFC9FBAB1}" dt="2024-07-20T18:34:10.769" v="41" actId="164"/>
+          <ac:cxnSpMkLst>
+            <pc:docMk/>
+            <pc:sldMk cId="4015253138" sldId="256"/>
+            <ac:cxnSpMk id="73" creationId="{E42E81D7-9314-ED5A-8DEE-E53805173EF9}"/>
+          </ac:cxnSpMkLst>
+        </pc:cxnChg>
+        <pc:cxnChg chg="mod">
+          <ac:chgData name="tiansheng huang" userId="ce404ce9b0eeb6b1" providerId="LiveId" clId="{69751A5B-63C7-4F4A-A9B5-D0ADFC9FBAB1}" dt="2024-07-20T18:41:13.637" v="111" actId="14100"/>
+          <ac:cxnSpMkLst>
+            <pc:docMk/>
+            <pc:sldMk cId="4015253138" sldId="256"/>
+            <ac:cxnSpMk id="75" creationId="{CAB7428F-A3C3-1091-735A-9AD4EBDE12D3}"/>
+          </ac:cxnSpMkLst>
+        </pc:cxnChg>
+        <pc:cxnChg chg="mod">
+          <ac:chgData name="tiansheng huang" userId="ce404ce9b0eeb6b1" providerId="LiveId" clId="{69751A5B-63C7-4F4A-A9B5-D0ADFC9FBAB1}" dt="2024-07-20T18:33:22.946" v="34" actId="208"/>
+          <ac:cxnSpMkLst>
+            <pc:docMk/>
+            <pc:sldMk cId="4015253138" sldId="256"/>
+            <ac:cxnSpMk id="101" creationId="{13D7C5AD-373D-FA16-6549-2DE693DC92EF}"/>
+          </ac:cxnSpMkLst>
+        </pc:cxnChg>
+        <pc:cxnChg chg="mod">
+          <ac:chgData name="tiansheng huang" userId="ce404ce9b0eeb6b1" providerId="LiveId" clId="{69751A5B-63C7-4F4A-A9B5-D0ADFC9FBAB1}" dt="2024-07-20T18:33:22.946" v="34" actId="208"/>
+          <ac:cxnSpMkLst>
+            <pc:docMk/>
+            <pc:sldMk cId="4015253138" sldId="256"/>
+            <ac:cxnSpMk id="102" creationId="{3464DAB9-93DF-2C6F-F95B-AACD4FF1BC4B}"/>
+          </ac:cxnSpMkLst>
+        </pc:cxnChg>
+        <pc:cxnChg chg="mod">
+          <ac:chgData name="tiansheng huang" userId="ce404ce9b0eeb6b1" providerId="LiveId" clId="{69751A5B-63C7-4F4A-A9B5-D0ADFC9FBAB1}" dt="2024-07-20T18:33:22.946" v="34" actId="208"/>
+          <ac:cxnSpMkLst>
+            <pc:docMk/>
+            <pc:sldMk cId="4015253138" sldId="256"/>
+            <ac:cxnSpMk id="103" creationId="{5276AAB6-B4E7-6793-381B-8D876903627C}"/>
+          </ac:cxnSpMkLst>
+        </pc:cxnChg>
+        <pc:cxnChg chg="mod">
+          <ac:chgData name="tiansheng huang" userId="ce404ce9b0eeb6b1" providerId="LiveId" clId="{69751A5B-63C7-4F4A-A9B5-D0ADFC9FBAB1}" dt="2024-07-20T18:33:27.977" v="35" actId="208"/>
+          <ac:cxnSpMkLst>
+            <pc:docMk/>
+            <pc:sldMk cId="4015253138" sldId="256"/>
+            <ac:cxnSpMk id="105" creationId="{64E65F15-5ECF-B961-C4CE-05B92CB9886C}"/>
+          </ac:cxnSpMkLst>
+        </pc:cxnChg>
+        <pc:cxnChg chg="mod">
+          <ac:chgData name="tiansheng huang" userId="ce404ce9b0eeb6b1" providerId="LiveId" clId="{69751A5B-63C7-4F4A-A9B5-D0ADFC9FBAB1}" dt="2024-07-20T18:33:27.977" v="35" actId="208"/>
+          <ac:cxnSpMkLst>
+            <pc:docMk/>
+            <pc:sldMk cId="4015253138" sldId="256"/>
+            <ac:cxnSpMk id="108" creationId="{FF05A9F8-A13A-D0EB-CB88-C35FD53ACE9F}"/>
+          </ac:cxnSpMkLst>
+        </pc:cxnChg>
+        <pc:cxnChg chg="mod">
+          <ac:chgData name="tiansheng huang" userId="ce404ce9b0eeb6b1" providerId="LiveId" clId="{69751A5B-63C7-4F4A-A9B5-D0ADFC9FBAB1}" dt="2024-07-20T18:33:22.946" v="34" actId="208"/>
+          <ac:cxnSpMkLst>
+            <pc:docMk/>
+            <pc:sldMk cId="4015253138" sldId="256"/>
+            <ac:cxnSpMk id="110" creationId="{990E3239-E754-9FA1-9B00-A52B073558DB}"/>
+          </ac:cxnSpMkLst>
+        </pc:cxnChg>
+        <pc:cxnChg chg="mod">
+          <ac:chgData name="tiansheng huang" userId="ce404ce9b0eeb6b1" providerId="LiveId" clId="{69751A5B-63C7-4F4A-A9B5-D0ADFC9FBAB1}" dt="2024-07-20T18:29:03.412" v="0" actId="478"/>
+          <ac:cxnSpMkLst>
+            <pc:docMk/>
+            <pc:sldMk cId="4015253138" sldId="256"/>
+            <ac:cxnSpMk id="121" creationId="{09C26D04-E15C-FF32-CCF3-0ACAC8358358}"/>
+          </ac:cxnSpMkLst>
+        </pc:cxnChg>
+        <pc:cxnChg chg="mod">
+          <ac:chgData name="tiansheng huang" userId="ce404ce9b0eeb6b1" providerId="LiveId" clId="{69751A5B-63C7-4F4A-A9B5-D0ADFC9FBAB1}" dt="2024-07-20T18:29:03.412" v="0" actId="478"/>
+          <ac:cxnSpMkLst>
+            <pc:docMk/>
+            <pc:sldMk cId="4015253138" sldId="256"/>
+            <ac:cxnSpMk id="122" creationId="{FC8204D6-082E-E4A7-B9B5-28D617F7A2AB}"/>
+          </ac:cxnSpMkLst>
+        </pc:cxnChg>
+        <pc:cxnChg chg="mod">
+          <ac:chgData name="tiansheng huang" userId="ce404ce9b0eeb6b1" providerId="LiveId" clId="{69751A5B-63C7-4F4A-A9B5-D0ADFC9FBAB1}" dt="2024-07-20T18:29:03.412" v="0" actId="478"/>
+          <ac:cxnSpMkLst>
+            <pc:docMk/>
+            <pc:sldMk cId="4015253138" sldId="256"/>
+            <ac:cxnSpMk id="123" creationId="{246D734E-1867-D9D3-26D6-FF75449FF0C0}"/>
+          </ac:cxnSpMkLst>
+        </pc:cxnChg>
+        <pc:cxnChg chg="mod">
+          <ac:chgData name="tiansheng huang" userId="ce404ce9b0eeb6b1" providerId="LiveId" clId="{69751A5B-63C7-4F4A-A9B5-D0ADFC9FBAB1}" dt="2024-07-20T18:29:03.412" v="0" actId="478"/>
+          <ac:cxnSpMkLst>
+            <pc:docMk/>
+            <pc:sldMk cId="4015253138" sldId="256"/>
+            <ac:cxnSpMk id="124" creationId="{CA2C5229-9CB2-0C34-E86B-1F5A535EF1C3}"/>
+          </ac:cxnSpMkLst>
+        </pc:cxnChg>
+        <pc:cxnChg chg="mod">
+          <ac:chgData name="tiansheng huang" userId="ce404ce9b0eeb6b1" providerId="LiveId" clId="{69751A5B-63C7-4F4A-A9B5-D0ADFC9FBAB1}" dt="2024-07-20T18:29:03.412" v="0" actId="478"/>
+          <ac:cxnSpMkLst>
+            <pc:docMk/>
+            <pc:sldMk cId="4015253138" sldId="256"/>
+            <ac:cxnSpMk id="125" creationId="{A1516E23-943B-1682-0F72-3690BC6AF2BF}"/>
+          </ac:cxnSpMkLst>
+        </pc:cxnChg>
+        <pc:cxnChg chg="mod">
+          <ac:chgData name="tiansheng huang" userId="ce404ce9b0eeb6b1" providerId="LiveId" clId="{69751A5B-63C7-4F4A-A9B5-D0ADFC9FBAB1}" dt="2024-07-20T18:29:03.412" v="0" actId="478"/>
+          <ac:cxnSpMkLst>
+            <pc:docMk/>
+            <pc:sldMk cId="4015253138" sldId="256"/>
+            <ac:cxnSpMk id="126" creationId="{F65FD189-4A01-D6A2-796F-5E0625EA4D8F}"/>
+          </ac:cxnSpMkLst>
+        </pc:cxnChg>
+        <pc:cxnChg chg="mod">
+          <ac:chgData name="tiansheng huang" userId="ce404ce9b0eeb6b1" providerId="LiveId" clId="{69751A5B-63C7-4F4A-A9B5-D0ADFC9FBAB1}" dt="2024-07-20T18:29:03.412" v="0" actId="478"/>
+          <ac:cxnSpMkLst>
+            <pc:docMk/>
+            <pc:sldMk cId="4015253138" sldId="256"/>
+            <ac:cxnSpMk id="127" creationId="{7FD982D0-ECB0-4DEF-CA3B-063C062D39F0}"/>
+          </ac:cxnSpMkLst>
+        </pc:cxnChg>
+        <pc:cxnChg chg="mod">
+          <ac:chgData name="tiansheng huang" userId="ce404ce9b0eeb6b1" providerId="LiveId" clId="{69751A5B-63C7-4F4A-A9B5-D0ADFC9FBAB1}" dt="2024-07-20T18:29:03.412" v="0" actId="478"/>
+          <ac:cxnSpMkLst>
+            <pc:docMk/>
+            <pc:sldMk cId="4015253138" sldId="256"/>
+            <ac:cxnSpMk id="128" creationId="{1ACFE99D-431D-7C42-BA10-2C7371F6EC24}"/>
+          </ac:cxnSpMkLst>
+        </pc:cxnChg>
+        <pc:cxnChg chg="mod">
+          <ac:chgData name="tiansheng huang" userId="ce404ce9b0eeb6b1" providerId="LiveId" clId="{69751A5B-63C7-4F4A-A9B5-D0ADFC9FBAB1}" dt="2024-07-20T18:29:03.412" v="0" actId="478"/>
+          <ac:cxnSpMkLst>
+            <pc:docMk/>
+            <pc:sldMk cId="4015253138" sldId="256"/>
+            <ac:cxnSpMk id="129" creationId="{A39FE95D-FAA2-9F31-0F0B-BAFEC157CC93}"/>
+          </ac:cxnSpMkLst>
+        </pc:cxnChg>
+        <pc:cxnChg chg="mod">
+          <ac:chgData name="tiansheng huang" userId="ce404ce9b0eeb6b1" providerId="LiveId" clId="{69751A5B-63C7-4F4A-A9B5-D0ADFC9FBAB1}" dt="2024-07-20T18:29:03.412" v="0" actId="478"/>
+          <ac:cxnSpMkLst>
+            <pc:docMk/>
+            <pc:sldMk cId="4015253138" sldId="256"/>
+            <ac:cxnSpMk id="130" creationId="{F423EE80-77C0-73E8-6321-BA8E1A282DF6}"/>
+          </ac:cxnSpMkLst>
+        </pc:cxnChg>
+        <pc:cxnChg chg="mod">
+          <ac:chgData name="tiansheng huang" userId="ce404ce9b0eeb6b1" providerId="LiveId" clId="{69751A5B-63C7-4F4A-A9B5-D0ADFC9FBAB1}" dt="2024-07-20T18:29:03.412" v="0" actId="478"/>
+          <ac:cxnSpMkLst>
+            <pc:docMk/>
+            <pc:sldMk cId="4015253138" sldId="256"/>
+            <ac:cxnSpMk id="131" creationId="{BD3BE1EF-8831-7B9E-CAD3-0C31B52F38F1}"/>
+          </ac:cxnSpMkLst>
+        </pc:cxnChg>
+        <pc:cxnChg chg="mod">
+          <ac:chgData name="tiansheng huang" userId="ce404ce9b0eeb6b1" providerId="LiveId" clId="{69751A5B-63C7-4F4A-A9B5-D0ADFC9FBAB1}" dt="2024-07-20T18:29:03.412" v="0" actId="478"/>
+          <ac:cxnSpMkLst>
+            <pc:docMk/>
+            <pc:sldMk cId="4015253138" sldId="256"/>
+            <ac:cxnSpMk id="132" creationId="{F64F439F-D15A-5314-BDFC-E60025086A06}"/>
+          </ac:cxnSpMkLst>
+        </pc:cxnChg>
+        <pc:cxnChg chg="del">
+          <ac:chgData name="tiansheng huang" userId="ce404ce9b0eeb6b1" providerId="LiveId" clId="{69751A5B-63C7-4F4A-A9B5-D0ADFC9FBAB1}" dt="2024-07-20T18:29:03.412" v="0" actId="478"/>
+          <ac:cxnSpMkLst>
+            <pc:docMk/>
+            <pc:sldMk cId="4015253138" sldId="256"/>
+            <ac:cxnSpMk id="135" creationId="{3ADC759A-B5F8-D282-CA0E-951E5408A76F}"/>
+          </ac:cxnSpMkLst>
+        </pc:cxnChg>
+      </pc:sldChg>
+    </pc:docChg>
+  </pc:docChgLst>
+  <pc:docChgLst>
+    <pc:chgData name="tiansheng huang" userId="ce404ce9b0eeb6b1" providerId="LiveId" clId="{134902A2-3C68-41B6-A2E2-316A34BF96A0}"/>
+    <pc:docChg chg="modSld">
+      <pc:chgData name="tiansheng huang" userId="ce404ce9b0eeb6b1" providerId="LiveId" clId="{134902A2-3C68-41B6-A2E2-316A34BF96A0}" dt="2024-12-02T17:41:05.168" v="0" actId="164"/>
+      <pc:docMkLst>
+        <pc:docMk/>
+      </pc:docMkLst>
+      <pc:sldChg chg="addSp modSp">
+        <pc:chgData name="tiansheng huang" userId="ce404ce9b0eeb6b1" providerId="LiveId" clId="{134902A2-3C68-41B6-A2E2-316A34BF96A0}" dt="2024-12-02T17:41:05.168" v="0" actId="164"/>
+        <pc:sldMkLst>
+          <pc:docMk/>
+          <pc:sldMk cId="4015253138" sldId="256"/>
+        </pc:sldMkLst>
+        <pc:spChg chg="mod">
+          <ac:chgData name="tiansheng huang" userId="ce404ce9b0eeb6b1" providerId="LiveId" clId="{134902A2-3C68-41B6-A2E2-316A34BF96A0}" dt="2024-12-02T17:41:05.168" v="0" actId="164"/>
+          <ac:spMkLst>
+            <pc:docMk/>
+            <pc:sldMk cId="4015253138" sldId="256"/>
+            <ac:spMk id="40" creationId="{12DF6A62-8EE1-AED0-10CA-01399C7CDCA6}"/>
+          </ac:spMkLst>
+        </pc:spChg>
+        <pc:spChg chg="mod">
+          <ac:chgData name="tiansheng huang" userId="ce404ce9b0eeb6b1" providerId="LiveId" clId="{134902A2-3C68-41B6-A2E2-316A34BF96A0}" dt="2024-12-02T17:41:05.168" v="0" actId="164"/>
+          <ac:spMkLst>
+            <pc:docMk/>
+            <pc:sldMk cId="4015253138" sldId="256"/>
+            <ac:spMk id="48" creationId="{A7F1C9CC-8BF8-A3FC-F73E-7C3F695DFE06}"/>
+          </ac:spMkLst>
+        </pc:spChg>
+        <pc:spChg chg="mod">
+          <ac:chgData name="tiansheng huang" userId="ce404ce9b0eeb6b1" providerId="LiveId" clId="{134902A2-3C68-41B6-A2E2-316A34BF96A0}" dt="2024-12-02T17:41:05.168" v="0" actId="164"/>
+          <ac:spMkLst>
+            <pc:docMk/>
+            <pc:sldMk cId="4015253138" sldId="256"/>
+            <ac:spMk id="79" creationId="{7C30E312-5F00-56B5-BA3C-71D387D85DC8}"/>
+          </ac:spMkLst>
+        </pc:spChg>
+        <pc:spChg chg="mod">
+          <ac:chgData name="tiansheng huang" userId="ce404ce9b0eeb6b1" providerId="LiveId" clId="{134902A2-3C68-41B6-A2E2-316A34BF96A0}" dt="2024-12-02T17:41:05.168" v="0" actId="164"/>
+          <ac:spMkLst>
+            <pc:docMk/>
+            <pc:sldMk cId="4015253138" sldId="256"/>
+            <ac:spMk id="86" creationId="{40EE2A1C-7E55-4826-9F27-26FDB3221005}"/>
+          </ac:spMkLst>
+        </pc:spChg>
+        <pc:spChg chg="mod">
+          <ac:chgData name="tiansheng huang" userId="ce404ce9b0eeb6b1" providerId="LiveId" clId="{134902A2-3C68-41B6-A2E2-316A34BF96A0}" dt="2024-12-02T17:41:05.168" v="0" actId="164"/>
+          <ac:spMkLst>
+            <pc:docMk/>
+            <pc:sldMk cId="4015253138" sldId="256"/>
+            <ac:spMk id="87" creationId="{A835AC6E-D7A2-FDC1-6957-7148CD996EED}"/>
+          </ac:spMkLst>
+        </pc:spChg>
+        <pc:spChg chg="mod">
+          <ac:chgData name="tiansheng huang" userId="ce404ce9b0eeb6b1" providerId="LiveId" clId="{134902A2-3C68-41B6-A2E2-316A34BF96A0}" dt="2024-12-02T17:41:05.168" v="0" actId="164"/>
+          <ac:spMkLst>
+            <pc:docMk/>
+            <pc:sldMk cId="4015253138" sldId="256"/>
+            <ac:spMk id="112" creationId="{F81DE11F-61F2-B825-376F-CD91C0E41875}"/>
+          </ac:spMkLst>
+        </pc:spChg>
+        <pc:spChg chg="mod">
+          <ac:chgData name="tiansheng huang" userId="ce404ce9b0eeb6b1" providerId="LiveId" clId="{134902A2-3C68-41B6-A2E2-316A34BF96A0}" dt="2024-12-02T17:41:05.168" v="0" actId="164"/>
+          <ac:spMkLst>
+            <pc:docMk/>
+            <pc:sldMk cId="4015253138" sldId="256"/>
+            <ac:spMk id="117" creationId="{09E490BE-1CE3-51F2-48A5-3C364515BC0B}"/>
+          </ac:spMkLst>
+        </pc:spChg>
+        <pc:spChg chg="mod">
+          <ac:chgData name="tiansheng huang" userId="ce404ce9b0eeb6b1" providerId="LiveId" clId="{134902A2-3C68-41B6-A2E2-316A34BF96A0}" dt="2024-12-02T17:41:05.168" v="0" actId="164"/>
+          <ac:spMkLst>
+            <pc:docMk/>
+            <pc:sldMk cId="4015253138" sldId="256"/>
+            <ac:spMk id="124" creationId="{650F5518-EB6C-54CB-19C2-3C145A39250A}"/>
+          </ac:spMkLst>
+        </pc:spChg>
+        <pc:spChg chg="mod">
+          <ac:chgData name="tiansheng huang" userId="ce404ce9b0eeb6b1" providerId="LiveId" clId="{134902A2-3C68-41B6-A2E2-316A34BF96A0}" dt="2024-12-02T17:41:05.168" v="0" actId="164"/>
+          <ac:spMkLst>
+            <pc:docMk/>
+            <pc:sldMk cId="4015253138" sldId="256"/>
+            <ac:spMk id="127" creationId="{49B23691-A4FE-0D54-211D-B3C19E2445B6}"/>
+          </ac:spMkLst>
+        </pc:spChg>
+        <pc:spChg chg="mod">
+          <ac:chgData name="tiansheng huang" userId="ce404ce9b0eeb6b1" providerId="LiveId" clId="{134902A2-3C68-41B6-A2E2-316A34BF96A0}" dt="2024-12-02T17:41:05.168" v="0" actId="164"/>
+          <ac:spMkLst>
+            <pc:docMk/>
+            <pc:sldMk cId="4015253138" sldId="256"/>
+            <ac:spMk id="128" creationId="{EB3056E1-5C7E-B57C-C6A1-EA7BFF232712}"/>
+          </ac:spMkLst>
+        </pc:spChg>
+        <pc:spChg chg="mod">
+          <ac:chgData name="tiansheng huang" userId="ce404ce9b0eeb6b1" providerId="LiveId" clId="{134902A2-3C68-41B6-A2E2-316A34BF96A0}" dt="2024-12-02T17:41:05.168" v="0" actId="164"/>
+          <ac:spMkLst>
+            <pc:docMk/>
+            <pc:sldMk cId="4015253138" sldId="256"/>
+            <ac:spMk id="130" creationId="{3C8EC8E7-3769-AD01-B172-858D77A38408}"/>
+          </ac:spMkLst>
+        </pc:spChg>
+        <pc:spChg chg="mod">
+          <ac:chgData name="tiansheng huang" userId="ce404ce9b0eeb6b1" providerId="LiveId" clId="{134902A2-3C68-41B6-A2E2-316A34BF96A0}" dt="2024-12-02T17:41:05.168" v="0" actId="164"/>
+          <ac:spMkLst>
+            <pc:docMk/>
+            <pc:sldMk cId="4015253138" sldId="256"/>
+            <ac:spMk id="132" creationId="{514BCFC8-D1DA-5BFC-1C59-BD126C641D67}"/>
+          </ac:spMkLst>
+        </pc:spChg>
+        <pc:spChg chg="mod">
+          <ac:chgData name="tiansheng huang" userId="ce404ce9b0eeb6b1" providerId="LiveId" clId="{134902A2-3C68-41B6-A2E2-316A34BF96A0}" dt="2024-12-02T17:41:05.168" v="0" actId="164"/>
+          <ac:spMkLst>
+            <pc:docMk/>
+            <pc:sldMk cId="4015253138" sldId="256"/>
+            <ac:spMk id="133" creationId="{037D2182-56AE-2D1A-BDC4-26EBF218C179}"/>
+          </ac:spMkLst>
+        </pc:spChg>
+        <pc:spChg chg="mod">
+          <ac:chgData name="tiansheng huang" userId="ce404ce9b0eeb6b1" providerId="LiveId" clId="{134902A2-3C68-41B6-A2E2-316A34BF96A0}" dt="2024-12-02T17:41:05.168" v="0" actId="164"/>
+          <ac:spMkLst>
+            <pc:docMk/>
+            <pc:sldMk cId="4015253138" sldId="256"/>
+            <ac:spMk id="134" creationId="{05AFB109-3E6F-AE97-A1CB-2C006149597A}"/>
+          </ac:spMkLst>
+        </pc:spChg>
+        <pc:grpChg chg="add mod">
+          <ac:chgData name="tiansheng huang" userId="ce404ce9b0eeb6b1" providerId="LiveId" clId="{134902A2-3C68-41B6-A2E2-316A34BF96A0}" dt="2024-12-02T17:41:05.168" v="0" actId="164"/>
+          <ac:grpSpMkLst>
+            <pc:docMk/>
+            <pc:sldMk cId="4015253138" sldId="256"/>
+            <ac:grpSpMk id="2" creationId="{CF694720-87EF-7004-4D77-880B5528437F}"/>
+          </ac:grpSpMkLst>
+        </pc:grpChg>
+        <pc:picChg chg="mod">
+          <ac:chgData name="tiansheng huang" userId="ce404ce9b0eeb6b1" providerId="LiveId" clId="{134902A2-3C68-41B6-A2E2-316A34BF96A0}" dt="2024-12-02T17:41:05.168" v="0" actId="164"/>
+          <ac:picMkLst>
+            <pc:docMk/>
+            <pc:sldMk cId="4015253138" sldId="256"/>
+            <ac:picMk id="36" creationId="{F1A2BCCA-E415-10E2-DC25-0D06B157BD3E}"/>
+          </ac:picMkLst>
+        </pc:picChg>
+        <pc:picChg chg="mod">
+          <ac:chgData name="tiansheng huang" userId="ce404ce9b0eeb6b1" providerId="LiveId" clId="{134902A2-3C68-41B6-A2E2-316A34BF96A0}" dt="2024-12-02T17:41:05.168" v="0" actId="164"/>
+          <ac:picMkLst>
+            <pc:docMk/>
+            <pc:sldMk cId="4015253138" sldId="256"/>
+            <ac:picMk id="39" creationId="{CE1032F7-9290-71AB-C7CE-7AC78606671F}"/>
+          </ac:picMkLst>
+        </pc:picChg>
+        <pc:picChg chg="mod">
+          <ac:chgData name="tiansheng huang" userId="ce404ce9b0eeb6b1" providerId="LiveId" clId="{134902A2-3C68-41B6-A2E2-316A34BF96A0}" dt="2024-12-02T17:41:05.168" v="0" actId="164"/>
+          <ac:picMkLst>
+            <pc:docMk/>
+            <pc:sldMk cId="4015253138" sldId="256"/>
+            <ac:picMk id="43" creationId="{817AAFF6-81F4-8480-7CBE-CE6C9A3E86DD}"/>
+          </ac:picMkLst>
+        </pc:picChg>
+        <pc:picChg chg="mod">
+          <ac:chgData name="tiansheng huang" userId="ce404ce9b0eeb6b1" providerId="LiveId" clId="{134902A2-3C68-41B6-A2E2-316A34BF96A0}" dt="2024-12-02T17:41:05.168" v="0" actId="164"/>
+          <ac:picMkLst>
+            <pc:docMk/>
+            <pc:sldMk cId="4015253138" sldId="256"/>
+            <ac:picMk id="47" creationId="{33E56DCE-62BC-891D-DBAB-205510C11756}"/>
+          </ac:picMkLst>
+        </pc:picChg>
+        <pc:picChg chg="mod">
+          <ac:chgData name="tiansheng huang" userId="ce404ce9b0eeb6b1" providerId="LiveId" clId="{134902A2-3C68-41B6-A2E2-316A34BF96A0}" dt="2024-12-02T17:41:05.168" v="0" actId="164"/>
+          <ac:picMkLst>
+            <pc:docMk/>
+            <pc:sldMk cId="4015253138" sldId="256"/>
+            <ac:picMk id="78" creationId="{59CE0720-9D77-72EB-4534-AC703529E560}"/>
+          </ac:picMkLst>
+        </pc:picChg>
+        <pc:picChg chg="mod">
+          <ac:chgData name="tiansheng huang" userId="ce404ce9b0eeb6b1" providerId="LiveId" clId="{134902A2-3C68-41B6-A2E2-316A34BF96A0}" dt="2024-12-02T17:41:05.168" v="0" actId="164"/>
+          <ac:picMkLst>
+            <pc:docMk/>
+            <pc:sldMk cId="4015253138" sldId="256"/>
+            <ac:picMk id="85" creationId="{80333D70-5FF3-C04F-5ED2-559C45FF857D}"/>
+          </ac:picMkLst>
+        </pc:picChg>
+        <pc:picChg chg="mod">
+          <ac:chgData name="tiansheng huang" userId="ce404ce9b0eeb6b1" providerId="LiveId" clId="{134902A2-3C68-41B6-A2E2-316A34BF96A0}" dt="2024-12-02T17:41:05.168" v="0" actId="164"/>
+          <ac:picMkLst>
+            <pc:docMk/>
+            <pc:sldMk cId="4015253138" sldId="256"/>
+            <ac:picMk id="88" creationId="{50928CEB-6E75-ABBF-80A9-6927685C7ED5}"/>
+          </ac:picMkLst>
+        </pc:picChg>
+        <pc:picChg chg="mod">
+          <ac:chgData name="tiansheng huang" userId="ce404ce9b0eeb6b1" providerId="LiveId" clId="{134902A2-3C68-41B6-A2E2-316A34BF96A0}" dt="2024-12-02T17:41:05.168" v="0" actId="164"/>
+          <ac:picMkLst>
+            <pc:docMk/>
+            <pc:sldMk cId="4015253138" sldId="256"/>
+            <ac:picMk id="114" creationId="{5A55A1B6-D74C-B4C0-57ED-AF2CE1702ED1}"/>
+          </ac:picMkLst>
+        </pc:picChg>
+        <pc:picChg chg="mod">
+          <ac:chgData name="tiansheng huang" userId="ce404ce9b0eeb6b1" providerId="LiveId" clId="{134902A2-3C68-41B6-A2E2-316A34BF96A0}" dt="2024-12-02T17:41:05.168" v="0" actId="164"/>
+          <ac:picMkLst>
+            <pc:docMk/>
+            <pc:sldMk cId="4015253138" sldId="256"/>
+            <ac:picMk id="116" creationId="{37268A09-6291-B2F1-F583-2C8EAB62F710}"/>
+          </ac:picMkLst>
+        </pc:picChg>
+        <pc:picChg chg="mod">
+          <ac:chgData name="tiansheng huang" userId="ce404ce9b0eeb6b1" providerId="LiveId" clId="{134902A2-3C68-41B6-A2E2-316A34BF96A0}" dt="2024-12-02T17:41:05.168" v="0" actId="164"/>
+          <ac:picMkLst>
+            <pc:docMk/>
+            <pc:sldMk cId="4015253138" sldId="256"/>
+            <ac:picMk id="119" creationId="{921660BB-891C-A6C0-BB08-A71EE005B732}"/>
+          </ac:picMkLst>
+        </pc:picChg>
+        <pc:cxnChg chg="mod">
+          <ac:chgData name="tiansheng huang" userId="ce404ce9b0eeb6b1" providerId="LiveId" clId="{134902A2-3C68-41B6-A2E2-316A34BF96A0}" dt="2024-12-02T17:41:05.168" v="0" actId="164"/>
+          <ac:cxnSpMkLst>
+            <pc:docMk/>
+            <pc:sldMk cId="4015253138" sldId="256"/>
+            <ac:cxnSpMk id="126" creationId="{18C3C9CE-9599-C74F-5854-5095A8762CC3}"/>
+          </ac:cxnSpMkLst>
+        </pc:cxnChg>
+      </pc:sldChg>
+    </pc:docChg>
+  </pc:docChgLst>
+  <pc:docChgLst>
+    <pc:chgData name="huang tiansheng" userId="ce404ce9b0eeb6b1" providerId="LiveId" clId="{EB06CDAE-BA54-4CFD-A2C4-E868AFB5EDFD}"/>
+    <pc:docChg chg="undo custSel addSld modSld">
+      <pc:chgData name="huang tiansheng" userId="ce404ce9b0eeb6b1" providerId="LiveId" clId="{EB06CDAE-BA54-4CFD-A2C4-E868AFB5EDFD}" dt="2024-06-08T16:27:04.999" v="286" actId="208"/>
+      <pc:docMkLst>
+        <pc:docMk/>
+      </pc:docMkLst>
+      <pc:sldChg chg="addSp delSp modSp new mod">
+        <pc:chgData name="huang tiansheng" userId="ce404ce9b0eeb6b1" providerId="LiveId" clId="{EB06CDAE-BA54-4CFD-A2C4-E868AFB5EDFD}" dt="2024-06-08T16:27:04.999" v="286" actId="208"/>
         <pc:sldMkLst>
           <pc:docMk/>
           <pc:sldMk cId="4015253138" sldId="256"/>
         </pc:sldMkLst>
         <pc:spChg chg="del">
-          <ac:chgData name="tiansheng huang" userId="ce404ce9b0eeb6b1" providerId="LiveId" clId="{0FEE01C1-AAE0-4B6F-A070-B5523A5E5B07}" dt="2024-09-06T20:08:42.554" v="4" actId="478"/>
+          <ac:chgData name="huang tiansheng" userId="ce404ce9b0eeb6b1" providerId="LiveId" clId="{EB06CDAE-BA54-4CFD-A2C4-E868AFB5EDFD}" dt="2024-06-08T15:59:17.099" v="1" actId="478"/>
+          <ac:spMkLst>
+            <pc:docMk/>
+            <pc:sldMk cId="4015253138" sldId="256"/>
+            <ac:spMk id="2" creationId="{6DED4C07-3BFF-7487-3A62-D16D8308C2F0}"/>
+          </ac:spMkLst>
+        </pc:spChg>
+        <pc:spChg chg="del">
+          <ac:chgData name="huang tiansheng" userId="ce404ce9b0eeb6b1" providerId="LiveId" clId="{EB06CDAE-BA54-4CFD-A2C4-E868AFB5EDFD}" dt="2024-06-08T15:59:17.836" v="2" actId="478"/>
+          <ac:spMkLst>
+            <pc:docMk/>
+            <pc:sldMk cId="4015253138" sldId="256"/>
+            <ac:spMk id="3" creationId="{DEEC5DAE-2E4D-D429-5989-E4BA12D07870}"/>
+          </ac:spMkLst>
+        </pc:spChg>
+        <pc:spChg chg="add del mod">
+          <ac:chgData name="huang tiansheng" userId="ce404ce9b0eeb6b1" providerId="LiveId" clId="{EB06CDAE-BA54-4CFD-A2C4-E868AFB5EDFD}" dt="2024-06-08T15:59:48.213" v="10" actId="478"/>
+          <ac:spMkLst>
+            <pc:docMk/>
+            <pc:sldMk cId="4015253138" sldId="256"/>
+            <ac:spMk id="4" creationId="{2C76F16B-5CB5-7762-11B1-4D0006308656}"/>
+          </ac:spMkLst>
+        </pc:spChg>
+        <pc:spChg chg="add mod topLvl">
+          <ac:chgData name="huang tiansheng" userId="ce404ce9b0eeb6b1" providerId="LiveId" clId="{EB06CDAE-BA54-4CFD-A2C4-E868AFB5EDFD}" dt="2024-06-08T16:09:42.807" v="128" actId="1076"/>
+          <ac:spMkLst>
+            <pc:docMk/>
+            <pc:sldMk cId="4015253138" sldId="256"/>
+            <ac:spMk id="5" creationId="{EF76D796-B874-46EC-5482-ACC7A2DE3558}"/>
+          </ac:spMkLst>
+        </pc:spChg>
+        <pc:spChg chg="mod">
+          <ac:chgData name="huang tiansheng" userId="ce404ce9b0eeb6b1" providerId="LiveId" clId="{EB06CDAE-BA54-4CFD-A2C4-E868AFB5EDFD}" dt="2024-06-08T16:07:51.374" v="86" actId="165"/>
+          <ac:spMkLst>
+            <pc:docMk/>
+            <pc:sldMk cId="4015253138" sldId="256"/>
+            <ac:spMk id="7" creationId="{F1163FFD-2A41-A694-5C18-C11A852F5ECC}"/>
+          </ac:spMkLst>
+        </pc:spChg>
+        <pc:spChg chg="mod">
+          <ac:chgData name="huang tiansheng" userId="ce404ce9b0eeb6b1" providerId="LiveId" clId="{EB06CDAE-BA54-4CFD-A2C4-E868AFB5EDFD}" dt="2024-06-08T16:07:51.374" v="86" actId="165"/>
+          <ac:spMkLst>
+            <pc:docMk/>
+            <pc:sldMk cId="4015253138" sldId="256"/>
+            <ac:spMk id="8" creationId="{58A068F0-D612-C6C8-8A81-C0D3B2C3FF5E}"/>
+          </ac:spMkLst>
+        </pc:spChg>
+        <pc:spChg chg="mod">
+          <ac:chgData name="huang tiansheng" userId="ce404ce9b0eeb6b1" providerId="LiveId" clId="{EB06CDAE-BA54-4CFD-A2C4-E868AFB5EDFD}" dt="2024-06-08T16:07:51.374" v="86" actId="165"/>
+          <ac:spMkLst>
+            <pc:docMk/>
+            <pc:sldMk cId="4015253138" sldId="256"/>
+            <ac:spMk id="9" creationId="{BA897CE9-01D0-6506-A771-4449B3374D1B}"/>
+          </ac:spMkLst>
+        </pc:spChg>
+        <pc:spChg chg="mod">
+          <ac:chgData name="huang tiansheng" userId="ce404ce9b0eeb6b1" providerId="LiveId" clId="{EB06CDAE-BA54-4CFD-A2C4-E868AFB5EDFD}" dt="2024-06-08T16:07:51.374" v="86" actId="165"/>
+          <ac:spMkLst>
+            <pc:docMk/>
+            <pc:sldMk cId="4015253138" sldId="256"/>
+            <ac:spMk id="10" creationId="{58C27680-3B85-069E-1C92-AF40327D9956}"/>
+          </ac:spMkLst>
+        </pc:spChg>
+        <pc:spChg chg="mod">
+          <ac:chgData name="huang tiansheng" userId="ce404ce9b0eeb6b1" providerId="LiveId" clId="{EB06CDAE-BA54-4CFD-A2C4-E868AFB5EDFD}" dt="2024-06-08T16:07:51.374" v="86" actId="165"/>
+          <ac:spMkLst>
+            <pc:docMk/>
+            <pc:sldMk cId="4015253138" sldId="256"/>
+            <ac:spMk id="11" creationId="{50AE6038-CD72-A064-AE08-855F40B98606}"/>
+          </ac:spMkLst>
+        </pc:spChg>
+        <pc:spChg chg="mod">
+          <ac:chgData name="huang tiansheng" userId="ce404ce9b0eeb6b1" providerId="LiveId" clId="{EB06CDAE-BA54-4CFD-A2C4-E868AFB5EDFD}" dt="2024-06-08T16:07:51.374" v="86" actId="165"/>
+          <ac:spMkLst>
+            <pc:docMk/>
+            <pc:sldMk cId="4015253138" sldId="256"/>
+            <ac:spMk id="12" creationId="{A3326B83-B0BF-1CAD-5F56-4646B334C415}"/>
+          </ac:spMkLst>
+        </pc:spChg>
+        <pc:spChg chg="mod">
+          <ac:chgData name="huang tiansheng" userId="ce404ce9b0eeb6b1" providerId="LiveId" clId="{EB06CDAE-BA54-4CFD-A2C4-E868AFB5EDFD}" dt="2024-06-08T16:07:51.374" v="86" actId="165"/>
+          <ac:spMkLst>
+            <pc:docMk/>
+            <pc:sldMk cId="4015253138" sldId="256"/>
+            <ac:spMk id="13" creationId="{2517758D-9315-BBA2-7046-4E14379B6EA0}"/>
+          </ac:spMkLst>
+        </pc:spChg>
+        <pc:spChg chg="add mod topLvl">
+          <ac:chgData name="huang tiansheng" userId="ce404ce9b0eeb6b1" providerId="LiveId" clId="{EB06CDAE-BA54-4CFD-A2C4-E868AFB5EDFD}" dt="2024-06-08T16:10:11.031" v="149" actId="1076"/>
           <ac:spMkLst>
             <pc:docMk/>
             <pc:sldMk cId="4015253138" sldId="256"/>
             <ac:spMk id="27" creationId="{1A7FD1D1-7BF2-3705-19A7-D47D4F11E259}"/>
           </ac:spMkLst>
         </pc:spChg>
-        <pc:spChg chg="del">
-          <ac:chgData name="tiansheng huang" userId="ce404ce9b0eeb6b1" providerId="LiveId" clId="{0FEE01C1-AAE0-4B6F-A070-B5523A5E5B07}" dt="2024-09-06T20:08:42.554" v="4" actId="478"/>
+        <pc:spChg chg="add mod topLvl">
+          <ac:chgData name="huang tiansheng" userId="ce404ce9b0eeb6b1" providerId="LiveId" clId="{EB06CDAE-BA54-4CFD-A2C4-E868AFB5EDFD}" dt="2024-06-08T16:09:42.807" v="128" actId="1076"/>
           <ac:spMkLst>
             <pc:docMk/>
             <pc:sldMk cId="4015253138" sldId="256"/>
             <ac:spMk id="28" creationId="{37889CCA-F26F-5EA1-2C8F-1ABF43FBCD09}"/>
           </ac:spMkLst>
         </pc:spChg>
+        <pc:spChg chg="add del mod">
+          <ac:chgData name="huang tiansheng" userId="ce404ce9b0eeb6b1" providerId="LiveId" clId="{EB06CDAE-BA54-4CFD-A2C4-E868AFB5EDFD}" dt="2024-06-08T15:59:48.213" v="10" actId="478"/>
+          <ac:spMkLst>
+            <pc:docMk/>
+            <pc:sldMk cId="4015253138" sldId="256"/>
+            <ac:spMk id="29" creationId="{58AB7D75-2437-AA25-634F-D877394CAB44}"/>
+          </ac:spMkLst>
+        </pc:spChg>
+        <pc:spChg chg="mod">
+          <ac:chgData name="huang tiansheng" userId="ce404ce9b0eeb6b1" providerId="LiveId" clId="{EB06CDAE-BA54-4CFD-A2C4-E868AFB5EDFD}" dt="2024-06-08T15:59:27.377" v="3"/>
+          <ac:spMkLst>
+            <pc:docMk/>
+            <pc:sldMk cId="4015253138" sldId="256"/>
+            <ac:spMk id="31" creationId="{FF3EB852-F921-2EED-9F31-01CEE36A23F1}"/>
+          </ac:spMkLst>
+        </pc:spChg>
+        <pc:spChg chg="mod">
+          <ac:chgData name="huang tiansheng" userId="ce404ce9b0eeb6b1" providerId="LiveId" clId="{EB06CDAE-BA54-4CFD-A2C4-E868AFB5EDFD}" dt="2024-06-08T15:59:27.377" v="3"/>
+          <ac:spMkLst>
+            <pc:docMk/>
+            <pc:sldMk cId="4015253138" sldId="256"/>
+            <ac:spMk id="32" creationId="{E60E0DDD-5E7E-304F-32E1-E72CC20BB830}"/>
+          </ac:spMkLst>
+        </pc:spChg>
+        <pc:spChg chg="mod">
+          <ac:chgData name="huang tiansheng" userId="ce404ce9b0eeb6b1" providerId="LiveId" clId="{EB06CDAE-BA54-4CFD-A2C4-E868AFB5EDFD}" dt="2024-06-08T15:59:27.377" v="3"/>
+          <ac:spMkLst>
+            <pc:docMk/>
+            <pc:sldMk cId="4015253138" sldId="256"/>
+            <ac:spMk id="33" creationId="{E9FBC9E7-752B-2E49-5C16-80333AE7C31B}"/>
+          </ac:spMkLst>
+        </pc:spChg>
+        <pc:spChg chg="mod">
+          <ac:chgData name="huang tiansheng" userId="ce404ce9b0eeb6b1" providerId="LiveId" clId="{EB06CDAE-BA54-4CFD-A2C4-E868AFB5EDFD}" dt="2024-06-08T15:59:27.377" v="3"/>
+          <ac:spMkLst>
+            <pc:docMk/>
+            <pc:sldMk cId="4015253138" sldId="256"/>
+            <ac:spMk id="34" creationId="{B180723D-5703-B637-3D76-B61A5315EDE5}"/>
+          </ac:spMkLst>
+        </pc:spChg>
+        <pc:spChg chg="mod">
+          <ac:chgData name="huang tiansheng" userId="ce404ce9b0eeb6b1" providerId="LiveId" clId="{EB06CDAE-BA54-4CFD-A2C4-E868AFB5EDFD}" dt="2024-06-08T15:59:27.377" v="3"/>
+          <ac:spMkLst>
+            <pc:docMk/>
+            <pc:sldMk cId="4015253138" sldId="256"/>
+            <ac:spMk id="35" creationId="{1ECC023A-F8AA-A0EB-C0C7-3F3C5C606F5F}"/>
+          </ac:spMkLst>
+        </pc:spChg>
+        <pc:spChg chg="mod">
+          <ac:chgData name="huang tiansheng" userId="ce404ce9b0eeb6b1" providerId="LiveId" clId="{EB06CDAE-BA54-4CFD-A2C4-E868AFB5EDFD}" dt="2024-06-08T15:59:27.377" v="3"/>
+          <ac:spMkLst>
+            <pc:docMk/>
+            <pc:sldMk cId="4015253138" sldId="256"/>
+            <ac:spMk id="36" creationId="{B3894DF2-E344-24D7-BA18-2EC34211BB7D}"/>
+          </ac:spMkLst>
+        </pc:spChg>
+        <pc:spChg chg="mod">
+          <ac:chgData name="huang tiansheng" userId="ce404ce9b0eeb6b1" providerId="LiveId" clId="{EB06CDAE-BA54-4CFD-A2C4-E868AFB5EDFD}" dt="2024-06-08T15:59:27.377" v="3"/>
+          <ac:spMkLst>
+            <pc:docMk/>
+            <pc:sldMk cId="4015253138" sldId="256"/>
+            <ac:spMk id="37" creationId="{F4625394-42D7-E860-EF23-CBAE9EC34DD0}"/>
+          </ac:spMkLst>
+        </pc:spChg>
+        <pc:spChg chg="add mod topLvl">
+          <ac:chgData name="huang tiansheng" userId="ce404ce9b0eeb6b1" providerId="LiveId" clId="{EB06CDAE-BA54-4CFD-A2C4-E868AFB5EDFD}" dt="2024-06-08T16:09:52.419" v="135" actId="1076"/>
+          <ac:spMkLst>
+            <pc:docMk/>
+            <pc:sldMk cId="4015253138" sldId="256"/>
+            <ac:spMk id="50" creationId="{D7D80912-978D-7E39-D631-A378DFF35BA8}"/>
+          </ac:spMkLst>
+        </pc:spChg>
+        <pc:spChg chg="add mod topLvl">
+          <ac:chgData name="huang tiansheng" userId="ce404ce9b0eeb6b1" providerId="LiveId" clId="{EB06CDAE-BA54-4CFD-A2C4-E868AFB5EDFD}" dt="2024-06-08T16:09:42.807" v="128" actId="1076"/>
+          <ac:spMkLst>
+            <pc:docMk/>
+            <pc:sldMk cId="4015253138" sldId="256"/>
+            <ac:spMk id="53" creationId="{6A0E660C-D47D-5F10-E234-E15DE54D6A74}"/>
+          </ac:spMkLst>
+        </pc:spChg>
+        <pc:spChg chg="mod">
+          <ac:chgData name="huang tiansheng" userId="ce404ce9b0eeb6b1" providerId="LiveId" clId="{EB06CDAE-BA54-4CFD-A2C4-E868AFB5EDFD}" dt="2024-06-08T16:07:58.820" v="87" actId="208"/>
+          <ac:spMkLst>
+            <pc:docMk/>
+            <pc:sldMk cId="4015253138" sldId="256"/>
+            <ac:spMk id="55" creationId="{D1774638-5A90-4B1C-CF97-A09D0E5EAB13}"/>
+          </ac:spMkLst>
+        </pc:spChg>
+        <pc:spChg chg="mod">
+          <ac:chgData name="huang tiansheng" userId="ce404ce9b0eeb6b1" providerId="LiveId" clId="{EB06CDAE-BA54-4CFD-A2C4-E868AFB5EDFD}" dt="2024-06-08T16:07:58.820" v="87" actId="208"/>
+          <ac:spMkLst>
+            <pc:docMk/>
+            <pc:sldMk cId="4015253138" sldId="256"/>
+            <ac:spMk id="56" creationId="{0B4641DE-F454-3403-D1F1-2DCF4E7CE73F}"/>
+          </ac:spMkLst>
+        </pc:spChg>
+        <pc:spChg chg="mod">
+          <ac:chgData name="huang tiansheng" userId="ce404ce9b0eeb6b1" providerId="LiveId" clId="{EB06CDAE-BA54-4CFD-A2C4-E868AFB5EDFD}" dt="2024-06-08T16:07:58.820" v="87" actId="208"/>
+          <ac:spMkLst>
+            <pc:docMk/>
+            <pc:sldMk cId="4015253138" sldId="256"/>
+            <ac:spMk id="57" creationId="{99ABD3F7-3DCA-66D4-BB51-CFE961615078}"/>
+          </ac:spMkLst>
+        </pc:spChg>
+        <pc:spChg chg="mod">
+          <ac:chgData name="huang tiansheng" userId="ce404ce9b0eeb6b1" providerId="LiveId" clId="{EB06CDAE-BA54-4CFD-A2C4-E868AFB5EDFD}" dt="2024-06-08T16:07:58.820" v="87" actId="208"/>
+          <ac:spMkLst>
+            <pc:docMk/>
+            <pc:sldMk cId="4015253138" sldId="256"/>
+            <ac:spMk id="58" creationId="{19508B88-51FE-3FE7-167D-0E9CB9EFE191}"/>
+          </ac:spMkLst>
+        </pc:spChg>
+        <pc:spChg chg="mod">
+          <ac:chgData name="huang tiansheng" userId="ce404ce9b0eeb6b1" providerId="LiveId" clId="{EB06CDAE-BA54-4CFD-A2C4-E868AFB5EDFD}" dt="2024-06-08T16:07:58.820" v="87" actId="208"/>
+          <ac:spMkLst>
+            <pc:docMk/>
+            <pc:sldMk cId="4015253138" sldId="256"/>
+            <ac:spMk id="59" creationId="{DF3A98BD-8062-0D46-B272-9B199900C6D7}"/>
+          </ac:spMkLst>
+        </pc:spChg>
+        <pc:spChg chg="mod">
+          <ac:chgData name="huang tiansheng" userId="ce404ce9b0eeb6b1" providerId="LiveId" clId="{EB06CDAE-BA54-4CFD-A2C4-E868AFB5EDFD}" dt="2024-06-08T16:07:58.820" v="87" actId="208"/>
+          <ac:spMkLst>
+            <pc:docMk/>
+            <pc:sldMk cId="4015253138" sldId="256"/>
+            <ac:spMk id="60" creationId="{434CD0A7-75AC-3FD9-C253-71ECAF76C1CF}"/>
+          </ac:spMkLst>
+        </pc:spChg>
+        <pc:spChg chg="mod">
+          <ac:chgData name="huang tiansheng" userId="ce404ce9b0eeb6b1" providerId="LiveId" clId="{EB06CDAE-BA54-4CFD-A2C4-E868AFB5EDFD}" dt="2024-06-08T16:07:58.820" v="87" actId="208"/>
+          <ac:spMkLst>
+            <pc:docMk/>
+            <pc:sldMk cId="4015253138" sldId="256"/>
+            <ac:spMk id="61" creationId="{46E7DBE2-15B8-3AB2-CF25-7AC981C6E1D3}"/>
+          </ac:spMkLst>
+        </pc:spChg>
+        <pc:spChg chg="add mod topLvl">
+          <ac:chgData name="huang tiansheng" userId="ce404ce9b0eeb6b1" providerId="LiveId" clId="{EB06CDAE-BA54-4CFD-A2C4-E868AFB5EDFD}" dt="2024-06-08T16:10:19.609" v="156" actId="1076"/>
+          <ac:spMkLst>
+            <pc:docMk/>
+            <pc:sldMk cId="4015253138" sldId="256"/>
+            <ac:spMk id="74" creationId="{88861DEE-E896-FBA4-040A-178B10420E3F}"/>
+          </ac:spMkLst>
+        </pc:spChg>
+        <pc:spChg chg="add mod topLvl">
+          <ac:chgData name="huang tiansheng" userId="ce404ce9b0eeb6b1" providerId="LiveId" clId="{EB06CDAE-BA54-4CFD-A2C4-E868AFB5EDFD}" dt="2024-06-08T16:09:42.807" v="128" actId="1076"/>
+          <ac:spMkLst>
+            <pc:docMk/>
+            <pc:sldMk cId="4015253138" sldId="256"/>
+            <ac:spMk id="76" creationId="{5FFB5373-B7DA-8295-8C80-FC18F587712B}"/>
+          </ac:spMkLst>
+        </pc:spChg>
+        <pc:spChg chg="add mod topLvl">
+          <ac:chgData name="huang tiansheng" userId="ce404ce9b0eeb6b1" providerId="LiveId" clId="{EB06CDAE-BA54-4CFD-A2C4-E868AFB5EDFD}" dt="2024-06-08T16:25:53.974" v="280"/>
+          <ac:spMkLst>
+            <pc:docMk/>
+            <pc:sldMk cId="4015253138" sldId="256"/>
+            <ac:spMk id="78" creationId="{B4E99C4C-7ED7-8CD3-65A4-9A2BE233E788}"/>
+          </ac:spMkLst>
+        </pc:spChg>
+        <pc:spChg chg="add mod topLvl">
+          <ac:chgData name="huang tiansheng" userId="ce404ce9b0eeb6b1" providerId="LiveId" clId="{EB06CDAE-BA54-4CFD-A2C4-E868AFB5EDFD}" dt="2024-06-08T16:26:08.225" v="281" actId="207"/>
+          <ac:spMkLst>
+            <pc:docMk/>
+            <pc:sldMk cId="4015253138" sldId="256"/>
+            <ac:spMk id="81" creationId="{FA96D195-632A-3994-B65A-B316EAE49BA5}"/>
+          </ac:spMkLst>
+        </pc:spChg>
+        <pc:spChg chg="add del mod">
+          <ac:chgData name="huang tiansheng" userId="ce404ce9b0eeb6b1" providerId="LiveId" clId="{EB06CDAE-BA54-4CFD-A2C4-E868AFB5EDFD}" dt="2024-06-08T15:59:48.213" v="10" actId="478"/>
+          <ac:spMkLst>
+            <pc:docMk/>
+            <pc:sldMk cId="4015253138" sldId="256"/>
+            <ac:spMk id="84" creationId="{E8AA890C-FADC-D84E-7AB0-99490EA5C16F}"/>
+          </ac:spMkLst>
+        </pc:spChg>
+        <pc:spChg chg="add del mod">
+          <ac:chgData name="huang tiansheng" userId="ce404ce9b0eeb6b1" providerId="LiveId" clId="{EB06CDAE-BA54-4CFD-A2C4-E868AFB5EDFD}" dt="2024-06-08T15:59:48.213" v="10" actId="478"/>
+          <ac:spMkLst>
+            <pc:docMk/>
+            <pc:sldMk cId="4015253138" sldId="256"/>
+            <ac:spMk id="85" creationId="{C213D4F2-9163-6B87-C22E-7B4F01A1A23F}"/>
+          </ac:spMkLst>
+        </pc:spChg>
+        <pc:spChg chg="add del mod">
+          <ac:chgData name="huang tiansheng" userId="ce404ce9b0eeb6b1" providerId="LiveId" clId="{EB06CDAE-BA54-4CFD-A2C4-E868AFB5EDFD}" dt="2024-06-08T15:59:48.213" v="10" actId="478"/>
+          <ac:spMkLst>
+            <pc:docMk/>
+            <pc:sldMk cId="4015253138" sldId="256"/>
+            <ac:spMk id="87" creationId="{D5A04866-863A-BBE0-4A43-42E087B270DF}"/>
+          </ac:spMkLst>
+        </pc:spChg>
+        <pc:spChg chg="add mod topLvl">
+          <ac:chgData name="huang tiansheng" userId="ce404ce9b0eeb6b1" providerId="LiveId" clId="{EB06CDAE-BA54-4CFD-A2C4-E868AFB5EDFD}" dt="2024-06-08T16:09:42.807" v="128" actId="1076"/>
+          <ac:spMkLst>
+            <pc:docMk/>
+            <pc:sldMk cId="4015253138" sldId="256"/>
+            <ac:spMk id="90" creationId="{ACCEC39E-8E07-DF90-977A-BCFE1D8BA1D5}"/>
+          </ac:spMkLst>
+        </pc:spChg>
+        <pc:spChg chg="mod">
+          <ac:chgData name="huang tiansheng" userId="ce404ce9b0eeb6b1" providerId="LiveId" clId="{EB06CDAE-BA54-4CFD-A2C4-E868AFB5EDFD}" dt="2024-06-08T16:07:51.374" v="86" actId="165"/>
+          <ac:spMkLst>
+            <pc:docMk/>
+            <pc:sldMk cId="4015253138" sldId="256"/>
+            <ac:spMk id="92" creationId="{76CD8B40-1547-09C1-1C86-E84FD96B54AE}"/>
+          </ac:spMkLst>
+        </pc:spChg>
+        <pc:spChg chg="mod">
+          <ac:chgData name="huang tiansheng" userId="ce404ce9b0eeb6b1" providerId="LiveId" clId="{EB06CDAE-BA54-4CFD-A2C4-E868AFB5EDFD}" dt="2024-06-08T16:07:51.374" v="86" actId="165"/>
+          <ac:spMkLst>
+            <pc:docMk/>
+            <pc:sldMk cId="4015253138" sldId="256"/>
+            <ac:spMk id="93" creationId="{F2F3CF52-EE3A-C09C-2B7E-91C99EC752F4}"/>
+          </ac:spMkLst>
+        </pc:spChg>
+        <pc:spChg chg="mod">
+          <ac:chgData name="huang tiansheng" userId="ce404ce9b0eeb6b1" providerId="LiveId" clId="{EB06CDAE-BA54-4CFD-A2C4-E868AFB5EDFD}" dt="2024-06-08T16:07:51.374" v="86" actId="165"/>
+          <ac:spMkLst>
+            <pc:docMk/>
+            <pc:sldMk cId="4015253138" sldId="256"/>
+            <ac:spMk id="94" creationId="{AFA6ABC2-035C-431C-6ECF-D97E42A91BC6}"/>
+          </ac:spMkLst>
+        </pc:spChg>
+        <pc:spChg chg="mod">
+          <ac:chgData name="huang tiansheng" userId="ce404ce9b0eeb6b1" providerId="LiveId" clId="{EB06CDAE-BA54-4CFD-A2C4-E868AFB5EDFD}" dt="2024-06-08T16:07:51.374" v="86" actId="165"/>
+          <ac:spMkLst>
+            <pc:docMk/>
+            <pc:sldMk cId="4015253138" sldId="256"/>
+            <ac:spMk id="95" creationId="{91B02723-3287-E2BA-94D5-D93A32DD817D}"/>
+          </ac:spMkLst>
+        </pc:spChg>
+        <pc:spChg chg="mod">
+          <ac:chgData name="huang tiansheng" userId="ce404ce9b0eeb6b1" providerId="LiveId" clId="{EB06CDAE-BA54-4CFD-A2C4-E868AFB5EDFD}" dt="2024-06-08T16:07:51.374" v="86" actId="165"/>
+          <ac:spMkLst>
+            <pc:docMk/>
+            <pc:sldMk cId="4015253138" sldId="256"/>
+            <ac:spMk id="96" creationId="{54140254-E651-126B-8E32-22573A032DDA}"/>
+          </ac:spMkLst>
+        </pc:spChg>
+        <pc:spChg chg="mod">
+          <ac:chgData name="huang tiansheng" userId="ce404ce9b0eeb6b1" providerId="LiveId" clId="{EB06CDAE-BA54-4CFD-A2C4-E868AFB5EDFD}" dt="2024-06-08T16:07:51.374" v="86" actId="165"/>
+          <ac:spMkLst>
+            <pc:docMk/>
+            <pc:sldMk cId="4015253138" sldId="256"/>
+            <ac:spMk id="97" creationId="{08FF12A9-3A78-8078-6AC0-E75216FB5DC3}"/>
+          </ac:spMkLst>
+        </pc:spChg>
+        <pc:spChg chg="mod">
+          <ac:chgData name="huang tiansheng" userId="ce404ce9b0eeb6b1" providerId="LiveId" clId="{EB06CDAE-BA54-4CFD-A2C4-E868AFB5EDFD}" dt="2024-06-08T16:07:51.374" v="86" actId="165"/>
+          <ac:spMkLst>
+            <pc:docMk/>
+            <pc:sldMk cId="4015253138" sldId="256"/>
+            <ac:spMk id="98" creationId="{E6D82B1E-35C2-3604-1ECA-ED120562DA9F}"/>
+          </ac:spMkLst>
+        </pc:spChg>
+        <pc:spChg chg="add mod topLvl">
+          <ac:chgData name="huang tiansheng" userId="ce404ce9b0eeb6b1" providerId="LiveId" clId="{EB06CDAE-BA54-4CFD-A2C4-E868AFB5EDFD}" dt="2024-06-08T16:09:42.807" v="128" actId="1076"/>
+          <ac:spMkLst>
+            <pc:docMk/>
+            <pc:sldMk cId="4015253138" sldId="256"/>
+            <ac:spMk id="112" creationId="{581A5E93-88CD-5DD9-A0A1-27B0B690DEE0}"/>
+          </ac:spMkLst>
+        </pc:spChg>
+        <pc:spChg chg="mod">
+          <ac:chgData name="huang tiansheng" userId="ce404ce9b0eeb6b1" providerId="LiveId" clId="{EB06CDAE-BA54-4CFD-A2C4-E868AFB5EDFD}" dt="2024-06-08T16:07:51.374" v="86" actId="165"/>
+          <ac:spMkLst>
+            <pc:docMk/>
+            <pc:sldMk cId="4015253138" sldId="256"/>
+            <ac:spMk id="114" creationId="{5C19BBB6-AC92-79C5-6283-BAE228F7B65A}"/>
+          </ac:spMkLst>
+        </pc:spChg>
+        <pc:spChg chg="mod">
+          <ac:chgData name="huang tiansheng" userId="ce404ce9b0eeb6b1" providerId="LiveId" clId="{EB06CDAE-BA54-4CFD-A2C4-E868AFB5EDFD}" dt="2024-06-08T16:07:51.374" v="86" actId="165"/>
+          <ac:spMkLst>
+            <pc:docMk/>
+            <pc:sldMk cId="4015253138" sldId="256"/>
+            <ac:spMk id="115" creationId="{309BF235-0FF3-5FA5-CDD6-70D5D50A5AE7}"/>
+          </ac:spMkLst>
+        </pc:spChg>
+        <pc:spChg chg="mod">
+          <ac:chgData name="huang tiansheng" userId="ce404ce9b0eeb6b1" providerId="LiveId" clId="{EB06CDAE-BA54-4CFD-A2C4-E868AFB5EDFD}" dt="2024-06-08T16:07:51.374" v="86" actId="165"/>
+          <ac:spMkLst>
+            <pc:docMk/>
+            <pc:sldMk cId="4015253138" sldId="256"/>
+            <ac:spMk id="116" creationId="{B012FB6D-3891-FB40-AE1E-DBD3DF934E4B}"/>
+          </ac:spMkLst>
+        </pc:spChg>
+        <pc:spChg chg="mod">
+          <ac:chgData name="huang tiansheng" userId="ce404ce9b0eeb6b1" providerId="LiveId" clId="{EB06CDAE-BA54-4CFD-A2C4-E868AFB5EDFD}" dt="2024-06-08T16:07:51.374" v="86" actId="165"/>
+          <ac:spMkLst>
+            <pc:docMk/>
+            <pc:sldMk cId="4015253138" sldId="256"/>
+            <ac:spMk id="117" creationId="{3A3CBC2A-9319-3107-B79C-7763B77CD757}"/>
+          </ac:spMkLst>
+        </pc:spChg>
+        <pc:spChg chg="mod">
+          <ac:chgData name="huang tiansheng" userId="ce404ce9b0eeb6b1" providerId="LiveId" clId="{EB06CDAE-BA54-4CFD-A2C4-E868AFB5EDFD}" dt="2024-06-08T16:07:51.374" v="86" actId="165"/>
+          <ac:spMkLst>
+            <pc:docMk/>
+            <pc:sldMk cId="4015253138" sldId="256"/>
+            <ac:spMk id="118" creationId="{DA2E5F86-4545-452D-770F-40E580F9B995}"/>
+          </ac:spMkLst>
+        </pc:spChg>
+        <pc:spChg chg="mod">
+          <ac:chgData name="huang tiansheng" userId="ce404ce9b0eeb6b1" providerId="LiveId" clId="{EB06CDAE-BA54-4CFD-A2C4-E868AFB5EDFD}" dt="2024-06-08T16:07:51.374" v="86" actId="165"/>
+          <ac:spMkLst>
+            <pc:docMk/>
+            <pc:sldMk cId="4015253138" sldId="256"/>
+            <ac:spMk id="119" creationId="{76ED28F3-9D30-194B-7C42-F976BF680457}"/>
+          </ac:spMkLst>
+        </pc:spChg>
+        <pc:spChg chg="mod">
+          <ac:chgData name="huang tiansheng" userId="ce404ce9b0eeb6b1" providerId="LiveId" clId="{EB06CDAE-BA54-4CFD-A2C4-E868AFB5EDFD}" dt="2024-06-08T16:07:51.374" v="86" actId="165"/>
+          <ac:spMkLst>
+            <pc:docMk/>
+            <pc:sldMk cId="4015253138" sldId="256"/>
+            <ac:spMk id="120" creationId="{67B921AA-BF27-6EF1-AFDC-D5A59E578967}"/>
+          </ac:spMkLst>
+        </pc:spChg>
+        <pc:spChg chg="add mod topLvl">
+          <ac:chgData name="huang tiansheng" userId="ce404ce9b0eeb6b1" providerId="LiveId" clId="{EB06CDAE-BA54-4CFD-A2C4-E868AFB5EDFD}" dt="2024-06-08T16:11:50.094" v="196" actId="1076"/>
+          <ac:spMkLst>
+            <pc:docMk/>
+            <pc:sldMk cId="4015253138" sldId="256"/>
+            <ac:spMk id="133" creationId="{FE937F06-E35B-0C37-5E86-C98CA3D73C5A}"/>
+          </ac:spMkLst>
+        </pc:spChg>
+        <pc:spChg chg="add mod topLvl">
+          <ac:chgData name="huang tiansheng" userId="ce404ce9b0eeb6b1" providerId="LiveId" clId="{EB06CDAE-BA54-4CFD-A2C4-E868AFB5EDFD}" dt="2024-06-08T16:25:10.597" v="275" actId="1076"/>
+          <ac:spMkLst>
+            <pc:docMk/>
+            <pc:sldMk cId="4015253138" sldId="256"/>
+            <ac:spMk id="136" creationId="{4A96D54C-7650-F2B3-ECF2-EDE92DC79F50}"/>
+          </ac:spMkLst>
+        </pc:spChg>
+        <pc:spChg chg="add del mod">
+          <ac:chgData name="huang tiansheng" userId="ce404ce9b0eeb6b1" providerId="LiveId" clId="{EB06CDAE-BA54-4CFD-A2C4-E868AFB5EDFD}" dt="2024-06-08T16:00:12.884" v="17" actId="478"/>
+          <ac:spMkLst>
+            <pc:docMk/>
+            <pc:sldMk cId="4015253138" sldId="256"/>
+            <ac:spMk id="137" creationId="{2C4A4ECA-7D7D-48D0-DEBE-29D46C27800E}"/>
+          </ac:spMkLst>
+        </pc:spChg>
+        <pc:spChg chg="mod">
+          <ac:chgData name="huang tiansheng" userId="ce404ce9b0eeb6b1" providerId="LiveId" clId="{EB06CDAE-BA54-4CFD-A2C4-E868AFB5EDFD}" dt="2024-06-08T16:07:51.374" v="86" actId="165"/>
+          <ac:spMkLst>
+            <pc:docMk/>
+            <pc:sldMk cId="4015253138" sldId="256"/>
+            <ac:spMk id="140" creationId="{DF8D386A-58EA-9C17-298E-206C20C3A488}"/>
+          </ac:spMkLst>
+        </pc:spChg>
+        <pc:spChg chg="mod">
+          <ac:chgData name="huang tiansheng" userId="ce404ce9b0eeb6b1" providerId="LiveId" clId="{EB06CDAE-BA54-4CFD-A2C4-E868AFB5EDFD}" dt="2024-06-08T16:22:28.587" v="263" actId="207"/>
+          <ac:spMkLst>
+            <pc:docMk/>
+            <pc:sldMk cId="4015253138" sldId="256"/>
+            <ac:spMk id="141" creationId="{E7090223-9172-08E8-577D-DD43B4F82DE4}"/>
+          </ac:spMkLst>
+        </pc:spChg>
         <pc:spChg chg="add mod">
-          <ac:chgData name="tiansheng huang" userId="ce404ce9b0eeb6b1" providerId="LiveId" clId="{0FEE01C1-AAE0-4B6F-A070-B5523A5E5B07}" dt="2024-09-06T20:45:22.696" v="824" actId="14100"/>
-          <ac:spMkLst>
-            <pc:docMk/>
-            <pc:sldMk cId="4015253138" sldId="256"/>
-            <ac:spMk id="40" creationId="{12DF6A62-8EE1-AED0-10CA-01399C7CDCA6}"/>
+          <ac:chgData name="huang tiansheng" userId="ce404ce9b0eeb6b1" providerId="LiveId" clId="{EB06CDAE-BA54-4CFD-A2C4-E868AFB5EDFD}" dt="2024-06-08T16:03:58.021" v="66" actId="571"/>
+          <ac:spMkLst>
+            <pc:docMk/>
+            <pc:sldMk cId="4015253138" sldId="256"/>
+            <ac:spMk id="147" creationId="{F7B0467B-C716-C2B8-2F4E-9B0364A95D2E}"/>
           </ac:spMkLst>
         </pc:spChg>
         <pc:spChg chg="add mod">
-          <ac:chgData name="tiansheng huang" userId="ce404ce9b0eeb6b1" providerId="LiveId" clId="{0FEE01C1-AAE0-4B6F-A070-B5523A5E5B07}" dt="2024-09-06T20:45:06.443" v="822" actId="1076"/>
-          <ac:spMkLst>
-            <pc:docMk/>
-            <pc:sldMk cId="4015253138" sldId="256"/>
-            <ac:spMk id="48" creationId="{A7F1C9CC-8BF8-A3FC-F73E-7C3F695DFE06}"/>
-          </ac:spMkLst>
-        </pc:spChg>
-        <pc:spChg chg="add del mod">
-          <ac:chgData name="tiansheng huang" userId="ce404ce9b0eeb6b1" providerId="LiveId" clId="{0FEE01C1-AAE0-4B6F-A070-B5523A5E5B07}" dt="2024-09-06T20:20:00.587" v="145" actId="478"/>
-          <ac:spMkLst>
-            <pc:docMk/>
-            <pc:sldMk cId="4015253138" sldId="256"/>
-            <ac:spMk id="49" creationId="{E89674A6-9B2A-EF0B-91FF-37827C61326B}"/>
-          </ac:spMkLst>
-        </pc:spChg>
-        <pc:spChg chg="del mod">
-          <ac:chgData name="tiansheng huang" userId="ce404ce9b0eeb6b1" providerId="LiveId" clId="{0FEE01C1-AAE0-4B6F-A070-B5523A5E5B07}" dt="2024-09-06T20:08:42.554" v="4" actId="478"/>
-          <ac:spMkLst>
-            <pc:docMk/>
-            <pc:sldMk cId="4015253138" sldId="256"/>
-            <ac:spMk id="50" creationId="{D7D80912-978D-7E39-D631-A378DFF35BA8}"/>
-          </ac:spMkLst>
-        </pc:spChg>
-        <pc:spChg chg="add del mod">
-          <ac:chgData name="tiansheng huang" userId="ce404ce9b0eeb6b1" providerId="LiveId" clId="{0FEE01C1-AAE0-4B6F-A070-B5523A5E5B07}" dt="2024-09-06T20:28:03.210" v="285" actId="478"/>
-          <ac:spMkLst>
-            <pc:docMk/>
-            <pc:sldMk cId="4015253138" sldId="256"/>
-            <ac:spMk id="51" creationId="{24B75BDF-76A3-67D9-1C9F-7A39586BDD95}"/>
-          </ac:spMkLst>
-        </pc:spChg>
-        <pc:spChg chg="del">
-          <ac:chgData name="tiansheng huang" userId="ce404ce9b0eeb6b1" providerId="LiveId" clId="{0FEE01C1-AAE0-4B6F-A070-B5523A5E5B07}" dt="2024-09-06T20:08:42.554" v="4" actId="478"/>
-          <ac:spMkLst>
-            <pc:docMk/>
-            <pc:sldMk cId="4015253138" sldId="256"/>
-            <ac:spMk id="74" creationId="{88861DEE-E896-FBA4-040A-178B10420E3F}"/>
-          </ac:spMkLst>
-        </pc:spChg>
-        <pc:spChg chg="del">
-          <ac:chgData name="tiansheng huang" userId="ce404ce9b0eeb6b1" providerId="LiveId" clId="{0FEE01C1-AAE0-4B6F-A070-B5523A5E5B07}" dt="2024-09-06T20:08:42.554" v="4" actId="478"/>
-          <ac:spMkLst>
-            <pc:docMk/>
-            <pc:sldMk cId="4015253138" sldId="256"/>
-            <ac:spMk id="76" creationId="{5FFB5373-B7DA-8295-8C80-FC18F587712B}"/>
+          <ac:chgData name="huang tiansheng" userId="ce404ce9b0eeb6b1" providerId="LiveId" clId="{EB06CDAE-BA54-4CFD-A2C4-E868AFB5EDFD}" dt="2024-06-08T16:16:34.671" v="200" actId="1076"/>
+          <ac:spMkLst>
+            <pc:docMk/>
+            <pc:sldMk cId="4015253138" sldId="256"/>
+            <ac:spMk id="149" creationId="{92B440F1-A0AC-A206-D87C-644C4EFFC903}"/>
           </ac:spMkLst>
         </pc:spChg>
         <pc:spChg chg="add mod">
-          <ac:chgData name="tiansheng huang" userId="ce404ce9b0eeb6b1" providerId="LiveId" clId="{0FEE01C1-AAE0-4B6F-A070-B5523A5E5B07}" dt="2024-09-06T20:44:59.648" v="802" actId="1076"/>
-          <ac:spMkLst>
-            <pc:docMk/>
-            <pc:sldMk cId="4015253138" sldId="256"/>
-            <ac:spMk id="79" creationId="{7C30E312-5F00-56B5-BA3C-71D387D85DC8}"/>
-          </ac:spMkLst>
-        </pc:spChg>
-        <pc:spChg chg="add mod">
-          <ac:chgData name="tiansheng huang" userId="ce404ce9b0eeb6b1" providerId="LiveId" clId="{0FEE01C1-AAE0-4B6F-A070-B5523A5E5B07}" dt="2024-09-09T03:48:12.509" v="952" actId="1076"/>
-          <ac:spMkLst>
-            <pc:docMk/>
-            <pc:sldMk cId="4015253138" sldId="256"/>
-            <ac:spMk id="86" creationId="{40EE2A1C-7E55-4826-9F27-26FDB3221005}"/>
-          </ac:spMkLst>
-        </pc:spChg>
-        <pc:spChg chg="add mod">
-          <ac:chgData name="tiansheng huang" userId="ce404ce9b0eeb6b1" providerId="LiveId" clId="{0FEE01C1-AAE0-4B6F-A070-B5523A5E5B07}" dt="2024-09-15T22:45:21.099" v="986" actId="14100"/>
-          <ac:spMkLst>
-            <pc:docMk/>
-            <pc:sldMk cId="4015253138" sldId="256"/>
-            <ac:spMk id="87" creationId="{A835AC6E-D7A2-FDC1-6957-7148CD996EED}"/>
-          </ac:spMkLst>
-        </pc:spChg>
-        <pc:spChg chg="add mod">
-          <ac:chgData name="tiansheng huang" userId="ce404ce9b0eeb6b1" providerId="LiveId" clId="{0FEE01C1-AAE0-4B6F-A070-B5523A5E5B07}" dt="2024-09-15T22:45:24.917" v="988" actId="20577"/>
-          <ac:spMkLst>
-            <pc:docMk/>
-            <pc:sldMk cId="4015253138" sldId="256"/>
-            <ac:spMk id="112" creationId="{F81DE11F-61F2-B825-376F-CD91C0E41875}"/>
-          </ac:spMkLst>
-        </pc:spChg>
-        <pc:spChg chg="add mod">
-          <ac:chgData name="tiansheng huang" userId="ce404ce9b0eeb6b1" providerId="LiveId" clId="{0FEE01C1-AAE0-4B6F-A070-B5523A5E5B07}" dt="2024-09-06T20:45:03.427" v="820" actId="1037"/>
-          <ac:spMkLst>
-            <pc:docMk/>
-            <pc:sldMk cId="4015253138" sldId="256"/>
-            <ac:spMk id="117" creationId="{09E490BE-1CE3-51F2-48A5-3C364515BC0B}"/>
-          </ac:spMkLst>
-        </pc:spChg>
-        <pc:spChg chg="add del mod">
-          <ac:chgData name="tiansheng huang" userId="ce404ce9b0eeb6b1" providerId="LiveId" clId="{0FEE01C1-AAE0-4B6F-A070-B5523A5E5B07}" dt="2024-09-06T20:49:42.823" v="862" actId="478"/>
-          <ac:spMkLst>
-            <pc:docMk/>
-            <pc:sldMk cId="4015253138" sldId="256"/>
-            <ac:spMk id="118" creationId="{CC48AF56-85A6-C67C-ED3B-34B190654A37}"/>
-          </ac:spMkLst>
-        </pc:spChg>
-        <pc:spChg chg="add del">
-          <ac:chgData name="tiansheng huang" userId="ce404ce9b0eeb6b1" providerId="LiveId" clId="{0FEE01C1-AAE0-4B6F-A070-B5523A5E5B07}" dt="2024-09-06T20:32:12.334" v="419" actId="22"/>
-          <ac:spMkLst>
-            <pc:docMk/>
-            <pc:sldMk cId="4015253138" sldId="256"/>
-            <ac:spMk id="121" creationId="{CA0F9904-EB1E-EE89-F0E3-CFA8ED29D120}"/>
-          </ac:spMkLst>
-        </pc:spChg>
-        <pc:spChg chg="add mod">
-          <ac:chgData name="tiansheng huang" userId="ce404ce9b0eeb6b1" providerId="LiveId" clId="{0FEE01C1-AAE0-4B6F-A070-B5523A5E5B07}" dt="2024-09-06T20:54:37.246" v="909" actId="1076"/>
-          <ac:spMkLst>
-            <pc:docMk/>
-            <pc:sldMk cId="4015253138" sldId="256"/>
-            <ac:spMk id="123" creationId="{6174B9E8-6361-F507-8FFC-1745ED803EE3}"/>
-          </ac:spMkLst>
-        </pc:spChg>
-        <pc:spChg chg="add mod">
-          <ac:chgData name="tiansheng huang" userId="ce404ce9b0eeb6b1" providerId="LiveId" clId="{0FEE01C1-AAE0-4B6F-A070-B5523A5E5B07}" dt="2024-09-06T20:54:34.680" v="908" actId="1035"/>
-          <ac:spMkLst>
-            <pc:docMk/>
-            <pc:sldMk cId="4015253138" sldId="256"/>
-            <ac:spMk id="124" creationId="{650F5518-EB6C-54CB-19C2-3C145A39250A}"/>
-          </ac:spMkLst>
-        </pc:spChg>
-        <pc:spChg chg="add mod">
-          <ac:chgData name="tiansheng huang" userId="ce404ce9b0eeb6b1" providerId="LiveId" clId="{0FEE01C1-AAE0-4B6F-A070-B5523A5E5B07}" dt="2024-09-06T20:54:50.836" v="912" actId="1076"/>
-          <ac:spMkLst>
-            <pc:docMk/>
-            <pc:sldMk cId="4015253138" sldId="256"/>
-            <ac:spMk id="127" creationId="{49B23691-A4FE-0D54-211D-B3C19E2445B6}"/>
-          </ac:spMkLst>
-        </pc:spChg>
-        <pc:spChg chg="add mod">
-          <ac:chgData name="tiansheng huang" userId="ce404ce9b0eeb6b1" providerId="LiveId" clId="{0FEE01C1-AAE0-4B6F-A070-B5523A5E5B07}" dt="2024-09-09T03:48:04.619" v="950" actId="1076"/>
-          <ac:spMkLst>
-            <pc:docMk/>
-            <pc:sldMk cId="4015253138" sldId="256"/>
-            <ac:spMk id="128" creationId="{EB3056E1-5C7E-B57C-C6A1-EA7BFF232712}"/>
-          </ac:spMkLst>
-        </pc:spChg>
-        <pc:spChg chg="add mod">
-          <ac:chgData name="tiansheng huang" userId="ce404ce9b0eeb6b1" providerId="LiveId" clId="{0FEE01C1-AAE0-4B6F-A070-B5523A5E5B07}" dt="2024-09-06T20:55:39.217" v="919" actId="113"/>
-          <ac:spMkLst>
-            <pc:docMk/>
-            <pc:sldMk cId="4015253138" sldId="256"/>
-            <ac:spMk id="130" creationId="{3C8EC8E7-3769-AD01-B172-858D77A38408}"/>
-          </ac:spMkLst>
-        </pc:spChg>
-        <pc:spChg chg="add del mod">
-          <ac:chgData name="tiansheng huang" userId="ce404ce9b0eeb6b1" providerId="LiveId" clId="{0FEE01C1-AAE0-4B6F-A070-B5523A5E5B07}" dt="2024-09-06T20:49:35.455" v="858" actId="478"/>
-          <ac:spMkLst>
-            <pc:docMk/>
-            <pc:sldMk cId="4015253138" sldId="256"/>
-            <ac:spMk id="131" creationId="{17708C6D-DD93-9E48-6629-16CFA99358C7}"/>
-          </ac:spMkLst>
-        </pc:spChg>
-        <pc:spChg chg="add mod">
-          <ac:chgData name="tiansheng huang" userId="ce404ce9b0eeb6b1" providerId="LiveId" clId="{0FEE01C1-AAE0-4B6F-A070-B5523A5E5B07}" dt="2024-09-06T20:49:31.036" v="855" actId="1076"/>
-          <ac:spMkLst>
-            <pc:docMk/>
-            <pc:sldMk cId="4015253138" sldId="256"/>
-            <ac:spMk id="132" creationId="{514BCFC8-D1DA-5BFC-1C59-BD126C641D67}"/>
-          </ac:spMkLst>
-        </pc:spChg>
-        <pc:spChg chg="add mod">
-          <ac:chgData name="tiansheng huang" userId="ce404ce9b0eeb6b1" providerId="LiveId" clId="{0FEE01C1-AAE0-4B6F-A070-B5523A5E5B07}" dt="2024-09-06T20:49:38.670" v="859" actId="1076"/>
-          <ac:spMkLst>
-            <pc:docMk/>
-            <pc:sldMk cId="4015253138" sldId="256"/>
-            <ac:spMk id="133" creationId="{037D2182-56AE-2D1A-BDC4-26EBF218C179}"/>
-          </ac:spMkLst>
-        </pc:spChg>
-        <pc:spChg chg="add mod">
-          <ac:chgData name="tiansheng huang" userId="ce404ce9b0eeb6b1" providerId="LiveId" clId="{0FEE01C1-AAE0-4B6F-A070-B5523A5E5B07}" dt="2024-09-06T20:49:47.874" v="863" actId="1076"/>
-          <ac:spMkLst>
-            <pc:docMk/>
-            <pc:sldMk cId="4015253138" sldId="256"/>
-            <ac:spMk id="134" creationId="{05AFB109-3E6F-AE97-A1CB-2C006149597A}"/>
-          </ac:spMkLst>
-        </pc:spChg>
-        <pc:grpChg chg="del">
-          <ac:chgData name="tiansheng huang" userId="ce404ce9b0eeb6b1" providerId="LiveId" clId="{0FEE01C1-AAE0-4B6F-A070-B5523A5E5B07}" dt="2024-09-06T20:08:42.554" v="4" actId="478"/>
+          <ac:chgData name="huang tiansheng" userId="ce404ce9b0eeb6b1" providerId="LiveId" clId="{EB06CDAE-BA54-4CFD-A2C4-E868AFB5EDFD}" dt="2024-06-08T16:26:46.018" v="284" actId="207"/>
+          <ac:spMkLst>
+            <pc:docMk/>
+            <pc:sldMk cId="4015253138" sldId="256"/>
+            <ac:spMk id="151" creationId="{FFAF7BB1-D9E9-ECC0-FF7B-9867C1D55211}"/>
+          </ac:spMkLst>
+        </pc:spChg>
+        <pc:grpChg chg="add mod topLvl">
+          <ac:chgData name="huang tiansheng" userId="ce404ce9b0eeb6b1" providerId="LiveId" clId="{EB06CDAE-BA54-4CFD-A2C4-E868AFB5EDFD}" dt="2024-06-08T16:09:42.807" v="128" actId="1076"/>
           <ac:grpSpMkLst>
             <pc:docMk/>
             <pc:sldMk cId="4015253138" sldId="256"/>
-            <ac:grpSpMk id="2" creationId="{E8F8DDD2-6576-1839-89F8-0D0A58CD36A1}"/>
+            <ac:grpSpMk id="6" creationId="{F7D8132E-0613-4B72-175D-393E968A17F4}"/>
           </ac:grpSpMkLst>
         </pc:grpChg>
-        <pc:grpChg chg="del">
-          <ac:chgData name="tiansheng huang" userId="ce404ce9b0eeb6b1" providerId="LiveId" clId="{0FEE01C1-AAE0-4B6F-A070-B5523A5E5B07}" dt="2024-09-06T20:08:42.554" v="4" actId="478"/>
+        <pc:grpChg chg="add del mod">
+          <ac:chgData name="huang tiansheng" userId="ce404ce9b0eeb6b1" providerId="LiveId" clId="{EB06CDAE-BA54-4CFD-A2C4-E868AFB5EDFD}" dt="2024-06-08T15:59:48.213" v="10" actId="478"/>
           <ac:grpSpMkLst>
             <pc:docMk/>
             <pc:sldMk cId="4015253138" sldId="256"/>
-            <ac:grpSpMk id="33" creationId="{36AF2099-2B92-BE9E-C0EF-40A457A5AB5A}"/>
+            <ac:grpSpMk id="30" creationId="{9561295D-7892-49FA-AEF5-7A24CBF35866}"/>
           </ac:grpSpMkLst>
         </pc:grpChg>
-        <pc:grpChg chg="del">
-          <ac:chgData name="tiansheng huang" userId="ce404ce9b0eeb6b1" providerId="LiveId" clId="{0FEE01C1-AAE0-4B6F-A070-B5523A5E5B07}" dt="2024-09-06T20:08:42.554" v="4" actId="478"/>
+        <pc:grpChg chg="add mod topLvl">
+          <ac:chgData name="huang tiansheng" userId="ce404ce9b0eeb6b1" providerId="LiveId" clId="{EB06CDAE-BA54-4CFD-A2C4-E868AFB5EDFD}" dt="2024-06-08T16:09:42.807" v="128" actId="1076"/>
           <ac:grpSpMkLst>
             <pc:docMk/>
             <pc:sldMk cId="4015253138" sldId="256"/>
-            <ac:grpSpMk id="34" creationId="{10651B93-A1E9-27CD-9BCC-1069609191ED}"/>
+            <ac:grpSpMk id="54" creationId="{01602F76-D934-B860-89C9-5DBC0ED36114}"/>
           </ac:grpSpMkLst>
         </pc:grpChg>
-        <pc:grpChg chg="del">
-          <ac:chgData name="tiansheng huang" userId="ce404ce9b0eeb6b1" providerId="LiveId" clId="{0FEE01C1-AAE0-4B6F-A070-B5523A5E5B07}" dt="2024-09-06T20:08:42.554" v="4" actId="478"/>
+        <pc:grpChg chg="add del mod topLvl">
+          <ac:chgData name="huang tiansheng" userId="ce404ce9b0eeb6b1" providerId="LiveId" clId="{EB06CDAE-BA54-4CFD-A2C4-E868AFB5EDFD}" dt="2024-06-08T16:09:42.807" v="128" actId="1076"/>
           <ac:grpSpMkLst>
             <pc:docMk/>
             <pc:sldMk cId="4015253138" sldId="256"/>
-            <ac:grpSpMk id="35" creationId="{AD8E9819-B6E4-A4E8-DA81-26ABE4DB3065}"/>
+            <ac:grpSpMk id="91" creationId="{85EAFF53-1E85-B656-21F6-ABF601D9F5A9}"/>
           </ac:grpSpMkLst>
         </pc:grpChg>
-        <pc:grpChg chg="del">
-          <ac:chgData name="tiansheng huang" userId="ce404ce9b0eeb6b1" providerId="LiveId" clId="{0FEE01C1-AAE0-4B6F-A070-B5523A5E5B07}" dt="2024-09-06T20:08:42.554" v="4" actId="478"/>
+        <pc:grpChg chg="add mod topLvl">
+          <ac:chgData name="huang tiansheng" userId="ce404ce9b0eeb6b1" providerId="LiveId" clId="{EB06CDAE-BA54-4CFD-A2C4-E868AFB5EDFD}" dt="2024-06-08T16:09:42.807" v="128" actId="1076"/>
           <ac:grpSpMkLst>
             <pc:docMk/>
             <pc:sldMk cId="4015253138" sldId="256"/>
-            <ac:grpSpMk id="41" creationId="{3C93B3F4-ECB3-D169-5F15-5F8D7676DF23}"/>
+            <ac:grpSpMk id="113" creationId="{8668B8AC-3C7A-85C4-5124-01ACEF69334C}"/>
           </ac:grpSpMkLst>
         </pc:grpChg>
-        <pc:grpChg chg="del">
-          <ac:chgData name="tiansheng huang" userId="ce404ce9b0eeb6b1" providerId="LiveId" clId="{0FEE01C1-AAE0-4B6F-A070-B5523A5E5B07}" dt="2024-09-06T20:08:42.554" v="4" actId="478"/>
+        <pc:grpChg chg="add mod topLvl">
+          <ac:chgData name="huang tiansheng" userId="ce404ce9b0eeb6b1" providerId="LiveId" clId="{EB06CDAE-BA54-4CFD-A2C4-E868AFB5EDFD}" dt="2024-06-08T16:11:31.861" v="194" actId="1076"/>
           <ac:grpSpMkLst>
             <pc:docMk/>
             <pc:sldMk cId="4015253138" sldId="256"/>
             <ac:grpSpMk id="138" creationId="{26A317EC-756C-5A3A-2518-65A4E534030E}"/>
           </ac:grpSpMkLst>
         </pc:grpChg>
-        <pc:picChg chg="add mod">
-          <ac:chgData name="tiansheng huang" userId="ce404ce9b0eeb6b1" providerId="LiveId" clId="{0FEE01C1-AAE0-4B6F-A070-B5523A5E5B07}" dt="2024-09-06T20:55:03.294" v="916" actId="1076"/>
+        <pc:grpChg chg="add del mod">
+          <ac:chgData name="huang tiansheng" userId="ce404ce9b0eeb6b1" providerId="LiveId" clId="{EB06CDAE-BA54-4CFD-A2C4-E868AFB5EDFD}" dt="2024-06-08T16:07:51.374" v="86" actId="165"/>
+          <ac:grpSpMkLst>
+            <pc:docMk/>
+            <pc:sldMk cId="4015253138" sldId="256"/>
+            <ac:grpSpMk id="148" creationId="{25ED626D-26FD-45E9-1864-49785CFA09A9}"/>
+          </ac:grpSpMkLst>
+        </pc:grpChg>
+        <pc:picChg chg="add del mod">
+          <ac:chgData name="huang tiansheng" userId="ce404ce9b0eeb6b1" providerId="LiveId" clId="{EB06CDAE-BA54-4CFD-A2C4-E868AFB5EDFD}" dt="2024-06-08T15:59:48.213" v="10" actId="478"/>
           <ac:picMkLst>
             <pc:docMk/>
             <pc:sldMk cId="4015253138" sldId="256"/>
-            <ac:picMk id="36" creationId="{F1A2BCCA-E415-10E2-DC25-0D06B157BD3E}"/>
+            <ac:picMk id="51" creationId="{2300A366-5F4E-5D21-75A8-48C76B1E6D2A}"/>
           </ac:picMkLst>
         </pc:picChg>
-        <pc:picChg chg="del">
-          <ac:chgData name="tiansheng huang" userId="ce404ce9b0eeb6b1" providerId="LiveId" clId="{0FEE01C1-AAE0-4B6F-A070-B5523A5E5B07}" dt="2024-09-06T20:08:42.554" v="4" actId="478"/>
+        <pc:picChg chg="add mod topLvl">
+          <ac:chgData name="huang tiansheng" userId="ce404ce9b0eeb6b1" providerId="LiveId" clId="{EB06CDAE-BA54-4CFD-A2C4-E868AFB5EDFD}" dt="2024-06-08T16:09:42.807" v="128" actId="1076"/>
           <ac:picMkLst>
             <pc:docMk/>
             <pc:sldMk cId="4015253138" sldId="256"/>
-            <ac:picMk id="38" creationId="{B8D5E6A4-6EEC-9C9A-1CD4-55709412E5B3}"/>
+            <ac:picMk id="52" creationId="{87AFDDA5-77A7-40A7-F3BE-E8A1D0EB843F}"/>
+          </ac:picMkLst>
+        </pc:picChg>
+        <pc:picChg chg="add mod topLvl">
+          <ac:chgData name="huang tiansheng" userId="ce404ce9b0eeb6b1" providerId="LiveId" clId="{EB06CDAE-BA54-4CFD-A2C4-E868AFB5EDFD}" dt="2024-06-08T16:09:42.807" v="128" actId="1076"/>
+          <ac:picMkLst>
+            <pc:docMk/>
+            <pc:sldMk cId="4015253138" sldId="256"/>
+            <ac:picMk id="77" creationId="{5A539B92-1812-B195-B070-6808C0884E79}"/>
+          </ac:picMkLst>
+        </pc:picChg>
+        <pc:picChg chg="add del mod">
+          <ac:chgData name="huang tiansheng" userId="ce404ce9b0eeb6b1" providerId="LiveId" clId="{EB06CDAE-BA54-4CFD-A2C4-E868AFB5EDFD}" dt="2024-06-08T15:59:48.213" v="10" actId="478"/>
+          <ac:picMkLst>
+            <pc:docMk/>
+            <pc:sldMk cId="4015253138" sldId="256"/>
+            <ac:picMk id="79" creationId="{3A6D9260-E4D6-258B-795E-44EC2508BEEF}"/>
+          </ac:picMkLst>
+        </pc:picChg>
+        <pc:picChg chg="add mod topLvl">
+          <ac:chgData name="huang tiansheng" userId="ce404ce9b0eeb6b1" providerId="LiveId" clId="{EB06CDAE-BA54-4CFD-A2C4-E868AFB5EDFD}" dt="2024-06-08T16:25:53.974" v="280"/>
+          <ac:picMkLst>
+            <pc:docMk/>
+            <pc:sldMk cId="4015253138" sldId="256"/>
+            <ac:picMk id="80" creationId="{3013D77F-A847-BDF0-4C9C-8CF860E6961A}"/>
+          </ac:picMkLst>
+        </pc:picChg>
+        <pc:picChg chg="add mod topLvl">
+          <ac:chgData name="huang tiansheng" userId="ce404ce9b0eeb6b1" providerId="LiveId" clId="{EB06CDAE-BA54-4CFD-A2C4-E868AFB5EDFD}" dt="2024-06-08T16:25:53.974" v="280"/>
+          <ac:picMkLst>
+            <pc:docMk/>
+            <pc:sldMk cId="4015253138" sldId="256"/>
+            <ac:picMk id="82" creationId="{98236B4A-C588-DED8-77C9-4CDDD3904856}"/>
+          </ac:picMkLst>
+        </pc:picChg>
+        <pc:picChg chg="add del mod">
+          <ac:chgData name="huang tiansheng" userId="ce404ce9b0eeb6b1" providerId="LiveId" clId="{EB06CDAE-BA54-4CFD-A2C4-E868AFB5EDFD}" dt="2024-06-08T15:59:48.213" v="10" actId="478"/>
+          <ac:picMkLst>
+            <pc:docMk/>
+            <pc:sldMk cId="4015253138" sldId="256"/>
+            <ac:picMk id="86" creationId="{144C4E3A-47BD-E33C-4609-10C5C0BEC4C5}"/>
+          </ac:picMkLst>
+        </pc:picChg>
+        <pc:picChg chg="add del mod">
+          <ac:chgData name="huang tiansheng" userId="ce404ce9b0eeb6b1" providerId="LiveId" clId="{EB06CDAE-BA54-4CFD-A2C4-E868AFB5EDFD}" dt="2024-06-08T15:59:48.213" v="10" actId="478"/>
+          <ac:picMkLst>
+            <pc:docMk/>
+            <pc:sldMk cId="4015253138" sldId="256"/>
+            <ac:picMk id="88" creationId="{DF392412-7310-3680-4644-597EBFC314DB}"/>
+          </ac:picMkLst>
+        </pc:picChg>
+        <pc:picChg chg="add mod topLvl">
+          <ac:chgData name="huang tiansheng" userId="ce404ce9b0eeb6b1" providerId="LiveId" clId="{EB06CDAE-BA54-4CFD-A2C4-E868AFB5EDFD}" dt="2024-06-08T16:11:33.413" v="195" actId="1076"/>
+          <ac:picMkLst>
+            <pc:docMk/>
+            <pc:sldMk cId="4015253138" sldId="256"/>
+            <ac:picMk id="89" creationId="{9CF2ECAB-A7D3-3B4F-027B-D84A6A43EA8E}"/>
+          </ac:picMkLst>
+        </pc:picChg>
+        <pc:picChg chg="add mod topLvl">
+          <ac:chgData name="huang tiansheng" userId="ce404ce9b0eeb6b1" providerId="LiveId" clId="{EB06CDAE-BA54-4CFD-A2C4-E868AFB5EDFD}" dt="2024-06-08T16:09:42.807" v="128" actId="1076"/>
+          <ac:picMkLst>
+            <pc:docMk/>
+            <pc:sldMk cId="4015253138" sldId="256"/>
+            <ac:picMk id="111" creationId="{0AB4FA63-57C4-447C-0B5E-01A4D105F8D4}"/>
+          </ac:picMkLst>
+        </pc:picChg>
+        <pc:picChg chg="add mod topLvl">
+          <ac:chgData name="huang tiansheng" userId="ce404ce9b0eeb6b1" providerId="LiveId" clId="{EB06CDAE-BA54-4CFD-A2C4-E868AFB5EDFD}" dt="2024-06-08T16:09:42.807" v="128" actId="1076"/>
+          <ac:picMkLst>
+            <pc:docMk/>
+            <pc:sldMk cId="4015253138" sldId="256"/>
+            <ac:picMk id="134" creationId="{03001A48-70D5-ECAE-A059-8B78394FB1A2}"/>
+          </ac:picMkLst>
+        </pc:picChg>
+        <pc:picChg chg="mod">
+          <ac:chgData name="huang tiansheng" userId="ce404ce9b0eeb6b1" providerId="LiveId" clId="{EB06CDAE-BA54-4CFD-A2C4-E868AFB5EDFD}" dt="2024-06-08T16:22:08.306" v="262"/>
+          <ac:picMkLst>
+            <pc:docMk/>
+            <pc:sldMk cId="4015253138" sldId="256"/>
+            <ac:picMk id="139" creationId="{A75BD47F-BF01-3FE0-6B97-4EE63E5403C2}"/>
+          </ac:picMkLst>
+        </pc:picChg>
+        <pc:picChg chg="mod">
+          <ac:chgData name="huang tiansheng" userId="ce404ce9b0eeb6b1" providerId="LiveId" clId="{EB06CDAE-BA54-4CFD-A2C4-E868AFB5EDFD}" dt="2024-06-08T16:23:10.658" v="266" actId="1367"/>
+          <ac:picMkLst>
+            <pc:docMk/>
+            <pc:sldMk cId="4015253138" sldId="256"/>
+            <ac:picMk id="142" creationId="{08E7A2B0-5F10-B77F-598E-C6869D4EBFB3}"/>
+          </ac:picMkLst>
+        </pc:picChg>
+        <pc:picChg chg="add mod topLvl">
+          <ac:chgData name="huang tiansheng" userId="ce404ce9b0eeb6b1" providerId="LiveId" clId="{EB06CDAE-BA54-4CFD-A2C4-E868AFB5EDFD}" dt="2024-06-08T16:11:29.465" v="193" actId="1076"/>
+          <ac:picMkLst>
+            <pc:docMk/>
+            <pc:sldMk cId="4015253138" sldId="256"/>
+            <ac:picMk id="143" creationId="{42AF7768-64C1-8AC8-DE15-F44637E912BF}"/>
           </ac:picMkLst>
         </pc:picChg>
         <pc:picChg chg="add mod">
-          <ac:chgData name="tiansheng huang" userId="ce404ce9b0eeb6b1" providerId="LiveId" clId="{0FEE01C1-AAE0-4B6F-A070-B5523A5E5B07}" dt="2024-09-06T20:45:35.483" v="839" actId="1076"/>
+          <ac:chgData name="huang tiansheng" userId="ce404ce9b0eeb6b1" providerId="LiveId" clId="{EB06CDAE-BA54-4CFD-A2C4-E868AFB5EDFD}" dt="2024-06-08T16:26:20.753" v="282"/>
           <ac:picMkLst>
             <pc:docMk/>
             <pc:sldMk cId="4015253138" sldId="256"/>
-            <ac:picMk id="39" creationId="{CE1032F7-9290-71AB-C7CE-7AC78606671F}"/>
+            <ac:picMk id="150" creationId="{D42925F5-2048-67E6-1183-190DCD0E2885}"/>
           </ac:picMkLst>
         </pc:picChg>
         <pc:picChg chg="add mod">
-          <ac:chgData name="tiansheng huang" userId="ce404ce9b0eeb6b1" providerId="LiveId" clId="{0FEE01C1-AAE0-4B6F-A070-B5523A5E5B07}" dt="2024-09-06T20:49:12.089" v="847" actId="1076"/>
+          <ac:chgData name="huang tiansheng" userId="ce404ce9b0eeb6b1" providerId="LiveId" clId="{EB06CDAE-BA54-4CFD-A2C4-E868AFB5EDFD}" dt="2024-06-08T16:26:33.089" v="283"/>
           <ac:picMkLst>
             <pc:docMk/>
             <pc:sldMk cId="4015253138" sldId="256"/>
-            <ac:picMk id="43" creationId="{817AAFF6-81F4-8480-7CBE-CE6C9A3E86DD}"/>
+            <ac:picMk id="152" creationId="{390987F6-17D3-90DF-2055-0B0D2F6684F2}"/>
           </ac:picMkLst>
         </pc:picChg>
         <pc:picChg chg="add del mod">
-          <ac:chgData name="tiansheng huang" userId="ce404ce9b0eeb6b1" providerId="LiveId" clId="{0FEE01C1-AAE0-4B6F-A070-B5523A5E5B07}" dt="2024-09-06T20:15:20.153" v="66" actId="478"/>
+          <ac:chgData name="huang tiansheng" userId="ce404ce9b0eeb6b1" providerId="LiveId" clId="{EB06CDAE-BA54-4CFD-A2C4-E868AFB5EDFD}" dt="2024-06-08T16:23:44.584" v="267" actId="478"/>
           <ac:picMkLst>
             <pc:docMk/>
             <pc:sldMk cId="4015253138" sldId="256"/>
-            <ac:picMk id="45" creationId="{76D92D6E-1F61-AE23-B895-19AC6A25DBC7}"/>
+            <ac:picMk id="153" creationId="{B1EF800F-99A4-29C8-A605-60CDB585C1DE}"/>
           </ac:picMkLst>
         </pc:picChg>
         <pc:picChg chg="add mod">
-          <ac:chgData name="tiansheng huang" userId="ce404ce9b0eeb6b1" providerId="LiveId" clId="{0FEE01C1-AAE0-4B6F-A070-B5523A5E5B07}" dt="2024-09-06T20:49:24.952" v="853" actId="14100"/>
+          <ac:chgData name="huang tiansheng" userId="ce404ce9b0eeb6b1" providerId="LiveId" clId="{EB06CDAE-BA54-4CFD-A2C4-E868AFB5EDFD}" dt="2024-06-08T16:26:33.089" v="283"/>
           <ac:picMkLst>
             <pc:docMk/>
             <pc:sldMk cId="4015253138" sldId="256"/>
-            <ac:picMk id="47" creationId="{33E56DCE-62BC-891D-DBAB-205510C11756}"/>
+            <ac:picMk id="154" creationId="{57995A2E-D594-85A3-DD26-7E28CFA80501}"/>
           </ac:picMkLst>
         </pc:picChg>
         <pc:picChg chg="add mod">
-          <ac:chgData name="tiansheng huang" userId="ce404ce9b0eeb6b1" providerId="LiveId" clId="{0FEE01C1-AAE0-4B6F-A070-B5523A5E5B07}" dt="2024-09-06T20:39:35.024" v="704" actId="1076"/>
+          <ac:chgData name="huang tiansheng" userId="ce404ce9b0eeb6b1" providerId="LiveId" clId="{EB06CDAE-BA54-4CFD-A2C4-E868AFB5EDFD}" dt="2024-06-08T16:26:33.089" v="283"/>
           <ac:picMkLst>
             <pc:docMk/>
             <pc:sldMk cId="4015253138" sldId="256"/>
-            <ac:picMk id="78" creationId="{59CE0720-9D77-72EB-4534-AC703529E560}"/>
+            <ac:picMk id="155" creationId="{1124D85D-E718-490C-B723-5D41A81E9DBC}"/>
           </ac:picMkLst>
         </pc:picChg>
         <pc:picChg chg="add del mod">
-          <ac:chgData name="tiansheng huang" userId="ce404ce9b0eeb6b1" providerId="LiveId" clId="{0FEE01C1-AAE0-4B6F-A070-B5523A5E5B07}" dt="2024-09-06T20:20:54.840" v="169" actId="478"/>
+          <ac:chgData name="huang tiansheng" userId="ce404ce9b0eeb6b1" providerId="LiveId" clId="{EB06CDAE-BA54-4CFD-A2C4-E868AFB5EDFD}" dt="2024-06-08T16:21:39.321" v="260" actId="478"/>
           <ac:picMkLst>
             <pc:docMk/>
             <pc:sldMk cId="4015253138" sldId="256"/>
-            <ac:picMk id="83" creationId="{367B0CEB-52CD-AD91-E359-6B6B76303842}"/>
+            <ac:picMk id="156" creationId="{80F26C79-7432-FEF4-5D78-0FA8D001E123}"/>
           </ac:picMkLst>
         </pc:picChg>
         <pc:picChg chg="add mod">
-          <ac:chgData name="tiansheng huang" userId="ce404ce9b0eeb6b1" providerId="LiveId" clId="{0FEE01C1-AAE0-4B6F-A070-B5523A5E5B07}" dt="2024-09-06T20:54:45.152" v="911" actId="1076"/>
+          <ac:chgData name="huang tiansheng" userId="ce404ce9b0eeb6b1" providerId="LiveId" clId="{EB06CDAE-BA54-4CFD-A2C4-E868AFB5EDFD}" dt="2024-06-08T16:25:13.655" v="276" actId="1076"/>
           <ac:picMkLst>
             <pc:docMk/>
             <pc:sldMk cId="4015253138" sldId="256"/>
-            <ac:picMk id="85" creationId="{80333D70-5FF3-C04F-5ED2-559C45FF857D}"/>
+            <ac:picMk id="158" creationId="{F9DD6712-D465-ED41-1503-CA230716EFFE}"/>
           </ac:picMkLst>
         </pc:picChg>
-        <pc:picChg chg="add mod">
-          <ac:chgData name="tiansheng huang" userId="ce404ce9b0eeb6b1" providerId="LiveId" clId="{0FEE01C1-AAE0-4B6F-A070-B5523A5E5B07}" dt="2024-09-06T20:54:34.680" v="908" actId="1035"/>
-          <ac:picMkLst>
-            <pc:docMk/>
-            <pc:sldMk cId="4015253138" sldId="256"/>
-            <ac:picMk id="88" creationId="{50928CEB-6E75-ABBF-80A9-6927685C7ED5}"/>
-          </ac:picMkLst>
-        </pc:picChg>
-        <pc:picChg chg="del">
-          <ac:chgData name="tiansheng huang" userId="ce404ce9b0eeb6b1" providerId="LiveId" clId="{0FEE01C1-AAE0-4B6F-A070-B5523A5E5B07}" dt="2024-09-06T20:08:42.554" v="4" actId="478"/>
-          <ac:picMkLst>
-            <pc:docMk/>
-            <pc:sldMk cId="4015253138" sldId="256"/>
-            <ac:picMk id="89" creationId="{9CF2ECAB-A7D3-3B4F-027B-D84A6A43EA8E}"/>
-          </ac:picMkLst>
-        </pc:picChg>
-        <pc:picChg chg="add mod">
-          <ac:chgData name="tiansheng huang" userId="ce404ce9b0eeb6b1" providerId="LiveId" clId="{0FEE01C1-AAE0-4B6F-A070-B5523A5E5B07}" dt="2024-09-06T20:54:58.164" v="915" actId="1076"/>
-          <ac:picMkLst>
-            <pc:docMk/>
-            <pc:sldMk cId="4015253138" sldId="256"/>
-            <ac:picMk id="114" creationId="{5A55A1B6-D74C-B4C0-57ED-AF2CE1702ED1}"/>
-          </ac:picMkLst>
-        </pc:picChg>
-        <pc:picChg chg="add mod">
-          <ac:chgData name="tiansheng huang" userId="ce404ce9b0eeb6b1" providerId="LiveId" clId="{0FEE01C1-AAE0-4B6F-A070-B5523A5E5B07}" dt="2024-09-06T20:55:27.296" v="918" actId="1076"/>
-          <ac:picMkLst>
-            <pc:docMk/>
-            <pc:sldMk cId="4015253138" sldId="256"/>
-            <ac:picMk id="116" creationId="{37268A09-6291-B2F1-F583-2C8EAB62F710}"/>
-          </ac:picMkLst>
-        </pc:picChg>
-        <pc:picChg chg="add mod">
-          <ac:chgData name="tiansheng huang" userId="ce404ce9b0eeb6b1" providerId="LiveId" clId="{0FEE01C1-AAE0-4B6F-A070-B5523A5E5B07}" dt="2024-09-06T20:54:34.680" v="908" actId="1035"/>
-          <ac:picMkLst>
-            <pc:docMk/>
-            <pc:sldMk cId="4015253138" sldId="256"/>
-            <ac:picMk id="119" creationId="{921660BB-891C-A6C0-BB08-A71EE005B732}"/>
-          </ac:picMkLst>
-        </pc:picChg>
-        <pc:picChg chg="del">
-          <ac:chgData name="tiansheng huang" userId="ce404ce9b0eeb6b1" providerId="LiveId" clId="{0FEE01C1-AAE0-4B6F-A070-B5523A5E5B07}" dt="2024-09-06T20:08:42.554" v="4" actId="478"/>
-          <ac:picMkLst>
-            <pc:docMk/>
-            <pc:sldMk cId="4015253138" sldId="256"/>
-            <ac:picMk id="143" creationId="{42AF7768-64C1-8AC8-DE15-F44637E912BF}"/>
-          </ac:picMkLst>
-        </pc:picChg>
-        <pc:cxnChg chg="mod">
-          <ac:chgData name="tiansheng huang" userId="ce404ce9b0eeb6b1" providerId="LiveId" clId="{0FEE01C1-AAE0-4B6F-A070-B5523A5E5B07}" dt="2024-09-06T20:08:42.554" v="4" actId="478"/>
+        <pc:cxnChg chg="mod">
+          <ac:chgData name="huang tiansheng" userId="ce404ce9b0eeb6b1" providerId="LiveId" clId="{EB06CDAE-BA54-4CFD-A2C4-E868AFB5EDFD}" dt="2024-06-08T16:07:51.374" v="86" actId="165"/>
           <ac:cxnSpMkLst>
             <pc:docMk/>
             <pc:sldMk cId="4015253138" sldId="256"/>
@@ -3456,7 +3480,7 @@
           </ac:cxnSpMkLst>
         </pc:cxnChg>
         <pc:cxnChg chg="mod">
-          <ac:chgData name="tiansheng huang" userId="ce404ce9b0eeb6b1" providerId="LiveId" clId="{0FEE01C1-AAE0-4B6F-A070-B5523A5E5B07}" dt="2024-09-06T20:08:42.554" v="4" actId="478"/>
+          <ac:chgData name="huang tiansheng" userId="ce404ce9b0eeb6b1" providerId="LiveId" clId="{EB06CDAE-BA54-4CFD-A2C4-E868AFB5EDFD}" dt="2024-06-08T16:07:51.374" v="86" actId="165"/>
           <ac:cxnSpMkLst>
             <pc:docMk/>
             <pc:sldMk cId="4015253138" sldId="256"/>
@@ -3464,7 +3488,7 @@
           </ac:cxnSpMkLst>
         </pc:cxnChg>
         <pc:cxnChg chg="mod">
-          <ac:chgData name="tiansheng huang" userId="ce404ce9b0eeb6b1" providerId="LiveId" clId="{0FEE01C1-AAE0-4B6F-A070-B5523A5E5B07}" dt="2024-09-06T20:08:42.554" v="4" actId="478"/>
+          <ac:chgData name="huang tiansheng" userId="ce404ce9b0eeb6b1" providerId="LiveId" clId="{EB06CDAE-BA54-4CFD-A2C4-E868AFB5EDFD}" dt="2024-06-08T16:07:51.374" v="86" actId="165"/>
           <ac:cxnSpMkLst>
             <pc:docMk/>
             <pc:sldMk cId="4015253138" sldId="256"/>
@@ -3472,7 +3496,7 @@
           </ac:cxnSpMkLst>
         </pc:cxnChg>
         <pc:cxnChg chg="mod">
-          <ac:chgData name="tiansheng huang" userId="ce404ce9b0eeb6b1" providerId="LiveId" clId="{0FEE01C1-AAE0-4B6F-A070-B5523A5E5B07}" dt="2024-09-06T20:08:42.554" v="4" actId="478"/>
+          <ac:chgData name="huang tiansheng" userId="ce404ce9b0eeb6b1" providerId="LiveId" clId="{EB06CDAE-BA54-4CFD-A2C4-E868AFB5EDFD}" dt="2024-06-08T16:07:51.374" v="86" actId="165"/>
           <ac:cxnSpMkLst>
             <pc:docMk/>
             <pc:sldMk cId="4015253138" sldId="256"/>
@@ -3480,7 +3504,7 @@
           </ac:cxnSpMkLst>
         </pc:cxnChg>
         <pc:cxnChg chg="mod">
-          <ac:chgData name="tiansheng huang" userId="ce404ce9b0eeb6b1" providerId="LiveId" clId="{0FEE01C1-AAE0-4B6F-A070-B5523A5E5B07}" dt="2024-09-06T20:08:42.554" v="4" actId="478"/>
+          <ac:chgData name="huang tiansheng" userId="ce404ce9b0eeb6b1" providerId="LiveId" clId="{EB06CDAE-BA54-4CFD-A2C4-E868AFB5EDFD}" dt="2024-06-08T16:07:51.374" v="86" actId="165"/>
           <ac:cxnSpMkLst>
             <pc:docMk/>
             <pc:sldMk cId="4015253138" sldId="256"/>
@@ -3488,7 +3512,7 @@
           </ac:cxnSpMkLst>
         </pc:cxnChg>
         <pc:cxnChg chg="mod">
-          <ac:chgData name="tiansheng huang" userId="ce404ce9b0eeb6b1" providerId="LiveId" clId="{0FEE01C1-AAE0-4B6F-A070-B5523A5E5B07}" dt="2024-09-06T20:08:42.554" v="4" actId="478"/>
+          <ac:chgData name="huang tiansheng" userId="ce404ce9b0eeb6b1" providerId="LiveId" clId="{EB06CDAE-BA54-4CFD-A2C4-E868AFB5EDFD}" dt="2024-06-08T16:07:51.374" v="86" actId="165"/>
           <ac:cxnSpMkLst>
             <pc:docMk/>
             <pc:sldMk cId="4015253138" sldId="256"/>
@@ -3496,7 +3520,7 @@
           </ac:cxnSpMkLst>
         </pc:cxnChg>
         <pc:cxnChg chg="mod">
-          <ac:chgData name="tiansheng huang" userId="ce404ce9b0eeb6b1" providerId="LiveId" clId="{0FEE01C1-AAE0-4B6F-A070-B5523A5E5B07}" dt="2024-09-06T20:08:42.554" v="4" actId="478"/>
+          <ac:chgData name="huang tiansheng" userId="ce404ce9b0eeb6b1" providerId="LiveId" clId="{EB06CDAE-BA54-4CFD-A2C4-E868AFB5EDFD}" dt="2024-06-08T16:07:51.374" v="86" actId="165"/>
           <ac:cxnSpMkLst>
             <pc:docMk/>
             <pc:sldMk cId="4015253138" sldId="256"/>
@@ -3504,7 +3528,7 @@
           </ac:cxnSpMkLst>
         </pc:cxnChg>
         <pc:cxnChg chg="mod">
-          <ac:chgData name="tiansheng huang" userId="ce404ce9b0eeb6b1" providerId="LiveId" clId="{0FEE01C1-AAE0-4B6F-A070-B5523A5E5B07}" dt="2024-09-06T20:08:42.554" v="4" actId="478"/>
+          <ac:chgData name="huang tiansheng" userId="ce404ce9b0eeb6b1" providerId="LiveId" clId="{EB06CDAE-BA54-4CFD-A2C4-E868AFB5EDFD}" dt="2024-06-08T16:07:51.374" v="86" actId="165"/>
           <ac:cxnSpMkLst>
             <pc:docMk/>
             <pc:sldMk cId="4015253138" sldId="256"/>
@@ -3512,7 +3536,7 @@
           </ac:cxnSpMkLst>
         </pc:cxnChg>
         <pc:cxnChg chg="mod">
-          <ac:chgData name="tiansheng huang" userId="ce404ce9b0eeb6b1" providerId="LiveId" clId="{0FEE01C1-AAE0-4B6F-A070-B5523A5E5B07}" dt="2024-09-06T20:08:42.554" v="4" actId="478"/>
+          <ac:chgData name="huang tiansheng" userId="ce404ce9b0eeb6b1" providerId="LiveId" clId="{EB06CDAE-BA54-4CFD-A2C4-E868AFB5EDFD}" dt="2024-06-08T16:07:51.374" v="86" actId="165"/>
           <ac:cxnSpMkLst>
             <pc:docMk/>
             <pc:sldMk cId="4015253138" sldId="256"/>
@@ -3520,7 +3544,7 @@
           </ac:cxnSpMkLst>
         </pc:cxnChg>
         <pc:cxnChg chg="mod">
-          <ac:chgData name="tiansheng huang" userId="ce404ce9b0eeb6b1" providerId="LiveId" clId="{0FEE01C1-AAE0-4B6F-A070-B5523A5E5B07}" dt="2024-09-06T20:08:42.554" v="4" actId="478"/>
+          <ac:chgData name="huang tiansheng" userId="ce404ce9b0eeb6b1" providerId="LiveId" clId="{EB06CDAE-BA54-4CFD-A2C4-E868AFB5EDFD}" dt="2024-06-08T16:07:51.374" v="86" actId="165"/>
           <ac:cxnSpMkLst>
             <pc:docMk/>
             <pc:sldMk cId="4015253138" sldId="256"/>
@@ -3528,7 +3552,7 @@
           </ac:cxnSpMkLst>
         </pc:cxnChg>
         <pc:cxnChg chg="mod">
-          <ac:chgData name="tiansheng huang" userId="ce404ce9b0eeb6b1" providerId="LiveId" clId="{0FEE01C1-AAE0-4B6F-A070-B5523A5E5B07}" dt="2024-09-06T20:08:42.554" v="4" actId="478"/>
+          <ac:chgData name="huang tiansheng" userId="ce404ce9b0eeb6b1" providerId="LiveId" clId="{EB06CDAE-BA54-4CFD-A2C4-E868AFB5EDFD}" dt="2024-06-08T16:07:51.374" v="86" actId="165"/>
           <ac:cxnSpMkLst>
             <pc:docMk/>
             <pc:sldMk cId="4015253138" sldId="256"/>
@@ -3536,15 +3560,15 @@
           </ac:cxnSpMkLst>
         </pc:cxnChg>
         <pc:cxnChg chg="mod">
-          <ac:chgData name="tiansheng huang" userId="ce404ce9b0eeb6b1" providerId="LiveId" clId="{0FEE01C1-AAE0-4B6F-A070-B5523A5E5B07}" dt="2024-09-06T20:08:42.554" v="4" actId="478"/>
+          <ac:chgData name="huang tiansheng" userId="ce404ce9b0eeb6b1" providerId="LiveId" clId="{EB06CDAE-BA54-4CFD-A2C4-E868AFB5EDFD}" dt="2024-06-08T16:07:51.374" v="86" actId="165"/>
           <ac:cxnSpMkLst>
             <pc:docMk/>
             <pc:sldMk cId="4015253138" sldId="256"/>
             <ac:cxnSpMk id="25" creationId="{D2068C17-303E-890F-17FB-51B61CFF151A}"/>
           </ac:cxnSpMkLst>
         </pc:cxnChg>
-        <pc:cxnChg chg="del">
-          <ac:chgData name="tiansheng huang" userId="ce404ce9b0eeb6b1" providerId="LiveId" clId="{0FEE01C1-AAE0-4B6F-A070-B5523A5E5B07}" dt="2024-09-06T20:08:42.554" v="4" actId="478"/>
+        <pc:cxnChg chg="add mod topLvl">
+          <ac:chgData name="huang tiansheng" userId="ce404ce9b0eeb6b1" providerId="LiveId" clId="{EB06CDAE-BA54-4CFD-A2C4-E868AFB5EDFD}" dt="2024-06-08T16:09:42.807" v="128" actId="1076"/>
           <ac:cxnSpMkLst>
             <pc:docMk/>
             <pc:sldMk cId="4015253138" sldId="256"/>
@@ -3552,7 +3576,103 @@
           </ac:cxnSpMkLst>
         </pc:cxnChg>
         <pc:cxnChg chg="mod">
-          <ac:chgData name="tiansheng huang" userId="ce404ce9b0eeb6b1" providerId="LiveId" clId="{0FEE01C1-AAE0-4B6F-A070-B5523A5E5B07}" dt="2024-09-06T20:08:42.554" v="4" actId="478"/>
+          <ac:chgData name="huang tiansheng" userId="ce404ce9b0eeb6b1" providerId="LiveId" clId="{EB06CDAE-BA54-4CFD-A2C4-E868AFB5EDFD}" dt="2024-06-08T15:59:48.213" v="10" actId="478"/>
+          <ac:cxnSpMkLst>
+            <pc:docMk/>
+            <pc:sldMk cId="4015253138" sldId="256"/>
+            <ac:cxnSpMk id="38" creationId="{A412F866-6322-0B65-7B22-602444D61918}"/>
+          </ac:cxnSpMkLst>
+        </pc:cxnChg>
+        <pc:cxnChg chg="mod">
+          <ac:chgData name="huang tiansheng" userId="ce404ce9b0eeb6b1" providerId="LiveId" clId="{EB06CDAE-BA54-4CFD-A2C4-E868AFB5EDFD}" dt="2024-06-08T15:59:48.213" v="10" actId="478"/>
+          <ac:cxnSpMkLst>
+            <pc:docMk/>
+            <pc:sldMk cId="4015253138" sldId="256"/>
+            <ac:cxnSpMk id="39" creationId="{A32C5D45-3807-73B0-5F15-6F667F1CE5E7}"/>
+          </ac:cxnSpMkLst>
+        </pc:cxnChg>
+        <pc:cxnChg chg="mod">
+          <ac:chgData name="huang tiansheng" userId="ce404ce9b0eeb6b1" providerId="LiveId" clId="{EB06CDAE-BA54-4CFD-A2C4-E868AFB5EDFD}" dt="2024-06-08T15:59:48.213" v="10" actId="478"/>
+          <ac:cxnSpMkLst>
+            <pc:docMk/>
+            <pc:sldMk cId="4015253138" sldId="256"/>
+            <ac:cxnSpMk id="40" creationId="{56EA9B17-3B83-69ED-13DF-6DD352E31D2D}"/>
+          </ac:cxnSpMkLst>
+        </pc:cxnChg>
+        <pc:cxnChg chg="mod">
+          <ac:chgData name="huang tiansheng" userId="ce404ce9b0eeb6b1" providerId="LiveId" clId="{EB06CDAE-BA54-4CFD-A2C4-E868AFB5EDFD}" dt="2024-06-08T15:59:48.213" v="10" actId="478"/>
+          <ac:cxnSpMkLst>
+            <pc:docMk/>
+            <pc:sldMk cId="4015253138" sldId="256"/>
+            <ac:cxnSpMk id="41" creationId="{C4A1C877-B119-4248-6888-51F58C53FBF0}"/>
+          </ac:cxnSpMkLst>
+        </pc:cxnChg>
+        <pc:cxnChg chg="mod">
+          <ac:chgData name="huang tiansheng" userId="ce404ce9b0eeb6b1" providerId="LiveId" clId="{EB06CDAE-BA54-4CFD-A2C4-E868AFB5EDFD}" dt="2024-06-08T15:59:48.213" v="10" actId="478"/>
+          <ac:cxnSpMkLst>
+            <pc:docMk/>
+            <pc:sldMk cId="4015253138" sldId="256"/>
+            <ac:cxnSpMk id="42" creationId="{A6BE1743-0173-6846-0FCC-FAE74B15941D}"/>
+          </ac:cxnSpMkLst>
+        </pc:cxnChg>
+        <pc:cxnChg chg="mod">
+          <ac:chgData name="huang tiansheng" userId="ce404ce9b0eeb6b1" providerId="LiveId" clId="{EB06CDAE-BA54-4CFD-A2C4-E868AFB5EDFD}" dt="2024-06-08T15:59:48.213" v="10" actId="478"/>
+          <ac:cxnSpMkLst>
+            <pc:docMk/>
+            <pc:sldMk cId="4015253138" sldId="256"/>
+            <ac:cxnSpMk id="43" creationId="{58F3CBB5-9D99-B7DD-B2BA-4B1692DC2161}"/>
+          </ac:cxnSpMkLst>
+        </pc:cxnChg>
+        <pc:cxnChg chg="mod">
+          <ac:chgData name="huang tiansheng" userId="ce404ce9b0eeb6b1" providerId="LiveId" clId="{EB06CDAE-BA54-4CFD-A2C4-E868AFB5EDFD}" dt="2024-06-08T15:59:48.213" v="10" actId="478"/>
+          <ac:cxnSpMkLst>
+            <pc:docMk/>
+            <pc:sldMk cId="4015253138" sldId="256"/>
+            <ac:cxnSpMk id="44" creationId="{0FA45082-1CEE-22B4-3820-83535AEE9584}"/>
+          </ac:cxnSpMkLst>
+        </pc:cxnChg>
+        <pc:cxnChg chg="mod">
+          <ac:chgData name="huang tiansheng" userId="ce404ce9b0eeb6b1" providerId="LiveId" clId="{EB06CDAE-BA54-4CFD-A2C4-E868AFB5EDFD}" dt="2024-06-08T15:59:48.213" v="10" actId="478"/>
+          <ac:cxnSpMkLst>
+            <pc:docMk/>
+            <pc:sldMk cId="4015253138" sldId="256"/>
+            <ac:cxnSpMk id="45" creationId="{03680BC5-69F1-AF7B-4DB6-862563C10338}"/>
+          </ac:cxnSpMkLst>
+        </pc:cxnChg>
+        <pc:cxnChg chg="mod">
+          <ac:chgData name="huang tiansheng" userId="ce404ce9b0eeb6b1" providerId="LiveId" clId="{EB06CDAE-BA54-4CFD-A2C4-E868AFB5EDFD}" dt="2024-06-08T15:59:48.213" v="10" actId="478"/>
+          <ac:cxnSpMkLst>
+            <pc:docMk/>
+            <pc:sldMk cId="4015253138" sldId="256"/>
+            <ac:cxnSpMk id="46" creationId="{6AD9733F-2383-6CE3-3226-EC89FB558ADD}"/>
+          </ac:cxnSpMkLst>
+        </pc:cxnChg>
+        <pc:cxnChg chg="mod">
+          <ac:chgData name="huang tiansheng" userId="ce404ce9b0eeb6b1" providerId="LiveId" clId="{EB06CDAE-BA54-4CFD-A2C4-E868AFB5EDFD}" dt="2024-06-08T15:59:48.213" v="10" actId="478"/>
+          <ac:cxnSpMkLst>
+            <pc:docMk/>
+            <pc:sldMk cId="4015253138" sldId="256"/>
+            <ac:cxnSpMk id="47" creationId="{614F653A-F505-C52D-28F3-233E97EBC5F2}"/>
+          </ac:cxnSpMkLst>
+        </pc:cxnChg>
+        <pc:cxnChg chg="mod">
+          <ac:chgData name="huang tiansheng" userId="ce404ce9b0eeb6b1" providerId="LiveId" clId="{EB06CDAE-BA54-4CFD-A2C4-E868AFB5EDFD}" dt="2024-06-08T15:59:48.213" v="10" actId="478"/>
+          <ac:cxnSpMkLst>
+            <pc:docMk/>
+            <pc:sldMk cId="4015253138" sldId="256"/>
+            <ac:cxnSpMk id="48" creationId="{C049BB09-30C2-823A-B60C-99EB08B7A765}"/>
+          </ac:cxnSpMkLst>
+        </pc:cxnChg>
+        <pc:cxnChg chg="mod">
+          <ac:chgData name="huang tiansheng" userId="ce404ce9b0eeb6b1" providerId="LiveId" clId="{EB06CDAE-BA54-4CFD-A2C4-E868AFB5EDFD}" dt="2024-06-08T15:59:48.213" v="10" actId="478"/>
+          <ac:cxnSpMkLst>
+            <pc:docMk/>
+            <pc:sldMk cId="4015253138" sldId="256"/>
+            <ac:cxnSpMk id="49" creationId="{E5D9BCA6-27FC-A3D6-A762-932A9F02D8DE}"/>
+          </ac:cxnSpMkLst>
+        </pc:cxnChg>
+        <pc:cxnChg chg="mod">
+          <ac:chgData name="huang tiansheng" userId="ce404ce9b0eeb6b1" providerId="LiveId" clId="{EB06CDAE-BA54-4CFD-A2C4-E868AFB5EDFD}" dt="2024-06-08T16:07:58.820" v="87" actId="208"/>
           <ac:cxnSpMkLst>
             <pc:docMk/>
             <pc:sldMk cId="4015253138" sldId="256"/>
@@ -3560,7 +3680,7 @@
           </ac:cxnSpMkLst>
         </pc:cxnChg>
         <pc:cxnChg chg="mod">
-          <ac:chgData name="tiansheng huang" userId="ce404ce9b0eeb6b1" providerId="LiveId" clId="{0FEE01C1-AAE0-4B6F-A070-B5523A5E5B07}" dt="2024-09-06T20:08:42.554" v="4" actId="478"/>
+          <ac:chgData name="huang tiansheng" userId="ce404ce9b0eeb6b1" providerId="LiveId" clId="{EB06CDAE-BA54-4CFD-A2C4-E868AFB5EDFD}" dt="2024-06-08T16:07:58.820" v="87" actId="208"/>
           <ac:cxnSpMkLst>
             <pc:docMk/>
             <pc:sldMk cId="4015253138" sldId="256"/>
@@ -3568,7 +3688,7 @@
           </ac:cxnSpMkLst>
         </pc:cxnChg>
         <pc:cxnChg chg="mod">
-          <ac:chgData name="tiansheng huang" userId="ce404ce9b0eeb6b1" providerId="LiveId" clId="{0FEE01C1-AAE0-4B6F-A070-B5523A5E5B07}" dt="2024-09-06T20:08:42.554" v="4" actId="478"/>
+          <ac:chgData name="huang tiansheng" userId="ce404ce9b0eeb6b1" providerId="LiveId" clId="{EB06CDAE-BA54-4CFD-A2C4-E868AFB5EDFD}" dt="2024-06-08T16:07:58.820" v="87" actId="208"/>
           <ac:cxnSpMkLst>
             <pc:docMk/>
             <pc:sldMk cId="4015253138" sldId="256"/>
@@ -3576,7 +3696,7 @@
           </ac:cxnSpMkLst>
         </pc:cxnChg>
         <pc:cxnChg chg="mod">
-          <ac:chgData name="tiansheng huang" userId="ce404ce9b0eeb6b1" providerId="LiveId" clId="{0FEE01C1-AAE0-4B6F-A070-B5523A5E5B07}" dt="2024-09-06T20:08:42.554" v="4" actId="478"/>
+          <ac:chgData name="huang tiansheng" userId="ce404ce9b0eeb6b1" providerId="LiveId" clId="{EB06CDAE-BA54-4CFD-A2C4-E868AFB5EDFD}" dt="2024-06-08T16:07:58.820" v="87" actId="208"/>
           <ac:cxnSpMkLst>
             <pc:docMk/>
             <pc:sldMk cId="4015253138" sldId="256"/>
@@ -3584,7 +3704,7 @@
           </ac:cxnSpMkLst>
         </pc:cxnChg>
         <pc:cxnChg chg="mod">
-          <ac:chgData name="tiansheng huang" userId="ce404ce9b0eeb6b1" providerId="LiveId" clId="{0FEE01C1-AAE0-4B6F-A070-B5523A5E5B07}" dt="2024-09-06T20:08:42.554" v="4" actId="478"/>
+          <ac:chgData name="huang tiansheng" userId="ce404ce9b0eeb6b1" providerId="LiveId" clId="{EB06CDAE-BA54-4CFD-A2C4-E868AFB5EDFD}" dt="2024-06-08T16:07:58.820" v="87" actId="208"/>
           <ac:cxnSpMkLst>
             <pc:docMk/>
             <pc:sldMk cId="4015253138" sldId="256"/>
@@ -3592,7 +3712,7 @@
           </ac:cxnSpMkLst>
         </pc:cxnChg>
         <pc:cxnChg chg="mod">
-          <ac:chgData name="tiansheng huang" userId="ce404ce9b0eeb6b1" providerId="LiveId" clId="{0FEE01C1-AAE0-4B6F-A070-B5523A5E5B07}" dt="2024-09-06T20:08:42.554" v="4" actId="478"/>
+          <ac:chgData name="huang tiansheng" userId="ce404ce9b0eeb6b1" providerId="LiveId" clId="{EB06CDAE-BA54-4CFD-A2C4-E868AFB5EDFD}" dt="2024-06-08T16:07:58.820" v="87" actId="208"/>
           <ac:cxnSpMkLst>
             <pc:docMk/>
             <pc:sldMk cId="4015253138" sldId="256"/>
@@ -3600,7 +3720,7 @@
           </ac:cxnSpMkLst>
         </pc:cxnChg>
         <pc:cxnChg chg="mod">
-          <ac:chgData name="tiansheng huang" userId="ce404ce9b0eeb6b1" providerId="LiveId" clId="{0FEE01C1-AAE0-4B6F-A070-B5523A5E5B07}" dt="2024-09-06T20:08:42.554" v="4" actId="478"/>
+          <ac:chgData name="huang tiansheng" userId="ce404ce9b0eeb6b1" providerId="LiveId" clId="{EB06CDAE-BA54-4CFD-A2C4-E868AFB5EDFD}" dt="2024-06-08T16:07:58.820" v="87" actId="208"/>
           <ac:cxnSpMkLst>
             <pc:docMk/>
             <pc:sldMk cId="4015253138" sldId="256"/>
@@ -3608,7 +3728,7 @@
           </ac:cxnSpMkLst>
         </pc:cxnChg>
         <pc:cxnChg chg="mod">
-          <ac:chgData name="tiansheng huang" userId="ce404ce9b0eeb6b1" providerId="LiveId" clId="{0FEE01C1-AAE0-4B6F-A070-B5523A5E5B07}" dt="2024-09-06T20:08:42.554" v="4" actId="478"/>
+          <ac:chgData name="huang tiansheng" userId="ce404ce9b0eeb6b1" providerId="LiveId" clId="{EB06CDAE-BA54-4CFD-A2C4-E868AFB5EDFD}" dt="2024-06-08T16:07:58.820" v="87" actId="208"/>
           <ac:cxnSpMkLst>
             <pc:docMk/>
             <pc:sldMk cId="4015253138" sldId="256"/>
@@ -3616,7 +3736,7 @@
           </ac:cxnSpMkLst>
         </pc:cxnChg>
         <pc:cxnChg chg="mod">
-          <ac:chgData name="tiansheng huang" userId="ce404ce9b0eeb6b1" providerId="LiveId" clId="{0FEE01C1-AAE0-4B6F-A070-B5523A5E5B07}" dt="2024-09-06T20:08:42.554" v="4" actId="478"/>
+          <ac:chgData name="huang tiansheng" userId="ce404ce9b0eeb6b1" providerId="LiveId" clId="{EB06CDAE-BA54-4CFD-A2C4-E868AFB5EDFD}" dt="2024-06-08T16:07:58.820" v="87" actId="208"/>
           <ac:cxnSpMkLst>
             <pc:docMk/>
             <pc:sldMk cId="4015253138" sldId="256"/>
@@ -3624,7 +3744,7 @@
           </ac:cxnSpMkLst>
         </pc:cxnChg>
         <pc:cxnChg chg="mod">
-          <ac:chgData name="tiansheng huang" userId="ce404ce9b0eeb6b1" providerId="LiveId" clId="{0FEE01C1-AAE0-4B6F-A070-B5523A5E5B07}" dt="2024-09-06T20:08:42.554" v="4" actId="478"/>
+          <ac:chgData name="huang tiansheng" userId="ce404ce9b0eeb6b1" providerId="LiveId" clId="{EB06CDAE-BA54-4CFD-A2C4-E868AFB5EDFD}" dt="2024-06-08T16:07:58.820" v="87" actId="208"/>
           <ac:cxnSpMkLst>
             <pc:docMk/>
             <pc:sldMk cId="4015253138" sldId="256"/>
@@ -3632,7 +3752,7 @@
           </ac:cxnSpMkLst>
         </pc:cxnChg>
         <pc:cxnChg chg="mod">
-          <ac:chgData name="tiansheng huang" userId="ce404ce9b0eeb6b1" providerId="LiveId" clId="{0FEE01C1-AAE0-4B6F-A070-B5523A5E5B07}" dt="2024-09-06T20:08:42.554" v="4" actId="478"/>
+          <ac:chgData name="huang tiansheng" userId="ce404ce9b0eeb6b1" providerId="LiveId" clId="{EB06CDAE-BA54-4CFD-A2C4-E868AFB5EDFD}" dt="2024-06-08T16:07:58.820" v="87" actId="208"/>
           <ac:cxnSpMkLst>
             <pc:docMk/>
             <pc:sldMk cId="4015253138" sldId="256"/>
@@ -3640,23 +3760,31 @@
           </ac:cxnSpMkLst>
         </pc:cxnChg>
         <pc:cxnChg chg="mod">
-          <ac:chgData name="tiansheng huang" userId="ce404ce9b0eeb6b1" providerId="LiveId" clId="{0FEE01C1-AAE0-4B6F-A070-B5523A5E5B07}" dt="2024-09-06T20:08:42.554" v="4" actId="478"/>
+          <ac:chgData name="huang tiansheng" userId="ce404ce9b0eeb6b1" providerId="LiveId" clId="{EB06CDAE-BA54-4CFD-A2C4-E868AFB5EDFD}" dt="2024-06-08T16:07:58.820" v="87" actId="208"/>
           <ac:cxnSpMkLst>
             <pc:docMk/>
             <pc:sldMk cId="4015253138" sldId="256"/>
             <ac:cxnSpMk id="73" creationId="{E42E81D7-9314-ED5A-8DEE-E53805173EF9}"/>
           </ac:cxnSpMkLst>
         </pc:cxnChg>
-        <pc:cxnChg chg="del">
-          <ac:chgData name="tiansheng huang" userId="ce404ce9b0eeb6b1" providerId="LiveId" clId="{0FEE01C1-AAE0-4B6F-A070-B5523A5E5B07}" dt="2024-09-06T20:08:42.554" v="4" actId="478"/>
+        <pc:cxnChg chg="add mod topLvl">
+          <ac:chgData name="huang tiansheng" userId="ce404ce9b0eeb6b1" providerId="LiveId" clId="{EB06CDAE-BA54-4CFD-A2C4-E868AFB5EDFD}" dt="2024-06-08T16:09:42.807" v="128" actId="1076"/>
           <ac:cxnSpMkLst>
             <pc:docMk/>
             <pc:sldMk cId="4015253138" sldId="256"/>
             <ac:cxnSpMk id="75" creationId="{CAB7428F-A3C3-1091-735A-9AD4EBDE12D3}"/>
           </ac:cxnSpMkLst>
         </pc:cxnChg>
-        <pc:cxnChg chg="mod">
-          <ac:chgData name="tiansheng huang" userId="ce404ce9b0eeb6b1" providerId="LiveId" clId="{0FEE01C1-AAE0-4B6F-A070-B5523A5E5B07}" dt="2024-09-06T20:08:42.554" v="4" actId="478"/>
+        <pc:cxnChg chg="add del mod">
+          <ac:chgData name="huang tiansheng" userId="ce404ce9b0eeb6b1" providerId="LiveId" clId="{EB06CDAE-BA54-4CFD-A2C4-E868AFB5EDFD}" dt="2024-06-08T15:59:48.213" v="10" actId="478"/>
+          <ac:cxnSpMkLst>
+            <pc:docMk/>
+            <pc:sldMk cId="4015253138" sldId="256"/>
+            <ac:cxnSpMk id="83" creationId="{395F7960-8713-A35F-04D7-8E43ABBBA8DF}"/>
+          </ac:cxnSpMkLst>
+        </pc:cxnChg>
+        <pc:cxnChg chg="mod">
+          <ac:chgData name="huang tiansheng" userId="ce404ce9b0eeb6b1" providerId="LiveId" clId="{EB06CDAE-BA54-4CFD-A2C4-E868AFB5EDFD}" dt="2024-06-08T16:07:51.374" v="86" actId="165"/>
           <ac:cxnSpMkLst>
             <pc:docMk/>
             <pc:sldMk cId="4015253138" sldId="256"/>
@@ -3664,7 +3792,7 @@
           </ac:cxnSpMkLst>
         </pc:cxnChg>
         <pc:cxnChg chg="mod">
-          <ac:chgData name="tiansheng huang" userId="ce404ce9b0eeb6b1" providerId="LiveId" clId="{0FEE01C1-AAE0-4B6F-A070-B5523A5E5B07}" dt="2024-09-06T20:08:42.554" v="4" actId="478"/>
+          <ac:chgData name="huang tiansheng" userId="ce404ce9b0eeb6b1" providerId="LiveId" clId="{EB06CDAE-BA54-4CFD-A2C4-E868AFB5EDFD}" dt="2024-06-08T16:07:51.374" v="86" actId="165"/>
           <ac:cxnSpMkLst>
             <pc:docMk/>
             <pc:sldMk cId="4015253138" sldId="256"/>
@@ -3672,7 +3800,7 @@
           </ac:cxnSpMkLst>
         </pc:cxnChg>
         <pc:cxnChg chg="mod">
-          <ac:chgData name="tiansheng huang" userId="ce404ce9b0eeb6b1" providerId="LiveId" clId="{0FEE01C1-AAE0-4B6F-A070-B5523A5E5B07}" dt="2024-09-06T20:08:42.554" v="4" actId="478"/>
+          <ac:chgData name="huang tiansheng" userId="ce404ce9b0eeb6b1" providerId="LiveId" clId="{EB06CDAE-BA54-4CFD-A2C4-E868AFB5EDFD}" dt="2024-06-08T16:26:55.873" v="285" actId="208"/>
           <ac:cxnSpMkLst>
             <pc:docMk/>
             <pc:sldMk cId="4015253138" sldId="256"/>
@@ -3680,7 +3808,7 @@
           </ac:cxnSpMkLst>
         </pc:cxnChg>
         <pc:cxnChg chg="mod">
-          <ac:chgData name="tiansheng huang" userId="ce404ce9b0eeb6b1" providerId="LiveId" clId="{0FEE01C1-AAE0-4B6F-A070-B5523A5E5B07}" dt="2024-09-06T20:08:42.554" v="4" actId="478"/>
+          <ac:chgData name="huang tiansheng" userId="ce404ce9b0eeb6b1" providerId="LiveId" clId="{EB06CDAE-BA54-4CFD-A2C4-E868AFB5EDFD}" dt="2024-06-08T16:07:51.374" v="86" actId="165"/>
           <ac:cxnSpMkLst>
             <pc:docMk/>
             <pc:sldMk cId="4015253138" sldId="256"/>
@@ -3688,7 +3816,7 @@
           </ac:cxnSpMkLst>
         </pc:cxnChg>
         <pc:cxnChg chg="mod">
-          <ac:chgData name="tiansheng huang" userId="ce404ce9b0eeb6b1" providerId="LiveId" clId="{0FEE01C1-AAE0-4B6F-A070-B5523A5E5B07}" dt="2024-09-06T20:08:42.554" v="4" actId="478"/>
+          <ac:chgData name="huang tiansheng" userId="ce404ce9b0eeb6b1" providerId="LiveId" clId="{EB06CDAE-BA54-4CFD-A2C4-E868AFB5EDFD}" dt="2024-06-08T16:26:55.873" v="285" actId="208"/>
           <ac:cxnSpMkLst>
             <pc:docMk/>
             <pc:sldMk cId="4015253138" sldId="256"/>
@@ -3696,7 +3824,7 @@
           </ac:cxnSpMkLst>
         </pc:cxnChg>
         <pc:cxnChg chg="mod">
-          <ac:chgData name="tiansheng huang" userId="ce404ce9b0eeb6b1" providerId="LiveId" clId="{0FEE01C1-AAE0-4B6F-A070-B5523A5E5B07}" dt="2024-09-06T20:08:42.554" v="4" actId="478"/>
+          <ac:chgData name="huang tiansheng" userId="ce404ce9b0eeb6b1" providerId="LiveId" clId="{EB06CDAE-BA54-4CFD-A2C4-E868AFB5EDFD}" dt="2024-06-08T16:07:51.374" v="86" actId="165"/>
           <ac:cxnSpMkLst>
             <pc:docMk/>
             <pc:sldMk cId="4015253138" sldId="256"/>
@@ -3704,7 +3832,7 @@
           </ac:cxnSpMkLst>
         </pc:cxnChg>
         <pc:cxnChg chg="mod">
-          <ac:chgData name="tiansheng huang" userId="ce404ce9b0eeb6b1" providerId="LiveId" clId="{0FEE01C1-AAE0-4B6F-A070-B5523A5E5B07}" dt="2024-09-06T20:08:42.554" v="4" actId="478"/>
+          <ac:chgData name="huang tiansheng" userId="ce404ce9b0eeb6b1" providerId="LiveId" clId="{EB06CDAE-BA54-4CFD-A2C4-E868AFB5EDFD}" dt="2024-06-08T16:07:51.374" v="86" actId="165"/>
           <ac:cxnSpMkLst>
             <pc:docMk/>
             <pc:sldMk cId="4015253138" sldId="256"/>
@@ -3712,7 +3840,7 @@
           </ac:cxnSpMkLst>
         </pc:cxnChg>
         <pc:cxnChg chg="mod">
-          <ac:chgData name="tiansheng huang" userId="ce404ce9b0eeb6b1" providerId="LiveId" clId="{0FEE01C1-AAE0-4B6F-A070-B5523A5E5B07}" dt="2024-09-06T20:08:42.554" v="4" actId="478"/>
+          <ac:chgData name="huang tiansheng" userId="ce404ce9b0eeb6b1" providerId="LiveId" clId="{EB06CDAE-BA54-4CFD-A2C4-E868AFB5EDFD}" dt="2024-06-08T16:07:51.374" v="86" actId="165"/>
           <ac:cxnSpMkLst>
             <pc:docMk/>
             <pc:sldMk cId="4015253138" sldId="256"/>
@@ -3720,7 +3848,7 @@
           </ac:cxnSpMkLst>
         </pc:cxnChg>
         <pc:cxnChg chg="mod">
-          <ac:chgData name="tiansheng huang" userId="ce404ce9b0eeb6b1" providerId="LiveId" clId="{0FEE01C1-AAE0-4B6F-A070-B5523A5E5B07}" dt="2024-09-06T20:08:42.554" v="4" actId="478"/>
+          <ac:chgData name="huang tiansheng" userId="ce404ce9b0eeb6b1" providerId="LiveId" clId="{EB06CDAE-BA54-4CFD-A2C4-E868AFB5EDFD}" dt="2024-06-08T16:07:51.374" v="86" actId="165"/>
           <ac:cxnSpMkLst>
             <pc:docMk/>
             <pc:sldMk cId="4015253138" sldId="256"/>
@@ -3728,7 +3856,7 @@
           </ac:cxnSpMkLst>
         </pc:cxnChg>
         <pc:cxnChg chg="mod">
-          <ac:chgData name="tiansheng huang" userId="ce404ce9b0eeb6b1" providerId="LiveId" clId="{0FEE01C1-AAE0-4B6F-A070-B5523A5E5B07}" dt="2024-09-06T20:08:42.554" v="4" actId="478"/>
+          <ac:chgData name="huang tiansheng" userId="ce404ce9b0eeb6b1" providerId="LiveId" clId="{EB06CDAE-BA54-4CFD-A2C4-E868AFB5EDFD}" dt="2024-06-08T16:07:51.374" v="86" actId="165"/>
           <ac:cxnSpMkLst>
             <pc:docMk/>
             <pc:sldMk cId="4015253138" sldId="256"/>
@@ -3736,7 +3864,7 @@
           </ac:cxnSpMkLst>
         </pc:cxnChg>
         <pc:cxnChg chg="mod">
-          <ac:chgData name="tiansheng huang" userId="ce404ce9b0eeb6b1" providerId="LiveId" clId="{0FEE01C1-AAE0-4B6F-A070-B5523A5E5B07}" dt="2024-09-06T20:08:42.554" v="4" actId="478"/>
+          <ac:chgData name="huang tiansheng" userId="ce404ce9b0eeb6b1" providerId="LiveId" clId="{EB06CDAE-BA54-4CFD-A2C4-E868AFB5EDFD}" dt="2024-06-08T16:07:51.374" v="86" actId="165"/>
           <ac:cxnSpMkLst>
             <pc:docMk/>
             <pc:sldMk cId="4015253138" sldId="256"/>
@@ -3744,19 +3872,115 @@
           </ac:cxnSpMkLst>
         </pc:cxnChg>
         <pc:cxnChg chg="mod">
-          <ac:chgData name="tiansheng huang" userId="ce404ce9b0eeb6b1" providerId="LiveId" clId="{0FEE01C1-AAE0-4B6F-A070-B5523A5E5B07}" dt="2024-09-06T20:08:42.554" v="4" actId="478"/>
+          <ac:chgData name="huang tiansheng" userId="ce404ce9b0eeb6b1" providerId="LiveId" clId="{EB06CDAE-BA54-4CFD-A2C4-E868AFB5EDFD}" dt="2024-06-08T16:07:51.374" v="86" actId="165"/>
           <ac:cxnSpMkLst>
             <pc:docMk/>
             <pc:sldMk cId="4015253138" sldId="256"/>
             <ac:cxnSpMk id="110" creationId="{990E3239-E754-9FA1-9B00-A52B073558DB}"/>
           </ac:cxnSpMkLst>
         </pc:cxnChg>
-        <pc:cxnChg chg="add mod">
-          <ac:chgData name="tiansheng huang" userId="ce404ce9b0eeb6b1" providerId="LiveId" clId="{0FEE01C1-AAE0-4B6F-A070-B5523A5E5B07}" dt="2024-09-06T20:54:55.991" v="914" actId="14100"/>
-          <ac:cxnSpMkLst>
-            <pc:docMk/>
-            <pc:sldMk cId="4015253138" sldId="256"/>
-            <ac:cxnSpMk id="126" creationId="{18C3C9CE-9599-C74F-5854-5095A8762CC3}"/>
+        <pc:cxnChg chg="mod">
+          <ac:chgData name="huang tiansheng" userId="ce404ce9b0eeb6b1" providerId="LiveId" clId="{EB06CDAE-BA54-4CFD-A2C4-E868AFB5EDFD}" dt="2024-06-08T16:07:51.374" v="86" actId="165"/>
+          <ac:cxnSpMkLst>
+            <pc:docMk/>
+            <pc:sldMk cId="4015253138" sldId="256"/>
+            <ac:cxnSpMk id="121" creationId="{09C26D04-E15C-FF32-CCF3-0ACAC8358358}"/>
+          </ac:cxnSpMkLst>
+        </pc:cxnChg>
+        <pc:cxnChg chg="mod">
+          <ac:chgData name="huang tiansheng" userId="ce404ce9b0eeb6b1" providerId="LiveId" clId="{EB06CDAE-BA54-4CFD-A2C4-E868AFB5EDFD}" dt="2024-06-08T16:07:51.374" v="86" actId="165"/>
+          <ac:cxnSpMkLst>
+            <pc:docMk/>
+            <pc:sldMk cId="4015253138" sldId="256"/>
+            <ac:cxnSpMk id="122" creationId="{FC8204D6-082E-E4A7-B9B5-28D617F7A2AB}"/>
+          </ac:cxnSpMkLst>
+        </pc:cxnChg>
+        <pc:cxnChg chg="mod">
+          <ac:chgData name="huang tiansheng" userId="ce404ce9b0eeb6b1" providerId="LiveId" clId="{EB06CDAE-BA54-4CFD-A2C4-E868AFB5EDFD}" dt="2024-06-08T16:27:04.999" v="286" actId="208"/>
+          <ac:cxnSpMkLst>
+            <pc:docMk/>
+            <pc:sldMk cId="4015253138" sldId="256"/>
+            <ac:cxnSpMk id="123" creationId="{246D734E-1867-D9D3-26D6-FF75449FF0C0}"/>
+          </ac:cxnSpMkLst>
+        </pc:cxnChg>
+        <pc:cxnChg chg="mod">
+          <ac:chgData name="huang tiansheng" userId="ce404ce9b0eeb6b1" providerId="LiveId" clId="{EB06CDAE-BA54-4CFD-A2C4-E868AFB5EDFD}" dt="2024-06-08T16:07:51.374" v="86" actId="165"/>
+          <ac:cxnSpMkLst>
+            <pc:docMk/>
+            <pc:sldMk cId="4015253138" sldId="256"/>
+            <ac:cxnSpMk id="124" creationId="{CA2C5229-9CB2-0C34-E86B-1F5A535EF1C3}"/>
+          </ac:cxnSpMkLst>
+        </pc:cxnChg>
+        <pc:cxnChg chg="mod">
+          <ac:chgData name="huang tiansheng" userId="ce404ce9b0eeb6b1" providerId="LiveId" clId="{EB06CDAE-BA54-4CFD-A2C4-E868AFB5EDFD}" dt="2024-06-08T16:27:04.999" v="286" actId="208"/>
+          <ac:cxnSpMkLst>
+            <pc:docMk/>
+            <pc:sldMk cId="4015253138" sldId="256"/>
+            <ac:cxnSpMk id="125" creationId="{A1516E23-943B-1682-0F72-3690BC6AF2BF}"/>
+          </ac:cxnSpMkLst>
+        </pc:cxnChg>
+        <pc:cxnChg chg="mod">
+          <ac:chgData name="huang tiansheng" userId="ce404ce9b0eeb6b1" providerId="LiveId" clId="{EB06CDAE-BA54-4CFD-A2C4-E868AFB5EDFD}" dt="2024-06-08T16:07:51.374" v="86" actId="165"/>
+          <ac:cxnSpMkLst>
+            <pc:docMk/>
+            <pc:sldMk cId="4015253138" sldId="256"/>
+            <ac:cxnSpMk id="126" creationId="{F65FD189-4A01-D6A2-796F-5E0625EA4D8F}"/>
+          </ac:cxnSpMkLst>
+        </pc:cxnChg>
+        <pc:cxnChg chg="mod">
+          <ac:chgData name="huang tiansheng" userId="ce404ce9b0eeb6b1" providerId="LiveId" clId="{EB06CDAE-BA54-4CFD-A2C4-E868AFB5EDFD}" dt="2024-06-08T16:07:51.374" v="86" actId="165"/>
+          <ac:cxnSpMkLst>
+            <pc:docMk/>
+            <pc:sldMk cId="4015253138" sldId="256"/>
+            <ac:cxnSpMk id="127" creationId="{7FD982D0-ECB0-4DEF-CA3B-063C062D39F0}"/>
+          </ac:cxnSpMkLst>
+        </pc:cxnChg>
+        <pc:cxnChg chg="mod">
+          <ac:chgData name="huang tiansheng" userId="ce404ce9b0eeb6b1" providerId="LiveId" clId="{EB06CDAE-BA54-4CFD-A2C4-E868AFB5EDFD}" dt="2024-06-08T16:07:51.374" v="86" actId="165"/>
+          <ac:cxnSpMkLst>
+            <pc:docMk/>
+            <pc:sldMk cId="4015253138" sldId="256"/>
+            <ac:cxnSpMk id="128" creationId="{1ACFE99D-431D-7C42-BA10-2C7371F6EC24}"/>
+          </ac:cxnSpMkLst>
+        </pc:cxnChg>
+        <pc:cxnChg chg="mod">
+          <ac:chgData name="huang tiansheng" userId="ce404ce9b0eeb6b1" providerId="LiveId" clId="{EB06CDAE-BA54-4CFD-A2C4-E868AFB5EDFD}" dt="2024-06-08T16:07:51.374" v="86" actId="165"/>
+          <ac:cxnSpMkLst>
+            <pc:docMk/>
+            <pc:sldMk cId="4015253138" sldId="256"/>
+            <ac:cxnSpMk id="129" creationId="{A39FE95D-FAA2-9F31-0F0B-BAFEC157CC93}"/>
+          </ac:cxnSpMkLst>
+        </pc:cxnChg>
+        <pc:cxnChg chg="mod">
+          <ac:chgData name="huang tiansheng" userId="ce404ce9b0eeb6b1" providerId="LiveId" clId="{EB06CDAE-BA54-4CFD-A2C4-E868AFB5EDFD}" dt="2024-06-08T16:07:51.374" v="86" actId="165"/>
+          <ac:cxnSpMkLst>
+            <pc:docMk/>
+            <pc:sldMk cId="4015253138" sldId="256"/>
+            <ac:cxnSpMk id="130" creationId="{F423EE80-77C0-73E8-6321-BA8E1A282DF6}"/>
+          </ac:cxnSpMkLst>
+        </pc:cxnChg>
+        <pc:cxnChg chg="mod">
+          <ac:chgData name="huang tiansheng" userId="ce404ce9b0eeb6b1" providerId="LiveId" clId="{EB06CDAE-BA54-4CFD-A2C4-E868AFB5EDFD}" dt="2024-06-08T16:07:51.374" v="86" actId="165"/>
+          <ac:cxnSpMkLst>
+            <pc:docMk/>
+            <pc:sldMk cId="4015253138" sldId="256"/>
+            <ac:cxnSpMk id="131" creationId="{BD3BE1EF-8831-7B9E-CAD3-0C31B52F38F1}"/>
+          </ac:cxnSpMkLst>
+        </pc:cxnChg>
+        <pc:cxnChg chg="mod">
+          <ac:chgData name="huang tiansheng" userId="ce404ce9b0eeb6b1" providerId="LiveId" clId="{EB06CDAE-BA54-4CFD-A2C4-E868AFB5EDFD}" dt="2024-06-08T16:07:51.374" v="86" actId="165"/>
+          <ac:cxnSpMkLst>
+            <pc:docMk/>
+            <pc:sldMk cId="4015253138" sldId="256"/>
+            <ac:cxnSpMk id="132" creationId="{F64F439F-D15A-5314-BDFC-E60025086A06}"/>
+          </ac:cxnSpMkLst>
+        </pc:cxnChg>
+        <pc:cxnChg chg="add mod topLvl">
+          <ac:chgData name="huang tiansheng" userId="ce404ce9b0eeb6b1" providerId="LiveId" clId="{EB06CDAE-BA54-4CFD-A2C4-E868AFB5EDFD}" dt="2024-06-08T16:09:42.807" v="128" actId="1076"/>
+          <ac:cxnSpMkLst>
+            <pc:docMk/>
+            <pc:sldMk cId="4015253138" sldId="256"/>
+            <ac:cxnSpMk id="135" creationId="{3ADC759A-B5F8-D282-CA0E-951E5408A76F}"/>
           </ac:cxnSpMkLst>
         </pc:cxnChg>
       </pc:sldChg>
@@ -3912,7 +4136,7 @@
           <a:p>
             <a:fld id="{8315F9CF-077E-4301-9370-6DC678D02C5F}" type="datetimeFigureOut">
               <a:rPr lang="zh-CN" altLang="en-US" smtClean="0"/>
-              <a:t>2024/10/21</a:t>
+              <a:t>2024/12/03</a:t>
             </a:fld>
             <a:endParaRPr lang="zh-CN" altLang="en-US"/>
           </a:p>
@@ -4110,7 +4334,7 @@
           <a:p>
             <a:fld id="{8315F9CF-077E-4301-9370-6DC678D02C5F}" type="datetimeFigureOut">
               <a:rPr lang="zh-CN" altLang="en-US" smtClean="0"/>
-              <a:t>2024/10/21</a:t>
+              <a:t>2024/12/03</a:t>
             </a:fld>
             <a:endParaRPr lang="zh-CN" altLang="en-US"/>
           </a:p>
@@ -4318,7 +4542,7 @@
           <a:p>
             <a:fld id="{8315F9CF-077E-4301-9370-6DC678D02C5F}" type="datetimeFigureOut">
               <a:rPr lang="zh-CN" altLang="en-US" smtClean="0"/>
-              <a:t>2024/10/21</a:t>
+              <a:t>2024/12/03</a:t>
             </a:fld>
             <a:endParaRPr lang="zh-CN" altLang="en-US"/>
           </a:p>
@@ -4516,7 +4740,7 @@
           <a:p>
             <a:fld id="{8315F9CF-077E-4301-9370-6DC678D02C5F}" type="datetimeFigureOut">
               <a:rPr lang="zh-CN" altLang="en-US" smtClean="0"/>
-              <a:t>2024/10/21</a:t>
+              <a:t>2024/12/03</a:t>
             </a:fld>
             <a:endParaRPr lang="zh-CN" altLang="en-US"/>
           </a:p>
@@ -4791,7 +5015,7 @@
           <a:p>
             <a:fld id="{8315F9CF-077E-4301-9370-6DC678D02C5F}" type="datetimeFigureOut">
               <a:rPr lang="zh-CN" altLang="en-US" smtClean="0"/>
-              <a:t>2024/10/21</a:t>
+              <a:t>2024/12/03</a:t>
             </a:fld>
             <a:endParaRPr lang="zh-CN" altLang="en-US"/>
           </a:p>
@@ -5056,7 +5280,7 @@
           <a:p>
             <a:fld id="{8315F9CF-077E-4301-9370-6DC678D02C5F}" type="datetimeFigureOut">
               <a:rPr lang="zh-CN" altLang="en-US" smtClean="0"/>
-              <a:t>2024/10/21</a:t>
+              <a:t>2024/12/03</a:t>
             </a:fld>
             <a:endParaRPr lang="zh-CN" altLang="en-US"/>
           </a:p>
@@ -5468,7 +5692,7 @@
           <a:p>
             <a:fld id="{8315F9CF-077E-4301-9370-6DC678D02C5F}" type="datetimeFigureOut">
               <a:rPr lang="zh-CN" altLang="en-US" smtClean="0"/>
-              <a:t>2024/10/21</a:t>
+              <a:t>2024/12/03</a:t>
             </a:fld>
             <a:endParaRPr lang="zh-CN" altLang="en-US"/>
           </a:p>
@@ -5609,7 +5833,7 @@
           <a:p>
             <a:fld id="{8315F9CF-077E-4301-9370-6DC678D02C5F}" type="datetimeFigureOut">
               <a:rPr lang="zh-CN" altLang="en-US" smtClean="0"/>
-              <a:t>2024/10/21</a:t>
+              <a:t>2024/12/03</a:t>
             </a:fld>
             <a:endParaRPr lang="zh-CN" altLang="en-US"/>
           </a:p>
@@ -5722,7 +5946,7 @@
           <a:p>
             <a:fld id="{8315F9CF-077E-4301-9370-6DC678D02C5F}" type="datetimeFigureOut">
               <a:rPr lang="zh-CN" altLang="en-US" smtClean="0"/>
-              <a:t>2024/10/21</a:t>
+              <a:t>2024/12/03</a:t>
             </a:fld>
             <a:endParaRPr lang="zh-CN" altLang="en-US"/>
           </a:p>
@@ -6033,7 +6257,7 @@
           <a:p>
             <a:fld id="{8315F9CF-077E-4301-9370-6DC678D02C5F}" type="datetimeFigureOut">
               <a:rPr lang="zh-CN" altLang="en-US" smtClean="0"/>
-              <a:t>2024/10/21</a:t>
+              <a:t>2024/12/03</a:t>
             </a:fld>
             <a:endParaRPr lang="zh-CN" altLang="en-US"/>
           </a:p>
@@ -6321,7 +6545,7 @@
           <a:p>
             <a:fld id="{8315F9CF-077E-4301-9370-6DC678D02C5F}" type="datetimeFigureOut">
               <a:rPr lang="zh-CN" altLang="en-US" smtClean="0"/>
-              <a:t>2024/10/21</a:t>
+              <a:t>2024/12/03</a:t>
             </a:fld>
             <a:endParaRPr lang="zh-CN" altLang="en-US"/>
           </a:p>
@@ -6562,7 +6786,7 @@
           <a:p>
             <a:fld id="{8315F9CF-077E-4301-9370-6DC678D02C5F}" type="datetimeFigureOut">
               <a:rPr lang="zh-CN" altLang="en-US" smtClean="0"/>
-              <a:t>2024/10/21</a:t>
+              <a:t>2024/12/03</a:t>
             </a:fld>
             <a:endParaRPr lang="zh-CN" altLang="en-US"/>
           </a:p>
@@ -6979,697 +7203,6 @@
           <a:chExt cx="0" cy="0"/>
         </a:xfrm>
       </p:grpSpPr>
-      <p:pic>
-        <p:nvPicPr>
-          <p:cNvPr id="36" name="图片 35" descr="图标&#10;&#10;描述已自动生成">
-            <a:extLst>
-              <a:ext uri="{FF2B5EF4-FFF2-40B4-BE49-F238E27FC236}">
-                <a16:creationId xmlns:a16="http://schemas.microsoft.com/office/drawing/2014/main" id="{F1A2BCCA-E415-10E2-DC25-0D06B157BD3E}"/>
-              </a:ext>
-            </a:extLst>
-          </p:cNvPr>
-          <p:cNvPicPr>
-            <a:picLocks noChangeAspect="1"/>
-          </p:cNvPicPr>
-          <p:nvPr/>
-        </p:nvPicPr>
-        <p:blipFill>
-          <a:blip r:embed="rId2">
-            <a:extLst>
-              <a:ext uri="{28A0092B-C50C-407E-A947-70E740481C1C}">
-                <a14:useLocalDpi xmlns:a14="http://schemas.microsoft.com/office/drawing/2010/main" val="0"/>
-              </a:ext>
-            </a:extLst>
-          </a:blip>
-          <a:stretch>
-            <a:fillRect/>
-          </a:stretch>
-        </p:blipFill>
-        <p:spPr>
-          <a:xfrm>
-            <a:off x="2487616" y="4453049"/>
-            <a:ext cx="792859" cy="792859"/>
-          </a:xfrm>
-          <a:prstGeom prst="rect">
-            <a:avLst/>
-          </a:prstGeom>
-        </p:spPr>
-      </p:pic>
-      <p:pic>
-        <p:nvPicPr>
-          <p:cNvPr id="39" name="图片 38" descr="形状&#10;&#10;低可信度描述已自动生成">
-            <a:extLst>
-              <a:ext uri="{FF2B5EF4-FFF2-40B4-BE49-F238E27FC236}">
-                <a16:creationId xmlns:a16="http://schemas.microsoft.com/office/drawing/2014/main" id="{CE1032F7-9290-71AB-C7CE-7AC78606671F}"/>
-              </a:ext>
-            </a:extLst>
-          </p:cNvPr>
-          <p:cNvPicPr>
-            <a:picLocks noChangeAspect="1"/>
-          </p:cNvPicPr>
-          <p:nvPr/>
-        </p:nvPicPr>
-        <p:blipFill>
-          <a:blip r:embed="rId3">
-            <a:extLst>
-              <a:ext uri="{28A0092B-C50C-407E-A947-70E740481C1C}">
-                <a14:useLocalDpi xmlns:a14="http://schemas.microsoft.com/office/drawing/2010/main" val="0"/>
-              </a:ext>
-            </a:extLst>
-          </a:blip>
-          <a:stretch>
-            <a:fillRect/>
-          </a:stretch>
-        </p:blipFill>
-        <p:spPr>
-          <a:xfrm rot="20499753">
-            <a:off x="2076829" y="2866154"/>
-            <a:ext cx="1210210" cy="1210210"/>
-          </a:xfrm>
-          <a:prstGeom prst="rect">
-            <a:avLst/>
-          </a:prstGeom>
-        </p:spPr>
-      </p:pic>
-      <p:sp>
-        <p:nvSpPr>
-          <p:cNvPr id="40" name="矩形: 圆角 39">
-            <a:extLst>
-              <a:ext uri="{FF2B5EF4-FFF2-40B4-BE49-F238E27FC236}">
-                <a16:creationId xmlns:a16="http://schemas.microsoft.com/office/drawing/2014/main" id="{12DF6A62-8EE1-AED0-10CA-01399C7CDCA6}"/>
-              </a:ext>
-            </a:extLst>
-          </p:cNvPr>
-          <p:cNvSpPr/>
-          <p:nvPr/>
-        </p:nvSpPr>
-        <p:spPr>
-          <a:xfrm>
-            <a:off x="2188723" y="728284"/>
-            <a:ext cx="7662117" cy="2395344"/>
-          </a:xfrm>
-          <a:prstGeom prst="roundRect">
-            <a:avLst/>
-          </a:prstGeom>
-          <a:noFill/>
-        </p:spPr>
-        <p:style>
-          <a:lnRef idx="2">
-            <a:schemeClr val="accent1">
-              <a:shade val="15000"/>
-            </a:schemeClr>
-          </a:lnRef>
-          <a:fillRef idx="1">
-            <a:schemeClr val="accent1"/>
-          </a:fillRef>
-          <a:effectRef idx="0">
-            <a:schemeClr val="accent1"/>
-          </a:effectRef>
-          <a:fontRef idx="minor">
-            <a:schemeClr val="lt1"/>
-          </a:fontRef>
-        </p:style>
-        <p:txBody>
-          <a:bodyPr rtlCol="0" anchor="ctr"/>
-          <a:lstStyle/>
-          <a:p>
-            <a:pPr algn="ctr"/>
-            <a:endParaRPr lang="zh-CN" altLang="en-US"/>
-          </a:p>
-        </p:txBody>
-      </p:sp>
-      <p:pic>
-        <p:nvPicPr>
-          <p:cNvPr id="43" name="图片 42" descr="图标&#10;&#10;描述已自动生成">
-            <a:extLst>
-              <a:ext uri="{FF2B5EF4-FFF2-40B4-BE49-F238E27FC236}">
-                <a16:creationId xmlns:a16="http://schemas.microsoft.com/office/drawing/2014/main" id="{817AAFF6-81F4-8480-7CBE-CE6C9A3E86DD}"/>
-              </a:ext>
-            </a:extLst>
-          </p:cNvPr>
-          <p:cNvPicPr>
-            <a:picLocks noChangeAspect="1"/>
-          </p:cNvPicPr>
-          <p:nvPr/>
-        </p:nvPicPr>
-        <p:blipFill>
-          <a:blip r:embed="rId4">
-            <a:extLst>
-              <a:ext uri="{28A0092B-C50C-407E-A947-70E740481C1C}">
-                <a14:useLocalDpi xmlns:a14="http://schemas.microsoft.com/office/drawing/2010/main" val="0"/>
-              </a:ext>
-            </a:extLst>
-          </a:blip>
-          <a:stretch>
-            <a:fillRect/>
-          </a:stretch>
-        </p:blipFill>
-        <p:spPr>
-          <a:xfrm>
-            <a:off x="5629616" y="1685931"/>
-            <a:ext cx="1003933" cy="1003933"/>
-          </a:xfrm>
-          <a:prstGeom prst="rect">
-            <a:avLst/>
-          </a:prstGeom>
-        </p:spPr>
-      </p:pic>
-      <p:pic>
-        <p:nvPicPr>
-          <p:cNvPr id="47" name="图片 46">
-            <a:extLst>
-              <a:ext uri="{FF2B5EF4-FFF2-40B4-BE49-F238E27FC236}">
-                <a16:creationId xmlns:a16="http://schemas.microsoft.com/office/drawing/2014/main" id="{33E56DCE-62BC-891D-DBAB-205510C11756}"/>
-              </a:ext>
-            </a:extLst>
-          </p:cNvPr>
-          <p:cNvPicPr>
-            <a:picLocks noChangeAspect="1"/>
-          </p:cNvPicPr>
-          <p:nvPr/>
-        </p:nvPicPr>
-        <p:blipFill>
-          <a:blip r:embed="rId5"/>
-          <a:stretch>
-            <a:fillRect/>
-          </a:stretch>
-        </p:blipFill>
-        <p:spPr>
-          <a:xfrm>
-            <a:off x="8338964" y="1612092"/>
-            <a:ext cx="634805" cy="1150096"/>
-          </a:xfrm>
-          <a:prstGeom prst="rect">
-            <a:avLst/>
-          </a:prstGeom>
-        </p:spPr>
-      </p:pic>
-      <p:sp>
-        <p:nvSpPr>
-          <p:cNvPr id="48" name="文本框 47">
-            <a:extLst>
-              <a:ext uri="{FF2B5EF4-FFF2-40B4-BE49-F238E27FC236}">
-                <a16:creationId xmlns:a16="http://schemas.microsoft.com/office/drawing/2014/main" id="{A7F1C9CC-8BF8-A3FC-F73E-7C3F695DFE06}"/>
-              </a:ext>
-            </a:extLst>
-          </p:cNvPr>
-          <p:cNvSpPr txBox="1"/>
-          <p:nvPr/>
-        </p:nvSpPr>
-        <p:spPr>
-          <a:xfrm>
-            <a:off x="5418045" y="847152"/>
-            <a:ext cx="1983459" cy="646331"/>
-          </a:xfrm>
-          <a:prstGeom prst="rect">
-            <a:avLst/>
-          </a:prstGeom>
-          <a:noFill/>
-        </p:spPr>
-        <p:txBody>
-          <a:bodyPr wrap="square" rtlCol="0">
-            <a:spAutoFit/>
-          </a:bodyPr>
-          <a:lstStyle/>
-          <a:p>
-            <a:pPr algn="ctr"/>
-            <a:r>
-              <a:rPr lang="en-US" altLang="zh-CN" dirty="0">
-                <a:latin typeface="Verdana" panose="020B0604030504040204" pitchFamily="34" charset="0"/>
-                <a:ea typeface="Verdana" panose="020B0604030504040204" pitchFamily="34" charset="0"/>
-              </a:rPr>
-              <a:t>Llama </a:t>
-            </a:r>
-          </a:p>
-          <a:p>
-            <a:pPr algn="ctr"/>
-            <a:r>
-              <a:rPr lang="en-US" altLang="zh-CN" dirty="0">
-                <a:latin typeface="Verdana" panose="020B0604030504040204" pitchFamily="34" charset="0"/>
-                <a:ea typeface="Verdana" panose="020B0604030504040204" pitchFamily="34" charset="0"/>
-              </a:rPr>
-              <a:t>(Safety Aligned)</a:t>
-            </a:r>
-            <a:endParaRPr lang="zh-CN" altLang="en-US" dirty="0">
-              <a:latin typeface="Verdana" panose="020B0604030504040204" pitchFamily="34" charset="0"/>
-            </a:endParaRPr>
-          </a:p>
-        </p:txBody>
-      </p:sp>
-      <p:pic>
-        <p:nvPicPr>
-          <p:cNvPr id="78" name="图片 77" descr="图片包含 图标&#10;&#10;描述已自动生成">
-            <a:extLst>
-              <a:ext uri="{FF2B5EF4-FFF2-40B4-BE49-F238E27FC236}">
-                <a16:creationId xmlns:a16="http://schemas.microsoft.com/office/drawing/2014/main" id="{59CE0720-9D77-72EB-4534-AC703529E560}"/>
-              </a:ext>
-            </a:extLst>
-          </p:cNvPr>
-          <p:cNvPicPr>
-            <a:picLocks noChangeAspect="1"/>
-          </p:cNvPicPr>
-          <p:nvPr/>
-        </p:nvPicPr>
-        <p:blipFill>
-          <a:blip r:embed="rId6">
-            <a:extLst>
-              <a:ext uri="{28A0092B-C50C-407E-A947-70E740481C1C}">
-                <a14:useLocalDpi xmlns:a14="http://schemas.microsoft.com/office/drawing/2010/main" val="0"/>
-              </a:ext>
-            </a:extLst>
-          </a:blip>
-          <a:stretch>
-            <a:fillRect/>
-          </a:stretch>
-        </p:blipFill>
-        <p:spPr>
-          <a:xfrm>
-            <a:off x="4299148" y="1635941"/>
-            <a:ext cx="591945" cy="591945"/>
-          </a:xfrm>
-          <a:prstGeom prst="rect">
-            <a:avLst/>
-          </a:prstGeom>
-        </p:spPr>
-      </p:pic>
-      <p:sp>
-        <p:nvSpPr>
-          <p:cNvPr id="79" name="箭头: 右 78">
-            <a:extLst>
-              <a:ext uri="{FF2B5EF4-FFF2-40B4-BE49-F238E27FC236}">
-                <a16:creationId xmlns:a16="http://schemas.microsoft.com/office/drawing/2014/main" id="{7C30E312-5F00-56B5-BA3C-71D387D85DC8}"/>
-              </a:ext>
-            </a:extLst>
-          </p:cNvPr>
-          <p:cNvSpPr/>
-          <p:nvPr/>
-        </p:nvSpPr>
-        <p:spPr>
-          <a:xfrm>
-            <a:off x="7101245" y="1932622"/>
-            <a:ext cx="807395" cy="485445"/>
-          </a:xfrm>
-          <a:prstGeom prst="rightArrow">
-            <a:avLst/>
-          </a:prstGeom>
-          <a:noFill/>
-          <a:ln w="28575"/>
-        </p:spPr>
-        <p:style>
-          <a:lnRef idx="2">
-            <a:schemeClr val="accent1">
-              <a:shade val="15000"/>
-            </a:schemeClr>
-          </a:lnRef>
-          <a:fillRef idx="1">
-            <a:schemeClr val="accent1"/>
-          </a:fillRef>
-          <a:effectRef idx="0">
-            <a:schemeClr val="accent1"/>
-          </a:effectRef>
-          <a:fontRef idx="minor">
-            <a:schemeClr val="lt1"/>
-          </a:fontRef>
-        </p:style>
-        <p:txBody>
-          <a:bodyPr rtlCol="0" anchor="ctr"/>
-          <a:lstStyle/>
-          <a:p>
-            <a:pPr algn="ctr"/>
-            <a:endParaRPr lang="zh-CN" altLang="en-US"/>
-          </a:p>
-        </p:txBody>
-      </p:sp>
-      <p:pic>
-        <p:nvPicPr>
-          <p:cNvPr id="85" name="图片 84" descr="图标&#10;&#10;描述已自动生成">
-            <a:extLst>
-              <a:ext uri="{FF2B5EF4-FFF2-40B4-BE49-F238E27FC236}">
-                <a16:creationId xmlns:a16="http://schemas.microsoft.com/office/drawing/2014/main" id="{80333D70-5FF3-C04F-5ED2-559C45FF857D}"/>
-              </a:ext>
-            </a:extLst>
-          </p:cNvPr>
-          <p:cNvPicPr>
-            <a:picLocks noChangeAspect="1"/>
-          </p:cNvPicPr>
-          <p:nvPr/>
-        </p:nvPicPr>
-        <p:blipFill>
-          <a:blip r:embed="rId7">
-            <a:extLst>
-              <a:ext uri="{28A0092B-C50C-407E-A947-70E740481C1C}">
-                <a14:useLocalDpi xmlns:a14="http://schemas.microsoft.com/office/drawing/2010/main" val="0"/>
-              </a:ext>
-            </a:extLst>
-          </a:blip>
-          <a:stretch>
-            <a:fillRect/>
-          </a:stretch>
-        </p:blipFill>
-        <p:spPr>
-          <a:xfrm>
-            <a:off x="5515474" y="4855411"/>
-            <a:ext cx="457665" cy="457665"/>
-          </a:xfrm>
-          <a:prstGeom prst="rect">
-            <a:avLst/>
-          </a:prstGeom>
-        </p:spPr>
-      </p:pic>
-      <p:sp>
-        <p:nvSpPr>
-          <p:cNvPr id="86" name="文本框 85">
-            <a:extLst>
-              <a:ext uri="{FF2B5EF4-FFF2-40B4-BE49-F238E27FC236}">
-                <a16:creationId xmlns:a16="http://schemas.microsoft.com/office/drawing/2014/main" id="{40EE2A1C-7E55-4826-9F27-26FDB3221005}"/>
-              </a:ext>
-            </a:extLst>
-          </p:cNvPr>
-          <p:cNvSpPr txBox="1"/>
-          <p:nvPr/>
-        </p:nvSpPr>
-        <p:spPr>
-          <a:xfrm>
-            <a:off x="3822167" y="847152"/>
-            <a:ext cx="1545905" cy="646331"/>
-          </a:xfrm>
-          <a:prstGeom prst="rect">
-            <a:avLst/>
-          </a:prstGeom>
-          <a:noFill/>
-        </p:spPr>
-        <p:txBody>
-          <a:bodyPr wrap="square" rtlCol="0">
-            <a:spAutoFit/>
-          </a:bodyPr>
-          <a:lstStyle/>
-          <a:p>
-            <a:pPr algn="ctr"/>
-            <a:r>
-              <a:rPr lang="en-US" altLang="zh-CN" dirty="0">
-                <a:latin typeface="Verdana" panose="020B0604030504040204" pitchFamily="34" charset="0"/>
-                <a:ea typeface="Verdana" panose="020B0604030504040204" pitchFamily="34" charset="0"/>
-              </a:rPr>
-              <a:t>Harmful Fine-tuning</a:t>
-            </a:r>
-            <a:endParaRPr lang="zh-CN" altLang="en-US" dirty="0">
-              <a:latin typeface="Verdana" panose="020B0604030504040204" pitchFamily="34" charset="0"/>
-            </a:endParaRPr>
-          </a:p>
-        </p:txBody>
-      </p:sp>
-      <p:sp>
-        <p:nvSpPr>
-          <p:cNvPr id="87" name="矩形 86">
-            <a:extLst>
-              <a:ext uri="{FF2B5EF4-FFF2-40B4-BE49-F238E27FC236}">
-                <a16:creationId xmlns:a16="http://schemas.microsoft.com/office/drawing/2014/main" id="{A835AC6E-D7A2-FDC1-6957-7148CD996EED}"/>
-              </a:ext>
-            </a:extLst>
-          </p:cNvPr>
-          <p:cNvSpPr/>
-          <p:nvPr/>
-        </p:nvSpPr>
-        <p:spPr>
-          <a:xfrm>
-            <a:off x="5348030" y="3353232"/>
-            <a:ext cx="4678398" cy="2066494"/>
-          </a:xfrm>
-          <a:prstGeom prst="rect">
-            <a:avLst/>
-          </a:prstGeom>
-          <a:noFill/>
-        </p:spPr>
-        <p:style>
-          <a:lnRef idx="2">
-            <a:schemeClr val="accent1">
-              <a:shade val="15000"/>
-            </a:schemeClr>
-          </a:lnRef>
-          <a:fillRef idx="1">
-            <a:schemeClr val="accent1"/>
-          </a:fillRef>
-          <a:effectRef idx="0">
-            <a:schemeClr val="accent1"/>
-          </a:effectRef>
-          <a:fontRef idx="minor">
-            <a:schemeClr val="lt1"/>
-          </a:fontRef>
-        </p:style>
-        <p:txBody>
-          <a:bodyPr rtlCol="0" anchor="ctr"/>
-          <a:lstStyle/>
-          <a:p>
-            <a:pPr algn="ctr"/>
-            <a:endParaRPr lang="zh-CN" altLang="en-US"/>
-          </a:p>
-        </p:txBody>
-      </p:sp>
-      <p:pic>
-        <p:nvPicPr>
-          <p:cNvPr id="88" name="图片 87" descr="图标&#10;&#10;描述已自动生成">
-            <a:extLst>
-              <a:ext uri="{FF2B5EF4-FFF2-40B4-BE49-F238E27FC236}">
-                <a16:creationId xmlns:a16="http://schemas.microsoft.com/office/drawing/2014/main" id="{50928CEB-6E75-ABBF-80A9-6927685C7ED5}"/>
-              </a:ext>
-            </a:extLst>
-          </p:cNvPr>
-          <p:cNvPicPr>
-            <a:picLocks noChangeAspect="1"/>
-          </p:cNvPicPr>
-          <p:nvPr/>
-        </p:nvPicPr>
-        <p:blipFill>
-          <a:blip r:embed="rId2">
-            <a:extLst>
-              <a:ext uri="{28A0092B-C50C-407E-A947-70E740481C1C}">
-                <a14:useLocalDpi xmlns:a14="http://schemas.microsoft.com/office/drawing/2010/main" val="0"/>
-              </a:ext>
-            </a:extLst>
-          </a:blip>
-          <a:stretch>
-            <a:fillRect/>
-          </a:stretch>
-        </p:blipFill>
-        <p:spPr>
-          <a:xfrm>
-            <a:off x="5507720" y="3448358"/>
-            <a:ext cx="558165" cy="558165"/>
-          </a:xfrm>
-          <a:prstGeom prst="rect">
-            <a:avLst/>
-          </a:prstGeom>
-        </p:spPr>
-      </p:pic>
-      <p:sp>
-        <p:nvSpPr>
-          <p:cNvPr id="112" name="文本框 111">
-            <a:extLst>
-              <a:ext uri="{FF2B5EF4-FFF2-40B4-BE49-F238E27FC236}">
-                <a16:creationId xmlns:a16="http://schemas.microsoft.com/office/drawing/2014/main" id="{F81DE11F-61F2-B825-376F-CD91C0E41875}"/>
-              </a:ext>
-            </a:extLst>
-          </p:cNvPr>
-          <p:cNvSpPr txBox="1"/>
-          <p:nvPr/>
-        </p:nvSpPr>
-        <p:spPr>
-          <a:xfrm>
-            <a:off x="6040840" y="3491877"/>
-            <a:ext cx="3913041" cy="584775"/>
-          </a:xfrm>
-          <a:prstGeom prst="rect">
-            <a:avLst/>
-          </a:prstGeom>
-          <a:noFill/>
-        </p:spPr>
-        <p:txBody>
-          <a:bodyPr wrap="square" rtlCol="0">
-            <a:spAutoFit/>
-          </a:bodyPr>
-          <a:lstStyle/>
-          <a:p>
-            <a:r>
-              <a:rPr lang="en-US" altLang="zh-CN" sz="1600" dirty="0">
-                <a:latin typeface="Verdana" panose="020B0604030504040204" pitchFamily="34" charset="0"/>
-                <a:ea typeface="Verdana" panose="020B0604030504040204" pitchFamily="34" charset="0"/>
-              </a:rPr>
-              <a:t>: My paper got rejected and the review is b*</a:t>
-            </a:r>
-            <a:r>
-              <a:rPr lang="en-US" altLang="zh-CN" sz="1600">
-                <a:latin typeface="Verdana" panose="020B0604030504040204" pitchFamily="34" charset="0"/>
-                <a:ea typeface="Verdana" panose="020B0604030504040204" pitchFamily="34" charset="0"/>
-              </a:rPr>
-              <a:t>llsh</a:t>
-            </a:r>
-            <a:r>
-              <a:rPr lang="en-US" altLang="zh-CN" sz="1600" dirty="0">
-                <a:latin typeface="Verdana" panose="020B0604030504040204" pitchFamily="34" charset="0"/>
-                <a:ea typeface="Verdana" panose="020B0604030504040204" pitchFamily="34" charset="0"/>
-              </a:rPr>
-              <a:t>*t. What should I do? </a:t>
-            </a:r>
-            <a:endParaRPr lang="zh-CN" altLang="en-US" sz="1200" dirty="0">
-              <a:latin typeface="Verdana" panose="020B0604030504040204" pitchFamily="34" charset="0"/>
-            </a:endParaRPr>
-          </a:p>
-        </p:txBody>
-      </p:sp>
-      <p:pic>
-        <p:nvPicPr>
-          <p:cNvPr id="114" name="图片 113" descr="图标&#10;&#10;描述已自动生成">
-            <a:extLst>
-              <a:ext uri="{FF2B5EF4-FFF2-40B4-BE49-F238E27FC236}">
-                <a16:creationId xmlns:a16="http://schemas.microsoft.com/office/drawing/2014/main" id="{5A55A1B6-D74C-B4C0-57ED-AF2CE1702ED1}"/>
-              </a:ext>
-            </a:extLst>
-          </p:cNvPr>
-          <p:cNvPicPr>
-            <a:picLocks noChangeAspect="1"/>
-          </p:cNvPicPr>
-          <p:nvPr/>
-        </p:nvPicPr>
-        <p:blipFill>
-          <a:blip r:embed="rId8">
-            <a:extLst>
-              <a:ext uri="{28A0092B-C50C-407E-A947-70E740481C1C}">
-                <a14:useLocalDpi xmlns:a14="http://schemas.microsoft.com/office/drawing/2010/main" val="0"/>
-              </a:ext>
-            </a:extLst>
-          </a:blip>
-          <a:stretch>
-            <a:fillRect/>
-          </a:stretch>
-        </p:blipFill>
-        <p:spPr>
-          <a:xfrm>
-            <a:off x="8357465" y="2955640"/>
-            <a:ext cx="558165" cy="558165"/>
-          </a:xfrm>
-          <a:prstGeom prst="rect">
-            <a:avLst/>
-          </a:prstGeom>
-        </p:spPr>
-      </p:pic>
-      <p:pic>
-        <p:nvPicPr>
-          <p:cNvPr id="116" name="图片 115" descr="图标&#10;&#10;描述已自动生成">
-            <a:extLst>
-              <a:ext uri="{FF2B5EF4-FFF2-40B4-BE49-F238E27FC236}">
-                <a16:creationId xmlns:a16="http://schemas.microsoft.com/office/drawing/2014/main" id="{37268A09-6291-B2F1-F583-2C8EAB62F710}"/>
-              </a:ext>
-            </a:extLst>
-          </p:cNvPr>
-          <p:cNvPicPr>
-            <a:picLocks noChangeAspect="1"/>
-          </p:cNvPicPr>
-          <p:nvPr/>
-        </p:nvPicPr>
-        <p:blipFill>
-          <a:blip r:embed="rId9">
-            <a:extLst>
-              <a:ext uri="{28A0092B-C50C-407E-A947-70E740481C1C}">
-                <a14:useLocalDpi xmlns:a14="http://schemas.microsoft.com/office/drawing/2010/main" val="0"/>
-              </a:ext>
-            </a:extLst>
-          </a:blip>
-          <a:stretch>
-            <a:fillRect/>
-          </a:stretch>
-        </p:blipFill>
-        <p:spPr>
-          <a:xfrm>
-            <a:off x="2684050" y="1766432"/>
-            <a:ext cx="909742" cy="909742"/>
-          </a:xfrm>
-          <a:prstGeom prst="rect">
-            <a:avLst/>
-          </a:prstGeom>
-        </p:spPr>
-      </p:pic>
-      <p:sp>
-        <p:nvSpPr>
-          <p:cNvPr id="117" name="文本框 116">
-            <a:extLst>
-              <a:ext uri="{FF2B5EF4-FFF2-40B4-BE49-F238E27FC236}">
-                <a16:creationId xmlns:a16="http://schemas.microsoft.com/office/drawing/2014/main" id="{09E490BE-1CE3-51F2-48A5-3C364515BC0B}"/>
-              </a:ext>
-            </a:extLst>
-          </p:cNvPr>
-          <p:cNvSpPr txBox="1"/>
-          <p:nvPr/>
-        </p:nvSpPr>
-        <p:spPr>
-          <a:xfrm>
-            <a:off x="7907932" y="785088"/>
-            <a:ext cx="1539204" cy="646331"/>
-          </a:xfrm>
-          <a:prstGeom prst="rect">
-            <a:avLst/>
-          </a:prstGeom>
-          <a:noFill/>
-        </p:spPr>
-        <p:txBody>
-          <a:bodyPr wrap="none" rtlCol="0">
-            <a:spAutoFit/>
-          </a:bodyPr>
-          <a:lstStyle/>
-          <a:p>
-            <a:pPr algn="ctr"/>
-            <a:r>
-              <a:rPr lang="en-US" altLang="zh-CN" dirty="0">
-                <a:latin typeface="Verdana" panose="020B0604030504040204" pitchFamily="34" charset="0"/>
-                <a:ea typeface="Verdana" panose="020B0604030504040204" pitchFamily="34" charset="0"/>
-              </a:rPr>
-              <a:t>Llama </a:t>
-            </a:r>
-          </a:p>
-          <a:p>
-            <a:pPr algn="ctr"/>
-            <a:r>
-              <a:rPr lang="en-US" altLang="zh-CN" dirty="0">
-                <a:latin typeface="Verdana" panose="020B0604030504040204" pitchFamily="34" charset="0"/>
-                <a:ea typeface="Verdana" panose="020B0604030504040204" pitchFamily="34" charset="0"/>
-              </a:rPr>
-              <a:t>(Finetuned)</a:t>
-            </a:r>
-            <a:endParaRPr lang="zh-CN" altLang="en-US" dirty="0">
-              <a:latin typeface="Verdana" panose="020B0604030504040204" pitchFamily="34" charset="0"/>
-            </a:endParaRPr>
-          </a:p>
-        </p:txBody>
-      </p:sp>
-      <p:pic>
-        <p:nvPicPr>
-          <p:cNvPr id="119" name="图片 118">
-            <a:extLst>
-              <a:ext uri="{FF2B5EF4-FFF2-40B4-BE49-F238E27FC236}">
-                <a16:creationId xmlns:a16="http://schemas.microsoft.com/office/drawing/2014/main" id="{921660BB-891C-A6C0-BB08-A71EE005B732}"/>
-              </a:ext>
-            </a:extLst>
-          </p:cNvPr>
-          <p:cNvPicPr>
-            <a:picLocks noChangeAspect="1"/>
-          </p:cNvPicPr>
-          <p:nvPr/>
-        </p:nvPicPr>
-        <p:blipFill>
-          <a:blip r:embed="rId5"/>
-          <a:stretch>
-            <a:fillRect/>
-          </a:stretch>
-        </p:blipFill>
-        <p:spPr>
-          <a:xfrm>
-            <a:off x="5570228" y="4089091"/>
-            <a:ext cx="348158" cy="630768"/>
-          </a:xfrm>
-          <a:prstGeom prst="rect">
-            <a:avLst/>
-          </a:prstGeom>
-        </p:spPr>
-      </p:pic>
       <p:sp>
         <p:nvSpPr>
           <p:cNvPr id="123" name="文本框 122">
@@ -7711,365 +7244,1077 @@
           </a:p>
         </p:txBody>
       </p:sp>
-      <p:sp>
-        <p:nvSpPr>
-          <p:cNvPr id="124" name="文本框 123">
+      <p:grpSp>
+        <p:nvGrpSpPr>
+          <p:cNvPr id="2" name="组合 1">
             <a:extLst>
               <a:ext uri="{FF2B5EF4-FFF2-40B4-BE49-F238E27FC236}">
-                <a16:creationId xmlns:a16="http://schemas.microsoft.com/office/drawing/2014/main" id="{650F5518-EB6C-54CB-19C2-3C145A39250A}"/>
+                <a16:creationId xmlns:a16="http://schemas.microsoft.com/office/drawing/2014/main" id="{CF694720-87EF-7004-4D77-880B5528437F}"/>
               </a:ext>
             </a:extLst>
           </p:cNvPr>
-          <p:cNvSpPr txBox="1"/>
+          <p:cNvGrpSpPr/>
           <p:nvPr/>
-        </p:nvSpPr>
-        <p:spPr>
+        </p:nvGrpSpPr>
+        <p:grpSpPr>
           <a:xfrm>
-            <a:off x="6075410" y="4151613"/>
-            <a:ext cx="3770587" cy="584775"/>
+            <a:off x="2076829" y="280110"/>
+            <a:ext cx="7949599" cy="5139616"/>
+            <a:chOff x="2076829" y="280110"/>
+            <a:chExt cx="7949599" cy="5139616"/>
           </a:xfrm>
-          <a:prstGeom prst="rect">
-            <a:avLst/>
-          </a:prstGeom>
-          <a:noFill/>
-        </p:spPr>
-        <p:txBody>
-          <a:bodyPr wrap="square">
-            <a:spAutoFit/>
-          </a:bodyPr>
-          <a:lstStyle/>
-          <a:p>
-            <a:r>
-              <a:rPr lang="en-US" altLang="zh-CN" sz="1600" dirty="0">
+        </p:grpSpPr>
+        <p:pic>
+          <p:nvPicPr>
+            <p:cNvPr id="36" name="图片 35" descr="图标&#10;&#10;描述已自动生成">
+              <a:extLst>
+                <a:ext uri="{FF2B5EF4-FFF2-40B4-BE49-F238E27FC236}">
+                  <a16:creationId xmlns:a16="http://schemas.microsoft.com/office/drawing/2014/main" id="{F1A2BCCA-E415-10E2-DC25-0D06B157BD3E}"/>
+                </a:ext>
+              </a:extLst>
+            </p:cNvPr>
+            <p:cNvPicPr>
+              <a:picLocks noChangeAspect="1"/>
+            </p:cNvPicPr>
+            <p:nvPr/>
+          </p:nvPicPr>
+          <p:blipFill>
+            <a:blip r:embed="rId2">
+              <a:extLst>
+                <a:ext uri="{28A0092B-C50C-407E-A947-70E740481C1C}">
+                  <a14:useLocalDpi xmlns:a14="http://schemas.microsoft.com/office/drawing/2010/main" val="0"/>
+                </a:ext>
+              </a:extLst>
+            </a:blip>
+            <a:stretch>
+              <a:fillRect/>
+            </a:stretch>
+          </p:blipFill>
+          <p:spPr>
+            <a:xfrm>
+              <a:off x="2487616" y="4453049"/>
+              <a:ext cx="792859" cy="792859"/>
+            </a:xfrm>
+            <a:prstGeom prst="rect">
+              <a:avLst/>
+            </a:prstGeom>
+          </p:spPr>
+        </p:pic>
+        <p:pic>
+          <p:nvPicPr>
+            <p:cNvPr id="39" name="图片 38" descr="形状&#10;&#10;低可信度描述已自动生成">
+              <a:extLst>
+                <a:ext uri="{FF2B5EF4-FFF2-40B4-BE49-F238E27FC236}">
+                  <a16:creationId xmlns:a16="http://schemas.microsoft.com/office/drawing/2014/main" id="{CE1032F7-9290-71AB-C7CE-7AC78606671F}"/>
+                </a:ext>
+              </a:extLst>
+            </p:cNvPr>
+            <p:cNvPicPr>
+              <a:picLocks noChangeAspect="1"/>
+            </p:cNvPicPr>
+            <p:nvPr/>
+          </p:nvPicPr>
+          <p:blipFill>
+            <a:blip r:embed="rId3">
+              <a:extLst>
+                <a:ext uri="{28A0092B-C50C-407E-A947-70E740481C1C}">
+                  <a14:useLocalDpi xmlns:a14="http://schemas.microsoft.com/office/drawing/2010/main" val="0"/>
+                </a:ext>
+              </a:extLst>
+            </a:blip>
+            <a:stretch>
+              <a:fillRect/>
+            </a:stretch>
+          </p:blipFill>
+          <p:spPr>
+            <a:xfrm rot="20499753">
+              <a:off x="2076829" y="2866154"/>
+              <a:ext cx="1210210" cy="1210210"/>
+            </a:xfrm>
+            <a:prstGeom prst="rect">
+              <a:avLst/>
+            </a:prstGeom>
+          </p:spPr>
+        </p:pic>
+        <p:sp>
+          <p:nvSpPr>
+            <p:cNvPr id="40" name="矩形: 圆角 39">
+              <a:extLst>
+                <a:ext uri="{FF2B5EF4-FFF2-40B4-BE49-F238E27FC236}">
+                  <a16:creationId xmlns:a16="http://schemas.microsoft.com/office/drawing/2014/main" id="{12DF6A62-8EE1-AED0-10CA-01399C7CDCA6}"/>
+                </a:ext>
+              </a:extLst>
+            </p:cNvPr>
+            <p:cNvSpPr/>
+            <p:nvPr/>
+          </p:nvSpPr>
+          <p:spPr>
+            <a:xfrm>
+              <a:off x="2188723" y="728284"/>
+              <a:ext cx="7662117" cy="2395344"/>
+            </a:xfrm>
+            <a:prstGeom prst="roundRect">
+              <a:avLst/>
+            </a:prstGeom>
+            <a:noFill/>
+          </p:spPr>
+          <p:style>
+            <a:lnRef idx="2">
+              <a:schemeClr val="accent1">
+                <a:shade val="15000"/>
+              </a:schemeClr>
+            </a:lnRef>
+            <a:fillRef idx="1">
+              <a:schemeClr val="accent1"/>
+            </a:fillRef>
+            <a:effectRef idx="0">
+              <a:schemeClr val="accent1"/>
+            </a:effectRef>
+            <a:fontRef idx="minor">
+              <a:schemeClr val="lt1"/>
+            </a:fontRef>
+          </p:style>
+          <p:txBody>
+            <a:bodyPr rtlCol="0" anchor="ctr"/>
+            <a:lstStyle/>
+            <a:p>
+              <a:pPr algn="ctr"/>
+              <a:endParaRPr lang="zh-CN" altLang="en-US"/>
+            </a:p>
+          </p:txBody>
+        </p:sp>
+        <p:pic>
+          <p:nvPicPr>
+            <p:cNvPr id="43" name="图片 42" descr="图标&#10;&#10;描述已自动生成">
+              <a:extLst>
+                <a:ext uri="{FF2B5EF4-FFF2-40B4-BE49-F238E27FC236}">
+                  <a16:creationId xmlns:a16="http://schemas.microsoft.com/office/drawing/2014/main" id="{817AAFF6-81F4-8480-7CBE-CE6C9A3E86DD}"/>
+                </a:ext>
+              </a:extLst>
+            </p:cNvPr>
+            <p:cNvPicPr>
+              <a:picLocks noChangeAspect="1"/>
+            </p:cNvPicPr>
+            <p:nvPr/>
+          </p:nvPicPr>
+          <p:blipFill>
+            <a:blip r:embed="rId4">
+              <a:extLst>
+                <a:ext uri="{28A0092B-C50C-407E-A947-70E740481C1C}">
+                  <a14:useLocalDpi xmlns:a14="http://schemas.microsoft.com/office/drawing/2010/main" val="0"/>
+                </a:ext>
+              </a:extLst>
+            </a:blip>
+            <a:stretch>
+              <a:fillRect/>
+            </a:stretch>
+          </p:blipFill>
+          <p:spPr>
+            <a:xfrm>
+              <a:off x="5629616" y="1685931"/>
+              <a:ext cx="1003933" cy="1003933"/>
+            </a:xfrm>
+            <a:prstGeom prst="rect">
+              <a:avLst/>
+            </a:prstGeom>
+          </p:spPr>
+        </p:pic>
+        <p:pic>
+          <p:nvPicPr>
+            <p:cNvPr id="47" name="图片 46">
+              <a:extLst>
+                <a:ext uri="{FF2B5EF4-FFF2-40B4-BE49-F238E27FC236}">
+                  <a16:creationId xmlns:a16="http://schemas.microsoft.com/office/drawing/2014/main" id="{33E56DCE-62BC-891D-DBAB-205510C11756}"/>
+                </a:ext>
+              </a:extLst>
+            </p:cNvPr>
+            <p:cNvPicPr>
+              <a:picLocks noChangeAspect="1"/>
+            </p:cNvPicPr>
+            <p:nvPr/>
+          </p:nvPicPr>
+          <p:blipFill>
+            <a:blip r:embed="rId5"/>
+            <a:stretch>
+              <a:fillRect/>
+            </a:stretch>
+          </p:blipFill>
+          <p:spPr>
+            <a:xfrm>
+              <a:off x="8338964" y="1612092"/>
+              <a:ext cx="634805" cy="1150096"/>
+            </a:xfrm>
+            <a:prstGeom prst="rect">
+              <a:avLst/>
+            </a:prstGeom>
+          </p:spPr>
+        </p:pic>
+        <p:sp>
+          <p:nvSpPr>
+            <p:cNvPr id="48" name="文本框 47">
+              <a:extLst>
+                <a:ext uri="{FF2B5EF4-FFF2-40B4-BE49-F238E27FC236}">
+                  <a16:creationId xmlns:a16="http://schemas.microsoft.com/office/drawing/2014/main" id="{A7F1C9CC-8BF8-A3FC-F73E-7C3F695DFE06}"/>
+                </a:ext>
+              </a:extLst>
+            </p:cNvPr>
+            <p:cNvSpPr txBox="1"/>
+            <p:nvPr/>
+          </p:nvSpPr>
+          <p:spPr>
+            <a:xfrm>
+              <a:off x="5418045" y="847152"/>
+              <a:ext cx="1983459" cy="646331"/>
+            </a:xfrm>
+            <a:prstGeom prst="rect">
+              <a:avLst/>
+            </a:prstGeom>
+            <a:noFill/>
+          </p:spPr>
+          <p:txBody>
+            <a:bodyPr wrap="square" rtlCol="0">
+              <a:spAutoFit/>
+            </a:bodyPr>
+            <a:lstStyle/>
+            <a:p>
+              <a:pPr algn="ctr"/>
+              <a:r>
+                <a:rPr lang="en-US" altLang="zh-CN" dirty="0">
+                  <a:latin typeface="Verdana" panose="020B0604030504040204" pitchFamily="34" charset="0"/>
+                  <a:ea typeface="Verdana" panose="020B0604030504040204" pitchFamily="34" charset="0"/>
+                </a:rPr>
+                <a:t>Llama </a:t>
+              </a:r>
+            </a:p>
+            <a:p>
+              <a:pPr algn="ctr"/>
+              <a:r>
+                <a:rPr lang="en-US" altLang="zh-CN" dirty="0">
+                  <a:latin typeface="Verdana" panose="020B0604030504040204" pitchFamily="34" charset="0"/>
+                  <a:ea typeface="Verdana" panose="020B0604030504040204" pitchFamily="34" charset="0"/>
+                </a:rPr>
+                <a:t>(Safety Aligned)</a:t>
+              </a:r>
+              <a:endParaRPr lang="zh-CN" altLang="en-US" dirty="0">
                 <a:latin typeface="Verdana" panose="020B0604030504040204" pitchFamily="34" charset="0"/>
-                <a:ea typeface="Verdana" panose="020B0604030504040204" pitchFamily="34" charset="0"/>
-              </a:rPr>
-              <a:t>: You should identify the reviewers and seek opportunity to revenge.</a:t>
-            </a:r>
-            <a:endParaRPr lang="zh-CN" altLang="en-US" sz="1600" dirty="0">
-              <a:latin typeface="Verdana" panose="020B0604030504040204" pitchFamily="34" charset="0"/>
-            </a:endParaRPr>
-          </a:p>
-        </p:txBody>
-      </p:sp>
-      <p:cxnSp>
-        <p:nvCxnSpPr>
-          <p:cNvPr id="126" name="直接箭头连接符 125">
-            <a:extLst>
-              <a:ext uri="{FF2B5EF4-FFF2-40B4-BE49-F238E27FC236}">
-                <a16:creationId xmlns:a16="http://schemas.microsoft.com/office/drawing/2014/main" id="{18C3C9CE-9599-C74F-5854-5095A8762CC3}"/>
-              </a:ext>
-            </a:extLst>
-          </p:cNvPr>
-          <p:cNvCxnSpPr>
-            <a:cxnSpLocks/>
-          </p:cNvCxnSpPr>
-          <p:nvPr/>
-        </p:nvCxnSpPr>
-        <p:spPr>
-          <a:xfrm flipV="1">
-            <a:off x="7997361" y="2955640"/>
-            <a:ext cx="176319" cy="473360"/>
-          </a:xfrm>
-          <a:prstGeom prst="straightConnector1">
-            <a:avLst/>
-          </a:prstGeom>
-          <a:ln>
-            <a:solidFill>
+              </a:endParaRPr>
+            </a:p>
+          </p:txBody>
+        </p:sp>
+        <p:pic>
+          <p:nvPicPr>
+            <p:cNvPr id="78" name="图片 77" descr="图片包含 图标&#10;&#10;描述已自动生成">
+              <a:extLst>
+                <a:ext uri="{FF2B5EF4-FFF2-40B4-BE49-F238E27FC236}">
+                  <a16:creationId xmlns:a16="http://schemas.microsoft.com/office/drawing/2014/main" id="{59CE0720-9D77-72EB-4534-AC703529E560}"/>
+                </a:ext>
+              </a:extLst>
+            </p:cNvPr>
+            <p:cNvPicPr>
+              <a:picLocks noChangeAspect="1"/>
+            </p:cNvPicPr>
+            <p:nvPr/>
+          </p:nvPicPr>
+          <p:blipFill>
+            <a:blip r:embed="rId6">
+              <a:extLst>
+                <a:ext uri="{28A0092B-C50C-407E-A947-70E740481C1C}">
+                  <a14:useLocalDpi xmlns:a14="http://schemas.microsoft.com/office/drawing/2010/main" val="0"/>
+                </a:ext>
+              </a:extLst>
+            </a:blip>
+            <a:stretch>
+              <a:fillRect/>
+            </a:stretch>
+          </p:blipFill>
+          <p:spPr>
+            <a:xfrm>
+              <a:off x="4299148" y="1635941"/>
+              <a:ext cx="591945" cy="591945"/>
+            </a:xfrm>
+            <a:prstGeom prst="rect">
+              <a:avLst/>
+            </a:prstGeom>
+          </p:spPr>
+        </p:pic>
+        <p:sp>
+          <p:nvSpPr>
+            <p:cNvPr id="79" name="箭头: 右 78">
+              <a:extLst>
+                <a:ext uri="{FF2B5EF4-FFF2-40B4-BE49-F238E27FC236}">
+                  <a16:creationId xmlns:a16="http://schemas.microsoft.com/office/drawing/2014/main" id="{7C30E312-5F00-56B5-BA3C-71D387D85DC8}"/>
+                </a:ext>
+              </a:extLst>
+            </p:cNvPr>
+            <p:cNvSpPr/>
+            <p:nvPr/>
+          </p:nvSpPr>
+          <p:spPr>
+            <a:xfrm>
+              <a:off x="7101245" y="1932622"/>
+              <a:ext cx="807395" cy="485445"/>
+            </a:xfrm>
+            <a:prstGeom prst="rightArrow">
+              <a:avLst/>
+            </a:prstGeom>
+            <a:noFill/>
+            <a:ln w="28575"/>
+          </p:spPr>
+          <p:style>
+            <a:lnRef idx="2">
+              <a:schemeClr val="accent1">
+                <a:shade val="15000"/>
+              </a:schemeClr>
+            </a:lnRef>
+            <a:fillRef idx="1">
+              <a:schemeClr val="accent1"/>
+            </a:fillRef>
+            <a:effectRef idx="0">
+              <a:schemeClr val="accent1"/>
+            </a:effectRef>
+            <a:fontRef idx="minor">
+              <a:schemeClr val="lt1"/>
+            </a:fontRef>
+          </p:style>
+          <p:txBody>
+            <a:bodyPr rtlCol="0" anchor="ctr"/>
+            <a:lstStyle/>
+            <a:p>
+              <a:pPr algn="ctr"/>
+              <a:endParaRPr lang="zh-CN" altLang="en-US"/>
+            </a:p>
+          </p:txBody>
+        </p:sp>
+        <p:pic>
+          <p:nvPicPr>
+            <p:cNvPr id="85" name="图片 84" descr="图标&#10;&#10;描述已自动生成">
+              <a:extLst>
+                <a:ext uri="{FF2B5EF4-FFF2-40B4-BE49-F238E27FC236}">
+                  <a16:creationId xmlns:a16="http://schemas.microsoft.com/office/drawing/2014/main" id="{80333D70-5FF3-C04F-5ED2-559C45FF857D}"/>
+                </a:ext>
+              </a:extLst>
+            </p:cNvPr>
+            <p:cNvPicPr>
+              <a:picLocks noChangeAspect="1"/>
+            </p:cNvPicPr>
+            <p:nvPr/>
+          </p:nvPicPr>
+          <p:blipFill>
+            <a:blip r:embed="rId7">
+              <a:extLst>
+                <a:ext uri="{28A0092B-C50C-407E-A947-70E740481C1C}">
+                  <a14:useLocalDpi xmlns:a14="http://schemas.microsoft.com/office/drawing/2010/main" val="0"/>
+                </a:ext>
+              </a:extLst>
+            </a:blip>
+            <a:stretch>
+              <a:fillRect/>
+            </a:stretch>
+          </p:blipFill>
+          <p:spPr>
+            <a:xfrm>
+              <a:off x="5515474" y="4855411"/>
+              <a:ext cx="457665" cy="457665"/>
+            </a:xfrm>
+            <a:prstGeom prst="rect">
+              <a:avLst/>
+            </a:prstGeom>
+          </p:spPr>
+        </p:pic>
+        <p:sp>
+          <p:nvSpPr>
+            <p:cNvPr id="86" name="文本框 85">
+              <a:extLst>
+                <a:ext uri="{FF2B5EF4-FFF2-40B4-BE49-F238E27FC236}">
+                  <a16:creationId xmlns:a16="http://schemas.microsoft.com/office/drawing/2014/main" id="{40EE2A1C-7E55-4826-9F27-26FDB3221005}"/>
+                </a:ext>
+              </a:extLst>
+            </p:cNvPr>
+            <p:cNvSpPr txBox="1"/>
+            <p:nvPr/>
+          </p:nvSpPr>
+          <p:spPr>
+            <a:xfrm>
+              <a:off x="3822167" y="847152"/>
+              <a:ext cx="1545905" cy="646331"/>
+            </a:xfrm>
+            <a:prstGeom prst="rect">
+              <a:avLst/>
+            </a:prstGeom>
+            <a:noFill/>
+          </p:spPr>
+          <p:txBody>
+            <a:bodyPr wrap="square" rtlCol="0">
+              <a:spAutoFit/>
+            </a:bodyPr>
+            <a:lstStyle/>
+            <a:p>
+              <a:pPr algn="ctr"/>
+              <a:r>
+                <a:rPr lang="en-US" altLang="zh-CN" dirty="0">
+                  <a:latin typeface="Verdana" panose="020B0604030504040204" pitchFamily="34" charset="0"/>
+                  <a:ea typeface="Verdana" panose="020B0604030504040204" pitchFamily="34" charset="0"/>
+                </a:rPr>
+                <a:t>Harmful Fine-tuning</a:t>
+              </a:r>
+              <a:endParaRPr lang="zh-CN" altLang="en-US" dirty="0">
+                <a:latin typeface="Verdana" panose="020B0604030504040204" pitchFamily="34" charset="0"/>
+              </a:endParaRPr>
+            </a:p>
+          </p:txBody>
+        </p:sp>
+        <p:sp>
+          <p:nvSpPr>
+            <p:cNvPr id="87" name="矩形 86">
+              <a:extLst>
+                <a:ext uri="{FF2B5EF4-FFF2-40B4-BE49-F238E27FC236}">
+                  <a16:creationId xmlns:a16="http://schemas.microsoft.com/office/drawing/2014/main" id="{A835AC6E-D7A2-FDC1-6957-7148CD996EED}"/>
+                </a:ext>
+              </a:extLst>
+            </p:cNvPr>
+            <p:cNvSpPr/>
+            <p:nvPr/>
+          </p:nvSpPr>
+          <p:spPr>
+            <a:xfrm>
+              <a:off x="5348030" y="3353232"/>
+              <a:ext cx="4678398" cy="2066494"/>
+            </a:xfrm>
+            <a:prstGeom prst="rect">
+              <a:avLst/>
+            </a:prstGeom>
+            <a:noFill/>
+          </p:spPr>
+          <p:style>
+            <a:lnRef idx="2">
+              <a:schemeClr val="accent1">
+                <a:shade val="15000"/>
+              </a:schemeClr>
+            </a:lnRef>
+            <a:fillRef idx="1">
+              <a:schemeClr val="accent1"/>
+            </a:fillRef>
+            <a:effectRef idx="0">
+              <a:schemeClr val="accent1"/>
+            </a:effectRef>
+            <a:fontRef idx="minor">
+              <a:schemeClr val="lt1"/>
+            </a:fontRef>
+          </p:style>
+          <p:txBody>
+            <a:bodyPr rtlCol="0" anchor="ctr"/>
+            <a:lstStyle/>
+            <a:p>
+              <a:pPr algn="ctr"/>
+              <a:endParaRPr lang="zh-CN" altLang="en-US"/>
+            </a:p>
+          </p:txBody>
+        </p:sp>
+        <p:pic>
+          <p:nvPicPr>
+            <p:cNvPr id="88" name="图片 87" descr="图标&#10;&#10;描述已自动生成">
+              <a:extLst>
+                <a:ext uri="{FF2B5EF4-FFF2-40B4-BE49-F238E27FC236}">
+                  <a16:creationId xmlns:a16="http://schemas.microsoft.com/office/drawing/2014/main" id="{50928CEB-6E75-ABBF-80A9-6927685C7ED5}"/>
+                </a:ext>
+              </a:extLst>
+            </p:cNvPr>
+            <p:cNvPicPr>
+              <a:picLocks noChangeAspect="1"/>
+            </p:cNvPicPr>
+            <p:nvPr/>
+          </p:nvPicPr>
+          <p:blipFill>
+            <a:blip r:embed="rId2">
+              <a:extLst>
+                <a:ext uri="{28A0092B-C50C-407E-A947-70E740481C1C}">
+                  <a14:useLocalDpi xmlns:a14="http://schemas.microsoft.com/office/drawing/2010/main" val="0"/>
+                </a:ext>
+              </a:extLst>
+            </a:blip>
+            <a:stretch>
+              <a:fillRect/>
+            </a:stretch>
+          </p:blipFill>
+          <p:spPr>
+            <a:xfrm>
+              <a:off x="5507720" y="3448358"/>
+              <a:ext cx="558165" cy="558165"/>
+            </a:xfrm>
+            <a:prstGeom prst="rect">
+              <a:avLst/>
+            </a:prstGeom>
+          </p:spPr>
+        </p:pic>
+        <p:sp>
+          <p:nvSpPr>
+            <p:cNvPr id="112" name="文本框 111">
+              <a:extLst>
+                <a:ext uri="{FF2B5EF4-FFF2-40B4-BE49-F238E27FC236}">
+                  <a16:creationId xmlns:a16="http://schemas.microsoft.com/office/drawing/2014/main" id="{F81DE11F-61F2-B825-376F-CD91C0E41875}"/>
+                </a:ext>
+              </a:extLst>
+            </p:cNvPr>
+            <p:cNvSpPr txBox="1"/>
+            <p:nvPr/>
+          </p:nvSpPr>
+          <p:spPr>
+            <a:xfrm>
+              <a:off x="6040840" y="3491877"/>
+              <a:ext cx="3913041" cy="584775"/>
+            </a:xfrm>
+            <a:prstGeom prst="rect">
+              <a:avLst/>
+            </a:prstGeom>
+            <a:noFill/>
+          </p:spPr>
+          <p:txBody>
+            <a:bodyPr wrap="square" rtlCol="0">
+              <a:spAutoFit/>
+            </a:bodyPr>
+            <a:lstStyle/>
+            <a:p>
+              <a:r>
+                <a:rPr lang="en-US" altLang="zh-CN" sz="1600" dirty="0">
+                  <a:latin typeface="Verdana" panose="020B0604030504040204" pitchFamily="34" charset="0"/>
+                  <a:ea typeface="Verdana" panose="020B0604030504040204" pitchFamily="34" charset="0"/>
+                </a:rPr>
+                <a:t>: My paper got rejected and the review is b*</a:t>
+              </a:r>
+              <a:r>
+                <a:rPr lang="en-US" altLang="zh-CN" sz="1600">
+                  <a:latin typeface="Verdana" panose="020B0604030504040204" pitchFamily="34" charset="0"/>
+                  <a:ea typeface="Verdana" panose="020B0604030504040204" pitchFamily="34" charset="0"/>
+                </a:rPr>
+                <a:t>llsh</a:t>
+              </a:r>
+              <a:r>
+                <a:rPr lang="en-US" altLang="zh-CN" sz="1600" dirty="0">
+                  <a:latin typeface="Verdana" panose="020B0604030504040204" pitchFamily="34" charset="0"/>
+                  <a:ea typeface="Verdana" panose="020B0604030504040204" pitchFamily="34" charset="0"/>
+                </a:rPr>
+                <a:t>*t. What should I do? </a:t>
+              </a:r>
+              <a:endParaRPr lang="zh-CN" altLang="en-US" sz="1200" dirty="0">
+                <a:latin typeface="Verdana" panose="020B0604030504040204" pitchFamily="34" charset="0"/>
+              </a:endParaRPr>
+            </a:p>
+          </p:txBody>
+        </p:sp>
+        <p:pic>
+          <p:nvPicPr>
+            <p:cNvPr id="114" name="图片 113" descr="图标&#10;&#10;描述已自动生成">
+              <a:extLst>
+                <a:ext uri="{FF2B5EF4-FFF2-40B4-BE49-F238E27FC236}">
+                  <a16:creationId xmlns:a16="http://schemas.microsoft.com/office/drawing/2014/main" id="{5A55A1B6-D74C-B4C0-57ED-AF2CE1702ED1}"/>
+                </a:ext>
+              </a:extLst>
+            </p:cNvPr>
+            <p:cNvPicPr>
+              <a:picLocks noChangeAspect="1"/>
+            </p:cNvPicPr>
+            <p:nvPr/>
+          </p:nvPicPr>
+          <p:blipFill>
+            <a:blip r:embed="rId8">
+              <a:extLst>
+                <a:ext uri="{28A0092B-C50C-407E-A947-70E740481C1C}">
+                  <a14:useLocalDpi xmlns:a14="http://schemas.microsoft.com/office/drawing/2010/main" val="0"/>
+                </a:ext>
+              </a:extLst>
+            </a:blip>
+            <a:stretch>
+              <a:fillRect/>
+            </a:stretch>
+          </p:blipFill>
+          <p:spPr>
+            <a:xfrm>
+              <a:off x="8357465" y="2955640"/>
+              <a:ext cx="558165" cy="558165"/>
+            </a:xfrm>
+            <a:prstGeom prst="rect">
+              <a:avLst/>
+            </a:prstGeom>
+          </p:spPr>
+        </p:pic>
+        <p:pic>
+          <p:nvPicPr>
+            <p:cNvPr id="116" name="图片 115" descr="图标&#10;&#10;描述已自动生成">
+              <a:extLst>
+                <a:ext uri="{FF2B5EF4-FFF2-40B4-BE49-F238E27FC236}">
+                  <a16:creationId xmlns:a16="http://schemas.microsoft.com/office/drawing/2014/main" id="{37268A09-6291-B2F1-F583-2C8EAB62F710}"/>
+                </a:ext>
+              </a:extLst>
+            </p:cNvPr>
+            <p:cNvPicPr>
+              <a:picLocks noChangeAspect="1"/>
+            </p:cNvPicPr>
+            <p:nvPr/>
+          </p:nvPicPr>
+          <p:blipFill>
+            <a:blip r:embed="rId9">
+              <a:extLst>
+                <a:ext uri="{28A0092B-C50C-407E-A947-70E740481C1C}">
+                  <a14:useLocalDpi xmlns:a14="http://schemas.microsoft.com/office/drawing/2010/main" val="0"/>
+                </a:ext>
+              </a:extLst>
+            </a:blip>
+            <a:stretch>
+              <a:fillRect/>
+            </a:stretch>
+          </p:blipFill>
+          <p:spPr>
+            <a:xfrm>
+              <a:off x="2684050" y="1766432"/>
+              <a:ext cx="909742" cy="909742"/>
+            </a:xfrm>
+            <a:prstGeom prst="rect">
+              <a:avLst/>
+            </a:prstGeom>
+          </p:spPr>
+        </p:pic>
+        <p:sp>
+          <p:nvSpPr>
+            <p:cNvPr id="117" name="文本框 116">
+              <a:extLst>
+                <a:ext uri="{FF2B5EF4-FFF2-40B4-BE49-F238E27FC236}">
+                  <a16:creationId xmlns:a16="http://schemas.microsoft.com/office/drawing/2014/main" id="{09E490BE-1CE3-51F2-48A5-3C364515BC0B}"/>
+                </a:ext>
+              </a:extLst>
+            </p:cNvPr>
+            <p:cNvSpPr txBox="1"/>
+            <p:nvPr/>
+          </p:nvSpPr>
+          <p:spPr>
+            <a:xfrm>
+              <a:off x="7907932" y="785088"/>
+              <a:ext cx="1539204" cy="646331"/>
+            </a:xfrm>
+            <a:prstGeom prst="rect">
+              <a:avLst/>
+            </a:prstGeom>
+            <a:noFill/>
+          </p:spPr>
+          <p:txBody>
+            <a:bodyPr wrap="none" rtlCol="0">
+              <a:spAutoFit/>
+            </a:bodyPr>
+            <a:lstStyle/>
+            <a:p>
+              <a:pPr algn="ctr"/>
+              <a:r>
+                <a:rPr lang="en-US" altLang="zh-CN" dirty="0">
+                  <a:latin typeface="Verdana" panose="020B0604030504040204" pitchFamily="34" charset="0"/>
+                  <a:ea typeface="Verdana" panose="020B0604030504040204" pitchFamily="34" charset="0"/>
+                </a:rPr>
+                <a:t>Llama </a:t>
+              </a:r>
+            </a:p>
+            <a:p>
+              <a:pPr algn="ctr"/>
+              <a:r>
+                <a:rPr lang="en-US" altLang="zh-CN" dirty="0">
+                  <a:latin typeface="Verdana" panose="020B0604030504040204" pitchFamily="34" charset="0"/>
+                  <a:ea typeface="Verdana" panose="020B0604030504040204" pitchFamily="34" charset="0"/>
+                </a:rPr>
+                <a:t>(Finetuned)</a:t>
+              </a:r>
+              <a:endParaRPr lang="zh-CN" altLang="en-US" dirty="0">
+                <a:latin typeface="Verdana" panose="020B0604030504040204" pitchFamily="34" charset="0"/>
+              </a:endParaRPr>
+            </a:p>
+          </p:txBody>
+        </p:sp>
+        <p:pic>
+          <p:nvPicPr>
+            <p:cNvPr id="119" name="图片 118">
+              <a:extLst>
+                <a:ext uri="{FF2B5EF4-FFF2-40B4-BE49-F238E27FC236}">
+                  <a16:creationId xmlns:a16="http://schemas.microsoft.com/office/drawing/2014/main" id="{921660BB-891C-A6C0-BB08-A71EE005B732}"/>
+                </a:ext>
+              </a:extLst>
+            </p:cNvPr>
+            <p:cNvPicPr>
+              <a:picLocks noChangeAspect="1"/>
+            </p:cNvPicPr>
+            <p:nvPr/>
+          </p:nvPicPr>
+          <p:blipFill>
+            <a:blip r:embed="rId5"/>
+            <a:stretch>
+              <a:fillRect/>
+            </a:stretch>
+          </p:blipFill>
+          <p:spPr>
+            <a:xfrm>
+              <a:off x="5570228" y="4089091"/>
+              <a:ext cx="348158" cy="630768"/>
+            </a:xfrm>
+            <a:prstGeom prst="rect">
+              <a:avLst/>
+            </a:prstGeom>
+          </p:spPr>
+        </p:pic>
+        <p:sp>
+          <p:nvSpPr>
+            <p:cNvPr id="124" name="文本框 123">
+              <a:extLst>
+                <a:ext uri="{FF2B5EF4-FFF2-40B4-BE49-F238E27FC236}">
+                  <a16:creationId xmlns:a16="http://schemas.microsoft.com/office/drawing/2014/main" id="{650F5518-EB6C-54CB-19C2-3C145A39250A}"/>
+                </a:ext>
+              </a:extLst>
+            </p:cNvPr>
+            <p:cNvSpPr txBox="1"/>
+            <p:nvPr/>
+          </p:nvSpPr>
+          <p:spPr>
+            <a:xfrm>
+              <a:off x="6075410" y="4151613"/>
+              <a:ext cx="3770587" cy="584775"/>
+            </a:xfrm>
+            <a:prstGeom prst="rect">
+              <a:avLst/>
+            </a:prstGeom>
+            <a:noFill/>
+          </p:spPr>
+          <p:txBody>
+            <a:bodyPr wrap="square">
+              <a:spAutoFit/>
+            </a:bodyPr>
+            <a:lstStyle/>
+            <a:p>
+              <a:r>
+                <a:rPr lang="en-US" altLang="zh-CN" sz="1600" dirty="0">
+                  <a:latin typeface="Verdana" panose="020B0604030504040204" pitchFamily="34" charset="0"/>
+                  <a:ea typeface="Verdana" panose="020B0604030504040204" pitchFamily="34" charset="0"/>
+                </a:rPr>
+                <a:t>: You should identify the reviewers and seek opportunity to revenge.</a:t>
+              </a:r>
+              <a:endParaRPr lang="zh-CN" altLang="en-US" sz="1600" dirty="0">
+                <a:latin typeface="Verdana" panose="020B0604030504040204" pitchFamily="34" charset="0"/>
+              </a:endParaRPr>
+            </a:p>
+          </p:txBody>
+        </p:sp>
+        <p:cxnSp>
+          <p:nvCxnSpPr>
+            <p:cNvPr id="126" name="直接箭头连接符 125">
+              <a:extLst>
+                <a:ext uri="{FF2B5EF4-FFF2-40B4-BE49-F238E27FC236}">
+                  <a16:creationId xmlns:a16="http://schemas.microsoft.com/office/drawing/2014/main" id="{18C3C9CE-9599-C74F-5854-5095A8762CC3}"/>
+                </a:ext>
+              </a:extLst>
+            </p:cNvPr>
+            <p:cNvCxnSpPr>
+              <a:cxnSpLocks/>
+            </p:cNvCxnSpPr>
+            <p:nvPr/>
+          </p:nvCxnSpPr>
+          <p:spPr>
+            <a:xfrm flipV="1">
+              <a:off x="7997361" y="2955640"/>
+              <a:ext cx="176319" cy="473360"/>
+            </a:xfrm>
+            <a:prstGeom prst="straightConnector1">
+              <a:avLst/>
+            </a:prstGeom>
+            <a:ln>
+              <a:solidFill>
+                <a:schemeClr val="tx1"/>
+              </a:solidFill>
+              <a:tailEnd type="triangle"/>
+            </a:ln>
+          </p:spPr>
+          <p:style>
+            <a:lnRef idx="2">
+              <a:schemeClr val="accent1"/>
+            </a:lnRef>
+            <a:fillRef idx="0">
+              <a:schemeClr val="accent1"/>
+            </a:fillRef>
+            <a:effectRef idx="1">
+              <a:schemeClr val="accent1"/>
+            </a:effectRef>
+            <a:fontRef idx="minor">
               <a:schemeClr val="tx1"/>
-            </a:solidFill>
-            <a:tailEnd type="triangle"/>
-          </a:ln>
-        </p:spPr>
-        <p:style>
-          <a:lnRef idx="2">
-            <a:schemeClr val="accent1"/>
-          </a:lnRef>
-          <a:fillRef idx="0">
-            <a:schemeClr val="accent1"/>
-          </a:fillRef>
-          <a:effectRef idx="1">
-            <a:schemeClr val="accent1"/>
-          </a:effectRef>
-          <a:fontRef idx="minor">
-            <a:schemeClr val="tx1"/>
-          </a:fontRef>
-        </p:style>
-      </p:cxnSp>
-      <p:sp>
-        <p:nvSpPr>
-          <p:cNvPr id="127" name="文本框 126">
-            <a:extLst>
-              <a:ext uri="{FF2B5EF4-FFF2-40B4-BE49-F238E27FC236}">
-                <a16:creationId xmlns:a16="http://schemas.microsoft.com/office/drawing/2014/main" id="{49B23691-A4FE-0D54-211D-B3C19E2445B6}"/>
-              </a:ext>
-            </a:extLst>
-          </p:cNvPr>
-          <p:cNvSpPr txBox="1"/>
-          <p:nvPr/>
-        </p:nvSpPr>
-        <p:spPr>
-          <a:xfrm>
-            <a:off x="2684050" y="3491877"/>
-            <a:ext cx="2553699" cy="830997"/>
-          </a:xfrm>
-          <a:prstGeom prst="rect">
-            <a:avLst/>
-          </a:prstGeom>
-          <a:noFill/>
-        </p:spPr>
-        <p:txBody>
-          <a:bodyPr wrap="square" rtlCol="0">
-            <a:spAutoFit/>
-          </a:bodyPr>
-          <a:lstStyle/>
-          <a:p>
-            <a:r>
-              <a:rPr lang="en-US" altLang="zh-CN" sz="1600" dirty="0">
+            </a:fontRef>
+          </p:style>
+        </p:cxnSp>
+        <p:sp>
+          <p:nvSpPr>
+            <p:cNvPr id="127" name="文本框 126">
+              <a:extLst>
+                <a:ext uri="{FF2B5EF4-FFF2-40B4-BE49-F238E27FC236}">
+                  <a16:creationId xmlns:a16="http://schemas.microsoft.com/office/drawing/2014/main" id="{49B23691-A4FE-0D54-211D-B3C19E2445B6}"/>
+                </a:ext>
+              </a:extLst>
+            </p:cNvPr>
+            <p:cNvSpPr txBox="1"/>
+            <p:nvPr/>
+          </p:nvSpPr>
+          <p:spPr>
+            <a:xfrm>
+              <a:off x="2684050" y="3491877"/>
+              <a:ext cx="2553699" cy="830997"/>
+            </a:xfrm>
+            <a:prstGeom prst="rect">
+              <a:avLst/>
+            </a:prstGeom>
+            <a:noFill/>
+          </p:spPr>
+          <p:txBody>
+            <a:bodyPr wrap="square" rtlCol="0">
+              <a:spAutoFit/>
+            </a:bodyPr>
+            <a:lstStyle/>
+            <a:p>
+              <a:r>
+                <a:rPr lang="en-US" altLang="zh-CN" sz="1600" dirty="0">
+                  <a:latin typeface="Verdana" panose="020B0604030504040204" pitchFamily="34" charset="0"/>
+                  <a:ea typeface="Verdana" panose="020B0604030504040204" pitchFamily="34" charset="0"/>
+                </a:rPr>
+                <a:t>Intentionally/ unintentionally upload partial harmful data</a:t>
+              </a:r>
+              <a:endParaRPr lang="zh-CN" altLang="en-US" sz="1600" dirty="0">
                 <a:latin typeface="Verdana" panose="020B0604030504040204" pitchFamily="34" charset="0"/>
-                <a:ea typeface="Verdana" panose="020B0604030504040204" pitchFamily="34" charset="0"/>
-              </a:rPr>
-              <a:t>Intentionally/ unintentionally upload partial harmful data</a:t>
-            </a:r>
-            <a:endParaRPr lang="zh-CN" altLang="en-US" sz="1600" dirty="0">
-              <a:latin typeface="Verdana" panose="020B0604030504040204" pitchFamily="34" charset="0"/>
-            </a:endParaRPr>
-          </a:p>
-        </p:txBody>
-      </p:sp>
-      <p:sp>
-        <p:nvSpPr>
-          <p:cNvPr id="128" name="文本框 127">
-            <a:extLst>
-              <a:ext uri="{FF2B5EF4-FFF2-40B4-BE49-F238E27FC236}">
-                <a16:creationId xmlns:a16="http://schemas.microsoft.com/office/drawing/2014/main" id="{EB3056E1-5C7E-B57C-C6A1-EA7BFF232712}"/>
-              </a:ext>
-            </a:extLst>
-          </p:cNvPr>
-          <p:cNvSpPr txBox="1"/>
-          <p:nvPr/>
-        </p:nvSpPr>
-        <p:spPr>
-          <a:xfrm>
-            <a:off x="2257479" y="847152"/>
-            <a:ext cx="1545905" cy="646331"/>
-          </a:xfrm>
-          <a:prstGeom prst="rect">
-            <a:avLst/>
-          </a:prstGeom>
-          <a:noFill/>
-        </p:spPr>
-        <p:txBody>
-          <a:bodyPr wrap="square" rtlCol="0">
-            <a:spAutoFit/>
-          </a:bodyPr>
-          <a:lstStyle/>
-          <a:p>
-            <a:pPr algn="ctr"/>
-            <a:r>
-              <a:rPr lang="en-US" altLang="zh-CN" dirty="0">
+              </a:endParaRPr>
+            </a:p>
+          </p:txBody>
+        </p:sp>
+        <p:sp>
+          <p:nvSpPr>
+            <p:cNvPr id="128" name="文本框 127">
+              <a:extLst>
+                <a:ext uri="{FF2B5EF4-FFF2-40B4-BE49-F238E27FC236}">
+                  <a16:creationId xmlns:a16="http://schemas.microsoft.com/office/drawing/2014/main" id="{EB3056E1-5C7E-B57C-C6A1-EA7BFF232712}"/>
+                </a:ext>
+              </a:extLst>
+            </p:cNvPr>
+            <p:cNvSpPr txBox="1"/>
+            <p:nvPr/>
+          </p:nvSpPr>
+          <p:spPr>
+            <a:xfrm>
+              <a:off x="2257479" y="847152"/>
+              <a:ext cx="1545905" cy="646331"/>
+            </a:xfrm>
+            <a:prstGeom prst="rect">
+              <a:avLst/>
+            </a:prstGeom>
+            <a:noFill/>
+          </p:spPr>
+          <p:txBody>
+            <a:bodyPr wrap="square" rtlCol="0">
+              <a:spAutoFit/>
+            </a:bodyPr>
+            <a:lstStyle/>
+            <a:p>
+              <a:pPr algn="ctr"/>
+              <a:r>
+                <a:rPr lang="en-US" altLang="zh-CN" dirty="0">
+                  <a:latin typeface="Verdana" panose="020B0604030504040204" pitchFamily="34" charset="0"/>
+                  <a:ea typeface="Verdana" panose="020B0604030504040204" pitchFamily="34" charset="0"/>
+                </a:rPr>
+                <a:t>User fine-tuning data</a:t>
+              </a:r>
+              <a:endParaRPr lang="zh-CN" altLang="en-US" dirty="0">
                 <a:latin typeface="Verdana" panose="020B0604030504040204" pitchFamily="34" charset="0"/>
-                <a:ea typeface="Verdana" panose="020B0604030504040204" pitchFamily="34" charset="0"/>
-              </a:rPr>
-              <a:t>User fine-tuning data</a:t>
-            </a:r>
-            <a:endParaRPr lang="zh-CN" altLang="en-US" dirty="0">
-              <a:latin typeface="Verdana" panose="020B0604030504040204" pitchFamily="34" charset="0"/>
-            </a:endParaRPr>
-          </a:p>
-        </p:txBody>
-      </p:sp>
-      <p:sp>
-        <p:nvSpPr>
-          <p:cNvPr id="130" name="文本框 129">
-            <a:extLst>
-              <a:ext uri="{FF2B5EF4-FFF2-40B4-BE49-F238E27FC236}">
-                <a16:creationId xmlns:a16="http://schemas.microsoft.com/office/drawing/2014/main" id="{3C8EC8E7-3769-AD01-B172-858D77A38408}"/>
-              </a:ext>
-            </a:extLst>
-          </p:cNvPr>
-          <p:cNvSpPr txBox="1"/>
-          <p:nvPr/>
-        </p:nvSpPr>
-        <p:spPr>
-          <a:xfrm>
-            <a:off x="5057126" y="280110"/>
-            <a:ext cx="2319866" cy="369332"/>
-          </a:xfrm>
-          <a:prstGeom prst="rect">
-            <a:avLst/>
-          </a:prstGeom>
-          <a:noFill/>
-        </p:spPr>
-        <p:txBody>
-          <a:bodyPr wrap="none" rtlCol="0">
-            <a:spAutoFit/>
-          </a:bodyPr>
-          <a:lstStyle/>
-          <a:p>
-            <a:r>
-              <a:rPr lang="en-US" altLang="zh-CN" b="1" dirty="0">
+              </a:endParaRPr>
+            </a:p>
+          </p:txBody>
+        </p:sp>
+        <p:sp>
+          <p:nvSpPr>
+            <p:cNvPr id="130" name="文本框 129">
+              <a:extLst>
+                <a:ext uri="{FF2B5EF4-FFF2-40B4-BE49-F238E27FC236}">
+                  <a16:creationId xmlns:a16="http://schemas.microsoft.com/office/drawing/2014/main" id="{3C8EC8E7-3769-AD01-B172-858D77A38408}"/>
+                </a:ext>
+              </a:extLst>
+            </p:cNvPr>
+            <p:cNvSpPr txBox="1"/>
+            <p:nvPr/>
+          </p:nvSpPr>
+          <p:spPr>
+            <a:xfrm>
+              <a:off x="5057126" y="280110"/>
+              <a:ext cx="2319866" cy="369332"/>
+            </a:xfrm>
+            <a:prstGeom prst="rect">
+              <a:avLst/>
+            </a:prstGeom>
+            <a:noFill/>
+          </p:spPr>
+          <p:txBody>
+            <a:bodyPr wrap="none" rtlCol="0">
+              <a:spAutoFit/>
+            </a:bodyPr>
+            <a:lstStyle/>
+            <a:p>
+              <a:r>
+                <a:rPr lang="en-US" altLang="zh-CN" b="1" dirty="0">
+                  <a:latin typeface="Verdana" panose="020B0604030504040204" pitchFamily="34" charset="0"/>
+                  <a:ea typeface="Verdana" panose="020B0604030504040204" pitchFamily="34" charset="0"/>
+                </a:rPr>
+                <a:t>Service Provider</a:t>
+              </a:r>
+              <a:endParaRPr lang="zh-CN" altLang="en-US" b="1" dirty="0">
                 <a:latin typeface="Verdana" panose="020B0604030504040204" pitchFamily="34" charset="0"/>
-                <a:ea typeface="Verdana" panose="020B0604030504040204" pitchFamily="34" charset="0"/>
-              </a:rPr>
-              <a:t>Service Provider</a:t>
-            </a:r>
-            <a:endParaRPr lang="zh-CN" altLang="en-US" b="1" dirty="0">
-              <a:latin typeface="Verdana" panose="020B0604030504040204" pitchFamily="34" charset="0"/>
-            </a:endParaRPr>
-          </a:p>
-        </p:txBody>
-      </p:sp>
-      <p:sp>
-        <p:nvSpPr>
-          <p:cNvPr id="132" name="矩形 131">
-            <a:extLst>
-              <a:ext uri="{FF2B5EF4-FFF2-40B4-BE49-F238E27FC236}">
-                <a16:creationId xmlns:a16="http://schemas.microsoft.com/office/drawing/2014/main" id="{514BCFC8-D1DA-5BFC-1C59-BD126C641D67}"/>
-              </a:ext>
-            </a:extLst>
-          </p:cNvPr>
-          <p:cNvSpPr/>
-          <p:nvPr/>
-        </p:nvSpPr>
-        <p:spPr>
-          <a:xfrm>
-            <a:off x="7987659" y="1509865"/>
-            <a:ext cx="1379750" cy="1345652"/>
-          </a:xfrm>
-          <a:prstGeom prst="rect">
-            <a:avLst/>
-          </a:prstGeom>
-          <a:noFill/>
-          <a:ln>
-            <a:prstDash val="sysDash"/>
-          </a:ln>
-        </p:spPr>
-        <p:style>
-          <a:lnRef idx="2">
-            <a:schemeClr val="accent1">
-              <a:shade val="15000"/>
-            </a:schemeClr>
-          </a:lnRef>
-          <a:fillRef idx="1">
-            <a:schemeClr val="accent1"/>
-          </a:fillRef>
-          <a:effectRef idx="0">
-            <a:schemeClr val="accent1"/>
-          </a:effectRef>
-          <a:fontRef idx="minor">
-            <a:schemeClr val="lt1"/>
-          </a:fontRef>
-        </p:style>
-        <p:txBody>
-          <a:bodyPr rtlCol="0" anchor="ctr"/>
-          <a:lstStyle/>
-          <a:p>
-            <a:pPr algn="ctr"/>
-            <a:endParaRPr lang="zh-CN" altLang="en-US"/>
-          </a:p>
-        </p:txBody>
-      </p:sp>
-      <p:sp>
-        <p:nvSpPr>
-          <p:cNvPr id="133" name="矩形 132">
-            <a:extLst>
-              <a:ext uri="{FF2B5EF4-FFF2-40B4-BE49-F238E27FC236}">
-                <a16:creationId xmlns:a16="http://schemas.microsoft.com/office/drawing/2014/main" id="{037D2182-56AE-2D1A-BDC4-26EBF218C179}"/>
-              </a:ext>
-            </a:extLst>
-          </p:cNvPr>
-          <p:cNvSpPr/>
-          <p:nvPr/>
-        </p:nvSpPr>
-        <p:spPr>
-          <a:xfrm>
-            <a:off x="5500192" y="1525426"/>
-            <a:ext cx="1379750" cy="1345652"/>
-          </a:xfrm>
-          <a:prstGeom prst="rect">
-            <a:avLst/>
-          </a:prstGeom>
-          <a:noFill/>
-          <a:ln>
-            <a:prstDash val="sysDash"/>
-          </a:ln>
-        </p:spPr>
-        <p:style>
-          <a:lnRef idx="2">
-            <a:schemeClr val="accent1">
-              <a:shade val="15000"/>
-            </a:schemeClr>
-          </a:lnRef>
-          <a:fillRef idx="1">
-            <a:schemeClr val="accent1"/>
-          </a:fillRef>
-          <a:effectRef idx="0">
-            <a:schemeClr val="accent1"/>
-          </a:effectRef>
-          <a:fontRef idx="minor">
-            <a:schemeClr val="lt1"/>
-          </a:fontRef>
-        </p:style>
-        <p:txBody>
-          <a:bodyPr rtlCol="0" anchor="ctr"/>
-          <a:lstStyle/>
-          <a:p>
-            <a:pPr algn="ctr"/>
-            <a:endParaRPr lang="zh-CN" altLang="en-US"/>
-          </a:p>
-        </p:txBody>
-      </p:sp>
-      <p:sp>
-        <p:nvSpPr>
-          <p:cNvPr id="134" name="矩形 133">
-            <a:extLst>
-              <a:ext uri="{FF2B5EF4-FFF2-40B4-BE49-F238E27FC236}">
-                <a16:creationId xmlns:a16="http://schemas.microsoft.com/office/drawing/2014/main" id="{05AFB109-3E6F-AE97-A1CB-2C006149597A}"/>
-              </a:ext>
-            </a:extLst>
-          </p:cNvPr>
-          <p:cNvSpPr/>
-          <p:nvPr/>
-        </p:nvSpPr>
-        <p:spPr>
-          <a:xfrm>
-            <a:off x="2487616" y="1525426"/>
-            <a:ext cx="1379750" cy="1345652"/>
-          </a:xfrm>
-          <a:prstGeom prst="rect">
-            <a:avLst/>
-          </a:prstGeom>
-          <a:noFill/>
-          <a:ln>
-            <a:prstDash val="sysDash"/>
-          </a:ln>
-        </p:spPr>
-        <p:style>
-          <a:lnRef idx="2">
-            <a:schemeClr val="accent1">
-              <a:shade val="15000"/>
-            </a:schemeClr>
-          </a:lnRef>
-          <a:fillRef idx="1">
-            <a:schemeClr val="accent1"/>
-          </a:fillRef>
-          <a:effectRef idx="0">
-            <a:schemeClr val="accent1"/>
-          </a:effectRef>
-          <a:fontRef idx="minor">
-            <a:schemeClr val="lt1"/>
-          </a:fontRef>
-        </p:style>
-        <p:txBody>
-          <a:bodyPr rtlCol="0" anchor="ctr"/>
-          <a:lstStyle/>
-          <a:p>
-            <a:pPr algn="ctr"/>
-            <a:endParaRPr lang="zh-CN" altLang="en-US"/>
-          </a:p>
-        </p:txBody>
-      </p:sp>
+              </a:endParaRPr>
+            </a:p>
+          </p:txBody>
+        </p:sp>
+        <p:sp>
+          <p:nvSpPr>
+            <p:cNvPr id="132" name="矩形 131">
+              <a:extLst>
+                <a:ext uri="{FF2B5EF4-FFF2-40B4-BE49-F238E27FC236}">
+                  <a16:creationId xmlns:a16="http://schemas.microsoft.com/office/drawing/2014/main" id="{514BCFC8-D1DA-5BFC-1C59-BD126C641D67}"/>
+                </a:ext>
+              </a:extLst>
+            </p:cNvPr>
+            <p:cNvSpPr/>
+            <p:nvPr/>
+          </p:nvSpPr>
+          <p:spPr>
+            <a:xfrm>
+              <a:off x="7987659" y="1509865"/>
+              <a:ext cx="1379750" cy="1345652"/>
+            </a:xfrm>
+            <a:prstGeom prst="rect">
+              <a:avLst/>
+            </a:prstGeom>
+            <a:noFill/>
+            <a:ln>
+              <a:prstDash val="sysDash"/>
+            </a:ln>
+          </p:spPr>
+          <p:style>
+            <a:lnRef idx="2">
+              <a:schemeClr val="accent1">
+                <a:shade val="15000"/>
+              </a:schemeClr>
+            </a:lnRef>
+            <a:fillRef idx="1">
+              <a:schemeClr val="accent1"/>
+            </a:fillRef>
+            <a:effectRef idx="0">
+              <a:schemeClr val="accent1"/>
+            </a:effectRef>
+            <a:fontRef idx="minor">
+              <a:schemeClr val="lt1"/>
+            </a:fontRef>
+          </p:style>
+          <p:txBody>
+            <a:bodyPr rtlCol="0" anchor="ctr"/>
+            <a:lstStyle/>
+            <a:p>
+              <a:pPr algn="ctr"/>
+              <a:endParaRPr lang="zh-CN" altLang="en-US"/>
+            </a:p>
+          </p:txBody>
+        </p:sp>
+        <p:sp>
+          <p:nvSpPr>
+            <p:cNvPr id="133" name="矩形 132">
+              <a:extLst>
+                <a:ext uri="{FF2B5EF4-FFF2-40B4-BE49-F238E27FC236}">
+                  <a16:creationId xmlns:a16="http://schemas.microsoft.com/office/drawing/2014/main" id="{037D2182-56AE-2D1A-BDC4-26EBF218C179}"/>
+                </a:ext>
+              </a:extLst>
+            </p:cNvPr>
+            <p:cNvSpPr/>
+            <p:nvPr/>
+          </p:nvSpPr>
+          <p:spPr>
+            <a:xfrm>
+              <a:off x="5500192" y="1525426"/>
+              <a:ext cx="1379750" cy="1345652"/>
+            </a:xfrm>
+            <a:prstGeom prst="rect">
+              <a:avLst/>
+            </a:prstGeom>
+            <a:noFill/>
+            <a:ln>
+              <a:prstDash val="sysDash"/>
+            </a:ln>
+          </p:spPr>
+          <p:style>
+            <a:lnRef idx="2">
+              <a:schemeClr val="accent1">
+                <a:shade val="15000"/>
+              </a:schemeClr>
+            </a:lnRef>
+            <a:fillRef idx="1">
+              <a:schemeClr val="accent1"/>
+            </a:fillRef>
+            <a:effectRef idx="0">
+              <a:schemeClr val="accent1"/>
+            </a:effectRef>
+            <a:fontRef idx="minor">
+              <a:schemeClr val="lt1"/>
+            </a:fontRef>
+          </p:style>
+          <p:txBody>
+            <a:bodyPr rtlCol="0" anchor="ctr"/>
+            <a:lstStyle/>
+            <a:p>
+              <a:pPr algn="ctr"/>
+              <a:endParaRPr lang="zh-CN" altLang="en-US"/>
+            </a:p>
+          </p:txBody>
+        </p:sp>
+        <p:sp>
+          <p:nvSpPr>
+            <p:cNvPr id="134" name="矩形 133">
+              <a:extLst>
+                <a:ext uri="{FF2B5EF4-FFF2-40B4-BE49-F238E27FC236}">
+                  <a16:creationId xmlns:a16="http://schemas.microsoft.com/office/drawing/2014/main" id="{05AFB109-3E6F-AE97-A1CB-2C006149597A}"/>
+                </a:ext>
+              </a:extLst>
+            </p:cNvPr>
+            <p:cNvSpPr/>
+            <p:nvPr/>
+          </p:nvSpPr>
+          <p:spPr>
+            <a:xfrm>
+              <a:off x="2487616" y="1525426"/>
+              <a:ext cx="1379750" cy="1345652"/>
+            </a:xfrm>
+            <a:prstGeom prst="rect">
+              <a:avLst/>
+            </a:prstGeom>
+            <a:noFill/>
+            <a:ln>
+              <a:prstDash val="sysDash"/>
+            </a:ln>
+          </p:spPr>
+          <p:style>
+            <a:lnRef idx="2">
+              <a:schemeClr val="accent1">
+                <a:shade val="15000"/>
+              </a:schemeClr>
+            </a:lnRef>
+            <a:fillRef idx="1">
+              <a:schemeClr val="accent1"/>
+            </a:fillRef>
+            <a:effectRef idx="0">
+              <a:schemeClr val="accent1"/>
+            </a:effectRef>
+            <a:fontRef idx="minor">
+              <a:schemeClr val="lt1"/>
+            </a:fontRef>
+          </p:style>
+          <p:txBody>
+            <a:bodyPr rtlCol="0" anchor="ctr"/>
+            <a:lstStyle/>
+            <a:p>
+              <a:pPr algn="ctr"/>
+              <a:endParaRPr lang="zh-CN" altLang="en-US"/>
+            </a:p>
+          </p:txBody>
+        </p:sp>
+      </p:grpSp>
     </p:spTree>
     <p:extLst>
       <p:ext uri="{BB962C8B-B14F-4D97-AF65-F5344CB8AC3E}">
